--- a/trunk/doc/30_ID.pptx
+++ b/trunk/doc/30_ID.pptx
@@ -5,8 +5,8 @@
     <p:sldMasterId id="2147483648" r:id="rId1"/>
   </p:sldMasterIdLst>
   <p:sldIdLst>
-    <p:sldId id="256" r:id="rId2"/>
-    <p:sldId id="257" r:id="rId3"/>
+    <p:sldId id="257" r:id="rId2"/>
+    <p:sldId id="260" r:id="rId3"/>
   </p:sldIdLst>
   <p:sldSz cx="12192000" cy="6858000"/>
   <p:notesSz cx="6858000" cy="9144000"/>
@@ -244,7 +244,7 @@
           <a:p>
             <a:fld id="{F6F91C30-DDD9-4B1D-B91C-42B16B1D2A1B}" type="datetimeFigureOut">
               <a:rPr lang="zh-CN" altLang="en-US" smtClean="0"/>
-              <a:t>2016/11/26</a:t>
+              <a:t>2017/1/5</a:t>
             </a:fld>
             <a:endParaRPr lang="zh-CN" altLang="en-US"/>
           </a:p>
@@ -414,7 +414,7 @@
           <a:p>
             <a:fld id="{F6F91C30-DDD9-4B1D-B91C-42B16B1D2A1B}" type="datetimeFigureOut">
               <a:rPr lang="zh-CN" altLang="en-US" smtClean="0"/>
-              <a:t>2016/11/26</a:t>
+              <a:t>2017/1/5</a:t>
             </a:fld>
             <a:endParaRPr lang="zh-CN" altLang="en-US"/>
           </a:p>
@@ -594,7 +594,7 @@
           <a:p>
             <a:fld id="{F6F91C30-DDD9-4B1D-B91C-42B16B1D2A1B}" type="datetimeFigureOut">
               <a:rPr lang="zh-CN" altLang="en-US" smtClean="0"/>
-              <a:t>2016/11/26</a:t>
+              <a:t>2017/1/5</a:t>
             </a:fld>
             <a:endParaRPr lang="zh-CN" altLang="en-US"/>
           </a:p>
@@ -764,7 +764,7 @@
           <a:p>
             <a:fld id="{F6F91C30-DDD9-4B1D-B91C-42B16B1D2A1B}" type="datetimeFigureOut">
               <a:rPr lang="zh-CN" altLang="en-US" smtClean="0"/>
-              <a:t>2016/11/26</a:t>
+              <a:t>2017/1/5</a:t>
             </a:fld>
             <a:endParaRPr lang="zh-CN" altLang="en-US"/>
           </a:p>
@@ -1010,7 +1010,7 @@
           <a:p>
             <a:fld id="{F6F91C30-DDD9-4B1D-B91C-42B16B1D2A1B}" type="datetimeFigureOut">
               <a:rPr lang="zh-CN" altLang="en-US" smtClean="0"/>
-              <a:t>2016/11/26</a:t>
+              <a:t>2017/1/5</a:t>
             </a:fld>
             <a:endParaRPr lang="zh-CN" altLang="en-US"/>
           </a:p>
@@ -1242,7 +1242,7 @@
           <a:p>
             <a:fld id="{F6F91C30-DDD9-4B1D-B91C-42B16B1D2A1B}" type="datetimeFigureOut">
               <a:rPr lang="zh-CN" altLang="en-US" smtClean="0"/>
-              <a:t>2016/11/26</a:t>
+              <a:t>2017/1/5</a:t>
             </a:fld>
             <a:endParaRPr lang="zh-CN" altLang="en-US"/>
           </a:p>
@@ -1609,7 +1609,7 @@
           <a:p>
             <a:fld id="{F6F91C30-DDD9-4B1D-B91C-42B16B1D2A1B}" type="datetimeFigureOut">
               <a:rPr lang="zh-CN" altLang="en-US" smtClean="0"/>
-              <a:t>2016/11/26</a:t>
+              <a:t>2017/1/5</a:t>
             </a:fld>
             <a:endParaRPr lang="zh-CN" altLang="en-US"/>
           </a:p>
@@ -1727,7 +1727,7 @@
           <a:p>
             <a:fld id="{F6F91C30-DDD9-4B1D-B91C-42B16B1D2A1B}" type="datetimeFigureOut">
               <a:rPr lang="zh-CN" altLang="en-US" smtClean="0"/>
-              <a:t>2016/11/26</a:t>
+              <a:t>2017/1/5</a:t>
             </a:fld>
             <a:endParaRPr lang="zh-CN" altLang="en-US"/>
           </a:p>
@@ -1822,7 +1822,7 @@
           <a:p>
             <a:fld id="{F6F91C30-DDD9-4B1D-B91C-42B16B1D2A1B}" type="datetimeFigureOut">
               <a:rPr lang="zh-CN" altLang="en-US" smtClean="0"/>
-              <a:t>2016/11/26</a:t>
+              <a:t>2017/1/5</a:t>
             </a:fld>
             <a:endParaRPr lang="zh-CN" altLang="en-US"/>
           </a:p>
@@ -2099,7 +2099,7 @@
           <a:p>
             <a:fld id="{F6F91C30-DDD9-4B1D-B91C-42B16B1D2A1B}" type="datetimeFigureOut">
               <a:rPr lang="zh-CN" altLang="en-US" smtClean="0"/>
-              <a:t>2016/11/26</a:t>
+              <a:t>2017/1/5</a:t>
             </a:fld>
             <a:endParaRPr lang="zh-CN" altLang="en-US"/>
           </a:p>
@@ -2352,7 +2352,7 @@
           <a:p>
             <a:fld id="{F6F91C30-DDD9-4B1D-B91C-42B16B1D2A1B}" type="datetimeFigureOut">
               <a:rPr lang="zh-CN" altLang="en-US" smtClean="0"/>
-              <a:t>2016/11/26</a:t>
+              <a:t>2017/1/5</a:t>
             </a:fld>
             <a:endParaRPr lang="zh-CN" altLang="en-US"/>
           </a:p>
@@ -2565,7 +2565,7 @@
           <a:p>
             <a:fld id="{F6F91C30-DDD9-4B1D-B91C-42B16B1D2A1B}" type="datetimeFigureOut">
               <a:rPr lang="zh-CN" altLang="en-US" smtClean="0"/>
-              <a:t>2016/11/26</a:t>
+              <a:t>2017/1/5</a:t>
             </a:fld>
             <a:endParaRPr lang="zh-CN" altLang="en-US"/>
           </a:p>
@@ -2970,402 +2970,344 @@
           <a:chExt cx="0" cy="0"/>
         </a:xfrm>
       </p:grpSpPr>
-      <p:sp>
-        <p:nvSpPr>
-          <p:cNvPr id="5" name="圆角矩形 4"/>
-          <p:cNvSpPr/>
+      <p:grpSp>
+        <p:nvGrpSpPr>
+          <p:cNvPr id="2" name="组合 1"/>
+          <p:cNvGrpSpPr/>
           <p:nvPr/>
-        </p:nvSpPr>
-        <p:spPr>
+        </p:nvGrpSpPr>
+        <p:grpSpPr>
           <a:xfrm>
-            <a:off x="1947473" y="2676525"/>
+            <a:off x="685343" y="847725"/>
             <a:ext cx="5110552" cy="1914525"/>
+            <a:chOff x="1947473" y="2676525"/>
+            <a:chExt cx="5110552" cy="1914525"/>
           </a:xfrm>
-          <a:prstGeom prst="roundRect">
-            <a:avLst/>
-          </a:prstGeom>
-          <a:gradFill>
-            <a:gsLst>
-              <a:gs pos="0">
-                <a:schemeClr val="accent1">
-                  <a:lumMod val="5000"/>
-                  <a:lumOff val="95000"/>
+        </p:grpSpPr>
+        <p:sp>
+          <p:nvSpPr>
+            <p:cNvPr id="4" name="圆角矩形 3"/>
+            <p:cNvSpPr/>
+            <p:nvPr/>
+          </p:nvSpPr>
+          <p:spPr>
+            <a:xfrm>
+              <a:off x="1947473" y="2676525"/>
+              <a:ext cx="5110552" cy="1914525"/>
+            </a:xfrm>
+            <a:prstGeom prst="roundRect">
+              <a:avLst/>
+            </a:prstGeom>
+            <a:gradFill>
+              <a:gsLst>
+                <a:gs pos="0">
+                  <a:schemeClr val="accent1">
+                    <a:lumMod val="5000"/>
+                    <a:lumOff val="95000"/>
+                  </a:schemeClr>
+                </a:gs>
+                <a:gs pos="74000">
+                  <a:schemeClr val="accent1">
+                    <a:lumMod val="45000"/>
+                    <a:lumOff val="55000"/>
+                  </a:schemeClr>
+                </a:gs>
+                <a:gs pos="83000">
+                  <a:schemeClr val="accent1">
+                    <a:lumMod val="45000"/>
+                    <a:lumOff val="55000"/>
+                  </a:schemeClr>
+                </a:gs>
+                <a:gs pos="100000">
+                  <a:schemeClr val="accent1">
+                    <a:lumMod val="30000"/>
+                    <a:lumOff val="70000"/>
+                  </a:schemeClr>
+                </a:gs>
+              </a:gsLst>
+              <a:lin ang="5400000" scaled="1"/>
+            </a:gradFill>
+            <a:effectLst>
+              <a:glow rad="139700">
+                <a:schemeClr val="accent4">
+                  <a:satMod val="175000"/>
+                  <a:alpha val="40000"/>
                 </a:schemeClr>
-              </a:gs>
-              <a:gs pos="74000">
-                <a:schemeClr val="accent1">
-                  <a:lumMod val="45000"/>
-                  <a:lumOff val="55000"/>
-                </a:schemeClr>
-              </a:gs>
-              <a:gs pos="83000">
-                <a:schemeClr val="accent1">
-                  <a:lumMod val="45000"/>
-                  <a:lumOff val="55000"/>
-                </a:schemeClr>
-              </a:gs>
-              <a:gs pos="100000">
-                <a:schemeClr val="accent1">
-                  <a:lumMod val="30000"/>
-                  <a:lumOff val="70000"/>
-                </a:schemeClr>
-              </a:gs>
-            </a:gsLst>
-            <a:lin ang="5400000" scaled="1"/>
-          </a:gradFill>
-          <a:effectLst>
-            <a:glow rad="139700">
-              <a:schemeClr val="accent4">
-                <a:satMod val="175000"/>
-                <a:alpha val="40000"/>
+              </a:glow>
+              <a:outerShdw blurRad="50800" dist="38100" dir="2700000" algn="tl" rotWithShape="0">
+                <a:prstClr val="black">
+                  <a:alpha val="40000"/>
+                </a:prstClr>
+              </a:outerShdw>
+            </a:effectLst>
+          </p:spPr>
+          <p:style>
+            <a:lnRef idx="2">
+              <a:schemeClr val="accent1">
+                <a:shade val="50000"/>
               </a:schemeClr>
-            </a:glow>
-            <a:outerShdw blurRad="50800" dist="38100" dir="2700000" algn="tl" rotWithShape="0">
-              <a:prstClr val="black">
-                <a:alpha val="40000"/>
-              </a:prstClr>
-            </a:outerShdw>
-          </a:effectLst>
-        </p:spPr>
-        <p:style>
-          <a:lnRef idx="2">
-            <a:schemeClr val="accent1">
-              <a:shade val="50000"/>
-            </a:schemeClr>
-          </a:lnRef>
-          <a:fillRef idx="1">
-            <a:schemeClr val="accent1"/>
-          </a:fillRef>
-          <a:effectRef idx="0">
-            <a:schemeClr val="accent1"/>
-          </a:effectRef>
-          <a:fontRef idx="minor">
-            <a:schemeClr val="lt1"/>
-          </a:fontRef>
-        </p:style>
-        <p:txBody>
-          <a:bodyPr rtlCol="0" anchor="ctr"/>
-          <a:lstStyle/>
-          <a:p>
-            <a:pPr algn="ctr"/>
-            <a:endParaRPr lang="zh-CN" altLang="en-US" dirty="0"/>
-          </a:p>
-        </p:txBody>
-      </p:sp>
-      <p:sp>
-        <p:nvSpPr>
-          <p:cNvPr id="6" name="文本框 5"/>
-          <p:cNvSpPr txBox="1"/>
-          <p:nvPr/>
-        </p:nvSpPr>
-        <p:spPr>
-          <a:xfrm>
-            <a:off x="5027846" y="2870827"/>
-            <a:ext cx="1492716" cy="307777"/>
-          </a:xfrm>
-          <a:prstGeom prst="rect">
-            <a:avLst/>
-          </a:prstGeom>
-          <a:noFill/>
-        </p:spPr>
-        <p:txBody>
-          <a:bodyPr wrap="none" rtlCol="0">
-            <a:spAutoFit/>
-          </a:bodyPr>
-          <a:lstStyle/>
-          <a:p>
-            <a:pPr algn="r"/>
-            <a:r>
-              <a:rPr lang="zh-CN" altLang="en-US" sz="1400" b="1" dirty="0" smtClean="0">
-                <a:latin typeface="楷体" panose="02010609060101010101" pitchFamily="49" charset="-122"/>
-                <a:ea typeface="楷体" panose="02010609060101010101" pitchFamily="49" charset="-122"/>
-              </a:rPr>
-              <a:t>薛成成</a:t>
-            </a:r>
-            <a:r>
-              <a:rPr lang="zh-CN" altLang="en-US" sz="1400" dirty="0" smtClean="0">
-                <a:latin typeface="楷体" panose="02010609060101010101" pitchFamily="49" charset="-122"/>
-                <a:ea typeface="楷体" panose="02010609060101010101" pitchFamily="49" charset="-122"/>
-              </a:rPr>
-              <a:t> </a:t>
-            </a:r>
-            <a:r>
-              <a:rPr lang="en-US" altLang="zh-CN" sz="1200" dirty="0" err="1" smtClean="0">
+            </a:lnRef>
+            <a:fillRef idx="1">
+              <a:schemeClr val="accent1"/>
+            </a:fillRef>
+            <a:effectRef idx="0">
+              <a:schemeClr val="accent1"/>
+            </a:effectRef>
+            <a:fontRef idx="minor">
+              <a:schemeClr val="lt1"/>
+            </a:fontRef>
+          </p:style>
+          <p:txBody>
+            <a:bodyPr rtlCol="0" anchor="ctr"/>
+            <a:lstStyle/>
+            <a:p>
+              <a:pPr algn="ctr"/>
+              <a:endParaRPr lang="zh-CN" altLang="en-US" dirty="0"/>
+            </a:p>
+          </p:txBody>
+        </p:sp>
+        <p:sp>
+          <p:nvSpPr>
+            <p:cNvPr id="5" name="文本框 4"/>
+            <p:cNvSpPr txBox="1"/>
+            <p:nvPr/>
+          </p:nvSpPr>
+          <p:spPr>
+            <a:xfrm>
+              <a:off x="5027846" y="2870827"/>
+              <a:ext cx="1492716" cy="307777"/>
+            </a:xfrm>
+            <a:prstGeom prst="rect">
+              <a:avLst/>
+            </a:prstGeom>
+            <a:noFill/>
+          </p:spPr>
+          <p:txBody>
+            <a:bodyPr wrap="none" rtlCol="0">
+              <a:spAutoFit/>
+            </a:bodyPr>
+            <a:lstStyle/>
+            <a:p>
+              <a:pPr algn="r"/>
+              <a:r>
+                <a:rPr lang="zh-CN" altLang="en-US" sz="1400" b="1" dirty="0" smtClean="0">
+                  <a:latin typeface="楷体" panose="02010609060101010101" pitchFamily="49" charset="-122"/>
+                  <a:ea typeface="楷体" panose="02010609060101010101" pitchFamily="49" charset="-122"/>
+                </a:rPr>
+                <a:t>薛成成</a:t>
+              </a:r>
+              <a:r>
+                <a:rPr lang="zh-CN" altLang="en-US" sz="1400" dirty="0" smtClean="0">
+                  <a:latin typeface="楷体" panose="02010609060101010101" pitchFamily="49" charset="-122"/>
+                  <a:ea typeface="楷体" panose="02010609060101010101" pitchFamily="49" charset="-122"/>
+                </a:rPr>
+                <a:t> </a:t>
+              </a:r>
+              <a:r>
+                <a:rPr lang="en-US" altLang="zh-CN" sz="1200" dirty="0" err="1" smtClean="0">
+                  <a:latin typeface="Consolas" panose="020B0609020204030204" pitchFamily="49" charset="0"/>
+                  <a:ea typeface="楷体" panose="02010609060101010101" pitchFamily="49" charset="-122"/>
+                  <a:cs typeface="Consolas" panose="020B0609020204030204" pitchFamily="49" charset="0"/>
+                </a:rPr>
+                <a:t>Ilya.Xue</a:t>
+              </a:r>
+              <a:endParaRPr lang="en-US" altLang="zh-CN" sz="1200" dirty="0">
                 <a:latin typeface="Consolas" panose="020B0609020204030204" pitchFamily="49" charset="0"/>
                 <a:ea typeface="楷体" panose="02010609060101010101" pitchFamily="49" charset="-122"/>
                 <a:cs typeface="Consolas" panose="020B0609020204030204" pitchFamily="49" charset="0"/>
-              </a:rPr>
-              <a:t>Ilya.Xue</a:t>
-            </a:r>
-            <a:endParaRPr lang="en-US" altLang="zh-CN" sz="1200" dirty="0">
-              <a:latin typeface="Consolas" panose="020B0609020204030204" pitchFamily="49" charset="0"/>
-              <a:ea typeface="楷体" panose="02010609060101010101" pitchFamily="49" charset="-122"/>
-              <a:cs typeface="Consolas" panose="020B0609020204030204" pitchFamily="49" charset="0"/>
-            </a:endParaRPr>
-          </a:p>
-        </p:txBody>
-      </p:sp>
-      <p:pic>
-        <p:nvPicPr>
-          <p:cNvPr id="7" name="图片 6"/>
-          <p:cNvPicPr>
-            <a:picLocks noChangeAspect="1"/>
-          </p:cNvPicPr>
-          <p:nvPr/>
-        </p:nvPicPr>
-        <p:blipFill>
-          <a:blip r:embed="rId2" cstate="print">
-            <a:extLst>
-              <a:ext uri="{28A0092B-C50C-407E-A947-70E740481C1C}">
-                <a14:useLocalDpi xmlns:a14="http://schemas.microsoft.com/office/drawing/2010/main" val="0"/>
-              </a:ext>
-            </a:extLst>
-          </a:blip>
-          <a:stretch>
-            <a:fillRect/>
-          </a:stretch>
-        </p:blipFill>
-        <p:spPr>
-          <a:xfrm>
-            <a:off x="2171699" y="3198480"/>
-            <a:ext cx="1190625" cy="1190625"/>
-          </a:xfrm>
-          <a:prstGeom prst="rect">
-            <a:avLst/>
-          </a:prstGeom>
-          <a:effectLst>
-            <a:softEdge rad="76200"/>
-          </a:effectLst>
-        </p:spPr>
-      </p:pic>
-      <p:sp>
-        <p:nvSpPr>
-          <p:cNvPr id="10" name="文本框 9"/>
-          <p:cNvSpPr txBox="1"/>
-          <p:nvPr/>
-        </p:nvSpPr>
-        <p:spPr>
-          <a:xfrm>
-            <a:off x="3362325" y="3183690"/>
-            <a:ext cx="3158237" cy="1200329"/>
-          </a:xfrm>
-          <a:prstGeom prst="rect">
-            <a:avLst/>
-          </a:prstGeom>
-          <a:noFill/>
-        </p:spPr>
-        <p:txBody>
-          <a:bodyPr wrap="none" rtlCol="0">
-            <a:spAutoFit/>
-          </a:bodyPr>
-          <a:lstStyle/>
-          <a:p>
-            <a:pPr algn="r"/>
-            <a:r>
-              <a:rPr lang="en-US" altLang="zh-CN" sz="1200" dirty="0" smtClean="0">
+              </a:endParaRPr>
+            </a:p>
+          </p:txBody>
+        </p:sp>
+        <p:pic>
+          <p:nvPicPr>
+            <p:cNvPr id="6" name="图片 5"/>
+            <p:cNvPicPr>
+              <a:picLocks noChangeAspect="1"/>
+            </p:cNvPicPr>
+            <p:nvPr/>
+          </p:nvPicPr>
+          <p:blipFill>
+            <a:blip r:embed="rId2" cstate="print">
+              <a:extLst>
+                <a:ext uri="{28A0092B-C50C-407E-A947-70E740481C1C}">
+                  <a14:useLocalDpi xmlns:a14="http://schemas.microsoft.com/office/drawing/2010/main" val="0"/>
+                </a:ext>
+              </a:extLst>
+            </a:blip>
+            <a:stretch>
+              <a:fillRect/>
+            </a:stretch>
+          </p:blipFill>
+          <p:spPr>
+            <a:xfrm>
+              <a:off x="2171699" y="3198480"/>
+              <a:ext cx="1190625" cy="1190625"/>
+            </a:xfrm>
+            <a:prstGeom prst="rect">
+              <a:avLst/>
+            </a:prstGeom>
+            <a:effectLst>
+              <a:softEdge rad="76200"/>
+            </a:effectLst>
+          </p:spPr>
+        </p:pic>
+        <p:sp>
+          <p:nvSpPr>
+            <p:cNvPr id="7" name="文本框 6"/>
+            <p:cNvSpPr txBox="1"/>
+            <p:nvPr/>
+          </p:nvSpPr>
+          <p:spPr>
+            <a:xfrm>
+              <a:off x="3362325" y="3183690"/>
+              <a:ext cx="3158237" cy="1200329"/>
+            </a:xfrm>
+            <a:prstGeom prst="rect">
+              <a:avLst/>
+            </a:prstGeom>
+            <a:noFill/>
+          </p:spPr>
+          <p:txBody>
+            <a:bodyPr wrap="none" rtlCol="0">
+              <a:spAutoFit/>
+            </a:bodyPr>
+            <a:lstStyle/>
+            <a:p>
+              <a:pPr algn="r"/>
+              <a:r>
+                <a:rPr lang="en-US" altLang="zh-CN" sz="1200" dirty="0" smtClean="0">
+                  <a:latin typeface="Consolas" panose="020B0609020204030204" pitchFamily="49" charset="0"/>
+                  <a:ea typeface="楷体" panose="02010609060101010101" pitchFamily="49" charset="-122"/>
+                  <a:cs typeface="Consolas" panose="020B0609020204030204" pitchFamily="49" charset="0"/>
+                </a:rPr>
+                <a:t>Programmer</a:t>
+              </a:r>
+            </a:p>
+            <a:p>
+              <a:pPr algn="r"/>
+              <a:r>
+                <a:rPr lang="en-US" altLang="zh-CN" sz="1200" dirty="0" smtClean="0">
+                  <a:latin typeface="Consolas" panose="020B0609020204030204" pitchFamily="49" charset="0"/>
+                  <a:ea typeface="楷体" panose="02010609060101010101" pitchFamily="49" charset="-122"/>
+                  <a:cs typeface="Consolas" panose="020B0609020204030204" pitchFamily="49" charset="0"/>
+                  <a:hlinkClick r:id="rId3"/>
+                </a:rPr>
+                <a:t>+8618205253751</a:t>
+              </a:r>
+              <a:endParaRPr lang="en-US" altLang="zh-CN" sz="1200" dirty="0" smtClean="0">
                 <a:latin typeface="Consolas" panose="020B0609020204030204" pitchFamily="49" charset="0"/>
                 <a:ea typeface="楷体" panose="02010609060101010101" pitchFamily="49" charset="-122"/>
                 <a:cs typeface="Consolas" panose="020B0609020204030204" pitchFamily="49" charset="0"/>
-              </a:rPr>
-              <a:t>Programmer</a:t>
-            </a:r>
-          </a:p>
-          <a:p>
-            <a:pPr algn="r"/>
-            <a:r>
-              <a:rPr lang="en-US" altLang="zh-CN" sz="1200" dirty="0" smtClean="0">
+              </a:endParaRPr>
+            </a:p>
+            <a:p>
+              <a:pPr algn="r"/>
+              <a:r>
+                <a:rPr lang="en-US" altLang="zh-CN" sz="1200" dirty="0" err="1" smtClean="0">
+                  <a:latin typeface="Consolas" panose="020B0609020204030204" pitchFamily="49" charset="0"/>
+                  <a:ea typeface="楷体" panose="02010609060101010101" pitchFamily="49" charset="-122"/>
+                  <a:cs typeface="Consolas" panose="020B0609020204030204" pitchFamily="49" charset="0"/>
+                  <a:hlinkClick r:id="rId4"/>
+                </a:rPr>
+                <a:t>Ilya.Xue@outlook.com</a:t>
+              </a:r>
+              <a:endParaRPr lang="en-US" altLang="zh-CN" sz="1200" dirty="0" smtClean="0">
                 <a:latin typeface="Consolas" panose="020B0609020204030204" pitchFamily="49" charset="0"/>
                 <a:ea typeface="楷体" panose="02010609060101010101" pitchFamily="49" charset="-122"/>
                 <a:cs typeface="Consolas" panose="020B0609020204030204" pitchFamily="49" charset="0"/>
-                <a:hlinkClick r:id="rId3"/>
-              </a:rPr>
-              <a:t>+8618205253751</a:t>
-            </a:r>
-            <a:endParaRPr lang="en-US" altLang="zh-CN" sz="1200" dirty="0" smtClean="0">
-              <a:latin typeface="Consolas" panose="020B0609020204030204" pitchFamily="49" charset="0"/>
-              <a:ea typeface="楷体" panose="02010609060101010101" pitchFamily="49" charset="-122"/>
-              <a:cs typeface="Consolas" panose="020B0609020204030204" pitchFamily="49" charset="0"/>
-            </a:endParaRPr>
-          </a:p>
-          <a:p>
-            <a:pPr algn="r"/>
-            <a:r>
-              <a:rPr lang="en-US" altLang="zh-CN" sz="1200" dirty="0" err="1" smtClean="0">
+              </a:endParaRPr>
+            </a:p>
+            <a:p>
+              <a:pPr algn="r"/>
+              <a:r>
+                <a:rPr lang="en-US" altLang="zh-CN" sz="1200" dirty="0" err="1" smtClean="0">
+                  <a:latin typeface="Consolas" panose="020B0609020204030204" pitchFamily="49" charset="0"/>
+                  <a:cs typeface="Consolas" panose="020B0609020204030204" pitchFamily="49" charset="0"/>
+                </a:rPr>
+                <a:t>Huaian</a:t>
+              </a:r>
+              <a:r>
+                <a:rPr lang="en-US" altLang="zh-CN" sz="1200" dirty="0" smtClean="0">
+                  <a:latin typeface="Consolas" panose="020B0609020204030204" pitchFamily="49" charset="0"/>
+                  <a:cs typeface="Consolas" panose="020B0609020204030204" pitchFamily="49" charset="0"/>
+                </a:rPr>
+                <a:t> </a:t>
+              </a:r>
+              <a:r>
+                <a:rPr lang="en-US" altLang="zh-CN" sz="1200" dirty="0">
+                  <a:latin typeface="Consolas" panose="020B0609020204030204" pitchFamily="49" charset="0"/>
+                  <a:cs typeface="Consolas" panose="020B0609020204030204" pitchFamily="49" charset="0"/>
+                </a:rPr>
+                <a:t>City</a:t>
+              </a:r>
+            </a:p>
+            <a:p>
+              <a:pPr algn="r"/>
+              <a:r>
+                <a:rPr lang="en-US" altLang="zh-CN" sz="1200" dirty="0" smtClean="0">
+                  <a:latin typeface="Consolas" panose="020B0609020204030204" pitchFamily="49" charset="0"/>
+                  <a:cs typeface="Consolas" panose="020B0609020204030204" pitchFamily="49" charset="0"/>
+                </a:rPr>
+                <a:t>Jiangsu Province, 223001, </a:t>
+              </a:r>
+              <a:r>
+                <a:rPr lang="en-US" altLang="zh-CN" sz="1200" dirty="0" err="1" smtClean="0">
+                  <a:latin typeface="Consolas" panose="020B0609020204030204" pitchFamily="49" charset="0"/>
+                  <a:cs typeface="Consolas" panose="020B0609020204030204" pitchFamily="49" charset="0"/>
+                </a:rPr>
+                <a:t>P.R.China</a:t>
+              </a:r>
+              <a:endParaRPr lang="en-US" altLang="zh-CN" sz="1200" dirty="0">
+                <a:latin typeface="Consolas" panose="020B0609020204030204" pitchFamily="49" charset="0"/>
+                <a:cs typeface="Consolas" panose="020B0609020204030204" pitchFamily="49" charset="0"/>
+              </a:endParaRPr>
+            </a:p>
+            <a:p>
+              <a:pPr algn="r"/>
+              <a:endParaRPr lang="en-US" altLang="zh-CN" sz="1200" dirty="0" smtClean="0">
                 <a:latin typeface="Consolas" panose="020B0609020204030204" pitchFamily="49" charset="0"/>
                 <a:ea typeface="楷体" panose="02010609060101010101" pitchFamily="49" charset="-122"/>
                 <a:cs typeface="Consolas" panose="020B0609020204030204" pitchFamily="49" charset="0"/>
-                <a:hlinkClick r:id="rId4"/>
-              </a:rPr>
-              <a:t>Ilya.Xue@outlook.com</a:t>
-            </a:r>
-            <a:endParaRPr lang="en-US" altLang="zh-CN" sz="1200" dirty="0" smtClean="0">
-              <a:latin typeface="Consolas" panose="020B0609020204030204" pitchFamily="49" charset="0"/>
-              <a:ea typeface="楷体" panose="02010609060101010101" pitchFamily="49" charset="-122"/>
-              <a:cs typeface="Consolas" panose="020B0609020204030204" pitchFamily="49" charset="0"/>
-            </a:endParaRPr>
-          </a:p>
-          <a:p>
-            <a:pPr algn="r"/>
-            <a:r>
-              <a:rPr lang="en-US" altLang="zh-CN" sz="1200" dirty="0" err="1" smtClean="0">
-                <a:latin typeface="Consolas" panose="020B0609020204030204" pitchFamily="49" charset="0"/>
-                <a:cs typeface="Consolas" panose="020B0609020204030204" pitchFamily="49" charset="0"/>
-              </a:rPr>
-              <a:t>Huaian</a:t>
-            </a:r>
-            <a:r>
-              <a:rPr lang="en-US" altLang="zh-CN" sz="1200" dirty="0" smtClean="0">
-                <a:latin typeface="Consolas" panose="020B0609020204030204" pitchFamily="49" charset="0"/>
-                <a:cs typeface="Consolas" panose="020B0609020204030204" pitchFamily="49" charset="0"/>
-              </a:rPr>
-              <a:t> </a:t>
-            </a:r>
-            <a:r>
-              <a:rPr lang="en-US" altLang="zh-CN" sz="1200" dirty="0">
-                <a:latin typeface="Consolas" panose="020B0609020204030204" pitchFamily="49" charset="0"/>
-                <a:cs typeface="Consolas" panose="020B0609020204030204" pitchFamily="49" charset="0"/>
-              </a:rPr>
-              <a:t>City</a:t>
-            </a:r>
-          </a:p>
-          <a:p>
-            <a:pPr algn="r"/>
-            <a:r>
-              <a:rPr lang="en-US" altLang="zh-CN" sz="1200" dirty="0" smtClean="0">
-                <a:latin typeface="Consolas" panose="020B0609020204030204" pitchFamily="49" charset="0"/>
-                <a:cs typeface="Consolas" panose="020B0609020204030204" pitchFamily="49" charset="0"/>
-              </a:rPr>
-              <a:t>Jiangsu Province, 223001, </a:t>
-            </a:r>
-            <a:r>
-              <a:rPr lang="en-US" altLang="zh-CN" sz="1200" dirty="0" err="1" smtClean="0">
-                <a:latin typeface="Consolas" panose="020B0609020204030204" pitchFamily="49" charset="0"/>
-                <a:cs typeface="Consolas" panose="020B0609020204030204" pitchFamily="49" charset="0"/>
-              </a:rPr>
-              <a:t>P.R.China</a:t>
-            </a:r>
-            <a:endParaRPr lang="en-US" altLang="zh-CN" sz="1200" dirty="0">
-              <a:latin typeface="Consolas" panose="020B0609020204030204" pitchFamily="49" charset="0"/>
-              <a:cs typeface="Consolas" panose="020B0609020204030204" pitchFamily="49" charset="0"/>
-            </a:endParaRPr>
-          </a:p>
-          <a:p>
-            <a:pPr algn="r"/>
-            <a:endParaRPr lang="en-US" altLang="zh-CN" sz="1200" dirty="0" smtClean="0">
-              <a:latin typeface="Consolas" panose="020B0609020204030204" pitchFamily="49" charset="0"/>
-              <a:ea typeface="楷体" panose="02010609060101010101" pitchFamily="49" charset="-122"/>
-              <a:cs typeface="Consolas" panose="020B0609020204030204" pitchFamily="49" charset="0"/>
-            </a:endParaRPr>
-          </a:p>
-        </p:txBody>
-      </p:sp>
-      <p:cxnSp>
-        <p:nvCxnSpPr>
-          <p:cNvPr id="12" name="直接连接符 11"/>
-          <p:cNvCxnSpPr/>
-          <p:nvPr/>
-        </p:nvCxnSpPr>
-        <p:spPr>
-          <a:xfrm>
-            <a:off x="3362324" y="4314825"/>
-            <a:ext cx="3210470" cy="0"/>
-          </a:xfrm>
-          <a:prstGeom prst="line">
-            <a:avLst/>
-          </a:prstGeom>
-        </p:spPr>
-        <p:style>
-          <a:lnRef idx="1">
-            <a:schemeClr val="accent1"/>
-          </a:lnRef>
-          <a:fillRef idx="0">
-            <a:schemeClr val="accent1"/>
-          </a:fillRef>
-          <a:effectRef idx="0">
-            <a:schemeClr val="accent1"/>
-          </a:effectRef>
-          <a:fontRef idx="minor">
-            <a:schemeClr val="tx1"/>
-          </a:fontRef>
-        </p:style>
-      </p:cxnSp>
-      <p:sp>
-        <p:nvSpPr>
-          <p:cNvPr id="14" name="文本框 13"/>
-          <p:cNvSpPr txBox="1"/>
-          <p:nvPr/>
-        </p:nvSpPr>
-        <p:spPr>
-          <a:xfrm>
-            <a:off x="3362324" y="2870827"/>
-            <a:ext cx="857927" cy="523220"/>
-          </a:xfrm>
-          <a:prstGeom prst="rect">
-            <a:avLst/>
-          </a:prstGeom>
-          <a:gradFill flip="none" rotWithShape="1">
-            <a:gsLst>
-              <a:gs pos="0">
-                <a:schemeClr val="accent4">
-                  <a:lumMod val="5000"/>
-                  <a:lumOff val="95000"/>
-                </a:schemeClr>
-              </a:gs>
-              <a:gs pos="74000">
-                <a:schemeClr val="accent4">
-                  <a:lumMod val="45000"/>
-                  <a:lumOff val="55000"/>
-                </a:schemeClr>
-              </a:gs>
-              <a:gs pos="83000">
-                <a:schemeClr val="accent4">
-                  <a:lumMod val="45000"/>
-                  <a:lumOff val="55000"/>
-                </a:schemeClr>
-              </a:gs>
-              <a:gs pos="100000">
-                <a:schemeClr val="accent4">
-                  <a:lumMod val="30000"/>
-                  <a:lumOff val="70000"/>
-                </a:schemeClr>
-              </a:gs>
-            </a:gsLst>
-            <a:lin ang="5400000" scaled="1"/>
-            <a:tileRect/>
-          </a:gradFill>
-          <a:effectLst>
-            <a:softEdge rad="127000"/>
-          </a:effectLst>
-        </p:spPr>
-        <p:txBody>
-          <a:bodyPr wrap="none" rtlCol="0">
-            <a:spAutoFit/>
-          </a:bodyPr>
-          <a:lstStyle/>
-          <a:p>
-            <a:r>
-              <a:rPr lang="en-US" altLang="zh-CN" sz="2800" i="1" u="sng" dirty="0" smtClean="0">
-                <a:solidFill>
-                  <a:srgbClr val="0563C1"/>
-                </a:solidFill>
-                <a:effectLst>
-                  <a:outerShdw blurRad="38100" dist="38100" dir="2700000" algn="tl">
-                    <a:srgbClr val="000000">
-                      <a:alpha val="43137"/>
-                    </a:srgbClr>
-                  </a:outerShdw>
-                </a:effectLst>
-                <a:latin typeface="French Script MT" panose="03020402040607040605" pitchFamily="66" charset="0"/>
-              </a:rPr>
-              <a:t>Spark</a:t>
-            </a:r>
-          </a:p>
-        </p:txBody>
-      </p:sp>
+              </a:endParaRPr>
+            </a:p>
+          </p:txBody>
+        </p:sp>
+        <p:cxnSp>
+          <p:nvCxnSpPr>
+            <p:cNvPr id="8" name="直接连接符 7"/>
+            <p:cNvCxnSpPr/>
+            <p:nvPr/>
+          </p:nvCxnSpPr>
+          <p:spPr>
+            <a:xfrm>
+              <a:off x="3362324" y="4314825"/>
+              <a:ext cx="3210470" cy="0"/>
+            </a:xfrm>
+            <a:prstGeom prst="line">
+              <a:avLst/>
+            </a:prstGeom>
+          </p:spPr>
+          <p:style>
+            <a:lnRef idx="1">
+              <a:schemeClr val="accent1"/>
+            </a:lnRef>
+            <a:fillRef idx="0">
+              <a:schemeClr val="accent1"/>
+            </a:fillRef>
+            <a:effectRef idx="0">
+              <a:schemeClr val="accent1"/>
+            </a:effectRef>
+            <a:fontRef idx="minor">
+              <a:schemeClr val="tx1"/>
+            </a:fontRef>
+          </p:style>
+        </p:cxnSp>
+      </p:grpSp>
     </p:spTree>
     <p:extLst>
       <p:ext uri="{BB962C8B-B14F-4D97-AF65-F5344CB8AC3E}">
-        <p14:creationId xmlns:p14="http://schemas.microsoft.com/office/powerpoint/2010/main" val="2091658798"/>
+        <p14:creationId xmlns:p14="http://schemas.microsoft.com/office/powerpoint/2010/main" val="2361947234"/>
       </p:ext>
     </p:extLst>
   </p:cSld>
@@ -3392,402 +3334,2776 @@
           <a:chExt cx="0" cy="0"/>
         </a:xfrm>
       </p:grpSpPr>
-      <p:sp>
-        <p:nvSpPr>
-          <p:cNvPr id="4" name="圆角矩形 3"/>
-          <p:cNvSpPr/>
+      <p:grpSp>
+        <p:nvGrpSpPr>
+          <p:cNvPr id="82" name="组合 81"/>
+          <p:cNvGrpSpPr/>
           <p:nvPr/>
-        </p:nvSpPr>
-        <p:spPr>
+        </p:nvGrpSpPr>
+        <p:grpSpPr>
           <a:xfrm>
-            <a:off x="1947473" y="2676525"/>
-            <a:ext cx="5110552" cy="1914525"/>
+            <a:off x="0" y="0"/>
+            <a:ext cx="12192000" cy="6858000"/>
+            <a:chOff x="0" y="0"/>
+            <a:chExt cx="12192000" cy="6858000"/>
           </a:xfrm>
-          <a:prstGeom prst="roundRect">
-            <a:avLst/>
-          </a:prstGeom>
-          <a:gradFill>
-            <a:gsLst>
-              <a:gs pos="0">
+        </p:grpSpPr>
+        <p:sp>
+          <p:nvSpPr>
+            <p:cNvPr id="81" name="矩形 80"/>
+            <p:cNvSpPr/>
+            <p:nvPr/>
+          </p:nvSpPr>
+          <p:spPr>
+            <a:xfrm>
+              <a:off x="0" y="0"/>
+              <a:ext cx="12192000" cy="6858000"/>
+            </a:xfrm>
+            <a:prstGeom prst="rect">
+              <a:avLst/>
+            </a:prstGeom>
+            <a:gradFill>
+              <a:gsLst>
+                <a:gs pos="0">
+                  <a:schemeClr val="accent6">
+                    <a:lumMod val="75000"/>
+                  </a:schemeClr>
+                </a:gs>
+                <a:gs pos="100000">
+                  <a:srgbClr val="FFCCFF"/>
+                </a:gs>
+              </a:gsLst>
+              <a:lin ang="0" scaled="1"/>
+            </a:gradFill>
+          </p:spPr>
+          <p:style>
+            <a:lnRef idx="2">
+              <a:schemeClr val="accent1">
+                <a:shade val="50000"/>
+              </a:schemeClr>
+            </a:lnRef>
+            <a:fillRef idx="1">
+              <a:schemeClr val="accent1"/>
+            </a:fillRef>
+            <a:effectRef idx="0">
+              <a:schemeClr val="accent1"/>
+            </a:effectRef>
+            <a:fontRef idx="minor">
+              <a:schemeClr val="lt1"/>
+            </a:fontRef>
+          </p:style>
+          <p:txBody>
+            <a:bodyPr rtlCol="0" anchor="ctr"/>
+            <a:lstStyle/>
+            <a:p>
+              <a:pPr algn="ctr"/>
+              <a:endParaRPr lang="zh-CN" altLang="en-US"/>
+            </a:p>
+          </p:txBody>
+        </p:sp>
+        <p:grpSp>
+          <p:nvGrpSpPr>
+            <p:cNvPr id="80" name="组合 79"/>
+            <p:cNvGrpSpPr/>
+            <p:nvPr/>
+          </p:nvGrpSpPr>
+          <p:grpSpPr>
+            <a:xfrm>
+              <a:off x="922027" y="605117"/>
+              <a:ext cx="9680026" cy="5311590"/>
+              <a:chOff x="-133050" y="605116"/>
+              <a:chExt cx="9680026" cy="5311590"/>
+            </a:xfrm>
+          </p:grpSpPr>
+          <p:sp>
+            <p:nvSpPr>
+              <p:cNvPr id="25" name="圆角矩形 24"/>
+              <p:cNvSpPr/>
+              <p:nvPr/>
+            </p:nvSpPr>
+            <p:spPr>
+              <a:xfrm>
+                <a:off x="7159666" y="605116"/>
+                <a:ext cx="2164234" cy="5311589"/>
+              </a:xfrm>
+              <a:prstGeom prst="roundRect">
+                <a:avLst>
+                  <a:gd name="adj" fmla="val 9192"/>
+                </a:avLst>
+              </a:prstGeom>
+              <a:solidFill>
+                <a:srgbClr val="FFCCFF"/>
+              </a:solidFill>
+              <a:ln>
+                <a:solidFill>
+                  <a:schemeClr val="tx1"/>
+                </a:solidFill>
+              </a:ln>
+            </p:spPr>
+            <p:style>
+              <a:lnRef idx="2">
                 <a:schemeClr val="accent1">
-                  <a:lumMod val="5000"/>
-                  <a:lumOff val="95000"/>
+                  <a:shade val="50000"/>
                 </a:schemeClr>
-              </a:gs>
-              <a:gs pos="74000">
+              </a:lnRef>
+              <a:fillRef idx="1">
+                <a:schemeClr val="accent1"/>
+              </a:fillRef>
+              <a:effectRef idx="0">
+                <a:schemeClr val="accent1"/>
+              </a:effectRef>
+              <a:fontRef idx="minor">
+                <a:schemeClr val="lt1"/>
+              </a:fontRef>
+            </p:style>
+            <p:txBody>
+              <a:bodyPr rtlCol="0" anchor="ctr"/>
+              <a:lstStyle/>
+              <a:p>
+                <a:pPr algn="ctr"/>
+                <a:endParaRPr lang="zh-CN" altLang="en-US">
+                  <a:latin typeface="Consolas" panose="020B0609020204030204" pitchFamily="49" charset="0"/>
+                  <a:cs typeface="Consolas" panose="020B0609020204030204" pitchFamily="49" charset="0"/>
+                </a:endParaRPr>
+              </a:p>
+            </p:txBody>
+          </p:sp>
+          <p:sp>
+            <p:nvSpPr>
+              <p:cNvPr id="54" name="圆角矩形 53"/>
+              <p:cNvSpPr/>
+              <p:nvPr/>
+            </p:nvSpPr>
+            <p:spPr>
+              <a:xfrm>
+                <a:off x="7345524" y="878099"/>
+                <a:ext cx="1792518" cy="1733071"/>
+              </a:xfrm>
+              <a:prstGeom prst="roundRect">
+                <a:avLst>
+                  <a:gd name="adj" fmla="val 8493"/>
+                </a:avLst>
+              </a:prstGeom>
+              <a:solidFill>
+                <a:srgbClr val="99CCFF"/>
+              </a:solidFill>
+            </p:spPr>
+            <p:style>
+              <a:lnRef idx="2">
                 <a:schemeClr val="accent1">
-                  <a:lumMod val="45000"/>
-                  <a:lumOff val="55000"/>
+                  <a:shade val="50000"/>
                 </a:schemeClr>
-              </a:gs>
-              <a:gs pos="83000">
+              </a:lnRef>
+              <a:fillRef idx="1">
+                <a:schemeClr val="accent1"/>
+              </a:fillRef>
+              <a:effectRef idx="0">
+                <a:schemeClr val="accent1"/>
+              </a:effectRef>
+              <a:fontRef idx="minor">
+                <a:schemeClr val="lt1"/>
+              </a:fontRef>
+            </p:style>
+            <p:txBody>
+              <a:bodyPr rtlCol="0" anchor="ctr"/>
+              <a:lstStyle/>
+              <a:p>
+                <a:pPr algn="ctr"/>
+                <a:endParaRPr lang="zh-CN" altLang="en-US"/>
+              </a:p>
+            </p:txBody>
+          </p:sp>
+          <p:sp>
+            <p:nvSpPr>
+              <p:cNvPr id="2" name="圆角矩形 1"/>
+              <p:cNvSpPr/>
+              <p:nvPr/>
+            </p:nvSpPr>
+            <p:spPr>
+              <a:xfrm>
+                <a:off x="2695851" y="605116"/>
+                <a:ext cx="3348507" cy="4649464"/>
+              </a:xfrm>
+              <a:prstGeom prst="roundRect">
+                <a:avLst>
+                  <a:gd name="adj" fmla="val 5898"/>
+                </a:avLst>
+              </a:prstGeom>
+              <a:solidFill>
+                <a:schemeClr val="accent5">
+                  <a:lumMod val="40000"/>
+                  <a:lumOff val="60000"/>
+                </a:schemeClr>
+              </a:solidFill>
+              <a:ln>
+                <a:solidFill>
+                  <a:schemeClr val="tx1"/>
+                </a:solidFill>
+              </a:ln>
+            </p:spPr>
+            <p:style>
+              <a:lnRef idx="2">
                 <a:schemeClr val="accent1">
-                  <a:lumMod val="45000"/>
-                  <a:lumOff val="55000"/>
+                  <a:shade val="50000"/>
                 </a:schemeClr>
-              </a:gs>
-              <a:gs pos="100000">
+              </a:lnRef>
+              <a:fillRef idx="1">
+                <a:schemeClr val="accent1"/>
+              </a:fillRef>
+              <a:effectRef idx="0">
+                <a:schemeClr val="accent1"/>
+              </a:effectRef>
+              <a:fontRef idx="minor">
+                <a:schemeClr val="lt1"/>
+              </a:fontRef>
+            </p:style>
+            <p:txBody>
+              <a:bodyPr rtlCol="0" anchor="ctr"/>
+              <a:lstStyle/>
+              <a:p>
+                <a:pPr algn="ctr"/>
+                <a:endParaRPr lang="zh-CN" altLang="en-US">
+                  <a:latin typeface="Consolas" panose="020B0609020204030204" pitchFamily="49" charset="0"/>
+                  <a:cs typeface="Consolas" panose="020B0609020204030204" pitchFamily="49" charset="0"/>
+                </a:endParaRPr>
+              </a:p>
+            </p:txBody>
+          </p:sp>
+          <p:sp>
+            <p:nvSpPr>
+              <p:cNvPr id="4" name="圆角矩形 3"/>
+              <p:cNvSpPr/>
+              <p:nvPr/>
+            </p:nvSpPr>
+            <p:spPr>
+              <a:xfrm>
+                <a:off x="510988" y="605117"/>
+                <a:ext cx="1378326" cy="5311589"/>
+              </a:xfrm>
+              <a:prstGeom prst="roundRect">
+                <a:avLst>
+                  <a:gd name="adj" fmla="val 11061"/>
+                </a:avLst>
+              </a:prstGeom>
+              <a:solidFill>
+                <a:schemeClr val="bg1">
+                  <a:lumMod val="75000"/>
+                </a:schemeClr>
+              </a:solidFill>
+              <a:ln>
+                <a:solidFill>
+                  <a:schemeClr val="tx1"/>
+                </a:solidFill>
+              </a:ln>
+            </p:spPr>
+            <p:style>
+              <a:lnRef idx="2">
                 <a:schemeClr val="accent1">
-                  <a:lumMod val="30000"/>
-                  <a:lumOff val="70000"/>
+                  <a:shade val="50000"/>
                 </a:schemeClr>
-              </a:gs>
-            </a:gsLst>
-            <a:lin ang="5400000" scaled="1"/>
-          </a:gradFill>
-          <a:effectLst>
-            <a:glow rad="139700">
-              <a:schemeClr val="accent4">
-                <a:satMod val="175000"/>
-                <a:alpha val="40000"/>
-              </a:schemeClr>
-            </a:glow>
-            <a:outerShdw blurRad="50800" dist="38100" dir="2700000" algn="tl" rotWithShape="0">
-              <a:prstClr val="black">
-                <a:alpha val="40000"/>
-              </a:prstClr>
-            </a:outerShdw>
-          </a:effectLst>
-        </p:spPr>
-        <p:style>
-          <a:lnRef idx="2">
-            <a:schemeClr val="accent1">
-              <a:shade val="50000"/>
-            </a:schemeClr>
-          </a:lnRef>
-          <a:fillRef idx="1">
-            <a:schemeClr val="accent1"/>
-          </a:fillRef>
-          <a:effectRef idx="0">
-            <a:schemeClr val="accent1"/>
-          </a:effectRef>
-          <a:fontRef idx="minor">
-            <a:schemeClr val="lt1"/>
-          </a:fontRef>
-        </p:style>
-        <p:txBody>
-          <a:bodyPr rtlCol="0" anchor="ctr"/>
-          <a:lstStyle/>
-          <a:p>
-            <a:pPr algn="ctr"/>
-            <a:endParaRPr lang="zh-CN" altLang="en-US" dirty="0"/>
-          </a:p>
-        </p:txBody>
-      </p:sp>
-      <p:sp>
-        <p:nvSpPr>
-          <p:cNvPr id="5" name="文本框 4"/>
-          <p:cNvSpPr txBox="1"/>
-          <p:nvPr/>
-        </p:nvSpPr>
-        <p:spPr>
-          <a:xfrm>
-            <a:off x="5027846" y="2870827"/>
-            <a:ext cx="1492716" cy="307777"/>
-          </a:xfrm>
-          <a:prstGeom prst="rect">
-            <a:avLst/>
-          </a:prstGeom>
-          <a:noFill/>
-        </p:spPr>
-        <p:txBody>
-          <a:bodyPr wrap="none" rtlCol="0">
-            <a:spAutoFit/>
-          </a:bodyPr>
-          <a:lstStyle/>
-          <a:p>
-            <a:pPr algn="r"/>
-            <a:r>
-              <a:rPr lang="zh-CN" altLang="en-US" sz="1400" b="1" dirty="0" smtClean="0">
-                <a:latin typeface="楷体" panose="02010609060101010101" pitchFamily="49" charset="-122"/>
-                <a:ea typeface="楷体" panose="02010609060101010101" pitchFamily="49" charset="-122"/>
-              </a:rPr>
-              <a:t>薛成成</a:t>
-            </a:r>
-            <a:r>
-              <a:rPr lang="zh-CN" altLang="en-US" sz="1400" dirty="0" smtClean="0">
-                <a:latin typeface="楷体" panose="02010609060101010101" pitchFamily="49" charset="-122"/>
-                <a:ea typeface="楷体" panose="02010609060101010101" pitchFamily="49" charset="-122"/>
-              </a:rPr>
-              <a:t> </a:t>
-            </a:r>
-            <a:r>
-              <a:rPr lang="en-US" altLang="zh-CN" sz="1200" dirty="0" err="1" smtClean="0">
-                <a:latin typeface="Consolas" panose="020B0609020204030204" pitchFamily="49" charset="0"/>
-                <a:ea typeface="楷体" panose="02010609060101010101" pitchFamily="49" charset="-122"/>
-                <a:cs typeface="Consolas" panose="020B0609020204030204" pitchFamily="49" charset="0"/>
-              </a:rPr>
-              <a:t>Ilya.Xue</a:t>
-            </a:r>
-            <a:endParaRPr lang="en-US" altLang="zh-CN" sz="1200" dirty="0">
-              <a:latin typeface="Consolas" panose="020B0609020204030204" pitchFamily="49" charset="0"/>
-              <a:ea typeface="楷体" panose="02010609060101010101" pitchFamily="49" charset="-122"/>
-              <a:cs typeface="Consolas" panose="020B0609020204030204" pitchFamily="49" charset="0"/>
-            </a:endParaRPr>
-          </a:p>
-        </p:txBody>
-      </p:sp>
-      <p:pic>
-        <p:nvPicPr>
-          <p:cNvPr id="6" name="图片 5"/>
-          <p:cNvPicPr>
-            <a:picLocks noChangeAspect="1"/>
-          </p:cNvPicPr>
-          <p:nvPr/>
-        </p:nvPicPr>
-        <p:blipFill>
-          <a:blip r:embed="rId2" cstate="print">
-            <a:extLst>
-              <a:ext uri="{28A0092B-C50C-407E-A947-70E740481C1C}">
-                <a14:useLocalDpi xmlns:a14="http://schemas.microsoft.com/office/drawing/2010/main" val="0"/>
-              </a:ext>
-            </a:extLst>
-          </a:blip>
-          <a:stretch>
-            <a:fillRect/>
-          </a:stretch>
-        </p:blipFill>
-        <p:spPr>
-          <a:xfrm>
-            <a:off x="2171699" y="3198480"/>
-            <a:ext cx="1190625" cy="1190625"/>
-          </a:xfrm>
-          <a:prstGeom prst="rect">
-            <a:avLst/>
-          </a:prstGeom>
-          <a:effectLst>
-            <a:softEdge rad="76200"/>
-          </a:effectLst>
-        </p:spPr>
-      </p:pic>
-      <p:sp>
-        <p:nvSpPr>
-          <p:cNvPr id="7" name="文本框 6"/>
-          <p:cNvSpPr txBox="1"/>
-          <p:nvPr/>
-        </p:nvSpPr>
-        <p:spPr>
-          <a:xfrm>
-            <a:off x="3362325" y="3183690"/>
-            <a:ext cx="3158237" cy="1200329"/>
-          </a:xfrm>
-          <a:prstGeom prst="rect">
-            <a:avLst/>
-          </a:prstGeom>
-          <a:noFill/>
-        </p:spPr>
-        <p:txBody>
-          <a:bodyPr wrap="none" rtlCol="0">
-            <a:spAutoFit/>
-          </a:bodyPr>
-          <a:lstStyle/>
-          <a:p>
-            <a:pPr algn="r"/>
-            <a:r>
-              <a:rPr lang="en-US" altLang="zh-CN" sz="1200" dirty="0" smtClean="0">
-                <a:latin typeface="Consolas" panose="020B0609020204030204" pitchFamily="49" charset="0"/>
-                <a:ea typeface="楷体" panose="02010609060101010101" pitchFamily="49" charset="-122"/>
-                <a:cs typeface="Consolas" panose="020B0609020204030204" pitchFamily="49" charset="0"/>
-              </a:rPr>
-              <a:t>Programmer</a:t>
-            </a:r>
-          </a:p>
-          <a:p>
-            <a:pPr algn="r"/>
-            <a:r>
-              <a:rPr lang="en-US" altLang="zh-CN" sz="1200" dirty="0" smtClean="0">
-                <a:latin typeface="Consolas" panose="020B0609020204030204" pitchFamily="49" charset="0"/>
-                <a:ea typeface="楷体" panose="02010609060101010101" pitchFamily="49" charset="-122"/>
-                <a:cs typeface="Consolas" panose="020B0609020204030204" pitchFamily="49" charset="0"/>
-                <a:hlinkClick r:id="rId3"/>
-              </a:rPr>
-              <a:t>+8618205253751</a:t>
-            </a:r>
-            <a:endParaRPr lang="en-US" altLang="zh-CN" sz="1200" dirty="0" smtClean="0">
-              <a:latin typeface="Consolas" panose="020B0609020204030204" pitchFamily="49" charset="0"/>
-              <a:ea typeface="楷体" panose="02010609060101010101" pitchFamily="49" charset="-122"/>
-              <a:cs typeface="Consolas" panose="020B0609020204030204" pitchFamily="49" charset="0"/>
-            </a:endParaRPr>
-          </a:p>
-          <a:p>
-            <a:pPr algn="r"/>
-            <a:r>
-              <a:rPr lang="en-US" altLang="zh-CN" sz="1200" dirty="0" err="1" smtClean="0">
-                <a:latin typeface="Consolas" panose="020B0609020204030204" pitchFamily="49" charset="0"/>
-                <a:ea typeface="楷体" panose="02010609060101010101" pitchFamily="49" charset="-122"/>
-                <a:cs typeface="Consolas" panose="020B0609020204030204" pitchFamily="49" charset="0"/>
-                <a:hlinkClick r:id="rId4"/>
-              </a:rPr>
-              <a:t>Ilya.Xue@outlook.com</a:t>
-            </a:r>
-            <a:endParaRPr lang="en-US" altLang="zh-CN" sz="1200" dirty="0" smtClean="0">
-              <a:latin typeface="Consolas" panose="020B0609020204030204" pitchFamily="49" charset="0"/>
-              <a:ea typeface="楷体" panose="02010609060101010101" pitchFamily="49" charset="-122"/>
-              <a:cs typeface="Consolas" panose="020B0609020204030204" pitchFamily="49" charset="0"/>
-            </a:endParaRPr>
-          </a:p>
-          <a:p>
-            <a:pPr algn="r"/>
-            <a:r>
-              <a:rPr lang="en-US" altLang="zh-CN" sz="1200" dirty="0" err="1" smtClean="0">
-                <a:latin typeface="Consolas" panose="020B0609020204030204" pitchFamily="49" charset="0"/>
-                <a:cs typeface="Consolas" panose="020B0609020204030204" pitchFamily="49" charset="0"/>
-              </a:rPr>
-              <a:t>Huaian</a:t>
-            </a:r>
-            <a:r>
-              <a:rPr lang="en-US" altLang="zh-CN" sz="1200" dirty="0" smtClean="0">
-                <a:latin typeface="Consolas" panose="020B0609020204030204" pitchFamily="49" charset="0"/>
-                <a:cs typeface="Consolas" panose="020B0609020204030204" pitchFamily="49" charset="0"/>
-              </a:rPr>
-              <a:t> </a:t>
-            </a:r>
-            <a:r>
-              <a:rPr lang="en-US" altLang="zh-CN" sz="1200" dirty="0">
-                <a:latin typeface="Consolas" panose="020B0609020204030204" pitchFamily="49" charset="0"/>
-                <a:cs typeface="Consolas" panose="020B0609020204030204" pitchFamily="49" charset="0"/>
-              </a:rPr>
-              <a:t>City</a:t>
-            </a:r>
-          </a:p>
-          <a:p>
-            <a:pPr algn="r"/>
-            <a:r>
-              <a:rPr lang="en-US" altLang="zh-CN" sz="1200" dirty="0" smtClean="0">
-                <a:latin typeface="Consolas" panose="020B0609020204030204" pitchFamily="49" charset="0"/>
-                <a:cs typeface="Consolas" panose="020B0609020204030204" pitchFamily="49" charset="0"/>
-              </a:rPr>
-              <a:t>Jiangsu Province, 223001, </a:t>
-            </a:r>
-            <a:r>
-              <a:rPr lang="en-US" altLang="zh-CN" sz="1200" dirty="0" err="1" smtClean="0">
-                <a:latin typeface="Consolas" panose="020B0609020204030204" pitchFamily="49" charset="0"/>
-                <a:cs typeface="Consolas" panose="020B0609020204030204" pitchFamily="49" charset="0"/>
-              </a:rPr>
-              <a:t>P.R.China</a:t>
-            </a:r>
-            <a:endParaRPr lang="en-US" altLang="zh-CN" sz="1200" dirty="0">
-              <a:latin typeface="Consolas" panose="020B0609020204030204" pitchFamily="49" charset="0"/>
-              <a:cs typeface="Consolas" panose="020B0609020204030204" pitchFamily="49" charset="0"/>
-            </a:endParaRPr>
-          </a:p>
-          <a:p>
-            <a:pPr algn="r"/>
-            <a:endParaRPr lang="en-US" altLang="zh-CN" sz="1200" dirty="0" smtClean="0">
-              <a:latin typeface="Consolas" panose="020B0609020204030204" pitchFamily="49" charset="0"/>
-              <a:ea typeface="楷体" panose="02010609060101010101" pitchFamily="49" charset="-122"/>
-              <a:cs typeface="Consolas" panose="020B0609020204030204" pitchFamily="49" charset="0"/>
-            </a:endParaRPr>
-          </a:p>
-        </p:txBody>
-      </p:sp>
-      <p:cxnSp>
-        <p:nvCxnSpPr>
-          <p:cNvPr id="8" name="直接连接符 7"/>
-          <p:cNvCxnSpPr/>
-          <p:nvPr/>
-        </p:nvCxnSpPr>
-        <p:spPr>
-          <a:xfrm>
-            <a:off x="3362324" y="4314825"/>
-            <a:ext cx="3210470" cy="0"/>
-          </a:xfrm>
-          <a:prstGeom prst="line">
-            <a:avLst/>
-          </a:prstGeom>
-        </p:spPr>
-        <p:style>
-          <a:lnRef idx="1">
-            <a:schemeClr val="accent1"/>
-          </a:lnRef>
-          <a:fillRef idx="0">
-            <a:schemeClr val="accent1"/>
-          </a:fillRef>
-          <a:effectRef idx="0">
-            <a:schemeClr val="accent1"/>
-          </a:effectRef>
-          <a:fontRef idx="minor">
-            <a:schemeClr val="tx1"/>
-          </a:fontRef>
-        </p:style>
-      </p:cxnSp>
-      <p:sp>
-        <p:nvSpPr>
-          <p:cNvPr id="9" name="文本框 8"/>
-          <p:cNvSpPr txBox="1"/>
-          <p:nvPr/>
-        </p:nvSpPr>
-        <p:spPr>
-          <a:xfrm>
-            <a:off x="3362324" y="2870827"/>
-            <a:ext cx="857927" cy="523220"/>
-          </a:xfrm>
-          <a:prstGeom prst="rect">
-            <a:avLst/>
-          </a:prstGeom>
-          <a:gradFill flip="none" rotWithShape="1">
-            <a:gsLst>
-              <a:gs pos="0">
+              </a:lnRef>
+              <a:fillRef idx="1">
+                <a:schemeClr val="accent1"/>
+              </a:fillRef>
+              <a:effectRef idx="0">
+                <a:schemeClr val="accent1"/>
+              </a:effectRef>
+              <a:fontRef idx="minor">
+                <a:schemeClr val="lt1"/>
+              </a:fontRef>
+            </p:style>
+            <p:txBody>
+              <a:bodyPr rtlCol="0" anchor="ctr"/>
+              <a:lstStyle/>
+              <a:p>
+                <a:pPr algn="ctr"/>
+                <a:endParaRPr lang="zh-CN" altLang="en-US">
+                  <a:latin typeface="Consolas" panose="020B0609020204030204" pitchFamily="49" charset="0"/>
+                  <a:cs typeface="Consolas" panose="020B0609020204030204" pitchFamily="49" charset="0"/>
+                </a:endParaRPr>
+              </a:p>
+            </p:txBody>
+          </p:sp>
+          <p:sp>
+            <p:nvSpPr>
+              <p:cNvPr id="5" name="文本框 4"/>
+              <p:cNvSpPr txBox="1"/>
+              <p:nvPr/>
+            </p:nvSpPr>
+            <p:spPr>
+              <a:xfrm>
+                <a:off x="-90767" y="837062"/>
+                <a:ext cx="2581836" cy="307777"/>
+              </a:xfrm>
+              <a:prstGeom prst="rect">
+                <a:avLst/>
+              </a:prstGeom>
+              <a:noFill/>
+            </p:spPr>
+            <p:txBody>
+              <a:bodyPr wrap="square" rtlCol="0">
+                <a:spAutoFit/>
+              </a:bodyPr>
+              <a:lstStyle/>
+              <a:p>
+                <a:pPr algn="ctr"/>
+                <a:r>
+                  <a:rPr lang="en-US" altLang="zh-CN" sz="1400" b="1" dirty="0" smtClean="0">
+                    <a:latin typeface="Consolas" panose="020B0609020204030204" pitchFamily="49" charset="0"/>
+                    <a:cs typeface="Consolas" panose="020B0609020204030204" pitchFamily="49" charset="0"/>
+                  </a:rPr>
+                  <a:t>Data </a:t>
+                </a:r>
+                <a:r>
+                  <a:rPr lang="en-US" altLang="zh-CN" sz="1400" b="1" dirty="0" smtClean="0">
+                    <a:latin typeface="Consolas" panose="020B0609020204030204" pitchFamily="49" charset="0"/>
+                    <a:cs typeface="Consolas" panose="020B0609020204030204" pitchFamily="49" charset="0"/>
+                  </a:rPr>
+                  <a:t>Source</a:t>
+                </a:r>
+                <a:endParaRPr lang="en-US" altLang="zh-CN" sz="1400" b="1" dirty="0" smtClean="0">
+                  <a:latin typeface="Consolas" panose="020B0609020204030204" pitchFamily="49" charset="0"/>
+                  <a:cs typeface="Consolas" panose="020B0609020204030204" pitchFamily="49" charset="0"/>
+                </a:endParaRPr>
+              </a:p>
+            </p:txBody>
+          </p:sp>
+          <p:grpSp>
+            <p:nvGrpSpPr>
+              <p:cNvPr id="9" name="组合 8"/>
+              <p:cNvGrpSpPr/>
+              <p:nvPr/>
+            </p:nvGrpSpPr>
+            <p:grpSpPr>
+              <a:xfrm>
+                <a:off x="712694" y="4045718"/>
+                <a:ext cx="974913" cy="1008531"/>
+                <a:chOff x="2985247" y="605117"/>
+                <a:chExt cx="1411941" cy="1286337"/>
+              </a:xfrm>
+              <a:effectLst>
+                <a:outerShdw blurRad="50800" dist="38100" dir="2700000" algn="tl" rotWithShape="0">
+                  <a:prstClr val="black">
+                    <a:alpha val="40000"/>
+                  </a:prstClr>
+                </a:outerShdw>
+              </a:effectLst>
+            </p:grpSpPr>
+            <p:sp>
+              <p:nvSpPr>
+                <p:cNvPr id="6" name="矩形 5"/>
+                <p:cNvSpPr/>
+                <p:nvPr/>
+              </p:nvSpPr>
+              <p:spPr>
+                <a:xfrm>
+                  <a:off x="2985247" y="753035"/>
+                  <a:ext cx="1411941" cy="1008530"/>
+                </a:xfrm>
+                <a:prstGeom prst="rect">
+                  <a:avLst/>
+                </a:prstGeom>
+                <a:solidFill>
+                  <a:schemeClr val="accent1">
+                    <a:lumMod val="75000"/>
+                  </a:schemeClr>
+                </a:solidFill>
+                <a:ln>
+                  <a:noFill/>
+                </a:ln>
+              </p:spPr>
+              <p:style>
+                <a:lnRef idx="2">
+                  <a:schemeClr val="accent1">
+                    <a:shade val="50000"/>
+                  </a:schemeClr>
+                </a:lnRef>
+                <a:fillRef idx="1">
+                  <a:schemeClr val="accent1"/>
+                </a:fillRef>
+                <a:effectRef idx="0">
+                  <a:schemeClr val="accent1"/>
+                </a:effectRef>
+                <a:fontRef idx="minor">
+                  <a:schemeClr val="lt1"/>
+                </a:fontRef>
+              </p:style>
+              <p:txBody>
+                <a:bodyPr rtlCol="0" anchor="ctr"/>
+                <a:lstStyle/>
+                <a:p>
+                  <a:pPr algn="ctr"/>
+                  <a:endParaRPr lang="zh-CN" altLang="en-US">
+                    <a:latin typeface="Consolas" panose="020B0609020204030204" pitchFamily="49" charset="0"/>
+                    <a:cs typeface="Consolas" panose="020B0609020204030204" pitchFamily="49" charset="0"/>
+                  </a:endParaRPr>
+                </a:p>
+              </p:txBody>
+            </p:sp>
+            <p:sp>
+              <p:nvSpPr>
+                <p:cNvPr id="7" name="椭圆 6"/>
+                <p:cNvSpPr/>
+                <p:nvPr/>
+              </p:nvSpPr>
+              <p:spPr>
+                <a:xfrm>
+                  <a:off x="2985247" y="605117"/>
+                  <a:ext cx="1411941" cy="295836"/>
+                </a:xfrm>
+                <a:prstGeom prst="ellipse">
+                  <a:avLst/>
+                </a:prstGeom>
+                <a:ln>
+                  <a:noFill/>
+                </a:ln>
+              </p:spPr>
+              <p:style>
+                <a:lnRef idx="2">
+                  <a:schemeClr val="accent1">
+                    <a:shade val="50000"/>
+                  </a:schemeClr>
+                </a:lnRef>
+                <a:fillRef idx="1">
+                  <a:schemeClr val="accent1"/>
+                </a:fillRef>
+                <a:effectRef idx="0">
+                  <a:schemeClr val="accent1"/>
+                </a:effectRef>
+                <a:fontRef idx="minor">
+                  <a:schemeClr val="lt1"/>
+                </a:fontRef>
+              </p:style>
+              <p:txBody>
+                <a:bodyPr rtlCol="0" anchor="ctr"/>
+                <a:lstStyle/>
+                <a:p>
+                  <a:pPr algn="ctr"/>
+                  <a:endParaRPr lang="zh-CN" altLang="en-US">
+                    <a:latin typeface="Consolas" panose="020B0609020204030204" pitchFamily="49" charset="0"/>
+                    <a:cs typeface="Consolas" panose="020B0609020204030204" pitchFamily="49" charset="0"/>
+                  </a:endParaRPr>
+                </a:p>
+              </p:txBody>
+            </p:sp>
+            <p:sp>
+              <p:nvSpPr>
+                <p:cNvPr id="8" name="椭圆 7"/>
+                <p:cNvSpPr/>
+                <p:nvPr/>
+              </p:nvSpPr>
+              <p:spPr>
+                <a:xfrm>
+                  <a:off x="2994983" y="1600201"/>
+                  <a:ext cx="1402203" cy="291253"/>
+                </a:xfrm>
+                <a:prstGeom prst="ellipse">
+                  <a:avLst/>
+                </a:prstGeom>
+                <a:solidFill>
+                  <a:schemeClr val="accent1">
+                    <a:lumMod val="75000"/>
+                  </a:schemeClr>
+                </a:solidFill>
+                <a:ln>
+                  <a:noFill/>
+                </a:ln>
+              </p:spPr>
+              <p:style>
+                <a:lnRef idx="2">
+                  <a:schemeClr val="accent1">
+                    <a:shade val="50000"/>
+                  </a:schemeClr>
+                </a:lnRef>
+                <a:fillRef idx="1">
+                  <a:schemeClr val="accent1"/>
+                </a:fillRef>
+                <a:effectRef idx="0">
+                  <a:schemeClr val="accent1"/>
+                </a:effectRef>
+                <a:fontRef idx="minor">
+                  <a:schemeClr val="lt1"/>
+                </a:fontRef>
+              </p:style>
+              <p:txBody>
+                <a:bodyPr rtlCol="0" anchor="ctr"/>
+                <a:lstStyle/>
+                <a:p>
+                  <a:pPr algn="ctr"/>
+                  <a:endParaRPr lang="zh-CN" altLang="en-US">
+                    <a:latin typeface="Consolas" panose="020B0609020204030204" pitchFamily="49" charset="0"/>
+                    <a:cs typeface="Consolas" panose="020B0609020204030204" pitchFamily="49" charset="0"/>
+                  </a:endParaRPr>
+                </a:p>
+              </p:txBody>
+            </p:sp>
+          </p:grpSp>
+          <p:grpSp>
+            <p:nvGrpSpPr>
+              <p:cNvPr id="12" name="组合 11"/>
+              <p:cNvGrpSpPr/>
+              <p:nvPr/>
+            </p:nvGrpSpPr>
+            <p:grpSpPr>
+              <a:xfrm>
+                <a:off x="712693" y="1708798"/>
+                <a:ext cx="974912" cy="1022667"/>
+                <a:chOff x="2985247" y="605117"/>
+                <a:chExt cx="1411941" cy="1304367"/>
+              </a:xfrm>
+              <a:effectLst>
+                <a:outerShdw blurRad="50800" dist="38100" dir="2700000" algn="tl" rotWithShape="0">
+                  <a:prstClr val="black">
+                    <a:alpha val="40000"/>
+                  </a:prstClr>
+                </a:outerShdw>
+              </a:effectLst>
+            </p:grpSpPr>
+            <p:sp>
+              <p:nvSpPr>
+                <p:cNvPr id="13" name="矩形 12"/>
+                <p:cNvSpPr/>
+                <p:nvPr/>
+              </p:nvSpPr>
+              <p:spPr>
+                <a:xfrm>
+                  <a:off x="2985247" y="753035"/>
+                  <a:ext cx="1411941" cy="1008530"/>
+                </a:xfrm>
+                <a:prstGeom prst="rect">
+                  <a:avLst/>
+                </a:prstGeom>
+                <a:solidFill>
+                  <a:schemeClr val="accent6">
+                    <a:lumMod val="75000"/>
+                  </a:schemeClr>
+                </a:solidFill>
+                <a:ln>
+                  <a:noFill/>
+                </a:ln>
+              </p:spPr>
+              <p:style>
+                <a:lnRef idx="2">
+                  <a:schemeClr val="accent1">
+                    <a:shade val="50000"/>
+                  </a:schemeClr>
+                </a:lnRef>
+                <a:fillRef idx="1">
+                  <a:schemeClr val="accent1"/>
+                </a:fillRef>
+                <a:effectRef idx="0">
+                  <a:schemeClr val="accent1"/>
+                </a:effectRef>
+                <a:fontRef idx="minor">
+                  <a:schemeClr val="lt1"/>
+                </a:fontRef>
+              </p:style>
+              <p:txBody>
+                <a:bodyPr rtlCol="0" anchor="ctr"/>
+                <a:lstStyle/>
+                <a:p>
+                  <a:pPr algn="ctr"/>
+                  <a:endParaRPr lang="zh-CN" altLang="en-US">
+                    <a:latin typeface="Consolas" panose="020B0609020204030204" pitchFamily="49" charset="0"/>
+                    <a:cs typeface="Consolas" panose="020B0609020204030204" pitchFamily="49" charset="0"/>
+                  </a:endParaRPr>
+                </a:p>
+              </p:txBody>
+            </p:sp>
+            <p:sp>
+              <p:nvSpPr>
+                <p:cNvPr id="14" name="椭圆 13"/>
+                <p:cNvSpPr/>
+                <p:nvPr/>
+              </p:nvSpPr>
+              <p:spPr>
+                <a:xfrm>
+                  <a:off x="2985247" y="605117"/>
+                  <a:ext cx="1411941" cy="295836"/>
+                </a:xfrm>
+                <a:prstGeom prst="ellipse">
+                  <a:avLst/>
+                </a:prstGeom>
+                <a:solidFill>
+                  <a:schemeClr val="accent6">
+                    <a:lumMod val="60000"/>
+                    <a:lumOff val="40000"/>
+                  </a:schemeClr>
+                </a:solidFill>
+                <a:ln>
+                  <a:noFill/>
+                </a:ln>
+              </p:spPr>
+              <p:style>
+                <a:lnRef idx="2">
+                  <a:schemeClr val="accent1">
+                    <a:shade val="50000"/>
+                  </a:schemeClr>
+                </a:lnRef>
+                <a:fillRef idx="1">
+                  <a:schemeClr val="accent1"/>
+                </a:fillRef>
+                <a:effectRef idx="0">
+                  <a:schemeClr val="accent1"/>
+                </a:effectRef>
+                <a:fontRef idx="minor">
+                  <a:schemeClr val="lt1"/>
+                </a:fontRef>
+              </p:style>
+              <p:txBody>
+                <a:bodyPr rtlCol="0" anchor="ctr"/>
+                <a:lstStyle/>
+                <a:p>
+                  <a:pPr algn="ctr"/>
+                  <a:endParaRPr lang="zh-CN" altLang="en-US">
+                    <a:latin typeface="Consolas" panose="020B0609020204030204" pitchFamily="49" charset="0"/>
+                    <a:cs typeface="Consolas" panose="020B0609020204030204" pitchFamily="49" charset="0"/>
+                  </a:endParaRPr>
+                </a:p>
+              </p:txBody>
+            </p:sp>
+            <p:sp>
+              <p:nvSpPr>
+                <p:cNvPr id="15" name="椭圆 14"/>
+                <p:cNvSpPr/>
+                <p:nvPr/>
+              </p:nvSpPr>
+              <p:spPr>
+                <a:xfrm>
+                  <a:off x="2994984" y="1600200"/>
+                  <a:ext cx="1402202" cy="309284"/>
+                </a:xfrm>
+                <a:prstGeom prst="ellipse">
+                  <a:avLst/>
+                </a:prstGeom>
+                <a:solidFill>
+                  <a:schemeClr val="accent6">
+                    <a:lumMod val="75000"/>
+                  </a:schemeClr>
+                </a:solidFill>
+                <a:ln>
+                  <a:noFill/>
+                </a:ln>
+              </p:spPr>
+              <p:style>
+                <a:lnRef idx="2">
+                  <a:schemeClr val="accent1">
+                    <a:shade val="50000"/>
+                  </a:schemeClr>
+                </a:lnRef>
+                <a:fillRef idx="1">
+                  <a:schemeClr val="accent1"/>
+                </a:fillRef>
+                <a:effectRef idx="0">
+                  <a:schemeClr val="accent1"/>
+                </a:effectRef>
+                <a:fontRef idx="minor">
+                  <a:schemeClr val="lt1"/>
+                </a:fontRef>
+              </p:style>
+              <p:txBody>
+                <a:bodyPr rtlCol="0" anchor="ctr"/>
+                <a:lstStyle/>
+                <a:p>
+                  <a:pPr algn="ctr"/>
+                  <a:endParaRPr lang="zh-CN" altLang="en-US">
+                    <a:latin typeface="Consolas" panose="020B0609020204030204" pitchFamily="49" charset="0"/>
+                    <a:cs typeface="Consolas" panose="020B0609020204030204" pitchFamily="49" charset="0"/>
+                  </a:endParaRPr>
+                </a:p>
+              </p:txBody>
+            </p:sp>
+          </p:grpSp>
+          <p:grpSp>
+            <p:nvGrpSpPr>
+              <p:cNvPr id="16" name="组合 15"/>
+              <p:cNvGrpSpPr/>
+              <p:nvPr/>
+            </p:nvGrpSpPr>
+            <p:grpSpPr>
+              <a:xfrm>
+                <a:off x="7768602" y="1434681"/>
+                <a:ext cx="974913" cy="1012123"/>
+                <a:chOff x="2985246" y="605117"/>
+                <a:chExt cx="1411942" cy="1290919"/>
+              </a:xfrm>
+              <a:effectLst>
+                <a:outerShdw blurRad="50800" dist="38100" dir="2700000" algn="tl" rotWithShape="0">
+                  <a:prstClr val="black">
+                    <a:alpha val="40000"/>
+                  </a:prstClr>
+                </a:outerShdw>
+              </a:effectLst>
+            </p:grpSpPr>
+            <p:sp>
+              <p:nvSpPr>
+                <p:cNvPr id="17" name="矩形 16"/>
+                <p:cNvSpPr/>
+                <p:nvPr/>
+              </p:nvSpPr>
+              <p:spPr>
+                <a:xfrm>
+                  <a:off x="2985247" y="753035"/>
+                  <a:ext cx="1411941" cy="1008530"/>
+                </a:xfrm>
+                <a:prstGeom prst="rect">
+                  <a:avLst/>
+                </a:prstGeom>
+                <a:solidFill>
+                  <a:schemeClr val="accent2">
+                    <a:lumMod val="75000"/>
+                  </a:schemeClr>
+                </a:solidFill>
+                <a:ln>
+                  <a:noFill/>
+                </a:ln>
+              </p:spPr>
+              <p:style>
+                <a:lnRef idx="2">
+                  <a:schemeClr val="accent1">
+                    <a:shade val="50000"/>
+                  </a:schemeClr>
+                </a:lnRef>
+                <a:fillRef idx="1">
+                  <a:schemeClr val="accent1"/>
+                </a:fillRef>
+                <a:effectRef idx="0">
+                  <a:schemeClr val="accent1"/>
+                </a:effectRef>
+                <a:fontRef idx="minor">
+                  <a:schemeClr val="lt1"/>
+                </a:fontRef>
+              </p:style>
+              <p:txBody>
+                <a:bodyPr rtlCol="0" anchor="ctr"/>
+                <a:lstStyle/>
+                <a:p>
+                  <a:pPr algn="ctr"/>
+                  <a:endParaRPr lang="zh-CN" altLang="en-US">
+                    <a:latin typeface="Consolas" panose="020B0609020204030204" pitchFamily="49" charset="0"/>
+                    <a:cs typeface="Consolas" panose="020B0609020204030204" pitchFamily="49" charset="0"/>
+                  </a:endParaRPr>
+                </a:p>
+              </p:txBody>
+            </p:sp>
+            <p:sp>
+              <p:nvSpPr>
+                <p:cNvPr id="18" name="椭圆 17"/>
+                <p:cNvSpPr/>
+                <p:nvPr/>
+              </p:nvSpPr>
+              <p:spPr>
+                <a:xfrm>
+                  <a:off x="2985247" y="605117"/>
+                  <a:ext cx="1411941" cy="295836"/>
+                </a:xfrm>
+                <a:prstGeom prst="ellipse">
+                  <a:avLst/>
+                </a:prstGeom>
+                <a:solidFill>
+                  <a:schemeClr val="accent2">
+                    <a:lumMod val="60000"/>
+                    <a:lumOff val="40000"/>
+                  </a:schemeClr>
+                </a:solidFill>
+                <a:ln>
+                  <a:noFill/>
+                </a:ln>
+              </p:spPr>
+              <p:style>
+                <a:lnRef idx="2">
+                  <a:schemeClr val="accent1">
+                    <a:shade val="50000"/>
+                  </a:schemeClr>
+                </a:lnRef>
+                <a:fillRef idx="1">
+                  <a:schemeClr val="accent1"/>
+                </a:fillRef>
+                <a:effectRef idx="0">
+                  <a:schemeClr val="accent1"/>
+                </a:effectRef>
+                <a:fontRef idx="minor">
+                  <a:schemeClr val="lt1"/>
+                </a:fontRef>
+              </p:style>
+              <p:txBody>
+                <a:bodyPr rtlCol="0" anchor="ctr"/>
+                <a:lstStyle/>
+                <a:p>
+                  <a:pPr algn="ctr"/>
+                  <a:endParaRPr lang="zh-CN" altLang="en-US">
+                    <a:latin typeface="Consolas" panose="020B0609020204030204" pitchFamily="49" charset="0"/>
+                    <a:cs typeface="Consolas" panose="020B0609020204030204" pitchFamily="49" charset="0"/>
+                  </a:endParaRPr>
+                </a:p>
+              </p:txBody>
+            </p:sp>
+            <p:sp>
+              <p:nvSpPr>
+                <p:cNvPr id="19" name="椭圆 18"/>
+                <p:cNvSpPr/>
+                <p:nvPr/>
+              </p:nvSpPr>
+              <p:spPr>
+                <a:xfrm>
+                  <a:off x="2985246" y="1600200"/>
+                  <a:ext cx="1411941" cy="295836"/>
+                </a:xfrm>
+                <a:prstGeom prst="ellipse">
+                  <a:avLst/>
+                </a:prstGeom>
+                <a:solidFill>
+                  <a:schemeClr val="accent2">
+                    <a:lumMod val="75000"/>
+                  </a:schemeClr>
+                </a:solidFill>
+                <a:ln>
+                  <a:noFill/>
+                </a:ln>
+              </p:spPr>
+              <p:style>
+                <a:lnRef idx="2">
+                  <a:schemeClr val="accent1">
+                    <a:shade val="50000"/>
+                  </a:schemeClr>
+                </a:lnRef>
+                <a:fillRef idx="1">
+                  <a:schemeClr val="accent1"/>
+                </a:fillRef>
+                <a:effectRef idx="0">
+                  <a:schemeClr val="accent1"/>
+                </a:effectRef>
+                <a:fontRef idx="minor">
+                  <a:schemeClr val="lt1"/>
+                </a:fontRef>
+              </p:style>
+              <p:txBody>
+                <a:bodyPr rtlCol="0" anchor="ctr"/>
+                <a:lstStyle/>
+                <a:p>
+                  <a:pPr algn="ctr"/>
+                  <a:endParaRPr lang="zh-CN" altLang="en-US">
+                    <a:latin typeface="Consolas" panose="020B0609020204030204" pitchFamily="49" charset="0"/>
+                    <a:cs typeface="Consolas" panose="020B0609020204030204" pitchFamily="49" charset="0"/>
+                  </a:endParaRPr>
+                </a:p>
+              </p:txBody>
+            </p:sp>
+          </p:grpSp>
+          <p:sp>
+            <p:nvSpPr>
+              <p:cNvPr id="27" name="右箭头 26"/>
+              <p:cNvSpPr/>
+              <p:nvPr/>
+            </p:nvSpPr>
+            <p:spPr>
+              <a:xfrm>
+                <a:off x="6035677" y="4234483"/>
+                <a:ext cx="1222975" cy="368843"/>
+              </a:xfrm>
+              <a:prstGeom prst="rightArrow">
+                <a:avLst/>
+              </a:prstGeom>
+              <a:gradFill>
+                <a:gsLst>
+                  <a:gs pos="0">
+                    <a:schemeClr val="accent6">
+                      <a:lumMod val="75000"/>
+                    </a:schemeClr>
+                  </a:gs>
+                  <a:gs pos="100000">
+                    <a:schemeClr val="accent4">
+                      <a:lumMod val="20000"/>
+                      <a:lumOff val="80000"/>
+                    </a:schemeClr>
+                  </a:gs>
+                </a:gsLst>
+                <a:lin ang="0" scaled="1"/>
+              </a:gradFill>
+            </p:spPr>
+            <p:style>
+              <a:lnRef idx="2">
+                <a:schemeClr val="accent6">
+                  <a:shade val="50000"/>
+                </a:schemeClr>
+              </a:lnRef>
+              <a:fillRef idx="1">
+                <a:schemeClr val="accent6"/>
+              </a:fillRef>
+              <a:effectRef idx="0">
+                <a:schemeClr val="accent6"/>
+              </a:effectRef>
+              <a:fontRef idx="minor">
+                <a:schemeClr val="lt1"/>
+              </a:fontRef>
+            </p:style>
+            <p:txBody>
+              <a:bodyPr rtlCol="0" anchor="ctr"/>
+              <a:lstStyle/>
+              <a:p>
+                <a:pPr algn="ctr"/>
+                <a:endParaRPr lang="zh-CN" altLang="en-US">
+                  <a:latin typeface="Consolas" panose="020B0609020204030204" pitchFamily="49" charset="0"/>
+                  <a:cs typeface="Consolas" panose="020B0609020204030204" pitchFamily="49" charset="0"/>
+                </a:endParaRPr>
+              </a:p>
+            </p:txBody>
+          </p:sp>
+          <p:sp>
+            <p:nvSpPr>
+              <p:cNvPr id="28" name="右箭头 27"/>
+              <p:cNvSpPr/>
+              <p:nvPr/>
+            </p:nvSpPr>
+            <p:spPr>
+              <a:xfrm>
+                <a:off x="6040218" y="1524376"/>
+                <a:ext cx="1218434" cy="368843"/>
+              </a:xfrm>
+              <a:prstGeom prst="rightArrow">
+                <a:avLst/>
+              </a:prstGeom>
+              <a:gradFill>
+                <a:gsLst>
+                  <a:gs pos="0">
+                    <a:schemeClr val="accent4">
+                      <a:lumMod val="75000"/>
+                    </a:schemeClr>
+                  </a:gs>
+                  <a:gs pos="100000">
+                    <a:schemeClr val="accent2">
+                      <a:lumMod val="20000"/>
+                      <a:lumOff val="80000"/>
+                    </a:schemeClr>
+                  </a:gs>
+                </a:gsLst>
+                <a:lin ang="0" scaled="1"/>
+              </a:gradFill>
+            </p:spPr>
+            <p:style>
+              <a:lnRef idx="2">
+                <a:schemeClr val="accent6">
+                  <a:shade val="50000"/>
+                </a:schemeClr>
+              </a:lnRef>
+              <a:fillRef idx="1">
+                <a:schemeClr val="accent6"/>
+              </a:fillRef>
+              <a:effectRef idx="0">
+                <a:schemeClr val="accent6"/>
+              </a:effectRef>
+              <a:fontRef idx="minor">
+                <a:schemeClr val="lt1"/>
+              </a:fontRef>
+            </p:style>
+            <p:txBody>
+              <a:bodyPr rtlCol="0" anchor="ctr"/>
+              <a:lstStyle/>
+              <a:p>
+                <a:pPr algn="ctr"/>
+                <a:endParaRPr lang="zh-CN" altLang="en-US">
+                  <a:latin typeface="Consolas" panose="020B0609020204030204" pitchFamily="49" charset="0"/>
+                  <a:cs typeface="Consolas" panose="020B0609020204030204" pitchFamily="49" charset="0"/>
+                </a:endParaRPr>
+              </a:p>
+            </p:txBody>
+          </p:sp>
+          <p:sp>
+            <p:nvSpPr>
+              <p:cNvPr id="29" name="右箭头 28"/>
+              <p:cNvSpPr/>
+              <p:nvPr/>
+            </p:nvSpPr>
+            <p:spPr>
+              <a:xfrm>
+                <a:off x="1889310" y="2060369"/>
+                <a:ext cx="905405" cy="368843"/>
+              </a:xfrm>
+              <a:prstGeom prst="rightArrow">
+                <a:avLst/>
+              </a:prstGeom>
+              <a:gradFill flip="none" rotWithShape="1">
+                <a:gsLst>
+                  <a:gs pos="0">
+                    <a:schemeClr val="accent6">
+                      <a:lumMod val="75000"/>
+                    </a:schemeClr>
+                  </a:gs>
+                  <a:gs pos="100000">
+                    <a:schemeClr val="accent6">
+                      <a:lumMod val="20000"/>
+                      <a:lumOff val="80000"/>
+                    </a:schemeClr>
+                  </a:gs>
+                </a:gsLst>
+                <a:lin ang="0" scaled="1"/>
+                <a:tileRect/>
+              </a:gradFill>
+            </p:spPr>
+            <p:style>
+              <a:lnRef idx="2">
+                <a:schemeClr val="accent6">
+                  <a:shade val="50000"/>
+                </a:schemeClr>
+              </a:lnRef>
+              <a:fillRef idx="1">
+                <a:schemeClr val="accent6"/>
+              </a:fillRef>
+              <a:effectRef idx="0">
+                <a:schemeClr val="accent6"/>
+              </a:effectRef>
+              <a:fontRef idx="minor">
+                <a:schemeClr val="lt1"/>
+              </a:fontRef>
+            </p:style>
+            <p:txBody>
+              <a:bodyPr rtlCol="0" anchor="ctr"/>
+              <a:lstStyle/>
+              <a:p>
+                <a:pPr algn="ctr"/>
+                <a:endParaRPr lang="zh-CN" altLang="en-US">
+                  <a:latin typeface="Consolas" panose="020B0609020204030204" pitchFamily="49" charset="0"/>
+                  <a:cs typeface="Consolas" panose="020B0609020204030204" pitchFamily="49" charset="0"/>
+                </a:endParaRPr>
+              </a:p>
+            </p:txBody>
+          </p:sp>
+          <p:sp>
+            <p:nvSpPr>
+              <p:cNvPr id="37" name="矩形 36"/>
+              <p:cNvSpPr/>
+              <p:nvPr/>
+            </p:nvSpPr>
+            <p:spPr>
+              <a:xfrm rot="16200000">
+                <a:off x="4333443" y="3204542"/>
+                <a:ext cx="383242" cy="4851609"/>
+              </a:xfrm>
+              <a:prstGeom prst="rect">
+                <a:avLst/>
+              </a:prstGeom>
+              <a:solidFill>
+                <a:srgbClr val="FFFF00"/>
+              </a:solidFill>
+              <a:ln>
+                <a:solidFill>
+                  <a:schemeClr val="tx1"/>
+                </a:solidFill>
+              </a:ln>
+              <a:effectLst>
+                <a:innerShdw blurRad="63500" dist="50800" dir="10800000">
+                  <a:prstClr val="black">
+                    <a:alpha val="50000"/>
+                  </a:prstClr>
+                </a:innerShdw>
+              </a:effectLst>
+            </p:spPr>
+            <p:style>
+              <a:lnRef idx="2">
+                <a:schemeClr val="accent1">
+                  <a:shade val="50000"/>
+                </a:schemeClr>
+              </a:lnRef>
+              <a:fillRef idx="1">
+                <a:schemeClr val="accent1"/>
+              </a:fillRef>
+              <a:effectRef idx="0">
+                <a:schemeClr val="accent1"/>
+              </a:effectRef>
+              <a:fontRef idx="minor">
+                <a:schemeClr val="lt1"/>
+              </a:fontRef>
+            </p:style>
+            <p:txBody>
+              <a:bodyPr rtlCol="0" anchor="ctr"/>
+              <a:lstStyle/>
+              <a:p>
+                <a:pPr algn="ctr"/>
+                <a:endParaRPr lang="zh-CN" altLang="en-US">
+                  <a:latin typeface="Consolas" panose="020B0609020204030204" pitchFamily="49" charset="0"/>
+                  <a:cs typeface="Consolas" panose="020B0609020204030204" pitchFamily="49" charset="0"/>
+                </a:endParaRPr>
+              </a:p>
+            </p:txBody>
+          </p:sp>
+          <p:sp>
+            <p:nvSpPr>
+              <p:cNvPr id="30" name="文本框 29"/>
+              <p:cNvSpPr txBox="1"/>
+              <p:nvPr/>
+            </p:nvSpPr>
+            <p:spPr>
+              <a:xfrm>
+                <a:off x="-133050" y="2210538"/>
+                <a:ext cx="2581836" cy="307777"/>
+              </a:xfrm>
+              <a:prstGeom prst="rect">
+                <a:avLst/>
+              </a:prstGeom>
+              <a:noFill/>
+            </p:spPr>
+            <p:txBody>
+              <a:bodyPr wrap="square" rtlCol="0">
+                <a:spAutoFit/>
+              </a:bodyPr>
+              <a:lstStyle/>
+              <a:p>
+                <a:pPr algn="ctr"/>
+                <a:r>
+                  <a:rPr lang="en-US" altLang="zh-CN" sz="1400" dirty="0" err="1" smtClean="0">
+                    <a:latin typeface="Consolas" panose="020B0609020204030204" pitchFamily="49" charset="0"/>
+                    <a:cs typeface="Consolas" panose="020B0609020204030204" pitchFamily="49" charset="0"/>
+                  </a:rPr>
+                  <a:t>Mongodb</a:t>
+                </a:r>
+                <a:endParaRPr lang="en-US" altLang="zh-CN" sz="1400" dirty="0" smtClean="0">
+                  <a:latin typeface="Consolas" panose="020B0609020204030204" pitchFamily="49" charset="0"/>
+                  <a:cs typeface="Consolas" panose="020B0609020204030204" pitchFamily="49" charset="0"/>
+                </a:endParaRPr>
+              </a:p>
+            </p:txBody>
+          </p:sp>
+          <p:sp>
+            <p:nvSpPr>
+              <p:cNvPr id="31" name="文本框 30"/>
+              <p:cNvSpPr txBox="1"/>
+              <p:nvPr/>
+            </p:nvSpPr>
+            <p:spPr>
+              <a:xfrm>
+                <a:off x="-90767" y="4475249"/>
+                <a:ext cx="2581836" cy="307777"/>
+              </a:xfrm>
+              <a:prstGeom prst="rect">
+                <a:avLst/>
+              </a:prstGeom>
+              <a:noFill/>
+            </p:spPr>
+            <p:txBody>
+              <a:bodyPr wrap="square" rtlCol="0">
+                <a:spAutoFit/>
+              </a:bodyPr>
+              <a:lstStyle/>
+              <a:p>
+                <a:pPr algn="ctr"/>
+                <a:r>
+                  <a:rPr lang="en-US" altLang="zh-CN" sz="1400" dirty="0" smtClean="0">
+                    <a:latin typeface="Consolas" panose="020B0609020204030204" pitchFamily="49" charset="0"/>
+                    <a:cs typeface="Consolas" panose="020B0609020204030204" pitchFamily="49" charset="0"/>
+                  </a:rPr>
+                  <a:t>Oracle</a:t>
+                </a:r>
+              </a:p>
+            </p:txBody>
+          </p:sp>
+          <p:sp>
+            <p:nvSpPr>
+              <p:cNvPr id="32" name="文本框 31"/>
+              <p:cNvSpPr txBox="1"/>
+              <p:nvPr/>
+            </p:nvSpPr>
+            <p:spPr>
+              <a:xfrm>
+                <a:off x="3079186" y="855521"/>
+                <a:ext cx="2581836" cy="369332"/>
+              </a:xfrm>
+              <a:prstGeom prst="rect">
+                <a:avLst/>
+              </a:prstGeom>
+              <a:noFill/>
+            </p:spPr>
+            <p:txBody>
+              <a:bodyPr wrap="square" rtlCol="0">
+                <a:spAutoFit/>
+              </a:bodyPr>
+              <a:lstStyle/>
+              <a:p>
+                <a:pPr algn="ctr"/>
+                <a:r>
+                  <a:rPr lang="en-US" altLang="zh-CN" b="1" dirty="0" smtClean="0">
+                    <a:latin typeface="Consolas" panose="020B0609020204030204" pitchFamily="49" charset="0"/>
+                    <a:cs typeface="Consolas" panose="020B0609020204030204" pitchFamily="49" charset="0"/>
+                  </a:rPr>
+                  <a:t>Data </a:t>
+                </a:r>
+                <a:r>
+                  <a:rPr lang="en-US" altLang="zh-CN" b="1" dirty="0" err="1" smtClean="0">
+                    <a:latin typeface="Consolas" panose="020B0609020204030204" pitchFamily="49" charset="0"/>
+                    <a:cs typeface="Consolas" panose="020B0609020204030204" pitchFamily="49" charset="0"/>
+                  </a:rPr>
+                  <a:t>Plantform</a:t>
+                </a:r>
+                <a:endParaRPr lang="en-US" altLang="zh-CN" b="1" dirty="0" smtClean="0">
+                  <a:latin typeface="Consolas" panose="020B0609020204030204" pitchFamily="49" charset="0"/>
+                  <a:cs typeface="Consolas" panose="020B0609020204030204" pitchFamily="49" charset="0"/>
+                </a:endParaRPr>
+              </a:p>
+            </p:txBody>
+          </p:sp>
+          <p:sp>
+            <p:nvSpPr>
+              <p:cNvPr id="3" name="圆角矩形 2"/>
+              <p:cNvSpPr/>
+              <p:nvPr/>
+            </p:nvSpPr>
+            <p:spPr>
+              <a:xfrm>
+                <a:off x="3490175" y="1314387"/>
+                <a:ext cx="2364185" cy="1841503"/>
+              </a:xfrm>
+              <a:prstGeom prst="roundRect">
+                <a:avLst>
+                  <a:gd name="adj" fmla="val 8974"/>
+                </a:avLst>
+              </a:prstGeom>
+              <a:solidFill>
                 <a:schemeClr val="accent4">
-                  <a:lumMod val="5000"/>
-                  <a:lumOff val="95000"/>
+                  <a:lumMod val="75000"/>
                 </a:schemeClr>
-              </a:gs>
-              <a:gs pos="74000">
-                <a:schemeClr val="accent4">
-                  <a:lumMod val="45000"/>
-                  <a:lumOff val="55000"/>
+              </a:solidFill>
+            </p:spPr>
+            <p:style>
+              <a:lnRef idx="2">
+                <a:schemeClr val="accent1">
+                  <a:shade val="50000"/>
                 </a:schemeClr>
-              </a:gs>
-              <a:gs pos="83000">
-                <a:schemeClr val="accent4">
-                  <a:lumMod val="45000"/>
-                  <a:lumOff val="55000"/>
-                </a:schemeClr>
-              </a:gs>
-              <a:gs pos="100000">
-                <a:schemeClr val="accent4">
-                  <a:lumMod val="30000"/>
-                  <a:lumOff val="70000"/>
-                </a:schemeClr>
-              </a:gs>
-            </a:gsLst>
-            <a:lin ang="5400000" scaled="1"/>
-            <a:tileRect/>
-          </a:gradFill>
-          <a:effectLst>
-            <a:softEdge rad="127000"/>
-          </a:effectLst>
-        </p:spPr>
-        <p:txBody>
-          <a:bodyPr wrap="none" rtlCol="0">
-            <a:spAutoFit/>
-          </a:bodyPr>
-          <a:lstStyle/>
-          <a:p>
-            <a:r>
-              <a:rPr lang="en-US" altLang="zh-CN" sz="2800" i="1" u="sng" dirty="0" smtClean="0">
-                <a:solidFill>
-                  <a:srgbClr val="0563C1"/>
-                </a:solidFill>
+              </a:lnRef>
+              <a:fillRef idx="1">
+                <a:schemeClr val="accent1"/>
+              </a:fillRef>
+              <a:effectRef idx="0">
+                <a:schemeClr val="accent1"/>
+              </a:effectRef>
+              <a:fontRef idx="minor">
+                <a:schemeClr val="lt1"/>
+              </a:fontRef>
+            </p:style>
+            <p:txBody>
+              <a:bodyPr rtlCol="0" anchor="ctr"/>
+              <a:lstStyle/>
+              <a:p>
+                <a:pPr algn="ctr"/>
+                <a:endParaRPr lang="zh-CN" altLang="en-US">
+                  <a:latin typeface="Consolas" panose="020B0609020204030204" pitchFamily="49" charset="0"/>
+                  <a:cs typeface="Consolas" panose="020B0609020204030204" pitchFamily="49" charset="0"/>
+                </a:endParaRPr>
+              </a:p>
+            </p:txBody>
+          </p:sp>
+          <p:sp>
+            <p:nvSpPr>
+              <p:cNvPr id="33" name="文本框 32"/>
+              <p:cNvSpPr txBox="1"/>
+              <p:nvPr/>
+            </p:nvSpPr>
+            <p:spPr>
+              <a:xfrm>
+                <a:off x="3335199" y="1459512"/>
+                <a:ext cx="2581836" cy="307777"/>
+              </a:xfrm>
+              <a:prstGeom prst="rect">
+                <a:avLst/>
+              </a:prstGeom>
+              <a:noFill/>
+            </p:spPr>
+            <p:txBody>
+              <a:bodyPr wrap="square" rtlCol="0">
+                <a:spAutoFit/>
+              </a:bodyPr>
+              <a:lstStyle/>
+              <a:p>
+                <a:pPr algn="ctr"/>
+                <a:r>
+                  <a:rPr lang="en-US" altLang="zh-CN" sz="1400" dirty="0" smtClean="0">
+                    <a:latin typeface="Consolas" panose="020B0609020204030204" pitchFamily="49" charset="0"/>
+                    <a:cs typeface="Consolas" panose="020B0609020204030204" pitchFamily="49" charset="0"/>
+                  </a:rPr>
+                  <a:t>Batch Processing</a:t>
+                </a:r>
+                <a:endParaRPr lang="en-US" altLang="zh-CN" sz="1400" dirty="0" smtClean="0">
+                  <a:latin typeface="Consolas" panose="020B0609020204030204" pitchFamily="49" charset="0"/>
+                  <a:cs typeface="Consolas" panose="020B0609020204030204" pitchFamily="49" charset="0"/>
+                </a:endParaRPr>
+              </a:p>
+            </p:txBody>
+          </p:sp>
+          <p:grpSp>
+            <p:nvGrpSpPr>
+              <p:cNvPr id="10" name="组合 9"/>
+              <p:cNvGrpSpPr/>
+              <p:nvPr/>
+            </p:nvGrpSpPr>
+            <p:grpSpPr>
+              <a:xfrm>
+                <a:off x="2797487" y="1678448"/>
+                <a:ext cx="431586" cy="1477442"/>
+                <a:chOff x="2979851" y="1494028"/>
+                <a:chExt cx="431586" cy="1477442"/>
+              </a:xfrm>
+            </p:grpSpPr>
+            <p:grpSp>
+              <p:nvGrpSpPr>
+                <p:cNvPr id="34" name="组合 33"/>
+                <p:cNvGrpSpPr/>
+                <p:nvPr/>
+              </p:nvGrpSpPr>
+              <p:grpSpPr>
+                <a:xfrm>
+                  <a:off x="2985433" y="1543200"/>
+                  <a:ext cx="417997" cy="1428270"/>
+                  <a:chOff x="2985246" y="753035"/>
+                  <a:chExt cx="1411942" cy="1083903"/>
+                </a:xfrm>
                 <a:effectLst>
-                  <a:outerShdw blurRad="38100" dist="38100" dir="2700000" algn="tl">
-                    <a:srgbClr val="000000">
-                      <a:alpha val="43137"/>
-                    </a:srgbClr>
+                  <a:outerShdw blurRad="50800" dist="38100" dir="2700000" algn="tl" rotWithShape="0">
+                    <a:prstClr val="black">
+                      <a:alpha val="40000"/>
+                    </a:prstClr>
                   </a:outerShdw>
                 </a:effectLst>
-                <a:latin typeface="French Script MT" panose="03020402040607040605" pitchFamily="66" charset="0"/>
-              </a:rPr>
-              <a:t>Spark</a:t>
-            </a:r>
-          </a:p>
-        </p:txBody>
-      </p:sp>
+              </p:grpSpPr>
+              <p:sp>
+                <p:nvSpPr>
+                  <p:cNvPr id="35" name="矩形 34"/>
+                  <p:cNvSpPr/>
+                  <p:nvPr/>
+                </p:nvSpPr>
+                <p:spPr>
+                  <a:xfrm>
+                    <a:off x="2985247" y="753035"/>
+                    <a:ext cx="1411941" cy="1008530"/>
+                  </a:xfrm>
+                  <a:prstGeom prst="rect">
+                    <a:avLst/>
+                  </a:prstGeom>
+                  <a:solidFill>
+                    <a:schemeClr val="accent4">
+                      <a:lumMod val="75000"/>
+                    </a:schemeClr>
+                  </a:solidFill>
+                  <a:ln>
+                    <a:noFill/>
+                  </a:ln>
+                </p:spPr>
+                <p:style>
+                  <a:lnRef idx="2">
+                    <a:schemeClr val="accent1">
+                      <a:shade val="50000"/>
+                    </a:schemeClr>
+                  </a:lnRef>
+                  <a:fillRef idx="1">
+                    <a:schemeClr val="accent1"/>
+                  </a:fillRef>
+                  <a:effectRef idx="0">
+                    <a:schemeClr val="accent1"/>
+                  </a:effectRef>
+                  <a:fontRef idx="minor">
+                    <a:schemeClr val="lt1"/>
+                  </a:fontRef>
+                </p:style>
+                <p:txBody>
+                  <a:bodyPr rtlCol="0" anchor="ctr"/>
+                  <a:lstStyle/>
+                  <a:p>
+                    <a:pPr algn="ctr"/>
+                    <a:endParaRPr lang="zh-CN" altLang="en-US">
+                      <a:latin typeface="Consolas" panose="020B0609020204030204" pitchFamily="49" charset="0"/>
+                      <a:cs typeface="Consolas" panose="020B0609020204030204" pitchFamily="49" charset="0"/>
+                    </a:endParaRPr>
+                  </a:p>
+                </p:txBody>
+              </p:sp>
+              <p:sp>
+                <p:nvSpPr>
+                  <p:cNvPr id="38" name="椭圆 37"/>
+                  <p:cNvSpPr/>
+                  <p:nvPr/>
+                </p:nvSpPr>
+                <p:spPr>
+                  <a:xfrm>
+                    <a:off x="2985246" y="1702467"/>
+                    <a:ext cx="1411942" cy="134471"/>
+                  </a:xfrm>
+                  <a:prstGeom prst="ellipse">
+                    <a:avLst/>
+                  </a:prstGeom>
+                  <a:solidFill>
+                    <a:schemeClr val="accent4">
+                      <a:lumMod val="75000"/>
+                    </a:schemeClr>
+                  </a:solidFill>
+                  <a:ln>
+                    <a:noFill/>
+                  </a:ln>
+                </p:spPr>
+                <p:style>
+                  <a:lnRef idx="2">
+                    <a:schemeClr val="accent1">
+                      <a:shade val="50000"/>
+                    </a:schemeClr>
+                  </a:lnRef>
+                  <a:fillRef idx="1">
+                    <a:schemeClr val="accent1"/>
+                  </a:fillRef>
+                  <a:effectRef idx="0">
+                    <a:schemeClr val="accent1"/>
+                  </a:effectRef>
+                  <a:fontRef idx="minor">
+                    <a:schemeClr val="lt1"/>
+                  </a:fontRef>
+                </p:style>
+                <p:txBody>
+                  <a:bodyPr rtlCol="0" anchor="ctr"/>
+                  <a:lstStyle/>
+                  <a:p>
+                    <a:pPr algn="ctr"/>
+                    <a:endParaRPr lang="zh-CN" altLang="en-US">
+                      <a:latin typeface="Consolas" panose="020B0609020204030204" pitchFamily="49" charset="0"/>
+                      <a:cs typeface="Consolas" panose="020B0609020204030204" pitchFamily="49" charset="0"/>
+                    </a:endParaRPr>
+                  </a:p>
+                </p:txBody>
+              </p:sp>
+            </p:grpSp>
+            <p:sp>
+              <p:nvSpPr>
+                <p:cNvPr id="39" name="椭圆 38"/>
+                <p:cNvSpPr/>
+                <p:nvPr/>
+              </p:nvSpPr>
+              <p:spPr>
+                <a:xfrm>
+                  <a:off x="2979851" y="1494028"/>
+                  <a:ext cx="431586" cy="163964"/>
+                </a:xfrm>
+                <a:prstGeom prst="ellipse">
+                  <a:avLst/>
+                </a:prstGeom>
+                <a:solidFill>
+                  <a:schemeClr val="accent4">
+                    <a:lumMod val="60000"/>
+                    <a:lumOff val="40000"/>
+                  </a:schemeClr>
+                </a:solidFill>
+                <a:ln>
+                  <a:noFill/>
+                </a:ln>
+              </p:spPr>
+              <p:style>
+                <a:lnRef idx="2">
+                  <a:schemeClr val="accent1">
+                    <a:shade val="50000"/>
+                  </a:schemeClr>
+                </a:lnRef>
+                <a:fillRef idx="1">
+                  <a:schemeClr val="accent1"/>
+                </a:fillRef>
+                <a:effectRef idx="0">
+                  <a:schemeClr val="accent1"/>
+                </a:effectRef>
+                <a:fontRef idx="minor">
+                  <a:schemeClr val="lt1"/>
+                </a:fontRef>
+              </p:style>
+              <p:txBody>
+                <a:bodyPr rtlCol="0" anchor="ctr"/>
+                <a:lstStyle/>
+                <a:p>
+                  <a:pPr algn="ctr"/>
+                  <a:endParaRPr lang="zh-CN" altLang="en-US">
+                    <a:latin typeface="Consolas" panose="020B0609020204030204" pitchFamily="49" charset="0"/>
+                    <a:cs typeface="Consolas" panose="020B0609020204030204" pitchFamily="49" charset="0"/>
+                  </a:endParaRPr>
+                </a:p>
+              </p:txBody>
+            </p:sp>
+          </p:grpSp>
+          <p:sp>
+            <p:nvSpPr>
+              <p:cNvPr id="40" name="右箭头 39"/>
+              <p:cNvSpPr/>
+              <p:nvPr/>
+            </p:nvSpPr>
+            <p:spPr>
+              <a:xfrm>
+                <a:off x="3203807" y="2058277"/>
+                <a:ext cx="286367" cy="368843"/>
+              </a:xfrm>
+              <a:prstGeom prst="rightArrow">
+                <a:avLst/>
+              </a:prstGeom>
+              <a:gradFill>
+                <a:gsLst>
+                  <a:gs pos="0">
+                    <a:schemeClr val="accent2">
+                      <a:lumMod val="75000"/>
+                    </a:schemeClr>
+                  </a:gs>
+                  <a:gs pos="100000">
+                    <a:schemeClr val="accent2">
+                      <a:lumMod val="20000"/>
+                      <a:lumOff val="80000"/>
+                    </a:schemeClr>
+                  </a:gs>
+                </a:gsLst>
+                <a:lin ang="0" scaled="1"/>
+              </a:gradFill>
+            </p:spPr>
+            <p:style>
+              <a:lnRef idx="2">
+                <a:schemeClr val="accent6">
+                  <a:shade val="50000"/>
+                </a:schemeClr>
+              </a:lnRef>
+              <a:fillRef idx="1">
+                <a:schemeClr val="accent6"/>
+              </a:fillRef>
+              <a:effectRef idx="0">
+                <a:schemeClr val="accent6"/>
+              </a:effectRef>
+              <a:fontRef idx="minor">
+                <a:schemeClr val="lt1"/>
+              </a:fontRef>
+            </p:style>
+            <p:txBody>
+              <a:bodyPr rtlCol="0" anchor="ctr"/>
+              <a:lstStyle/>
+              <a:p>
+                <a:pPr algn="ctr"/>
+                <a:endParaRPr lang="zh-CN" altLang="en-US">
+                  <a:latin typeface="Consolas" panose="020B0609020204030204" pitchFamily="49" charset="0"/>
+                  <a:cs typeface="Consolas" panose="020B0609020204030204" pitchFamily="49" charset="0"/>
+                </a:endParaRPr>
+              </a:p>
+            </p:txBody>
+          </p:sp>
+          <p:sp>
+            <p:nvSpPr>
+              <p:cNvPr id="41" name="文本框 40"/>
+              <p:cNvSpPr txBox="1"/>
+              <p:nvPr/>
+            </p:nvSpPr>
+            <p:spPr>
+              <a:xfrm rot="16200000">
+                <a:off x="1710157" y="2366506"/>
+                <a:ext cx="2581836" cy="261610"/>
+              </a:xfrm>
+              <a:prstGeom prst="rect">
+                <a:avLst/>
+              </a:prstGeom>
+              <a:noFill/>
+            </p:spPr>
+            <p:txBody>
+              <a:bodyPr wrap="square" rtlCol="0">
+                <a:spAutoFit/>
+              </a:bodyPr>
+              <a:lstStyle/>
+              <a:p>
+                <a:pPr algn="ctr"/>
+                <a:r>
+                  <a:rPr lang="en-US" altLang="zh-CN" sz="1100" dirty="0" smtClean="0">
+                    <a:latin typeface="Consolas" panose="020B0609020204030204" pitchFamily="49" charset="0"/>
+                    <a:cs typeface="Consolas" panose="020B0609020204030204" pitchFamily="49" charset="0"/>
+                  </a:rPr>
+                  <a:t>Data Warehouse</a:t>
+                </a:r>
+                <a:endParaRPr lang="en-US" altLang="zh-CN" sz="1100" dirty="0" smtClean="0">
+                  <a:latin typeface="Consolas" panose="020B0609020204030204" pitchFamily="49" charset="0"/>
+                  <a:cs typeface="Consolas" panose="020B0609020204030204" pitchFamily="49" charset="0"/>
+                </a:endParaRPr>
+              </a:p>
+            </p:txBody>
+          </p:sp>
+          <p:sp>
+            <p:nvSpPr>
+              <p:cNvPr id="11" name="矩形 10"/>
+              <p:cNvSpPr/>
+              <p:nvPr/>
+            </p:nvSpPr>
+            <p:spPr>
+              <a:xfrm>
+                <a:off x="3683358" y="1824770"/>
+                <a:ext cx="334850" cy="1146699"/>
+              </a:xfrm>
+              <a:prstGeom prst="rect">
+                <a:avLst/>
+              </a:prstGeom>
+              <a:solidFill>
+                <a:schemeClr val="accent4">
+                  <a:lumMod val="60000"/>
+                  <a:lumOff val="40000"/>
+                </a:schemeClr>
+              </a:solidFill>
+            </p:spPr>
+            <p:style>
+              <a:lnRef idx="2">
+                <a:schemeClr val="accent1">
+                  <a:shade val="50000"/>
+                </a:schemeClr>
+              </a:lnRef>
+              <a:fillRef idx="1">
+                <a:schemeClr val="accent1"/>
+              </a:fillRef>
+              <a:effectRef idx="0">
+                <a:schemeClr val="accent1"/>
+              </a:effectRef>
+              <a:fontRef idx="minor">
+                <a:schemeClr val="lt1"/>
+              </a:fontRef>
+            </p:style>
+            <p:txBody>
+              <a:bodyPr rtlCol="0" anchor="ctr"/>
+              <a:lstStyle/>
+              <a:p>
+                <a:pPr algn="ctr"/>
+                <a:endParaRPr lang="zh-CN" altLang="en-US">
+                  <a:latin typeface="Consolas" panose="020B0609020204030204" pitchFamily="49" charset="0"/>
+                  <a:cs typeface="Consolas" panose="020B0609020204030204" pitchFamily="49" charset="0"/>
+                </a:endParaRPr>
+              </a:p>
+            </p:txBody>
+          </p:sp>
+          <p:sp>
+            <p:nvSpPr>
+              <p:cNvPr id="42" name="矩形 41"/>
+              <p:cNvSpPr/>
+              <p:nvPr/>
+            </p:nvSpPr>
+            <p:spPr>
+              <a:xfrm>
+                <a:off x="4211391" y="1836310"/>
+                <a:ext cx="334850" cy="1146699"/>
+              </a:xfrm>
+              <a:prstGeom prst="rect">
+                <a:avLst/>
+              </a:prstGeom>
+              <a:solidFill>
+                <a:schemeClr val="accent4">
+                  <a:lumMod val="60000"/>
+                  <a:lumOff val="40000"/>
+                </a:schemeClr>
+              </a:solidFill>
+            </p:spPr>
+            <p:style>
+              <a:lnRef idx="2">
+                <a:schemeClr val="accent1">
+                  <a:shade val="50000"/>
+                </a:schemeClr>
+              </a:lnRef>
+              <a:fillRef idx="1">
+                <a:schemeClr val="accent1"/>
+              </a:fillRef>
+              <a:effectRef idx="0">
+                <a:schemeClr val="accent1"/>
+              </a:effectRef>
+              <a:fontRef idx="minor">
+                <a:schemeClr val="lt1"/>
+              </a:fontRef>
+            </p:style>
+            <p:txBody>
+              <a:bodyPr rtlCol="0" anchor="ctr"/>
+              <a:lstStyle/>
+              <a:p>
+                <a:pPr algn="ctr"/>
+                <a:endParaRPr lang="zh-CN" altLang="en-US">
+                  <a:latin typeface="Consolas" panose="020B0609020204030204" pitchFamily="49" charset="0"/>
+                  <a:cs typeface="Consolas" panose="020B0609020204030204" pitchFamily="49" charset="0"/>
+                </a:endParaRPr>
+              </a:p>
+            </p:txBody>
+          </p:sp>
+          <p:sp>
+            <p:nvSpPr>
+              <p:cNvPr id="43" name="矩形 42"/>
+              <p:cNvSpPr/>
+              <p:nvPr/>
+            </p:nvSpPr>
+            <p:spPr>
+              <a:xfrm>
+                <a:off x="4739424" y="1838084"/>
+                <a:ext cx="334850" cy="1146699"/>
+              </a:xfrm>
+              <a:prstGeom prst="rect">
+                <a:avLst/>
+              </a:prstGeom>
+              <a:solidFill>
+                <a:schemeClr val="accent4">
+                  <a:lumMod val="60000"/>
+                  <a:lumOff val="40000"/>
+                </a:schemeClr>
+              </a:solidFill>
+            </p:spPr>
+            <p:style>
+              <a:lnRef idx="2">
+                <a:schemeClr val="accent1">
+                  <a:shade val="50000"/>
+                </a:schemeClr>
+              </a:lnRef>
+              <a:fillRef idx="1">
+                <a:schemeClr val="accent1"/>
+              </a:fillRef>
+              <a:effectRef idx="0">
+                <a:schemeClr val="accent1"/>
+              </a:effectRef>
+              <a:fontRef idx="minor">
+                <a:schemeClr val="lt1"/>
+              </a:fontRef>
+            </p:style>
+            <p:txBody>
+              <a:bodyPr rtlCol="0" anchor="ctr"/>
+              <a:lstStyle/>
+              <a:p>
+                <a:pPr algn="ctr"/>
+                <a:endParaRPr lang="zh-CN" altLang="en-US">
+                  <a:latin typeface="Consolas" panose="020B0609020204030204" pitchFamily="49" charset="0"/>
+                  <a:cs typeface="Consolas" panose="020B0609020204030204" pitchFamily="49" charset="0"/>
+                </a:endParaRPr>
+              </a:p>
+            </p:txBody>
+          </p:sp>
+          <p:sp>
+            <p:nvSpPr>
+              <p:cNvPr id="44" name="矩形 43"/>
+              <p:cNvSpPr/>
+              <p:nvPr/>
+            </p:nvSpPr>
+            <p:spPr>
+              <a:xfrm>
+                <a:off x="5267457" y="1849624"/>
+                <a:ext cx="334850" cy="1146699"/>
+              </a:xfrm>
+              <a:prstGeom prst="rect">
+                <a:avLst/>
+              </a:prstGeom>
+              <a:solidFill>
+                <a:schemeClr val="accent4">
+                  <a:lumMod val="60000"/>
+                  <a:lumOff val="40000"/>
+                </a:schemeClr>
+              </a:solidFill>
+            </p:spPr>
+            <p:style>
+              <a:lnRef idx="2">
+                <a:schemeClr val="accent1">
+                  <a:shade val="50000"/>
+                </a:schemeClr>
+              </a:lnRef>
+              <a:fillRef idx="1">
+                <a:schemeClr val="accent1"/>
+              </a:fillRef>
+              <a:effectRef idx="0">
+                <a:schemeClr val="accent1"/>
+              </a:effectRef>
+              <a:fontRef idx="minor">
+                <a:schemeClr val="lt1"/>
+              </a:fontRef>
+            </p:style>
+            <p:txBody>
+              <a:bodyPr rtlCol="0" anchor="ctr"/>
+              <a:lstStyle/>
+              <a:p>
+                <a:pPr algn="ctr"/>
+                <a:endParaRPr lang="zh-CN" altLang="en-US">
+                  <a:latin typeface="Consolas" panose="020B0609020204030204" pitchFamily="49" charset="0"/>
+                  <a:cs typeface="Consolas" panose="020B0609020204030204" pitchFamily="49" charset="0"/>
+                </a:endParaRPr>
+              </a:p>
+            </p:txBody>
+          </p:sp>
+          <p:sp>
+            <p:nvSpPr>
+              <p:cNvPr id="45" name="文本框 44"/>
+              <p:cNvSpPr txBox="1"/>
+              <p:nvPr/>
+            </p:nvSpPr>
+            <p:spPr>
+              <a:xfrm rot="16200000">
+                <a:off x="2557621" y="2271159"/>
+                <a:ext cx="2581836" cy="276999"/>
+              </a:xfrm>
+              <a:prstGeom prst="rect">
+                <a:avLst/>
+              </a:prstGeom>
+              <a:noFill/>
+            </p:spPr>
+            <p:txBody>
+              <a:bodyPr wrap="square" rtlCol="0">
+                <a:spAutoFit/>
+              </a:bodyPr>
+              <a:lstStyle/>
+              <a:p>
+                <a:pPr algn="ctr"/>
+                <a:r>
+                  <a:rPr lang="en-US" altLang="zh-CN" sz="1200" dirty="0">
+                    <a:latin typeface="Consolas" panose="020B0609020204030204" pitchFamily="49" charset="0"/>
+                    <a:cs typeface="Consolas" panose="020B0609020204030204" pitchFamily="49" charset="0"/>
+                  </a:rPr>
+                  <a:t>S</a:t>
+                </a:r>
+                <a:r>
+                  <a:rPr lang="en-US" altLang="zh-CN" sz="1200" dirty="0" smtClean="0">
+                    <a:latin typeface="Consolas" panose="020B0609020204030204" pitchFamily="49" charset="0"/>
+                    <a:cs typeface="Consolas" panose="020B0609020204030204" pitchFamily="49" charset="0"/>
+                  </a:rPr>
+                  <a:t> level</a:t>
+                </a:r>
+                <a:endParaRPr lang="en-US" altLang="zh-CN" sz="1200" dirty="0" smtClean="0">
+                  <a:latin typeface="Consolas" panose="020B0609020204030204" pitchFamily="49" charset="0"/>
+                  <a:cs typeface="Consolas" panose="020B0609020204030204" pitchFamily="49" charset="0"/>
+                </a:endParaRPr>
+              </a:p>
+            </p:txBody>
+          </p:sp>
+          <p:sp>
+            <p:nvSpPr>
+              <p:cNvPr id="46" name="文本框 45"/>
+              <p:cNvSpPr txBox="1"/>
+              <p:nvPr/>
+            </p:nvSpPr>
+            <p:spPr>
+              <a:xfrm rot="16200000">
+                <a:off x="3083152" y="2284473"/>
+                <a:ext cx="2581836" cy="276999"/>
+              </a:xfrm>
+              <a:prstGeom prst="rect">
+                <a:avLst/>
+              </a:prstGeom>
+              <a:noFill/>
+            </p:spPr>
+            <p:txBody>
+              <a:bodyPr wrap="square" rtlCol="0">
+                <a:spAutoFit/>
+              </a:bodyPr>
+              <a:lstStyle/>
+              <a:p>
+                <a:pPr algn="ctr"/>
+                <a:r>
+                  <a:rPr lang="en-US" altLang="zh-CN" sz="1200" dirty="0" smtClean="0">
+                    <a:latin typeface="Consolas" panose="020B0609020204030204" pitchFamily="49" charset="0"/>
+                    <a:cs typeface="Consolas" panose="020B0609020204030204" pitchFamily="49" charset="0"/>
+                  </a:rPr>
+                  <a:t>O level</a:t>
+                </a:r>
+                <a:endParaRPr lang="en-US" altLang="zh-CN" sz="1200" dirty="0" smtClean="0">
+                  <a:latin typeface="Consolas" panose="020B0609020204030204" pitchFamily="49" charset="0"/>
+                  <a:cs typeface="Consolas" panose="020B0609020204030204" pitchFamily="49" charset="0"/>
+                </a:endParaRPr>
+              </a:p>
+            </p:txBody>
+          </p:sp>
+          <p:sp>
+            <p:nvSpPr>
+              <p:cNvPr id="47" name="文本框 46"/>
+              <p:cNvSpPr txBox="1"/>
+              <p:nvPr/>
+            </p:nvSpPr>
+            <p:spPr>
+              <a:xfrm rot="16200000">
+                <a:off x="3638309" y="2275306"/>
+                <a:ext cx="2581836" cy="276999"/>
+              </a:xfrm>
+              <a:prstGeom prst="rect">
+                <a:avLst/>
+              </a:prstGeom>
+              <a:noFill/>
+            </p:spPr>
+            <p:txBody>
+              <a:bodyPr wrap="square" rtlCol="0">
+                <a:spAutoFit/>
+              </a:bodyPr>
+              <a:lstStyle/>
+              <a:p>
+                <a:pPr algn="ctr"/>
+                <a:r>
+                  <a:rPr lang="en-US" altLang="zh-CN" sz="1200" dirty="0" smtClean="0">
+                    <a:latin typeface="Consolas" panose="020B0609020204030204" pitchFamily="49" charset="0"/>
+                    <a:cs typeface="Consolas" panose="020B0609020204030204" pitchFamily="49" charset="0"/>
+                  </a:rPr>
+                  <a:t>L level</a:t>
+                </a:r>
+                <a:endParaRPr lang="en-US" altLang="zh-CN" sz="1200" dirty="0" smtClean="0">
+                  <a:latin typeface="Consolas" panose="020B0609020204030204" pitchFamily="49" charset="0"/>
+                  <a:cs typeface="Consolas" panose="020B0609020204030204" pitchFamily="49" charset="0"/>
+                </a:endParaRPr>
+              </a:p>
+            </p:txBody>
+          </p:sp>
+          <p:sp>
+            <p:nvSpPr>
+              <p:cNvPr id="48" name="文本框 47"/>
+              <p:cNvSpPr txBox="1"/>
+              <p:nvPr/>
+            </p:nvSpPr>
+            <p:spPr>
+              <a:xfrm rot="16200000">
+                <a:off x="4163840" y="2288620"/>
+                <a:ext cx="2581836" cy="276999"/>
+              </a:xfrm>
+              <a:prstGeom prst="rect">
+                <a:avLst/>
+              </a:prstGeom>
+              <a:noFill/>
+            </p:spPr>
+            <p:txBody>
+              <a:bodyPr wrap="square" rtlCol="0">
+                <a:spAutoFit/>
+              </a:bodyPr>
+              <a:lstStyle/>
+              <a:p>
+                <a:pPr algn="ctr"/>
+                <a:r>
+                  <a:rPr lang="en-US" altLang="zh-CN" sz="1200" dirty="0">
+                    <a:latin typeface="Consolas" panose="020B0609020204030204" pitchFamily="49" charset="0"/>
+                    <a:cs typeface="Consolas" panose="020B0609020204030204" pitchFamily="49" charset="0"/>
+                  </a:rPr>
+                  <a:t>D</a:t>
+                </a:r>
+                <a:r>
+                  <a:rPr lang="en-US" altLang="zh-CN" sz="1200" dirty="0" smtClean="0">
+                    <a:latin typeface="Consolas" panose="020B0609020204030204" pitchFamily="49" charset="0"/>
+                    <a:cs typeface="Consolas" panose="020B0609020204030204" pitchFamily="49" charset="0"/>
+                  </a:rPr>
+                  <a:t> level</a:t>
+                </a:r>
+                <a:endParaRPr lang="en-US" altLang="zh-CN" sz="1200" dirty="0" smtClean="0">
+                  <a:latin typeface="Consolas" panose="020B0609020204030204" pitchFamily="49" charset="0"/>
+                  <a:cs typeface="Consolas" panose="020B0609020204030204" pitchFamily="49" charset="0"/>
+                </a:endParaRPr>
+              </a:p>
+            </p:txBody>
+          </p:sp>
+          <p:sp>
+            <p:nvSpPr>
+              <p:cNvPr id="53" name="文本框 52"/>
+              <p:cNvSpPr txBox="1"/>
+              <p:nvPr/>
+            </p:nvSpPr>
+            <p:spPr>
+              <a:xfrm>
+                <a:off x="3087898" y="5415053"/>
+                <a:ext cx="2581836" cy="369332"/>
+              </a:xfrm>
+              <a:prstGeom prst="rect">
+                <a:avLst/>
+              </a:prstGeom>
+              <a:noFill/>
+            </p:spPr>
+            <p:txBody>
+              <a:bodyPr wrap="square" rtlCol="0">
+                <a:spAutoFit/>
+              </a:bodyPr>
+              <a:lstStyle/>
+              <a:p>
+                <a:pPr algn="ctr"/>
+                <a:r>
+                  <a:rPr lang="en-US" altLang="zh-CN" dirty="0" err="1" smtClean="0">
+                    <a:latin typeface="Consolas" panose="020B0609020204030204" pitchFamily="49" charset="0"/>
+                    <a:cs typeface="Consolas" panose="020B0609020204030204" pitchFamily="49" charset="0"/>
+                  </a:rPr>
+                  <a:t>Oozie</a:t>
+                </a:r>
+                <a:endParaRPr lang="en-US" altLang="zh-CN" dirty="0" smtClean="0">
+                  <a:latin typeface="Consolas" panose="020B0609020204030204" pitchFamily="49" charset="0"/>
+                  <a:cs typeface="Consolas" panose="020B0609020204030204" pitchFamily="49" charset="0"/>
+                </a:endParaRPr>
+              </a:p>
+            </p:txBody>
+          </p:sp>
+          <p:sp>
+            <p:nvSpPr>
+              <p:cNvPr id="55" name="文本框 54"/>
+              <p:cNvSpPr txBox="1"/>
+              <p:nvPr/>
+            </p:nvSpPr>
+            <p:spPr>
+              <a:xfrm>
+                <a:off x="6950865" y="990950"/>
+                <a:ext cx="2581836" cy="307777"/>
+              </a:xfrm>
+              <a:prstGeom prst="rect">
+                <a:avLst/>
+              </a:prstGeom>
+              <a:noFill/>
+            </p:spPr>
+            <p:txBody>
+              <a:bodyPr wrap="square" rtlCol="0">
+                <a:spAutoFit/>
+              </a:bodyPr>
+              <a:lstStyle/>
+              <a:p>
+                <a:pPr algn="ctr"/>
+                <a:r>
+                  <a:rPr lang="en-US" altLang="zh-CN" sz="1400" b="1" dirty="0" smtClean="0">
+                    <a:latin typeface="Consolas" panose="020B0609020204030204" pitchFamily="49" charset="0"/>
+                    <a:cs typeface="Consolas" panose="020B0609020204030204" pitchFamily="49" charset="0"/>
+                  </a:rPr>
+                  <a:t>Report System</a:t>
+                </a:r>
+              </a:p>
+            </p:txBody>
+          </p:sp>
+          <p:sp>
+            <p:nvSpPr>
+              <p:cNvPr id="60" name="文本框 59"/>
+              <p:cNvSpPr txBox="1"/>
+              <p:nvPr/>
+            </p:nvSpPr>
+            <p:spPr>
+              <a:xfrm>
+                <a:off x="6965140" y="1956051"/>
+                <a:ext cx="2581836" cy="307777"/>
+              </a:xfrm>
+              <a:prstGeom prst="rect">
+                <a:avLst/>
+              </a:prstGeom>
+              <a:noFill/>
+            </p:spPr>
+            <p:txBody>
+              <a:bodyPr wrap="square" rtlCol="0">
+                <a:spAutoFit/>
+              </a:bodyPr>
+              <a:lstStyle/>
+              <a:p>
+                <a:pPr algn="ctr"/>
+                <a:r>
+                  <a:rPr lang="en-US" altLang="zh-CN" sz="1400" dirty="0" err="1" smtClean="0">
+                    <a:latin typeface="Consolas" panose="020B0609020204030204" pitchFamily="49" charset="0"/>
+                    <a:cs typeface="Consolas" panose="020B0609020204030204" pitchFamily="49" charset="0"/>
+                  </a:rPr>
+                  <a:t>Mysql</a:t>
+                </a:r>
+                <a:endParaRPr lang="en-US" altLang="zh-CN" sz="1400" dirty="0" smtClean="0">
+                  <a:latin typeface="Consolas" panose="020B0609020204030204" pitchFamily="49" charset="0"/>
+                  <a:cs typeface="Consolas" panose="020B0609020204030204" pitchFamily="49" charset="0"/>
+                </a:endParaRPr>
+              </a:p>
+            </p:txBody>
+          </p:sp>
+          <p:sp>
+            <p:nvSpPr>
+              <p:cNvPr id="61" name="L 形 60"/>
+              <p:cNvSpPr/>
+              <p:nvPr/>
+            </p:nvSpPr>
+            <p:spPr>
+              <a:xfrm rot="16200000">
+                <a:off x="1147543" y="3366077"/>
+                <a:ext cx="1864077" cy="354267"/>
+              </a:xfrm>
+              <a:prstGeom prst="corner">
+                <a:avLst>
+                  <a:gd name="adj1" fmla="val 46334"/>
+                  <a:gd name="adj2" fmla="val 50000"/>
+                </a:avLst>
+              </a:prstGeom>
+              <a:solidFill>
+                <a:schemeClr val="accent1">
+                  <a:lumMod val="75000"/>
+                </a:schemeClr>
+              </a:solidFill>
+            </p:spPr>
+            <p:style>
+              <a:lnRef idx="2">
+                <a:schemeClr val="accent1">
+                  <a:shade val="50000"/>
+                </a:schemeClr>
+              </a:lnRef>
+              <a:fillRef idx="1">
+                <a:schemeClr val="accent1"/>
+              </a:fillRef>
+              <a:effectRef idx="0">
+                <a:schemeClr val="accent1"/>
+              </a:effectRef>
+              <a:fontRef idx="minor">
+                <a:schemeClr val="lt1"/>
+              </a:fontRef>
+            </p:style>
+            <p:txBody>
+              <a:bodyPr rtlCol="0" anchor="ctr"/>
+              <a:lstStyle/>
+              <a:p>
+                <a:pPr algn="ctr"/>
+                <a:endParaRPr lang="zh-CN" altLang="en-US"/>
+              </a:p>
+            </p:txBody>
+          </p:sp>
+          <p:sp>
+            <p:nvSpPr>
+              <p:cNvPr id="62" name="右箭头 61"/>
+              <p:cNvSpPr/>
+              <p:nvPr/>
+            </p:nvSpPr>
+            <p:spPr>
+              <a:xfrm>
+                <a:off x="2265762" y="2529765"/>
+                <a:ext cx="511089" cy="345463"/>
+              </a:xfrm>
+              <a:prstGeom prst="rightArrow">
+                <a:avLst/>
+              </a:prstGeom>
+              <a:gradFill flip="none" rotWithShape="1">
+                <a:gsLst>
+                  <a:gs pos="0">
+                    <a:schemeClr val="accent1">
+                      <a:lumMod val="75000"/>
+                    </a:schemeClr>
+                  </a:gs>
+                  <a:gs pos="100000">
+                    <a:schemeClr val="accent1">
+                      <a:lumMod val="20000"/>
+                      <a:lumOff val="80000"/>
+                    </a:schemeClr>
+                  </a:gs>
+                </a:gsLst>
+                <a:lin ang="0" scaled="1"/>
+                <a:tileRect/>
+              </a:gradFill>
+            </p:spPr>
+            <p:style>
+              <a:lnRef idx="2">
+                <a:schemeClr val="accent6">
+                  <a:shade val="50000"/>
+                </a:schemeClr>
+              </a:lnRef>
+              <a:fillRef idx="1">
+                <a:schemeClr val="accent6"/>
+              </a:fillRef>
+              <a:effectRef idx="0">
+                <a:schemeClr val="accent6"/>
+              </a:effectRef>
+              <a:fontRef idx="minor">
+                <a:schemeClr val="lt1"/>
+              </a:fontRef>
+            </p:style>
+            <p:txBody>
+              <a:bodyPr rtlCol="0" anchor="ctr"/>
+              <a:lstStyle/>
+              <a:p>
+                <a:pPr algn="ctr"/>
+                <a:endParaRPr lang="zh-CN" altLang="en-US"/>
+              </a:p>
+            </p:txBody>
+          </p:sp>
+          <p:sp>
+            <p:nvSpPr>
+              <p:cNvPr id="63" name="圆角矩形 62"/>
+              <p:cNvSpPr/>
+              <p:nvPr/>
+            </p:nvSpPr>
+            <p:spPr>
+              <a:xfrm>
+                <a:off x="2802914" y="3446878"/>
+                <a:ext cx="3051446" cy="1607371"/>
+              </a:xfrm>
+              <a:prstGeom prst="roundRect">
+                <a:avLst>
+                  <a:gd name="adj" fmla="val 8974"/>
+                </a:avLst>
+              </a:prstGeom>
+              <a:solidFill>
+                <a:schemeClr val="accent6">
+                  <a:lumMod val="75000"/>
+                </a:schemeClr>
+              </a:solidFill>
+            </p:spPr>
+            <p:style>
+              <a:lnRef idx="2">
+                <a:schemeClr val="accent1">
+                  <a:shade val="50000"/>
+                </a:schemeClr>
+              </a:lnRef>
+              <a:fillRef idx="1">
+                <a:schemeClr val="accent1"/>
+              </a:fillRef>
+              <a:effectRef idx="0">
+                <a:schemeClr val="accent1"/>
+              </a:effectRef>
+              <a:fontRef idx="minor">
+                <a:schemeClr val="lt1"/>
+              </a:fontRef>
+            </p:style>
+            <p:txBody>
+              <a:bodyPr rtlCol="0" anchor="ctr"/>
+              <a:lstStyle/>
+              <a:p>
+                <a:pPr algn="ctr"/>
+                <a:endParaRPr lang="zh-CN" altLang="en-US">
+                  <a:latin typeface="Consolas" panose="020B0609020204030204" pitchFamily="49" charset="0"/>
+                  <a:cs typeface="Consolas" panose="020B0609020204030204" pitchFamily="49" charset="0"/>
+                </a:endParaRPr>
+              </a:p>
+            </p:txBody>
+          </p:sp>
+          <p:sp>
+            <p:nvSpPr>
+              <p:cNvPr id="64" name="文本框 63"/>
+              <p:cNvSpPr txBox="1"/>
+              <p:nvPr/>
+            </p:nvSpPr>
+            <p:spPr>
+              <a:xfrm>
+                <a:off x="3037719" y="3590663"/>
+                <a:ext cx="2581836" cy="307777"/>
+              </a:xfrm>
+              <a:prstGeom prst="rect">
+                <a:avLst/>
+              </a:prstGeom>
+              <a:noFill/>
+            </p:spPr>
+            <p:txBody>
+              <a:bodyPr wrap="square" rtlCol="0">
+                <a:spAutoFit/>
+              </a:bodyPr>
+              <a:lstStyle/>
+              <a:p>
+                <a:pPr algn="ctr"/>
+                <a:r>
+                  <a:rPr lang="en-US" altLang="zh-CN" sz="1400" dirty="0">
+                    <a:latin typeface="Consolas" panose="020B0609020204030204" pitchFamily="49" charset="0"/>
+                    <a:cs typeface="Consolas" panose="020B0609020204030204" pitchFamily="49" charset="0"/>
+                  </a:rPr>
+                  <a:t>real-time processing</a:t>
+                </a:r>
+                <a:endParaRPr lang="en-US" altLang="zh-CN" sz="1400" dirty="0" smtClean="0">
+                  <a:latin typeface="Consolas" panose="020B0609020204030204" pitchFamily="49" charset="0"/>
+                  <a:cs typeface="Consolas" panose="020B0609020204030204" pitchFamily="49" charset="0"/>
+                </a:endParaRPr>
+              </a:p>
+            </p:txBody>
+          </p:sp>
+          <p:sp>
+            <p:nvSpPr>
+              <p:cNvPr id="69" name="矩形 68"/>
+              <p:cNvSpPr/>
+              <p:nvPr/>
+            </p:nvSpPr>
+            <p:spPr>
+              <a:xfrm>
+                <a:off x="4608913" y="3995712"/>
+                <a:ext cx="1006884" cy="963349"/>
+              </a:xfrm>
+              <a:prstGeom prst="rect">
+                <a:avLst/>
+              </a:prstGeom>
+              <a:solidFill>
+                <a:schemeClr val="accent6">
+                  <a:lumMod val="60000"/>
+                  <a:lumOff val="40000"/>
+                </a:schemeClr>
+              </a:solidFill>
+            </p:spPr>
+            <p:style>
+              <a:lnRef idx="2">
+                <a:schemeClr val="accent1">
+                  <a:shade val="50000"/>
+                </a:schemeClr>
+              </a:lnRef>
+              <a:fillRef idx="1">
+                <a:schemeClr val="accent1"/>
+              </a:fillRef>
+              <a:effectRef idx="0">
+                <a:schemeClr val="accent1"/>
+              </a:effectRef>
+              <a:fontRef idx="minor">
+                <a:schemeClr val="lt1"/>
+              </a:fontRef>
+            </p:style>
+            <p:txBody>
+              <a:bodyPr rtlCol="0" anchor="ctr"/>
+              <a:lstStyle/>
+              <a:p>
+                <a:pPr algn="ctr"/>
+                <a:endParaRPr lang="zh-CN" altLang="en-US">
+                  <a:latin typeface="Consolas" panose="020B0609020204030204" pitchFamily="49" charset="0"/>
+                  <a:cs typeface="Consolas" panose="020B0609020204030204" pitchFamily="49" charset="0"/>
+                </a:endParaRPr>
+              </a:p>
+            </p:txBody>
+          </p:sp>
+          <p:sp>
+            <p:nvSpPr>
+              <p:cNvPr id="71" name="文本框 70"/>
+              <p:cNvSpPr txBox="1"/>
+              <p:nvPr/>
+            </p:nvSpPr>
+            <p:spPr>
+              <a:xfrm>
+                <a:off x="3832864" y="4245512"/>
+                <a:ext cx="2581836" cy="461665"/>
+              </a:xfrm>
+              <a:prstGeom prst="rect">
+                <a:avLst/>
+              </a:prstGeom>
+              <a:noFill/>
+            </p:spPr>
+            <p:txBody>
+              <a:bodyPr wrap="square" rtlCol="0">
+                <a:spAutoFit/>
+              </a:bodyPr>
+              <a:lstStyle/>
+              <a:p>
+                <a:pPr algn="ctr"/>
+                <a:r>
+                  <a:rPr lang="en-US" altLang="zh-CN" sz="1200" dirty="0" smtClean="0">
+                    <a:latin typeface="Consolas" panose="020B0609020204030204" pitchFamily="49" charset="0"/>
+                    <a:cs typeface="Consolas" panose="020B0609020204030204" pitchFamily="49" charset="0"/>
+                  </a:rPr>
+                  <a:t>Spark </a:t>
+                </a:r>
+              </a:p>
+              <a:p>
+                <a:pPr algn="ctr"/>
+                <a:r>
+                  <a:rPr lang="en-US" altLang="zh-CN" sz="1200" dirty="0" smtClean="0">
+                    <a:latin typeface="Consolas" panose="020B0609020204030204" pitchFamily="49" charset="0"/>
+                    <a:cs typeface="Consolas" panose="020B0609020204030204" pitchFamily="49" charset="0"/>
+                  </a:rPr>
+                  <a:t>Streaming</a:t>
+                </a:r>
+                <a:endParaRPr lang="en-US" altLang="zh-CN" sz="1200" dirty="0" smtClean="0">
+                  <a:latin typeface="Consolas" panose="020B0609020204030204" pitchFamily="49" charset="0"/>
+                  <a:cs typeface="Consolas" panose="020B0609020204030204" pitchFamily="49" charset="0"/>
+                </a:endParaRPr>
+              </a:p>
+            </p:txBody>
+          </p:sp>
+          <p:sp>
+            <p:nvSpPr>
+              <p:cNvPr id="72" name="矩形 71"/>
+              <p:cNvSpPr/>
+              <p:nvPr/>
+            </p:nvSpPr>
+            <p:spPr>
+              <a:xfrm>
+                <a:off x="3145755" y="3995712"/>
+                <a:ext cx="1006884" cy="963349"/>
+              </a:xfrm>
+              <a:prstGeom prst="rect">
+                <a:avLst/>
+              </a:prstGeom>
+              <a:solidFill>
+                <a:schemeClr val="accent6">
+                  <a:lumMod val="60000"/>
+                  <a:lumOff val="40000"/>
+                </a:schemeClr>
+              </a:solidFill>
+            </p:spPr>
+            <p:style>
+              <a:lnRef idx="2">
+                <a:schemeClr val="accent1">
+                  <a:shade val="50000"/>
+                </a:schemeClr>
+              </a:lnRef>
+              <a:fillRef idx="1">
+                <a:schemeClr val="accent1"/>
+              </a:fillRef>
+              <a:effectRef idx="0">
+                <a:schemeClr val="accent1"/>
+              </a:effectRef>
+              <a:fontRef idx="minor">
+                <a:schemeClr val="lt1"/>
+              </a:fontRef>
+            </p:style>
+            <p:txBody>
+              <a:bodyPr rtlCol="0" anchor="ctr"/>
+              <a:lstStyle/>
+              <a:p>
+                <a:pPr algn="ctr"/>
+                <a:endParaRPr lang="zh-CN" altLang="en-US">
+                  <a:latin typeface="Consolas" panose="020B0609020204030204" pitchFamily="49" charset="0"/>
+                  <a:cs typeface="Consolas" panose="020B0609020204030204" pitchFamily="49" charset="0"/>
+                </a:endParaRPr>
+              </a:p>
+            </p:txBody>
+          </p:sp>
+          <p:sp>
+            <p:nvSpPr>
+              <p:cNvPr id="73" name="文本框 72"/>
+              <p:cNvSpPr txBox="1"/>
+              <p:nvPr/>
+            </p:nvSpPr>
+            <p:spPr>
+              <a:xfrm>
+                <a:off x="2300697" y="4374059"/>
+                <a:ext cx="2581836" cy="276999"/>
+              </a:xfrm>
+              <a:prstGeom prst="rect">
+                <a:avLst/>
+              </a:prstGeom>
+              <a:noFill/>
+            </p:spPr>
+            <p:txBody>
+              <a:bodyPr wrap="square" rtlCol="0">
+                <a:spAutoFit/>
+              </a:bodyPr>
+              <a:lstStyle/>
+              <a:p>
+                <a:pPr algn="ctr"/>
+                <a:r>
+                  <a:rPr lang="en-US" altLang="zh-CN" sz="1200" dirty="0" smtClean="0">
+                    <a:latin typeface="Consolas" panose="020B0609020204030204" pitchFamily="49" charset="0"/>
+                    <a:cs typeface="Consolas" panose="020B0609020204030204" pitchFamily="49" charset="0"/>
+                  </a:rPr>
+                  <a:t>Kafka</a:t>
+                </a:r>
+                <a:endParaRPr lang="en-US" altLang="zh-CN" sz="1200" dirty="0" smtClean="0">
+                  <a:latin typeface="Consolas" panose="020B0609020204030204" pitchFamily="49" charset="0"/>
+                  <a:cs typeface="Consolas" panose="020B0609020204030204" pitchFamily="49" charset="0"/>
+                </a:endParaRPr>
+              </a:p>
+            </p:txBody>
+          </p:sp>
+          <p:sp>
+            <p:nvSpPr>
+              <p:cNvPr id="75" name="圆角矩形 74"/>
+              <p:cNvSpPr/>
+              <p:nvPr/>
+            </p:nvSpPr>
+            <p:spPr>
+              <a:xfrm>
+                <a:off x="7359799" y="3521509"/>
+                <a:ext cx="1792518" cy="1733071"/>
+              </a:xfrm>
+              <a:prstGeom prst="roundRect">
+                <a:avLst>
+                  <a:gd name="adj" fmla="val 8493"/>
+                </a:avLst>
+              </a:prstGeom>
+              <a:solidFill>
+                <a:srgbClr val="99CCFF"/>
+              </a:solidFill>
+            </p:spPr>
+            <p:style>
+              <a:lnRef idx="2">
+                <a:schemeClr val="accent1">
+                  <a:shade val="50000"/>
+                </a:schemeClr>
+              </a:lnRef>
+              <a:fillRef idx="1">
+                <a:schemeClr val="accent1"/>
+              </a:fillRef>
+              <a:effectRef idx="0">
+                <a:schemeClr val="accent1"/>
+              </a:effectRef>
+              <a:fontRef idx="minor">
+                <a:schemeClr val="lt1"/>
+              </a:fontRef>
+            </p:style>
+            <p:txBody>
+              <a:bodyPr rtlCol="0" anchor="ctr"/>
+              <a:lstStyle/>
+              <a:p>
+                <a:pPr algn="ctr"/>
+                <a:endParaRPr lang="zh-CN" altLang="en-US"/>
+              </a:p>
+            </p:txBody>
+          </p:sp>
+          <p:sp>
+            <p:nvSpPr>
+              <p:cNvPr id="74" name="右箭头 73"/>
+              <p:cNvSpPr/>
+              <p:nvPr/>
+            </p:nvSpPr>
+            <p:spPr>
+              <a:xfrm>
+                <a:off x="1889700" y="4554199"/>
+                <a:ext cx="885713" cy="345463"/>
+              </a:xfrm>
+              <a:prstGeom prst="rightArrow">
+                <a:avLst/>
+              </a:prstGeom>
+              <a:gradFill flip="none" rotWithShape="1">
+                <a:gsLst>
+                  <a:gs pos="0">
+                    <a:schemeClr val="accent5">
+                      <a:lumMod val="75000"/>
+                    </a:schemeClr>
+                  </a:gs>
+                  <a:gs pos="100000">
+                    <a:schemeClr val="bg1"/>
+                  </a:gs>
+                </a:gsLst>
+                <a:lin ang="0" scaled="1"/>
+                <a:tileRect/>
+              </a:gradFill>
+            </p:spPr>
+            <p:style>
+              <a:lnRef idx="2">
+                <a:schemeClr val="accent6">
+                  <a:shade val="50000"/>
+                </a:schemeClr>
+              </a:lnRef>
+              <a:fillRef idx="1">
+                <a:schemeClr val="accent6"/>
+              </a:fillRef>
+              <a:effectRef idx="0">
+                <a:schemeClr val="accent6"/>
+              </a:effectRef>
+              <a:fontRef idx="minor">
+                <a:schemeClr val="lt1"/>
+              </a:fontRef>
+            </p:style>
+            <p:txBody>
+              <a:bodyPr rtlCol="0" anchor="ctr"/>
+              <a:lstStyle/>
+              <a:p>
+                <a:pPr algn="ctr"/>
+                <a:endParaRPr lang="zh-CN" altLang="en-US"/>
+              </a:p>
+            </p:txBody>
+          </p:sp>
+          <p:grpSp>
+            <p:nvGrpSpPr>
+              <p:cNvPr id="20" name="组合 19"/>
+              <p:cNvGrpSpPr/>
+              <p:nvPr/>
+            </p:nvGrpSpPr>
+            <p:grpSpPr>
+              <a:xfrm>
+                <a:off x="7754326" y="4067458"/>
+                <a:ext cx="974913" cy="1012123"/>
+                <a:chOff x="2985246" y="605117"/>
+                <a:chExt cx="1411942" cy="1290919"/>
+              </a:xfrm>
+              <a:effectLst>
+                <a:outerShdw blurRad="50800" dist="38100" dir="2700000" algn="tl" rotWithShape="0">
+                  <a:prstClr val="black">
+                    <a:alpha val="40000"/>
+                  </a:prstClr>
+                </a:outerShdw>
+              </a:effectLst>
+            </p:grpSpPr>
+            <p:sp>
+              <p:nvSpPr>
+                <p:cNvPr id="21" name="矩形 20"/>
+                <p:cNvSpPr/>
+                <p:nvPr/>
+              </p:nvSpPr>
+              <p:spPr>
+                <a:xfrm>
+                  <a:off x="2985247" y="753035"/>
+                  <a:ext cx="1411941" cy="1008530"/>
+                </a:xfrm>
+                <a:prstGeom prst="rect">
+                  <a:avLst/>
+                </a:prstGeom>
+                <a:solidFill>
+                  <a:schemeClr val="accent4">
+                    <a:lumMod val="75000"/>
+                  </a:schemeClr>
+                </a:solidFill>
+                <a:ln>
+                  <a:noFill/>
+                </a:ln>
+              </p:spPr>
+              <p:style>
+                <a:lnRef idx="2">
+                  <a:schemeClr val="accent1">
+                    <a:shade val="50000"/>
+                  </a:schemeClr>
+                </a:lnRef>
+                <a:fillRef idx="1">
+                  <a:schemeClr val="accent1"/>
+                </a:fillRef>
+                <a:effectRef idx="0">
+                  <a:schemeClr val="accent1"/>
+                </a:effectRef>
+                <a:fontRef idx="minor">
+                  <a:schemeClr val="lt1"/>
+                </a:fontRef>
+              </p:style>
+              <p:txBody>
+                <a:bodyPr rtlCol="0" anchor="ctr"/>
+                <a:lstStyle/>
+                <a:p>
+                  <a:pPr algn="ctr"/>
+                  <a:endParaRPr lang="zh-CN" altLang="en-US">
+                    <a:latin typeface="Consolas" panose="020B0609020204030204" pitchFamily="49" charset="0"/>
+                    <a:cs typeface="Consolas" panose="020B0609020204030204" pitchFamily="49" charset="0"/>
+                  </a:endParaRPr>
+                </a:p>
+              </p:txBody>
+            </p:sp>
+            <p:sp>
+              <p:nvSpPr>
+                <p:cNvPr id="22" name="椭圆 21"/>
+                <p:cNvSpPr/>
+                <p:nvPr/>
+              </p:nvSpPr>
+              <p:spPr>
+                <a:xfrm>
+                  <a:off x="2985247" y="605117"/>
+                  <a:ext cx="1411941" cy="295836"/>
+                </a:xfrm>
+                <a:prstGeom prst="ellipse">
+                  <a:avLst/>
+                </a:prstGeom>
+                <a:solidFill>
+                  <a:schemeClr val="accent4">
+                    <a:lumMod val="60000"/>
+                    <a:lumOff val="40000"/>
+                  </a:schemeClr>
+                </a:solidFill>
+                <a:ln>
+                  <a:noFill/>
+                </a:ln>
+              </p:spPr>
+              <p:style>
+                <a:lnRef idx="2">
+                  <a:schemeClr val="accent1">
+                    <a:shade val="50000"/>
+                  </a:schemeClr>
+                </a:lnRef>
+                <a:fillRef idx="1">
+                  <a:schemeClr val="accent1"/>
+                </a:fillRef>
+                <a:effectRef idx="0">
+                  <a:schemeClr val="accent1"/>
+                </a:effectRef>
+                <a:fontRef idx="minor">
+                  <a:schemeClr val="lt1"/>
+                </a:fontRef>
+              </p:style>
+              <p:txBody>
+                <a:bodyPr rtlCol="0" anchor="ctr"/>
+                <a:lstStyle/>
+                <a:p>
+                  <a:pPr algn="ctr"/>
+                  <a:endParaRPr lang="zh-CN" altLang="en-US">
+                    <a:latin typeface="Consolas" panose="020B0609020204030204" pitchFamily="49" charset="0"/>
+                    <a:cs typeface="Consolas" panose="020B0609020204030204" pitchFamily="49" charset="0"/>
+                  </a:endParaRPr>
+                </a:p>
+              </p:txBody>
+            </p:sp>
+            <p:sp>
+              <p:nvSpPr>
+                <p:cNvPr id="23" name="椭圆 22"/>
+                <p:cNvSpPr/>
+                <p:nvPr/>
+              </p:nvSpPr>
+              <p:spPr>
+                <a:xfrm>
+                  <a:off x="2985246" y="1600200"/>
+                  <a:ext cx="1411941" cy="295836"/>
+                </a:xfrm>
+                <a:prstGeom prst="ellipse">
+                  <a:avLst/>
+                </a:prstGeom>
+                <a:solidFill>
+                  <a:schemeClr val="accent4">
+                    <a:lumMod val="75000"/>
+                  </a:schemeClr>
+                </a:solidFill>
+                <a:ln>
+                  <a:noFill/>
+                </a:ln>
+              </p:spPr>
+              <p:style>
+                <a:lnRef idx="2">
+                  <a:schemeClr val="accent1">
+                    <a:shade val="50000"/>
+                  </a:schemeClr>
+                </a:lnRef>
+                <a:fillRef idx="1">
+                  <a:schemeClr val="accent1"/>
+                </a:fillRef>
+                <a:effectRef idx="0">
+                  <a:schemeClr val="accent1"/>
+                </a:effectRef>
+                <a:fontRef idx="minor">
+                  <a:schemeClr val="lt1"/>
+                </a:fontRef>
+              </p:style>
+              <p:txBody>
+                <a:bodyPr rtlCol="0" anchor="ctr"/>
+                <a:lstStyle/>
+                <a:p>
+                  <a:pPr algn="ctr"/>
+                  <a:endParaRPr lang="zh-CN" altLang="en-US">
+                    <a:latin typeface="Consolas" panose="020B0609020204030204" pitchFamily="49" charset="0"/>
+                    <a:cs typeface="Consolas" panose="020B0609020204030204" pitchFamily="49" charset="0"/>
+                  </a:endParaRPr>
+                </a:p>
+              </p:txBody>
+            </p:sp>
+          </p:grpSp>
+          <p:sp>
+            <p:nvSpPr>
+              <p:cNvPr id="76" name="文本框 75"/>
+              <p:cNvSpPr txBox="1"/>
+              <p:nvPr/>
+            </p:nvSpPr>
+            <p:spPr>
+              <a:xfrm>
+                <a:off x="6950864" y="3619042"/>
+                <a:ext cx="2581836" cy="307777"/>
+              </a:xfrm>
+              <a:prstGeom prst="rect">
+                <a:avLst/>
+              </a:prstGeom>
+              <a:noFill/>
+            </p:spPr>
+            <p:txBody>
+              <a:bodyPr wrap="square" rtlCol="0">
+                <a:spAutoFit/>
+              </a:bodyPr>
+              <a:lstStyle/>
+              <a:p>
+                <a:pPr algn="ctr"/>
+                <a:r>
+                  <a:rPr lang="en-US" altLang="zh-CN" sz="1400" b="1" dirty="0" smtClean="0">
+                    <a:latin typeface="Consolas" panose="020B0609020204030204" pitchFamily="49" charset="0"/>
+                    <a:cs typeface="Consolas" panose="020B0609020204030204" pitchFamily="49" charset="0"/>
+                  </a:rPr>
+                  <a:t>Marketing</a:t>
+                </a:r>
+              </a:p>
+            </p:txBody>
+          </p:sp>
+          <p:sp>
+            <p:nvSpPr>
+              <p:cNvPr id="77" name="文本框 76"/>
+              <p:cNvSpPr txBox="1"/>
+              <p:nvPr/>
+            </p:nvSpPr>
+            <p:spPr>
+              <a:xfrm>
+                <a:off x="6950864" y="4579378"/>
+                <a:ext cx="2581836" cy="307777"/>
+              </a:xfrm>
+              <a:prstGeom prst="rect">
+                <a:avLst/>
+              </a:prstGeom>
+              <a:noFill/>
+            </p:spPr>
+            <p:txBody>
+              <a:bodyPr wrap="square" rtlCol="0">
+                <a:spAutoFit/>
+              </a:bodyPr>
+              <a:lstStyle/>
+              <a:p>
+                <a:pPr algn="ctr"/>
+                <a:r>
+                  <a:rPr lang="en-US" altLang="zh-CN" sz="1400" dirty="0" err="1" smtClean="0">
+                    <a:latin typeface="Consolas" panose="020B0609020204030204" pitchFamily="49" charset="0"/>
+                    <a:cs typeface="Consolas" panose="020B0609020204030204" pitchFamily="49" charset="0"/>
+                  </a:rPr>
+                  <a:t>Pgsql</a:t>
+                </a:r>
+                <a:endParaRPr lang="en-US" altLang="zh-CN" sz="1400" dirty="0" smtClean="0">
+                  <a:latin typeface="Consolas" panose="020B0609020204030204" pitchFamily="49" charset="0"/>
+                  <a:cs typeface="Consolas" panose="020B0609020204030204" pitchFamily="49" charset="0"/>
+                </a:endParaRPr>
+              </a:p>
+            </p:txBody>
+          </p:sp>
+        </p:grpSp>
+      </p:grpSp>
     </p:spTree>
     <p:extLst>
       <p:ext uri="{BB962C8B-B14F-4D97-AF65-F5344CB8AC3E}">
-        <p14:creationId xmlns:p14="http://schemas.microsoft.com/office/powerpoint/2010/main" val="2361947234"/>
+        <p14:creationId xmlns:p14="http://schemas.microsoft.com/office/powerpoint/2010/main" val="2185181239"/>
       </p:ext>
     </p:extLst>
   </p:cSld>

--- a/trunk/doc/30_ID.pptx
+++ b/trunk/doc/30_ID.pptx
@@ -7,6 +7,8 @@
   <p:sldIdLst>
     <p:sldId id="257" r:id="rId2"/>
     <p:sldId id="260" r:id="rId3"/>
+    <p:sldId id="261" r:id="rId4"/>
+    <p:sldId id="262" r:id="rId5"/>
   </p:sldIdLst>
   <p:sldSz cx="12192000" cy="6858000"/>
   <p:notesSz cx="6858000" cy="9144000"/>
@@ -244,7 +246,7 @@
           <a:p>
             <a:fld id="{F6F91C30-DDD9-4B1D-B91C-42B16B1D2A1B}" type="datetimeFigureOut">
               <a:rPr lang="zh-CN" altLang="en-US" smtClean="0"/>
-              <a:t>2017/1/5</a:t>
+              <a:t>2017/1/13</a:t>
             </a:fld>
             <a:endParaRPr lang="zh-CN" altLang="en-US"/>
           </a:p>
@@ -414,7 +416,7 @@
           <a:p>
             <a:fld id="{F6F91C30-DDD9-4B1D-B91C-42B16B1D2A1B}" type="datetimeFigureOut">
               <a:rPr lang="zh-CN" altLang="en-US" smtClean="0"/>
-              <a:t>2017/1/5</a:t>
+              <a:t>2017/1/13</a:t>
             </a:fld>
             <a:endParaRPr lang="zh-CN" altLang="en-US"/>
           </a:p>
@@ -594,7 +596,7 @@
           <a:p>
             <a:fld id="{F6F91C30-DDD9-4B1D-B91C-42B16B1D2A1B}" type="datetimeFigureOut">
               <a:rPr lang="zh-CN" altLang="en-US" smtClean="0"/>
-              <a:t>2017/1/5</a:t>
+              <a:t>2017/1/13</a:t>
             </a:fld>
             <a:endParaRPr lang="zh-CN" altLang="en-US"/>
           </a:p>
@@ -764,7 +766,7 @@
           <a:p>
             <a:fld id="{F6F91C30-DDD9-4B1D-B91C-42B16B1D2A1B}" type="datetimeFigureOut">
               <a:rPr lang="zh-CN" altLang="en-US" smtClean="0"/>
-              <a:t>2017/1/5</a:t>
+              <a:t>2017/1/13</a:t>
             </a:fld>
             <a:endParaRPr lang="zh-CN" altLang="en-US"/>
           </a:p>
@@ -1010,7 +1012,7 @@
           <a:p>
             <a:fld id="{F6F91C30-DDD9-4B1D-B91C-42B16B1D2A1B}" type="datetimeFigureOut">
               <a:rPr lang="zh-CN" altLang="en-US" smtClean="0"/>
-              <a:t>2017/1/5</a:t>
+              <a:t>2017/1/13</a:t>
             </a:fld>
             <a:endParaRPr lang="zh-CN" altLang="en-US"/>
           </a:p>
@@ -1242,7 +1244,7 @@
           <a:p>
             <a:fld id="{F6F91C30-DDD9-4B1D-B91C-42B16B1D2A1B}" type="datetimeFigureOut">
               <a:rPr lang="zh-CN" altLang="en-US" smtClean="0"/>
-              <a:t>2017/1/5</a:t>
+              <a:t>2017/1/13</a:t>
             </a:fld>
             <a:endParaRPr lang="zh-CN" altLang="en-US"/>
           </a:p>
@@ -1609,7 +1611,7 @@
           <a:p>
             <a:fld id="{F6F91C30-DDD9-4B1D-B91C-42B16B1D2A1B}" type="datetimeFigureOut">
               <a:rPr lang="zh-CN" altLang="en-US" smtClean="0"/>
-              <a:t>2017/1/5</a:t>
+              <a:t>2017/1/13</a:t>
             </a:fld>
             <a:endParaRPr lang="zh-CN" altLang="en-US"/>
           </a:p>
@@ -1727,7 +1729,7 @@
           <a:p>
             <a:fld id="{F6F91C30-DDD9-4B1D-B91C-42B16B1D2A1B}" type="datetimeFigureOut">
               <a:rPr lang="zh-CN" altLang="en-US" smtClean="0"/>
-              <a:t>2017/1/5</a:t>
+              <a:t>2017/1/13</a:t>
             </a:fld>
             <a:endParaRPr lang="zh-CN" altLang="en-US"/>
           </a:p>
@@ -1822,7 +1824,7 @@
           <a:p>
             <a:fld id="{F6F91C30-DDD9-4B1D-B91C-42B16B1D2A1B}" type="datetimeFigureOut">
               <a:rPr lang="zh-CN" altLang="en-US" smtClean="0"/>
-              <a:t>2017/1/5</a:t>
+              <a:t>2017/1/13</a:t>
             </a:fld>
             <a:endParaRPr lang="zh-CN" altLang="en-US"/>
           </a:p>
@@ -2099,7 +2101,7 @@
           <a:p>
             <a:fld id="{F6F91C30-DDD9-4B1D-B91C-42B16B1D2A1B}" type="datetimeFigureOut">
               <a:rPr lang="zh-CN" altLang="en-US" smtClean="0"/>
-              <a:t>2017/1/5</a:t>
+              <a:t>2017/1/13</a:t>
             </a:fld>
             <a:endParaRPr lang="zh-CN" altLang="en-US"/>
           </a:p>
@@ -2352,7 +2354,7 @@
           <a:p>
             <a:fld id="{F6F91C30-DDD9-4B1D-B91C-42B16B1D2A1B}" type="datetimeFigureOut">
               <a:rPr lang="zh-CN" altLang="en-US" smtClean="0"/>
-              <a:t>2017/1/5</a:t>
+              <a:t>2017/1/13</a:t>
             </a:fld>
             <a:endParaRPr lang="zh-CN" altLang="en-US"/>
           </a:p>
@@ -2565,7 +2567,7 @@
           <a:p>
             <a:fld id="{F6F91C30-DDD9-4B1D-B91C-42B16B1D2A1B}" type="datetimeFigureOut">
               <a:rPr lang="zh-CN" altLang="en-US" smtClean="0"/>
-              <a:t>2017/1/5</a:t>
+              <a:t>2017/1/13</a:t>
             </a:fld>
             <a:endParaRPr lang="zh-CN" altLang="en-US"/>
           </a:p>
@@ -2972,7 +2974,7 @@
       </p:grpSpPr>
       <p:grpSp>
         <p:nvGrpSpPr>
-          <p:cNvPr id="2" name="组合 1"/>
+          <p:cNvPr id="13" name="组合 12"/>
           <p:cNvGrpSpPr/>
           <p:nvPr/>
         </p:nvGrpSpPr>
@@ -2980,60 +2982,397 @@
           <a:xfrm>
             <a:off x="685343" y="847725"/>
             <a:ext cx="5110552" cy="1914525"/>
-            <a:chOff x="1947473" y="2676525"/>
+            <a:chOff x="685343" y="847725"/>
             <a:chExt cx="5110552" cy="1914525"/>
           </a:xfrm>
         </p:grpSpPr>
+        <p:grpSp>
+          <p:nvGrpSpPr>
+            <p:cNvPr id="2" name="组合 1"/>
+            <p:cNvGrpSpPr/>
+            <p:nvPr/>
+          </p:nvGrpSpPr>
+          <p:grpSpPr>
+            <a:xfrm>
+              <a:off x="685343" y="847725"/>
+              <a:ext cx="5110552" cy="1914525"/>
+              <a:chOff x="1947473" y="2676525"/>
+              <a:chExt cx="5110552" cy="1914525"/>
+            </a:xfrm>
+          </p:grpSpPr>
+          <p:sp>
+            <p:nvSpPr>
+              <p:cNvPr id="4" name="圆角矩形 3"/>
+              <p:cNvSpPr/>
+              <p:nvPr/>
+            </p:nvSpPr>
+            <p:spPr>
+              <a:xfrm>
+                <a:off x="1947473" y="2676525"/>
+                <a:ext cx="5110552" cy="1914525"/>
+              </a:xfrm>
+              <a:prstGeom prst="roundRect">
+                <a:avLst>
+                  <a:gd name="adj" fmla="val 3836"/>
+                </a:avLst>
+              </a:prstGeom>
+              <a:blipFill>
+                <a:blip r:embed="rId2"/>
+                <a:tile tx="0" ty="0" sx="100000" sy="100000" flip="none" algn="tl"/>
+              </a:blipFill>
+              <a:ln>
+                <a:solidFill>
+                  <a:schemeClr val="tx1"/>
+                </a:solidFill>
+              </a:ln>
+              <a:effectLst>
+                <a:outerShdw blurRad="50800" dist="38100" dir="2700000" algn="tl" rotWithShape="0">
+                  <a:prstClr val="black">
+                    <a:alpha val="40000"/>
+                  </a:prstClr>
+                </a:outerShdw>
+              </a:effectLst>
+            </p:spPr>
+            <p:style>
+              <a:lnRef idx="2">
+                <a:schemeClr val="accent1">
+                  <a:shade val="50000"/>
+                </a:schemeClr>
+              </a:lnRef>
+              <a:fillRef idx="1">
+                <a:schemeClr val="accent1"/>
+              </a:fillRef>
+              <a:effectRef idx="0">
+                <a:schemeClr val="accent1"/>
+              </a:effectRef>
+              <a:fontRef idx="minor">
+                <a:schemeClr val="lt1"/>
+              </a:fontRef>
+            </p:style>
+            <p:txBody>
+              <a:bodyPr rtlCol="0" anchor="ctr"/>
+              <a:lstStyle/>
+              <a:p>
+                <a:pPr algn="ctr"/>
+                <a:endParaRPr lang="zh-CN" altLang="en-US" dirty="0"/>
+              </a:p>
+            </p:txBody>
+          </p:sp>
+          <p:sp>
+            <p:nvSpPr>
+              <p:cNvPr id="5" name="文本框 4"/>
+              <p:cNvSpPr txBox="1"/>
+              <p:nvPr/>
+            </p:nvSpPr>
+            <p:spPr>
+              <a:xfrm>
+                <a:off x="5027846" y="2870827"/>
+                <a:ext cx="1492716" cy="307777"/>
+              </a:xfrm>
+              <a:prstGeom prst="rect">
+                <a:avLst/>
+              </a:prstGeom>
+              <a:noFill/>
+            </p:spPr>
+            <p:txBody>
+              <a:bodyPr wrap="none" rtlCol="0">
+                <a:spAutoFit/>
+              </a:bodyPr>
+              <a:lstStyle/>
+              <a:p>
+                <a:pPr algn="r"/>
+                <a:r>
+                  <a:rPr lang="zh-CN" altLang="en-US" sz="1400" b="1" dirty="0" smtClean="0">
+                    <a:latin typeface="楷体" panose="02010609060101010101" pitchFamily="49" charset="-122"/>
+                    <a:ea typeface="楷体" panose="02010609060101010101" pitchFamily="49" charset="-122"/>
+                  </a:rPr>
+                  <a:t>薛成成</a:t>
+                </a:r>
+                <a:r>
+                  <a:rPr lang="zh-CN" altLang="en-US" sz="1400" dirty="0" smtClean="0">
+                    <a:latin typeface="楷体" panose="02010609060101010101" pitchFamily="49" charset="-122"/>
+                    <a:ea typeface="楷体" panose="02010609060101010101" pitchFamily="49" charset="-122"/>
+                  </a:rPr>
+                  <a:t> </a:t>
+                </a:r>
+                <a:r>
+                  <a:rPr lang="en-US" altLang="zh-CN" sz="1200" dirty="0" err="1" smtClean="0">
+                    <a:latin typeface="Consolas" panose="020B0609020204030204" pitchFamily="49" charset="0"/>
+                    <a:ea typeface="楷体" panose="02010609060101010101" pitchFamily="49" charset="-122"/>
+                    <a:cs typeface="Consolas" panose="020B0609020204030204" pitchFamily="49" charset="0"/>
+                  </a:rPr>
+                  <a:t>Ilya.Xue</a:t>
+                </a:r>
+                <a:endParaRPr lang="en-US" altLang="zh-CN" sz="1200" dirty="0">
+                  <a:latin typeface="Consolas" panose="020B0609020204030204" pitchFamily="49" charset="0"/>
+                  <a:ea typeface="楷体" panose="02010609060101010101" pitchFamily="49" charset="-122"/>
+                  <a:cs typeface="Consolas" panose="020B0609020204030204" pitchFamily="49" charset="0"/>
+                </a:endParaRPr>
+              </a:p>
+            </p:txBody>
+          </p:sp>
+          <p:pic>
+            <p:nvPicPr>
+              <p:cNvPr id="6" name="图片 5"/>
+              <p:cNvPicPr>
+                <a:picLocks noChangeAspect="1"/>
+              </p:cNvPicPr>
+              <p:nvPr/>
+            </p:nvPicPr>
+            <p:blipFill>
+              <a:blip r:embed="rId3" cstate="print">
+                <a:extLst>
+                  <a:ext uri="{28A0092B-C50C-407E-A947-70E740481C1C}">
+                    <a14:useLocalDpi xmlns:a14="http://schemas.microsoft.com/office/drawing/2010/main" val="0"/>
+                  </a:ext>
+                </a:extLst>
+              </a:blip>
+              <a:stretch>
+                <a:fillRect/>
+              </a:stretch>
+            </p:blipFill>
+            <p:spPr>
+              <a:xfrm>
+                <a:off x="2171699" y="3198480"/>
+                <a:ext cx="1190625" cy="1190625"/>
+              </a:xfrm>
+              <a:prstGeom prst="rect">
+                <a:avLst/>
+              </a:prstGeom>
+              <a:effectLst>
+                <a:softEdge rad="76200"/>
+              </a:effectLst>
+            </p:spPr>
+          </p:pic>
+          <p:sp>
+            <p:nvSpPr>
+              <p:cNvPr id="7" name="文本框 6"/>
+              <p:cNvSpPr txBox="1"/>
+              <p:nvPr/>
+            </p:nvSpPr>
+            <p:spPr>
+              <a:xfrm>
+                <a:off x="3362325" y="3183690"/>
+                <a:ext cx="3158237" cy="1200329"/>
+              </a:xfrm>
+              <a:prstGeom prst="rect">
+                <a:avLst/>
+              </a:prstGeom>
+              <a:noFill/>
+            </p:spPr>
+            <p:txBody>
+              <a:bodyPr wrap="none" rtlCol="0">
+                <a:spAutoFit/>
+              </a:bodyPr>
+              <a:lstStyle/>
+              <a:p>
+                <a:pPr algn="r"/>
+                <a:r>
+                  <a:rPr lang="en-US" altLang="zh-CN" sz="1200" dirty="0" smtClean="0">
+                    <a:latin typeface="Consolas" panose="020B0609020204030204" pitchFamily="49" charset="0"/>
+                    <a:ea typeface="楷体" panose="02010609060101010101" pitchFamily="49" charset="-122"/>
+                    <a:cs typeface="Consolas" panose="020B0609020204030204" pitchFamily="49" charset="0"/>
+                  </a:rPr>
+                  <a:t>Programmer</a:t>
+                </a:r>
+              </a:p>
+              <a:p>
+                <a:pPr algn="r"/>
+                <a:r>
+                  <a:rPr lang="en-US" altLang="zh-CN" sz="1200" dirty="0" smtClean="0">
+                    <a:latin typeface="Consolas" panose="020B0609020204030204" pitchFamily="49" charset="0"/>
+                    <a:ea typeface="楷体" panose="02010609060101010101" pitchFamily="49" charset="-122"/>
+                    <a:cs typeface="Consolas" panose="020B0609020204030204" pitchFamily="49" charset="0"/>
+                    <a:hlinkClick r:id="rId4"/>
+                  </a:rPr>
+                  <a:t>+8618205253751</a:t>
+                </a:r>
+                <a:endParaRPr lang="en-US" altLang="zh-CN" sz="1200" dirty="0" smtClean="0">
+                  <a:latin typeface="Consolas" panose="020B0609020204030204" pitchFamily="49" charset="0"/>
+                  <a:ea typeface="楷体" panose="02010609060101010101" pitchFamily="49" charset="-122"/>
+                  <a:cs typeface="Consolas" panose="020B0609020204030204" pitchFamily="49" charset="0"/>
+                </a:endParaRPr>
+              </a:p>
+              <a:p>
+                <a:pPr algn="r"/>
+                <a:r>
+                  <a:rPr lang="en-US" altLang="zh-CN" sz="1200" dirty="0" err="1" smtClean="0">
+                    <a:latin typeface="Consolas" panose="020B0609020204030204" pitchFamily="49" charset="0"/>
+                    <a:ea typeface="楷体" panose="02010609060101010101" pitchFamily="49" charset="-122"/>
+                    <a:cs typeface="Consolas" panose="020B0609020204030204" pitchFamily="49" charset="0"/>
+                    <a:hlinkClick r:id="rId5"/>
+                  </a:rPr>
+                  <a:t>Ilya.Xue@outlook.com</a:t>
+                </a:r>
+                <a:endParaRPr lang="en-US" altLang="zh-CN" sz="1200" dirty="0" smtClean="0">
+                  <a:latin typeface="Consolas" panose="020B0609020204030204" pitchFamily="49" charset="0"/>
+                  <a:ea typeface="楷体" panose="02010609060101010101" pitchFamily="49" charset="-122"/>
+                  <a:cs typeface="Consolas" panose="020B0609020204030204" pitchFamily="49" charset="0"/>
+                </a:endParaRPr>
+              </a:p>
+              <a:p>
+                <a:pPr algn="r"/>
+                <a:r>
+                  <a:rPr lang="en-US" altLang="zh-CN" sz="1200" dirty="0" err="1" smtClean="0">
+                    <a:latin typeface="Consolas" panose="020B0609020204030204" pitchFamily="49" charset="0"/>
+                    <a:cs typeface="Consolas" panose="020B0609020204030204" pitchFamily="49" charset="0"/>
+                  </a:rPr>
+                  <a:t>Huaian</a:t>
+                </a:r>
+                <a:r>
+                  <a:rPr lang="en-US" altLang="zh-CN" sz="1200" dirty="0" smtClean="0">
+                    <a:latin typeface="Consolas" panose="020B0609020204030204" pitchFamily="49" charset="0"/>
+                    <a:cs typeface="Consolas" panose="020B0609020204030204" pitchFamily="49" charset="0"/>
+                  </a:rPr>
+                  <a:t> </a:t>
+                </a:r>
+                <a:r>
+                  <a:rPr lang="en-US" altLang="zh-CN" sz="1200" dirty="0">
+                    <a:latin typeface="Consolas" panose="020B0609020204030204" pitchFamily="49" charset="0"/>
+                    <a:cs typeface="Consolas" panose="020B0609020204030204" pitchFamily="49" charset="0"/>
+                  </a:rPr>
+                  <a:t>City</a:t>
+                </a:r>
+              </a:p>
+              <a:p>
+                <a:pPr algn="r"/>
+                <a:r>
+                  <a:rPr lang="en-US" altLang="zh-CN" sz="1200" dirty="0" smtClean="0">
+                    <a:latin typeface="Consolas" panose="020B0609020204030204" pitchFamily="49" charset="0"/>
+                    <a:cs typeface="Consolas" panose="020B0609020204030204" pitchFamily="49" charset="0"/>
+                  </a:rPr>
+                  <a:t>Jiangsu Province, 223001, </a:t>
+                </a:r>
+                <a:r>
+                  <a:rPr lang="en-US" altLang="zh-CN" sz="1200" dirty="0" err="1" smtClean="0">
+                    <a:latin typeface="Consolas" panose="020B0609020204030204" pitchFamily="49" charset="0"/>
+                    <a:cs typeface="Consolas" panose="020B0609020204030204" pitchFamily="49" charset="0"/>
+                  </a:rPr>
+                  <a:t>P.R.China</a:t>
+                </a:r>
+                <a:endParaRPr lang="en-US" altLang="zh-CN" sz="1200" dirty="0">
+                  <a:latin typeface="Consolas" panose="020B0609020204030204" pitchFamily="49" charset="0"/>
+                  <a:cs typeface="Consolas" panose="020B0609020204030204" pitchFamily="49" charset="0"/>
+                </a:endParaRPr>
+              </a:p>
+              <a:p>
+                <a:pPr algn="r"/>
+                <a:endParaRPr lang="en-US" altLang="zh-CN" sz="1200" dirty="0" smtClean="0">
+                  <a:latin typeface="Consolas" panose="020B0609020204030204" pitchFamily="49" charset="0"/>
+                  <a:ea typeface="楷体" panose="02010609060101010101" pitchFamily="49" charset="-122"/>
+                  <a:cs typeface="Consolas" panose="020B0609020204030204" pitchFamily="49" charset="0"/>
+                </a:endParaRPr>
+              </a:p>
+            </p:txBody>
+          </p:sp>
+          <p:cxnSp>
+            <p:nvCxnSpPr>
+              <p:cNvPr id="8" name="直接连接符 7"/>
+              <p:cNvCxnSpPr/>
+              <p:nvPr/>
+            </p:nvCxnSpPr>
+            <p:spPr>
+              <a:xfrm>
+                <a:off x="3362324" y="4314825"/>
+                <a:ext cx="3210470" cy="0"/>
+              </a:xfrm>
+              <a:prstGeom prst="line">
+                <a:avLst/>
+              </a:prstGeom>
+            </p:spPr>
+            <p:style>
+              <a:lnRef idx="1">
+                <a:schemeClr val="accent1"/>
+              </a:lnRef>
+              <a:fillRef idx="0">
+                <a:schemeClr val="accent1"/>
+              </a:fillRef>
+              <a:effectRef idx="0">
+                <a:schemeClr val="accent1"/>
+              </a:effectRef>
+              <a:fontRef idx="minor">
+                <a:schemeClr val="tx1"/>
+              </a:fontRef>
+            </p:style>
+          </p:cxnSp>
+        </p:grpSp>
         <p:sp>
           <p:nvSpPr>
-            <p:cNvPr id="4" name="圆角矩形 3"/>
+            <p:cNvPr id="3" name="圆角矩形 2"/>
             <p:cNvSpPr/>
             <p:nvPr/>
           </p:nvSpPr>
           <p:spPr>
             <a:xfrm>
-              <a:off x="1947473" y="2676525"/>
-              <a:ext cx="5110552" cy="1914525"/>
+              <a:off x="685343" y="849249"/>
+              <a:ext cx="5110552" cy="1913001"/>
             </a:xfrm>
             <a:prstGeom prst="roundRect">
+              <a:avLst>
+                <a:gd name="adj" fmla="val 12387"/>
+              </a:avLst>
+            </a:prstGeom>
+            <a:solidFill>
+              <a:schemeClr val="bg1">
+                <a:alpha val="20000"/>
+              </a:schemeClr>
+            </a:solidFill>
+            <a:ln>
+              <a:solidFill>
+                <a:schemeClr val="accent1">
+                  <a:shade val="50000"/>
+                </a:schemeClr>
+              </a:solidFill>
+            </a:ln>
+          </p:spPr>
+          <p:style>
+            <a:lnRef idx="2">
+              <a:schemeClr val="accent1">
+                <a:shade val="50000"/>
+              </a:schemeClr>
+            </a:lnRef>
+            <a:fillRef idx="1">
+              <a:schemeClr val="accent1"/>
+            </a:fillRef>
+            <a:effectRef idx="0">
+              <a:schemeClr val="accent1"/>
+            </a:effectRef>
+            <a:fontRef idx="minor">
+              <a:schemeClr val="lt1"/>
+            </a:fontRef>
+          </p:style>
+          <p:txBody>
+            <a:bodyPr rtlCol="0" anchor="ctr"/>
+            <a:lstStyle/>
+            <a:p>
+              <a:pPr algn="ctr"/>
+              <a:endParaRPr lang="zh-CN" altLang="en-US"/>
+            </a:p>
+          </p:txBody>
+        </p:sp>
+        <p:sp>
+          <p:nvSpPr>
+            <p:cNvPr id="9" name="椭圆 8"/>
+            <p:cNvSpPr/>
+            <p:nvPr/>
+          </p:nvSpPr>
+          <p:spPr>
+            <a:xfrm>
+              <a:off x="773091" y="959339"/>
+              <a:ext cx="108000" cy="108000"/>
+            </a:xfrm>
+            <a:prstGeom prst="ellipse">
               <a:avLst/>
             </a:prstGeom>
-            <a:gradFill>
-              <a:gsLst>
-                <a:gs pos="0">
-                  <a:schemeClr val="accent1">
-                    <a:lumMod val="5000"/>
-                    <a:lumOff val="95000"/>
-                  </a:schemeClr>
-                </a:gs>
-                <a:gs pos="74000">
-                  <a:schemeClr val="accent1">
-                    <a:lumMod val="45000"/>
-                    <a:lumOff val="55000"/>
-                  </a:schemeClr>
-                </a:gs>
-                <a:gs pos="83000">
-                  <a:schemeClr val="accent1">
-                    <a:lumMod val="45000"/>
-                    <a:lumOff val="55000"/>
-                  </a:schemeClr>
-                </a:gs>
-                <a:gs pos="100000">
-                  <a:schemeClr val="accent1">
-                    <a:lumMod val="30000"/>
-                    <a:lumOff val="70000"/>
-                  </a:schemeClr>
-                </a:gs>
-              </a:gsLst>
-              <a:lin ang="5400000" scaled="1"/>
-            </a:gradFill>
+            <a:solidFill>
+              <a:srgbClr val="C0C0C0"/>
+            </a:solidFill>
+            <a:ln>
+              <a:solidFill>
+                <a:schemeClr val="tx1"/>
+              </a:solidFill>
+            </a:ln>
             <a:effectLst>
-              <a:glow rad="139700">
-                <a:schemeClr val="accent4">
-                  <a:satMod val="175000"/>
-                  <a:alpha val="40000"/>
-                </a:schemeClr>
-              </a:glow>
               <a:outerShdw blurRad="50800" dist="38100" dir="2700000" algn="tl" rotWithShape="0">
                 <a:prstClr val="black">
                   <a:alpha val="40000"/>
@@ -3062,319 +3401,39 @@
             <a:lstStyle/>
             <a:p>
               <a:pPr algn="ctr"/>
-              <a:endParaRPr lang="zh-CN" altLang="en-US" dirty="0"/>
+              <a:endParaRPr lang="zh-CN" altLang="en-US"/>
             </a:p>
           </p:txBody>
         </p:sp>
         <p:sp>
           <p:nvSpPr>
-            <p:cNvPr id="5" name="文本框 4"/>
-            <p:cNvSpPr txBox="1"/>
-            <p:nvPr/>
-          </p:nvSpPr>
-          <p:spPr>
-            <a:xfrm>
-              <a:off x="5027846" y="2870827"/>
-              <a:ext cx="1492716" cy="307777"/>
-            </a:xfrm>
-            <a:prstGeom prst="rect">
-              <a:avLst/>
-            </a:prstGeom>
-            <a:noFill/>
-          </p:spPr>
-          <p:txBody>
-            <a:bodyPr wrap="none" rtlCol="0">
-              <a:spAutoFit/>
-            </a:bodyPr>
-            <a:lstStyle/>
-            <a:p>
-              <a:pPr algn="r"/>
-              <a:r>
-                <a:rPr lang="zh-CN" altLang="en-US" sz="1400" b="1" dirty="0" smtClean="0">
-                  <a:latin typeface="楷体" panose="02010609060101010101" pitchFamily="49" charset="-122"/>
-                  <a:ea typeface="楷体" panose="02010609060101010101" pitchFamily="49" charset="-122"/>
-                </a:rPr>
-                <a:t>薛成成</a:t>
-              </a:r>
-              <a:r>
-                <a:rPr lang="zh-CN" altLang="en-US" sz="1400" dirty="0" smtClean="0">
-                  <a:latin typeface="楷体" panose="02010609060101010101" pitchFamily="49" charset="-122"/>
-                  <a:ea typeface="楷体" panose="02010609060101010101" pitchFamily="49" charset="-122"/>
-                </a:rPr>
-                <a:t> </a:t>
-              </a:r>
-              <a:r>
-                <a:rPr lang="en-US" altLang="zh-CN" sz="1200" dirty="0" err="1" smtClean="0">
-                  <a:latin typeface="Consolas" panose="020B0609020204030204" pitchFamily="49" charset="0"/>
-                  <a:ea typeface="楷体" panose="02010609060101010101" pitchFamily="49" charset="-122"/>
-                  <a:cs typeface="Consolas" panose="020B0609020204030204" pitchFamily="49" charset="0"/>
-                </a:rPr>
-                <a:t>Ilya.Xue</a:t>
-              </a:r>
-              <a:endParaRPr lang="en-US" altLang="zh-CN" sz="1200" dirty="0">
-                <a:latin typeface="Consolas" panose="020B0609020204030204" pitchFamily="49" charset="0"/>
-                <a:ea typeface="楷体" panose="02010609060101010101" pitchFamily="49" charset="-122"/>
-                <a:cs typeface="Consolas" panose="020B0609020204030204" pitchFamily="49" charset="0"/>
-              </a:endParaRPr>
-            </a:p>
-          </p:txBody>
-        </p:sp>
-        <p:pic>
-          <p:nvPicPr>
-            <p:cNvPr id="6" name="图片 5"/>
-            <p:cNvPicPr>
-              <a:picLocks noChangeAspect="1"/>
-            </p:cNvPicPr>
-            <p:nvPr/>
-          </p:nvPicPr>
-          <p:blipFill>
-            <a:blip r:embed="rId2" cstate="print">
-              <a:extLst>
-                <a:ext uri="{28A0092B-C50C-407E-A947-70E740481C1C}">
-                  <a14:useLocalDpi xmlns:a14="http://schemas.microsoft.com/office/drawing/2010/main" val="0"/>
-                </a:ext>
-              </a:extLst>
-            </a:blip>
-            <a:stretch>
-              <a:fillRect/>
-            </a:stretch>
-          </p:blipFill>
-          <p:spPr>
-            <a:xfrm>
-              <a:off x="2171699" y="3198480"/>
-              <a:ext cx="1190625" cy="1190625"/>
-            </a:xfrm>
-            <a:prstGeom prst="rect">
-              <a:avLst/>
-            </a:prstGeom>
-            <a:effectLst>
-              <a:softEdge rad="76200"/>
-            </a:effectLst>
-          </p:spPr>
-        </p:pic>
-        <p:sp>
-          <p:nvSpPr>
-            <p:cNvPr id="7" name="文本框 6"/>
-            <p:cNvSpPr txBox="1"/>
-            <p:nvPr/>
-          </p:nvSpPr>
-          <p:spPr>
-            <a:xfrm>
-              <a:off x="3362325" y="3183690"/>
-              <a:ext cx="3158237" cy="1200329"/>
-            </a:xfrm>
-            <a:prstGeom prst="rect">
-              <a:avLst/>
-            </a:prstGeom>
-            <a:noFill/>
-          </p:spPr>
-          <p:txBody>
-            <a:bodyPr wrap="none" rtlCol="0">
-              <a:spAutoFit/>
-            </a:bodyPr>
-            <a:lstStyle/>
-            <a:p>
-              <a:pPr algn="r"/>
-              <a:r>
-                <a:rPr lang="en-US" altLang="zh-CN" sz="1200" dirty="0" smtClean="0">
-                  <a:latin typeface="Consolas" panose="020B0609020204030204" pitchFamily="49" charset="0"/>
-                  <a:ea typeface="楷体" panose="02010609060101010101" pitchFamily="49" charset="-122"/>
-                  <a:cs typeface="Consolas" panose="020B0609020204030204" pitchFamily="49" charset="0"/>
-                </a:rPr>
-                <a:t>Programmer</a:t>
-              </a:r>
-            </a:p>
-            <a:p>
-              <a:pPr algn="r"/>
-              <a:r>
-                <a:rPr lang="en-US" altLang="zh-CN" sz="1200" dirty="0" smtClean="0">
-                  <a:latin typeface="Consolas" panose="020B0609020204030204" pitchFamily="49" charset="0"/>
-                  <a:ea typeface="楷体" panose="02010609060101010101" pitchFamily="49" charset="-122"/>
-                  <a:cs typeface="Consolas" panose="020B0609020204030204" pitchFamily="49" charset="0"/>
-                  <a:hlinkClick r:id="rId3"/>
-                </a:rPr>
-                <a:t>+8618205253751</a:t>
-              </a:r>
-              <a:endParaRPr lang="en-US" altLang="zh-CN" sz="1200" dirty="0" smtClean="0">
-                <a:latin typeface="Consolas" panose="020B0609020204030204" pitchFamily="49" charset="0"/>
-                <a:ea typeface="楷体" panose="02010609060101010101" pitchFamily="49" charset="-122"/>
-                <a:cs typeface="Consolas" panose="020B0609020204030204" pitchFamily="49" charset="0"/>
-              </a:endParaRPr>
-            </a:p>
-            <a:p>
-              <a:pPr algn="r"/>
-              <a:r>
-                <a:rPr lang="en-US" altLang="zh-CN" sz="1200" dirty="0" err="1" smtClean="0">
-                  <a:latin typeface="Consolas" panose="020B0609020204030204" pitchFamily="49" charset="0"/>
-                  <a:ea typeface="楷体" panose="02010609060101010101" pitchFamily="49" charset="-122"/>
-                  <a:cs typeface="Consolas" panose="020B0609020204030204" pitchFamily="49" charset="0"/>
-                  <a:hlinkClick r:id="rId4"/>
-                </a:rPr>
-                <a:t>Ilya.Xue@outlook.com</a:t>
-              </a:r>
-              <a:endParaRPr lang="en-US" altLang="zh-CN" sz="1200" dirty="0" smtClean="0">
-                <a:latin typeface="Consolas" panose="020B0609020204030204" pitchFamily="49" charset="0"/>
-                <a:ea typeface="楷体" panose="02010609060101010101" pitchFamily="49" charset="-122"/>
-                <a:cs typeface="Consolas" panose="020B0609020204030204" pitchFamily="49" charset="0"/>
-              </a:endParaRPr>
-            </a:p>
-            <a:p>
-              <a:pPr algn="r"/>
-              <a:r>
-                <a:rPr lang="en-US" altLang="zh-CN" sz="1200" dirty="0" err="1" smtClean="0">
-                  <a:latin typeface="Consolas" panose="020B0609020204030204" pitchFamily="49" charset="0"/>
-                  <a:cs typeface="Consolas" panose="020B0609020204030204" pitchFamily="49" charset="0"/>
-                </a:rPr>
-                <a:t>Huaian</a:t>
-              </a:r>
-              <a:r>
-                <a:rPr lang="en-US" altLang="zh-CN" sz="1200" dirty="0" smtClean="0">
-                  <a:latin typeface="Consolas" panose="020B0609020204030204" pitchFamily="49" charset="0"/>
-                  <a:cs typeface="Consolas" panose="020B0609020204030204" pitchFamily="49" charset="0"/>
-                </a:rPr>
-                <a:t> </a:t>
-              </a:r>
-              <a:r>
-                <a:rPr lang="en-US" altLang="zh-CN" sz="1200" dirty="0">
-                  <a:latin typeface="Consolas" panose="020B0609020204030204" pitchFamily="49" charset="0"/>
-                  <a:cs typeface="Consolas" panose="020B0609020204030204" pitchFamily="49" charset="0"/>
-                </a:rPr>
-                <a:t>City</a:t>
-              </a:r>
-            </a:p>
-            <a:p>
-              <a:pPr algn="r"/>
-              <a:r>
-                <a:rPr lang="en-US" altLang="zh-CN" sz="1200" dirty="0" smtClean="0">
-                  <a:latin typeface="Consolas" panose="020B0609020204030204" pitchFamily="49" charset="0"/>
-                  <a:cs typeface="Consolas" panose="020B0609020204030204" pitchFamily="49" charset="0"/>
-                </a:rPr>
-                <a:t>Jiangsu Province, 223001, </a:t>
-              </a:r>
-              <a:r>
-                <a:rPr lang="en-US" altLang="zh-CN" sz="1200" dirty="0" err="1" smtClean="0">
-                  <a:latin typeface="Consolas" panose="020B0609020204030204" pitchFamily="49" charset="0"/>
-                  <a:cs typeface="Consolas" panose="020B0609020204030204" pitchFamily="49" charset="0"/>
-                </a:rPr>
-                <a:t>P.R.China</a:t>
-              </a:r>
-              <a:endParaRPr lang="en-US" altLang="zh-CN" sz="1200" dirty="0">
-                <a:latin typeface="Consolas" panose="020B0609020204030204" pitchFamily="49" charset="0"/>
-                <a:cs typeface="Consolas" panose="020B0609020204030204" pitchFamily="49" charset="0"/>
-              </a:endParaRPr>
-            </a:p>
-            <a:p>
-              <a:pPr algn="r"/>
-              <a:endParaRPr lang="en-US" altLang="zh-CN" sz="1200" dirty="0" smtClean="0">
-                <a:latin typeface="Consolas" panose="020B0609020204030204" pitchFamily="49" charset="0"/>
-                <a:ea typeface="楷体" panose="02010609060101010101" pitchFamily="49" charset="-122"/>
-                <a:cs typeface="Consolas" panose="020B0609020204030204" pitchFamily="49" charset="0"/>
-              </a:endParaRPr>
-            </a:p>
-          </p:txBody>
-        </p:sp>
-        <p:cxnSp>
-          <p:nvCxnSpPr>
-            <p:cNvPr id="8" name="直接连接符 7"/>
-            <p:cNvCxnSpPr/>
-            <p:nvPr/>
-          </p:nvCxnSpPr>
-          <p:spPr>
-            <a:xfrm>
-              <a:off x="3362324" y="4314825"/>
-              <a:ext cx="3210470" cy="0"/>
-            </a:xfrm>
-            <a:prstGeom prst="line">
-              <a:avLst/>
-            </a:prstGeom>
-          </p:spPr>
-          <p:style>
-            <a:lnRef idx="1">
-              <a:schemeClr val="accent1"/>
-            </a:lnRef>
-            <a:fillRef idx="0">
-              <a:schemeClr val="accent1"/>
-            </a:fillRef>
-            <a:effectRef idx="0">
-              <a:schemeClr val="accent1"/>
-            </a:effectRef>
-            <a:fontRef idx="minor">
-              <a:schemeClr val="tx1"/>
-            </a:fontRef>
-          </p:style>
-        </p:cxnSp>
-      </p:grpSp>
-    </p:spTree>
-    <p:extLst>
-      <p:ext uri="{BB962C8B-B14F-4D97-AF65-F5344CB8AC3E}">
-        <p14:creationId xmlns:p14="http://schemas.microsoft.com/office/powerpoint/2010/main" val="2361947234"/>
-      </p:ext>
-    </p:extLst>
-  </p:cSld>
-  <p:clrMapOvr>
-    <a:masterClrMapping/>
-  </p:clrMapOvr>
-</p:sld>
-</file>
-
-<file path=ppt/slides/slide2.xml><?xml version="1.0" encoding="utf-8"?>
-<p:sld xmlns:a="http://schemas.openxmlformats.org/drawingml/2006/main" xmlns:r="http://schemas.openxmlformats.org/officeDocument/2006/relationships" xmlns:p="http://schemas.openxmlformats.org/presentationml/2006/main">
-  <p:cSld>
-    <p:spTree>
-      <p:nvGrpSpPr>
-        <p:cNvPr id="1" name=""/>
-        <p:cNvGrpSpPr/>
-        <p:nvPr/>
-      </p:nvGrpSpPr>
-      <p:grpSpPr>
-        <a:xfrm>
-          <a:off x="0" y="0"/>
-          <a:ext cx="0" cy="0"/>
-          <a:chOff x="0" y="0"/>
-          <a:chExt cx="0" cy="0"/>
-        </a:xfrm>
-      </p:grpSpPr>
-      <p:grpSp>
-        <p:nvGrpSpPr>
-          <p:cNvPr id="82" name="组合 81"/>
-          <p:cNvGrpSpPr/>
-          <p:nvPr/>
-        </p:nvGrpSpPr>
-        <p:grpSpPr>
-          <a:xfrm>
-            <a:off x="0" y="0"/>
-            <a:ext cx="12192000" cy="6858000"/>
-            <a:chOff x="0" y="0"/>
-            <a:chExt cx="12192000" cy="6858000"/>
-          </a:xfrm>
-        </p:grpSpPr>
-        <p:sp>
-          <p:nvSpPr>
-            <p:cNvPr id="81" name="矩形 80"/>
+            <p:cNvPr id="10" name="椭圆 9"/>
             <p:cNvSpPr/>
             <p:nvPr/>
           </p:nvSpPr>
           <p:spPr>
             <a:xfrm>
-              <a:off x="0" y="0"/>
-              <a:ext cx="12192000" cy="6858000"/>
+              <a:off x="5564911" y="959339"/>
+              <a:ext cx="108000" cy="108000"/>
             </a:xfrm>
-            <a:prstGeom prst="rect">
+            <a:prstGeom prst="ellipse">
               <a:avLst/>
             </a:prstGeom>
-            <a:gradFill>
-              <a:gsLst>
-                <a:gs pos="0">
-                  <a:schemeClr val="accent6">
-                    <a:lumMod val="75000"/>
-                  </a:schemeClr>
-                </a:gs>
-                <a:gs pos="100000">
-                  <a:srgbClr val="FFCCFF"/>
-                </a:gs>
-              </a:gsLst>
-              <a:lin ang="0" scaled="1"/>
-            </a:gradFill>
+            <a:solidFill>
+              <a:srgbClr val="C0C0C0"/>
+            </a:solidFill>
+            <a:ln>
+              <a:solidFill>
+                <a:schemeClr val="tx1"/>
+              </a:solidFill>
+            </a:ln>
+            <a:effectLst>
+              <a:outerShdw blurRad="50800" dist="38100" dir="2700000" algn="tl" rotWithShape="0">
+                <a:prstClr val="black">
+                  <a:alpha val="40000"/>
+                </a:prstClr>
+              </a:outerShdw>
+            </a:effectLst>
           </p:spPr>
           <p:style>
             <a:lnRef idx="2">
@@ -3401,1289 +3460,2065 @@
             </a:p>
           </p:txBody>
         </p:sp>
+        <p:sp>
+          <p:nvSpPr>
+            <p:cNvPr id="11" name="椭圆 10"/>
+            <p:cNvSpPr/>
+            <p:nvPr/>
+          </p:nvSpPr>
+          <p:spPr>
+            <a:xfrm>
+              <a:off x="773091" y="2520490"/>
+              <a:ext cx="108000" cy="108000"/>
+            </a:xfrm>
+            <a:prstGeom prst="ellipse">
+              <a:avLst/>
+            </a:prstGeom>
+            <a:solidFill>
+              <a:srgbClr val="C0C0C0"/>
+            </a:solidFill>
+            <a:ln>
+              <a:solidFill>
+                <a:schemeClr val="tx1"/>
+              </a:solidFill>
+            </a:ln>
+            <a:effectLst>
+              <a:outerShdw blurRad="50800" dist="38100" dir="2700000" algn="tl" rotWithShape="0">
+                <a:prstClr val="black">
+                  <a:alpha val="40000"/>
+                </a:prstClr>
+              </a:outerShdw>
+            </a:effectLst>
+          </p:spPr>
+          <p:style>
+            <a:lnRef idx="2">
+              <a:schemeClr val="accent1">
+                <a:shade val="50000"/>
+              </a:schemeClr>
+            </a:lnRef>
+            <a:fillRef idx="1">
+              <a:schemeClr val="accent1"/>
+            </a:fillRef>
+            <a:effectRef idx="0">
+              <a:schemeClr val="accent1"/>
+            </a:effectRef>
+            <a:fontRef idx="minor">
+              <a:schemeClr val="lt1"/>
+            </a:fontRef>
+          </p:style>
+          <p:txBody>
+            <a:bodyPr rtlCol="0" anchor="ctr"/>
+            <a:lstStyle/>
+            <a:p>
+              <a:pPr algn="ctr"/>
+              <a:endParaRPr lang="zh-CN" altLang="en-US"/>
+            </a:p>
+          </p:txBody>
+        </p:sp>
+        <p:sp>
+          <p:nvSpPr>
+            <p:cNvPr id="12" name="椭圆 11"/>
+            <p:cNvSpPr/>
+            <p:nvPr/>
+          </p:nvSpPr>
+          <p:spPr>
+            <a:xfrm>
+              <a:off x="5564911" y="2520490"/>
+              <a:ext cx="108000" cy="108000"/>
+            </a:xfrm>
+            <a:prstGeom prst="ellipse">
+              <a:avLst/>
+            </a:prstGeom>
+            <a:solidFill>
+              <a:srgbClr val="C0C0C0"/>
+            </a:solidFill>
+            <a:ln>
+              <a:solidFill>
+                <a:schemeClr val="tx1"/>
+              </a:solidFill>
+            </a:ln>
+            <a:effectLst>
+              <a:outerShdw blurRad="50800" dist="38100" dir="2700000" algn="tl" rotWithShape="0">
+                <a:prstClr val="black">
+                  <a:alpha val="40000"/>
+                </a:prstClr>
+              </a:outerShdw>
+            </a:effectLst>
+          </p:spPr>
+          <p:style>
+            <a:lnRef idx="2">
+              <a:schemeClr val="accent1">
+                <a:shade val="50000"/>
+              </a:schemeClr>
+            </a:lnRef>
+            <a:fillRef idx="1">
+              <a:schemeClr val="accent1"/>
+            </a:fillRef>
+            <a:effectRef idx="0">
+              <a:schemeClr val="accent1"/>
+            </a:effectRef>
+            <a:fontRef idx="minor">
+              <a:schemeClr val="lt1"/>
+            </a:fontRef>
+          </p:style>
+          <p:txBody>
+            <a:bodyPr rtlCol="0" anchor="ctr"/>
+            <a:lstStyle/>
+            <a:p>
+              <a:pPr algn="ctr"/>
+              <a:endParaRPr lang="zh-CN" altLang="en-US"/>
+            </a:p>
+          </p:txBody>
+        </p:sp>
+      </p:grpSp>
+    </p:spTree>
+    <p:extLst>
+      <p:ext uri="{BB962C8B-B14F-4D97-AF65-F5344CB8AC3E}">
+        <p14:creationId xmlns:p14="http://schemas.microsoft.com/office/powerpoint/2010/main" val="2361947234"/>
+      </p:ext>
+    </p:extLst>
+  </p:cSld>
+  <p:clrMapOvr>
+    <a:masterClrMapping/>
+  </p:clrMapOvr>
+  <p:timing>
+    <p:tnLst>
+      <p:par>
+        <p:cTn id="1" dur="indefinite" restart="never" nodeType="tmRoot"/>
+      </p:par>
+    </p:tnLst>
+  </p:timing>
+</p:sld>
+</file>
+
+<file path=ppt/slides/slide2.xml><?xml version="1.0" encoding="utf-8"?>
+<p:sld xmlns:a="http://schemas.openxmlformats.org/drawingml/2006/main" xmlns:r="http://schemas.openxmlformats.org/officeDocument/2006/relationships" xmlns:p="http://schemas.openxmlformats.org/presentationml/2006/main">
+  <p:cSld>
+    <p:spTree>
+      <p:nvGrpSpPr>
+        <p:cNvPr id="1" name=""/>
+        <p:cNvGrpSpPr/>
+        <p:nvPr/>
+      </p:nvGrpSpPr>
+      <p:grpSpPr>
+        <a:xfrm>
+          <a:off x="0" y="0"/>
+          <a:ext cx="0" cy="0"/>
+          <a:chOff x="0" y="0"/>
+          <a:chExt cx="0" cy="0"/>
+        </a:xfrm>
+      </p:grpSpPr>
+      <p:grpSp>
+        <p:nvGrpSpPr>
+          <p:cNvPr id="58" name="组合 57"/>
+          <p:cNvGrpSpPr/>
+          <p:nvPr/>
+        </p:nvGrpSpPr>
+        <p:grpSpPr>
+          <a:xfrm>
+            <a:off x="652889" y="152336"/>
+            <a:ext cx="10631552" cy="6555536"/>
+            <a:chOff x="-29499" y="192994"/>
+            <a:chExt cx="10631552" cy="6555536"/>
+          </a:xfrm>
+        </p:grpSpPr>
         <p:grpSp>
           <p:nvGrpSpPr>
-            <p:cNvPr id="80" name="组合 79"/>
+            <p:cNvPr id="56" name="组合 55"/>
             <p:cNvGrpSpPr/>
             <p:nvPr/>
           </p:nvGrpSpPr>
           <p:grpSpPr>
             <a:xfrm>
-              <a:off x="922027" y="605117"/>
-              <a:ext cx="9680026" cy="5311590"/>
-              <a:chOff x="-133050" y="605116"/>
-              <a:chExt cx="9680026" cy="5311590"/>
+              <a:off x="964310" y="192994"/>
+              <a:ext cx="9637743" cy="6555536"/>
+              <a:chOff x="964310" y="192994"/>
+              <a:chExt cx="9637743" cy="6555536"/>
             </a:xfrm>
           </p:grpSpPr>
-          <p:sp>
-            <p:nvSpPr>
-              <p:cNvPr id="25" name="圆角矩形 24"/>
-              <p:cNvSpPr/>
-              <p:nvPr/>
-            </p:nvSpPr>
-            <p:spPr>
-              <a:xfrm>
-                <a:off x="7159666" y="605116"/>
-                <a:ext cx="2164234" cy="5311589"/>
-              </a:xfrm>
-              <a:prstGeom prst="roundRect">
-                <a:avLst>
-                  <a:gd name="adj" fmla="val 9192"/>
-                </a:avLst>
-              </a:prstGeom>
-              <a:solidFill>
-                <a:srgbClr val="FFCCFF"/>
-              </a:solidFill>
-              <a:ln>
-                <a:solidFill>
-                  <a:schemeClr val="tx1"/>
-                </a:solidFill>
-              </a:ln>
-            </p:spPr>
-            <p:style>
-              <a:lnRef idx="2">
-                <a:schemeClr val="accent1">
-                  <a:shade val="50000"/>
-                </a:schemeClr>
-              </a:lnRef>
-              <a:fillRef idx="1">
-                <a:schemeClr val="accent1"/>
-              </a:fillRef>
-              <a:effectRef idx="0">
-                <a:schemeClr val="accent1"/>
-              </a:effectRef>
-              <a:fontRef idx="minor">
-                <a:schemeClr val="lt1"/>
-              </a:fontRef>
-            </p:style>
-            <p:txBody>
-              <a:bodyPr rtlCol="0" anchor="ctr"/>
-              <a:lstStyle/>
-              <a:p>
-                <a:pPr algn="ctr"/>
-                <a:endParaRPr lang="zh-CN" altLang="en-US">
-                  <a:latin typeface="Consolas" panose="020B0609020204030204" pitchFamily="49" charset="0"/>
-                  <a:cs typeface="Consolas" panose="020B0609020204030204" pitchFamily="49" charset="0"/>
-                </a:endParaRPr>
-              </a:p>
-            </p:txBody>
-          </p:sp>
-          <p:sp>
-            <p:nvSpPr>
-              <p:cNvPr id="54" name="圆角矩形 53"/>
-              <p:cNvSpPr/>
-              <p:nvPr/>
-            </p:nvSpPr>
-            <p:spPr>
-              <a:xfrm>
-                <a:off x="7345524" y="878099"/>
-                <a:ext cx="1792518" cy="1733071"/>
-              </a:xfrm>
-              <a:prstGeom prst="roundRect">
-                <a:avLst>
-                  <a:gd name="adj" fmla="val 8493"/>
-                </a:avLst>
-              </a:prstGeom>
-              <a:solidFill>
-                <a:srgbClr val="99CCFF"/>
-              </a:solidFill>
-            </p:spPr>
-            <p:style>
-              <a:lnRef idx="2">
-                <a:schemeClr val="accent1">
-                  <a:shade val="50000"/>
-                </a:schemeClr>
-              </a:lnRef>
-              <a:fillRef idx="1">
-                <a:schemeClr val="accent1"/>
-              </a:fillRef>
-              <a:effectRef idx="0">
-                <a:schemeClr val="accent1"/>
-              </a:effectRef>
-              <a:fontRef idx="minor">
-                <a:schemeClr val="lt1"/>
-              </a:fontRef>
-            </p:style>
-            <p:txBody>
-              <a:bodyPr rtlCol="0" anchor="ctr"/>
-              <a:lstStyle/>
-              <a:p>
-                <a:pPr algn="ctr"/>
-                <a:endParaRPr lang="zh-CN" altLang="en-US"/>
-              </a:p>
-            </p:txBody>
-          </p:sp>
-          <p:sp>
-            <p:nvSpPr>
-              <p:cNvPr id="2" name="圆角矩形 1"/>
-              <p:cNvSpPr/>
-              <p:nvPr/>
-            </p:nvSpPr>
-            <p:spPr>
-              <a:xfrm>
-                <a:off x="2695851" y="605116"/>
-                <a:ext cx="3348507" cy="4649464"/>
-              </a:xfrm>
-              <a:prstGeom prst="roundRect">
-                <a:avLst>
-                  <a:gd name="adj" fmla="val 5898"/>
-                </a:avLst>
-              </a:prstGeom>
-              <a:solidFill>
-                <a:schemeClr val="accent5">
-                  <a:lumMod val="40000"/>
-                  <a:lumOff val="60000"/>
-                </a:schemeClr>
-              </a:solidFill>
-              <a:ln>
-                <a:solidFill>
-                  <a:schemeClr val="tx1"/>
-                </a:solidFill>
-              </a:ln>
-            </p:spPr>
-            <p:style>
-              <a:lnRef idx="2">
-                <a:schemeClr val="accent1">
-                  <a:shade val="50000"/>
-                </a:schemeClr>
-              </a:lnRef>
-              <a:fillRef idx="1">
-                <a:schemeClr val="accent1"/>
-              </a:fillRef>
-              <a:effectRef idx="0">
-                <a:schemeClr val="accent1"/>
-              </a:effectRef>
-              <a:fontRef idx="minor">
-                <a:schemeClr val="lt1"/>
-              </a:fontRef>
-            </p:style>
-            <p:txBody>
-              <a:bodyPr rtlCol="0" anchor="ctr"/>
-              <a:lstStyle/>
-              <a:p>
-                <a:pPr algn="ctr"/>
-                <a:endParaRPr lang="zh-CN" altLang="en-US">
-                  <a:latin typeface="Consolas" panose="020B0609020204030204" pitchFamily="49" charset="0"/>
-                  <a:cs typeface="Consolas" panose="020B0609020204030204" pitchFamily="49" charset="0"/>
-                </a:endParaRPr>
-              </a:p>
-            </p:txBody>
-          </p:sp>
-          <p:sp>
-            <p:nvSpPr>
-              <p:cNvPr id="4" name="圆角矩形 3"/>
-              <p:cNvSpPr/>
-              <p:nvPr/>
-            </p:nvSpPr>
-            <p:spPr>
-              <a:xfrm>
-                <a:off x="510988" y="605117"/>
-                <a:ext cx="1378326" cy="5311589"/>
-              </a:xfrm>
-              <a:prstGeom prst="roundRect">
-                <a:avLst>
-                  <a:gd name="adj" fmla="val 11061"/>
-                </a:avLst>
-              </a:prstGeom>
-              <a:solidFill>
-                <a:schemeClr val="bg1">
-                  <a:lumMod val="75000"/>
-                </a:schemeClr>
-              </a:solidFill>
-              <a:ln>
-                <a:solidFill>
-                  <a:schemeClr val="tx1"/>
-                </a:solidFill>
-              </a:ln>
-            </p:spPr>
-            <p:style>
-              <a:lnRef idx="2">
-                <a:schemeClr val="accent1">
-                  <a:shade val="50000"/>
-                </a:schemeClr>
-              </a:lnRef>
-              <a:fillRef idx="1">
-                <a:schemeClr val="accent1"/>
-              </a:fillRef>
-              <a:effectRef idx="0">
-                <a:schemeClr val="accent1"/>
-              </a:effectRef>
-              <a:fontRef idx="minor">
-                <a:schemeClr val="lt1"/>
-              </a:fontRef>
-            </p:style>
-            <p:txBody>
-              <a:bodyPr rtlCol="0" anchor="ctr"/>
-              <a:lstStyle/>
-              <a:p>
-                <a:pPr algn="ctr"/>
-                <a:endParaRPr lang="zh-CN" altLang="en-US">
-                  <a:latin typeface="Consolas" panose="020B0609020204030204" pitchFamily="49" charset="0"/>
-                  <a:cs typeface="Consolas" panose="020B0609020204030204" pitchFamily="49" charset="0"/>
-                </a:endParaRPr>
-              </a:p>
-            </p:txBody>
-          </p:sp>
-          <p:sp>
-            <p:nvSpPr>
-              <p:cNvPr id="5" name="文本框 4"/>
-              <p:cNvSpPr txBox="1"/>
-              <p:nvPr/>
-            </p:nvSpPr>
-            <p:spPr>
-              <a:xfrm>
-                <a:off x="-90767" y="837062"/>
-                <a:ext cx="2581836" cy="307777"/>
-              </a:xfrm>
-              <a:prstGeom prst="rect">
-                <a:avLst/>
-              </a:prstGeom>
-              <a:noFill/>
-            </p:spPr>
-            <p:txBody>
-              <a:bodyPr wrap="square" rtlCol="0">
-                <a:spAutoFit/>
-              </a:bodyPr>
-              <a:lstStyle/>
-              <a:p>
-                <a:pPr algn="ctr"/>
-                <a:r>
-                  <a:rPr lang="en-US" altLang="zh-CN" sz="1400" b="1" dirty="0" smtClean="0">
-                    <a:latin typeface="Consolas" panose="020B0609020204030204" pitchFamily="49" charset="0"/>
-                    <a:cs typeface="Consolas" panose="020B0609020204030204" pitchFamily="49" charset="0"/>
-                  </a:rPr>
-                  <a:t>Data </a:t>
-                </a:r>
-                <a:r>
-                  <a:rPr lang="en-US" altLang="zh-CN" sz="1400" b="1" dirty="0" smtClean="0">
-                    <a:latin typeface="Consolas" panose="020B0609020204030204" pitchFamily="49" charset="0"/>
-                    <a:cs typeface="Consolas" panose="020B0609020204030204" pitchFamily="49" charset="0"/>
-                  </a:rPr>
-                  <a:t>Source</a:t>
-                </a:r>
-                <a:endParaRPr lang="en-US" altLang="zh-CN" sz="1400" b="1" dirty="0" smtClean="0">
-                  <a:latin typeface="Consolas" panose="020B0609020204030204" pitchFamily="49" charset="0"/>
-                  <a:cs typeface="Consolas" panose="020B0609020204030204" pitchFamily="49" charset="0"/>
-                </a:endParaRPr>
-              </a:p>
-            </p:txBody>
-          </p:sp>
           <p:grpSp>
             <p:nvGrpSpPr>
-              <p:cNvPr id="9" name="组合 8"/>
+              <p:cNvPr id="51" name="组合 50"/>
               <p:cNvGrpSpPr/>
               <p:nvPr/>
             </p:nvGrpSpPr>
             <p:grpSpPr>
               <a:xfrm>
-                <a:off x="712694" y="4045718"/>
-                <a:ext cx="974913" cy="1008531"/>
-                <a:chOff x="2985247" y="605117"/>
-                <a:chExt cx="1411941" cy="1286337"/>
-              </a:xfrm>
-              <a:effectLst>
-                <a:outerShdw blurRad="50800" dist="38100" dir="2700000" algn="tl" rotWithShape="0">
-                  <a:prstClr val="black">
-                    <a:alpha val="40000"/>
-                  </a:prstClr>
-                </a:outerShdw>
-              </a:effectLst>
-            </p:grpSpPr>
-            <p:sp>
-              <p:nvSpPr>
-                <p:cNvPr id="6" name="矩形 5"/>
-                <p:cNvSpPr/>
-                <p:nvPr/>
-              </p:nvSpPr>
-              <p:spPr>
-                <a:xfrm>
-                  <a:off x="2985247" y="753035"/>
-                  <a:ext cx="1411941" cy="1008530"/>
-                </a:xfrm>
-                <a:prstGeom prst="rect">
-                  <a:avLst/>
-                </a:prstGeom>
-                <a:solidFill>
-                  <a:schemeClr val="accent1">
-                    <a:lumMod val="75000"/>
-                  </a:schemeClr>
-                </a:solidFill>
-                <a:ln>
-                  <a:noFill/>
-                </a:ln>
-              </p:spPr>
-              <p:style>
-                <a:lnRef idx="2">
-                  <a:schemeClr val="accent1">
-                    <a:shade val="50000"/>
-                  </a:schemeClr>
-                </a:lnRef>
-                <a:fillRef idx="1">
-                  <a:schemeClr val="accent1"/>
-                </a:fillRef>
-                <a:effectRef idx="0">
-                  <a:schemeClr val="accent1"/>
-                </a:effectRef>
-                <a:fontRef idx="minor">
-                  <a:schemeClr val="lt1"/>
-                </a:fontRef>
-              </p:style>
-              <p:txBody>
-                <a:bodyPr rtlCol="0" anchor="ctr"/>
-                <a:lstStyle/>
-                <a:p>
-                  <a:pPr algn="ctr"/>
-                  <a:endParaRPr lang="zh-CN" altLang="en-US">
-                    <a:latin typeface="Consolas" panose="020B0609020204030204" pitchFamily="49" charset="0"/>
-                    <a:cs typeface="Consolas" panose="020B0609020204030204" pitchFamily="49" charset="0"/>
-                  </a:endParaRPr>
-                </a:p>
-              </p:txBody>
-            </p:sp>
-            <p:sp>
-              <p:nvSpPr>
-                <p:cNvPr id="7" name="椭圆 6"/>
-                <p:cNvSpPr/>
-                <p:nvPr/>
-              </p:nvSpPr>
-              <p:spPr>
-                <a:xfrm>
-                  <a:off x="2985247" y="605117"/>
-                  <a:ext cx="1411941" cy="295836"/>
-                </a:xfrm>
-                <a:prstGeom prst="ellipse">
-                  <a:avLst/>
-                </a:prstGeom>
-                <a:ln>
-                  <a:noFill/>
-                </a:ln>
-              </p:spPr>
-              <p:style>
-                <a:lnRef idx="2">
-                  <a:schemeClr val="accent1">
-                    <a:shade val="50000"/>
-                  </a:schemeClr>
-                </a:lnRef>
-                <a:fillRef idx="1">
-                  <a:schemeClr val="accent1"/>
-                </a:fillRef>
-                <a:effectRef idx="0">
-                  <a:schemeClr val="accent1"/>
-                </a:effectRef>
-                <a:fontRef idx="minor">
-                  <a:schemeClr val="lt1"/>
-                </a:fontRef>
-              </p:style>
-              <p:txBody>
-                <a:bodyPr rtlCol="0" anchor="ctr"/>
-                <a:lstStyle/>
-                <a:p>
-                  <a:pPr algn="ctr"/>
-                  <a:endParaRPr lang="zh-CN" altLang="en-US">
-                    <a:latin typeface="Consolas" panose="020B0609020204030204" pitchFamily="49" charset="0"/>
-                    <a:cs typeface="Consolas" panose="020B0609020204030204" pitchFamily="49" charset="0"/>
-                  </a:endParaRPr>
-                </a:p>
-              </p:txBody>
-            </p:sp>
-            <p:sp>
-              <p:nvSpPr>
-                <p:cNvPr id="8" name="椭圆 7"/>
-                <p:cNvSpPr/>
-                <p:nvPr/>
-              </p:nvSpPr>
-              <p:spPr>
-                <a:xfrm>
-                  <a:off x="2994983" y="1600201"/>
-                  <a:ext cx="1402203" cy="291253"/>
-                </a:xfrm>
-                <a:prstGeom prst="ellipse">
-                  <a:avLst/>
-                </a:prstGeom>
-                <a:solidFill>
-                  <a:schemeClr val="accent1">
-                    <a:lumMod val="75000"/>
-                  </a:schemeClr>
-                </a:solidFill>
-                <a:ln>
-                  <a:noFill/>
-                </a:ln>
-              </p:spPr>
-              <p:style>
-                <a:lnRef idx="2">
-                  <a:schemeClr val="accent1">
-                    <a:shade val="50000"/>
-                  </a:schemeClr>
-                </a:lnRef>
-                <a:fillRef idx="1">
-                  <a:schemeClr val="accent1"/>
-                </a:fillRef>
-                <a:effectRef idx="0">
-                  <a:schemeClr val="accent1"/>
-                </a:effectRef>
-                <a:fontRef idx="minor">
-                  <a:schemeClr val="lt1"/>
-                </a:fontRef>
-              </p:style>
-              <p:txBody>
-                <a:bodyPr rtlCol="0" anchor="ctr"/>
-                <a:lstStyle/>
-                <a:p>
-                  <a:pPr algn="ctr"/>
-                  <a:endParaRPr lang="zh-CN" altLang="en-US">
-                    <a:latin typeface="Consolas" panose="020B0609020204030204" pitchFamily="49" charset="0"/>
-                    <a:cs typeface="Consolas" panose="020B0609020204030204" pitchFamily="49" charset="0"/>
-                  </a:endParaRPr>
-                </a:p>
-              </p:txBody>
-            </p:sp>
-          </p:grpSp>
-          <p:grpSp>
-            <p:nvGrpSpPr>
-              <p:cNvPr id="12" name="组合 11"/>
-              <p:cNvGrpSpPr/>
-              <p:nvPr/>
-            </p:nvGrpSpPr>
-            <p:grpSpPr>
-              <a:xfrm>
-                <a:off x="712693" y="1708798"/>
-                <a:ext cx="974912" cy="1022667"/>
-                <a:chOff x="2985247" y="605117"/>
-                <a:chExt cx="1411941" cy="1304367"/>
-              </a:xfrm>
-              <a:effectLst>
-                <a:outerShdw blurRad="50800" dist="38100" dir="2700000" algn="tl" rotWithShape="0">
-                  <a:prstClr val="black">
-                    <a:alpha val="40000"/>
-                  </a:prstClr>
-                </a:outerShdw>
-              </a:effectLst>
-            </p:grpSpPr>
-            <p:sp>
-              <p:nvSpPr>
-                <p:cNvPr id="13" name="矩形 12"/>
-                <p:cNvSpPr/>
-                <p:nvPr/>
-              </p:nvSpPr>
-              <p:spPr>
-                <a:xfrm>
-                  <a:off x="2985247" y="753035"/>
-                  <a:ext cx="1411941" cy="1008530"/>
-                </a:xfrm>
-                <a:prstGeom prst="rect">
-                  <a:avLst/>
-                </a:prstGeom>
-                <a:solidFill>
-                  <a:schemeClr val="accent6">
-                    <a:lumMod val="75000"/>
-                  </a:schemeClr>
-                </a:solidFill>
-                <a:ln>
-                  <a:noFill/>
-                </a:ln>
-              </p:spPr>
-              <p:style>
-                <a:lnRef idx="2">
-                  <a:schemeClr val="accent1">
-                    <a:shade val="50000"/>
-                  </a:schemeClr>
-                </a:lnRef>
-                <a:fillRef idx="1">
-                  <a:schemeClr val="accent1"/>
-                </a:fillRef>
-                <a:effectRef idx="0">
-                  <a:schemeClr val="accent1"/>
-                </a:effectRef>
-                <a:fontRef idx="minor">
-                  <a:schemeClr val="lt1"/>
-                </a:fontRef>
-              </p:style>
-              <p:txBody>
-                <a:bodyPr rtlCol="0" anchor="ctr"/>
-                <a:lstStyle/>
-                <a:p>
-                  <a:pPr algn="ctr"/>
-                  <a:endParaRPr lang="zh-CN" altLang="en-US">
-                    <a:latin typeface="Consolas" panose="020B0609020204030204" pitchFamily="49" charset="0"/>
-                    <a:cs typeface="Consolas" panose="020B0609020204030204" pitchFamily="49" charset="0"/>
-                  </a:endParaRPr>
-                </a:p>
-              </p:txBody>
-            </p:sp>
-            <p:sp>
-              <p:nvSpPr>
-                <p:cNvPr id="14" name="椭圆 13"/>
-                <p:cNvSpPr/>
-                <p:nvPr/>
-              </p:nvSpPr>
-              <p:spPr>
-                <a:xfrm>
-                  <a:off x="2985247" y="605117"/>
-                  <a:ext cx="1411941" cy="295836"/>
-                </a:xfrm>
-                <a:prstGeom prst="ellipse">
-                  <a:avLst/>
-                </a:prstGeom>
-                <a:solidFill>
-                  <a:schemeClr val="accent6">
-                    <a:lumMod val="60000"/>
-                    <a:lumOff val="40000"/>
-                  </a:schemeClr>
-                </a:solidFill>
-                <a:ln>
-                  <a:noFill/>
-                </a:ln>
-              </p:spPr>
-              <p:style>
-                <a:lnRef idx="2">
-                  <a:schemeClr val="accent1">
-                    <a:shade val="50000"/>
-                  </a:schemeClr>
-                </a:lnRef>
-                <a:fillRef idx="1">
-                  <a:schemeClr val="accent1"/>
-                </a:fillRef>
-                <a:effectRef idx="0">
-                  <a:schemeClr val="accent1"/>
-                </a:effectRef>
-                <a:fontRef idx="minor">
-                  <a:schemeClr val="lt1"/>
-                </a:fontRef>
-              </p:style>
-              <p:txBody>
-                <a:bodyPr rtlCol="0" anchor="ctr"/>
-                <a:lstStyle/>
-                <a:p>
-                  <a:pPr algn="ctr"/>
-                  <a:endParaRPr lang="zh-CN" altLang="en-US">
-                    <a:latin typeface="Consolas" panose="020B0609020204030204" pitchFamily="49" charset="0"/>
-                    <a:cs typeface="Consolas" panose="020B0609020204030204" pitchFamily="49" charset="0"/>
-                  </a:endParaRPr>
-                </a:p>
-              </p:txBody>
-            </p:sp>
-            <p:sp>
-              <p:nvSpPr>
-                <p:cNvPr id="15" name="椭圆 14"/>
-                <p:cNvSpPr/>
-                <p:nvPr/>
-              </p:nvSpPr>
-              <p:spPr>
-                <a:xfrm>
-                  <a:off x="2994984" y="1600200"/>
-                  <a:ext cx="1402202" cy="309284"/>
-                </a:xfrm>
-                <a:prstGeom prst="ellipse">
-                  <a:avLst/>
-                </a:prstGeom>
-                <a:solidFill>
-                  <a:schemeClr val="accent6">
-                    <a:lumMod val="75000"/>
-                  </a:schemeClr>
-                </a:solidFill>
-                <a:ln>
-                  <a:noFill/>
-                </a:ln>
-              </p:spPr>
-              <p:style>
-                <a:lnRef idx="2">
-                  <a:schemeClr val="accent1">
-                    <a:shade val="50000"/>
-                  </a:schemeClr>
-                </a:lnRef>
-                <a:fillRef idx="1">
-                  <a:schemeClr val="accent1"/>
-                </a:fillRef>
-                <a:effectRef idx="0">
-                  <a:schemeClr val="accent1"/>
-                </a:effectRef>
-                <a:fontRef idx="minor">
-                  <a:schemeClr val="lt1"/>
-                </a:fontRef>
-              </p:style>
-              <p:txBody>
-                <a:bodyPr rtlCol="0" anchor="ctr"/>
-                <a:lstStyle/>
-                <a:p>
-                  <a:pPr algn="ctr"/>
-                  <a:endParaRPr lang="zh-CN" altLang="en-US">
-                    <a:latin typeface="Consolas" panose="020B0609020204030204" pitchFamily="49" charset="0"/>
-                    <a:cs typeface="Consolas" panose="020B0609020204030204" pitchFamily="49" charset="0"/>
-                  </a:endParaRPr>
-                </a:p>
-              </p:txBody>
-            </p:sp>
-          </p:grpSp>
-          <p:grpSp>
-            <p:nvGrpSpPr>
-              <p:cNvPr id="16" name="组合 15"/>
-              <p:cNvGrpSpPr/>
-              <p:nvPr/>
-            </p:nvGrpSpPr>
-            <p:grpSpPr>
-              <a:xfrm>
-                <a:off x="7768602" y="1434681"/>
-                <a:ext cx="974913" cy="1012123"/>
-                <a:chOff x="2985246" y="605117"/>
-                <a:chExt cx="1411942" cy="1290919"/>
-              </a:xfrm>
-              <a:effectLst>
-                <a:outerShdw blurRad="50800" dist="38100" dir="2700000" algn="tl" rotWithShape="0">
-                  <a:prstClr val="black">
-                    <a:alpha val="40000"/>
-                  </a:prstClr>
-                </a:outerShdw>
-              </a:effectLst>
-            </p:grpSpPr>
-            <p:sp>
-              <p:nvSpPr>
-                <p:cNvPr id="17" name="矩形 16"/>
-                <p:cNvSpPr/>
-                <p:nvPr/>
-              </p:nvSpPr>
-              <p:spPr>
-                <a:xfrm>
-                  <a:off x="2985247" y="753035"/>
-                  <a:ext cx="1411941" cy="1008530"/>
-                </a:xfrm>
-                <a:prstGeom prst="rect">
-                  <a:avLst/>
-                </a:prstGeom>
-                <a:solidFill>
-                  <a:schemeClr val="accent2">
-                    <a:lumMod val="75000"/>
-                  </a:schemeClr>
-                </a:solidFill>
-                <a:ln>
-                  <a:noFill/>
-                </a:ln>
-              </p:spPr>
-              <p:style>
-                <a:lnRef idx="2">
-                  <a:schemeClr val="accent1">
-                    <a:shade val="50000"/>
-                  </a:schemeClr>
-                </a:lnRef>
-                <a:fillRef idx="1">
-                  <a:schemeClr val="accent1"/>
-                </a:fillRef>
-                <a:effectRef idx="0">
-                  <a:schemeClr val="accent1"/>
-                </a:effectRef>
-                <a:fontRef idx="minor">
-                  <a:schemeClr val="lt1"/>
-                </a:fontRef>
-              </p:style>
-              <p:txBody>
-                <a:bodyPr rtlCol="0" anchor="ctr"/>
-                <a:lstStyle/>
-                <a:p>
-                  <a:pPr algn="ctr"/>
-                  <a:endParaRPr lang="zh-CN" altLang="en-US">
-                    <a:latin typeface="Consolas" panose="020B0609020204030204" pitchFamily="49" charset="0"/>
-                    <a:cs typeface="Consolas" panose="020B0609020204030204" pitchFamily="49" charset="0"/>
-                  </a:endParaRPr>
-                </a:p>
-              </p:txBody>
-            </p:sp>
-            <p:sp>
-              <p:nvSpPr>
-                <p:cNvPr id="18" name="椭圆 17"/>
-                <p:cNvSpPr/>
-                <p:nvPr/>
-              </p:nvSpPr>
-              <p:spPr>
-                <a:xfrm>
-                  <a:off x="2985247" y="605117"/>
-                  <a:ext cx="1411941" cy="295836"/>
-                </a:xfrm>
-                <a:prstGeom prst="ellipse">
-                  <a:avLst/>
-                </a:prstGeom>
-                <a:solidFill>
-                  <a:schemeClr val="accent2">
-                    <a:lumMod val="60000"/>
-                    <a:lumOff val="40000"/>
-                  </a:schemeClr>
-                </a:solidFill>
-                <a:ln>
-                  <a:noFill/>
-                </a:ln>
-              </p:spPr>
-              <p:style>
-                <a:lnRef idx="2">
-                  <a:schemeClr val="accent1">
-                    <a:shade val="50000"/>
-                  </a:schemeClr>
-                </a:lnRef>
-                <a:fillRef idx="1">
-                  <a:schemeClr val="accent1"/>
-                </a:fillRef>
-                <a:effectRef idx="0">
-                  <a:schemeClr val="accent1"/>
-                </a:effectRef>
-                <a:fontRef idx="minor">
-                  <a:schemeClr val="lt1"/>
-                </a:fontRef>
-              </p:style>
-              <p:txBody>
-                <a:bodyPr rtlCol="0" anchor="ctr"/>
-                <a:lstStyle/>
-                <a:p>
-                  <a:pPr algn="ctr"/>
-                  <a:endParaRPr lang="zh-CN" altLang="en-US">
-                    <a:latin typeface="Consolas" panose="020B0609020204030204" pitchFamily="49" charset="0"/>
-                    <a:cs typeface="Consolas" panose="020B0609020204030204" pitchFamily="49" charset="0"/>
-                  </a:endParaRPr>
-                </a:p>
-              </p:txBody>
-            </p:sp>
-            <p:sp>
-              <p:nvSpPr>
-                <p:cNvPr id="19" name="椭圆 18"/>
-                <p:cNvSpPr/>
-                <p:nvPr/>
-              </p:nvSpPr>
-              <p:spPr>
-                <a:xfrm>
-                  <a:off x="2985246" y="1600200"/>
-                  <a:ext cx="1411941" cy="295836"/>
-                </a:xfrm>
-                <a:prstGeom prst="ellipse">
-                  <a:avLst/>
-                </a:prstGeom>
-                <a:solidFill>
-                  <a:schemeClr val="accent2">
-                    <a:lumMod val="75000"/>
-                  </a:schemeClr>
-                </a:solidFill>
-                <a:ln>
-                  <a:noFill/>
-                </a:ln>
-              </p:spPr>
-              <p:style>
-                <a:lnRef idx="2">
-                  <a:schemeClr val="accent1">
-                    <a:shade val="50000"/>
-                  </a:schemeClr>
-                </a:lnRef>
-                <a:fillRef idx="1">
-                  <a:schemeClr val="accent1"/>
-                </a:fillRef>
-                <a:effectRef idx="0">
-                  <a:schemeClr val="accent1"/>
-                </a:effectRef>
-                <a:fontRef idx="minor">
-                  <a:schemeClr val="lt1"/>
-                </a:fontRef>
-              </p:style>
-              <p:txBody>
-                <a:bodyPr rtlCol="0" anchor="ctr"/>
-                <a:lstStyle/>
-                <a:p>
-                  <a:pPr algn="ctr"/>
-                  <a:endParaRPr lang="zh-CN" altLang="en-US">
-                    <a:latin typeface="Consolas" panose="020B0609020204030204" pitchFamily="49" charset="0"/>
-                    <a:cs typeface="Consolas" panose="020B0609020204030204" pitchFamily="49" charset="0"/>
-                  </a:endParaRPr>
-                </a:p>
-              </p:txBody>
-            </p:sp>
-          </p:grpSp>
-          <p:sp>
-            <p:nvSpPr>
-              <p:cNvPr id="27" name="右箭头 26"/>
-              <p:cNvSpPr/>
-              <p:nvPr/>
-            </p:nvSpPr>
-            <p:spPr>
-              <a:xfrm>
-                <a:off x="6035677" y="4234483"/>
-                <a:ext cx="1222975" cy="368843"/>
-              </a:xfrm>
-              <a:prstGeom prst="rightArrow">
-                <a:avLst/>
-              </a:prstGeom>
-              <a:gradFill>
-                <a:gsLst>
-                  <a:gs pos="0">
-                    <a:schemeClr val="accent6">
-                      <a:lumMod val="75000"/>
-                    </a:schemeClr>
-                  </a:gs>
-                  <a:gs pos="100000">
-                    <a:schemeClr val="accent4">
-                      <a:lumMod val="20000"/>
-                      <a:lumOff val="80000"/>
-                    </a:schemeClr>
-                  </a:gs>
-                </a:gsLst>
-                <a:lin ang="0" scaled="1"/>
-              </a:gradFill>
-            </p:spPr>
-            <p:style>
-              <a:lnRef idx="2">
-                <a:schemeClr val="accent6">
-                  <a:shade val="50000"/>
-                </a:schemeClr>
-              </a:lnRef>
-              <a:fillRef idx="1">
-                <a:schemeClr val="accent6"/>
-              </a:fillRef>
-              <a:effectRef idx="0">
-                <a:schemeClr val="accent6"/>
-              </a:effectRef>
-              <a:fontRef idx="minor">
-                <a:schemeClr val="lt1"/>
-              </a:fontRef>
-            </p:style>
-            <p:txBody>
-              <a:bodyPr rtlCol="0" anchor="ctr"/>
-              <a:lstStyle/>
-              <a:p>
-                <a:pPr algn="ctr"/>
-                <a:endParaRPr lang="zh-CN" altLang="en-US">
-                  <a:latin typeface="Consolas" panose="020B0609020204030204" pitchFamily="49" charset="0"/>
-                  <a:cs typeface="Consolas" panose="020B0609020204030204" pitchFamily="49" charset="0"/>
-                </a:endParaRPr>
-              </a:p>
-            </p:txBody>
-          </p:sp>
-          <p:sp>
-            <p:nvSpPr>
-              <p:cNvPr id="28" name="右箭头 27"/>
-              <p:cNvSpPr/>
-              <p:nvPr/>
-            </p:nvSpPr>
-            <p:spPr>
-              <a:xfrm>
-                <a:off x="6040218" y="1524376"/>
-                <a:ext cx="1218434" cy="368843"/>
-              </a:xfrm>
-              <a:prstGeom prst="rightArrow">
-                <a:avLst/>
-              </a:prstGeom>
-              <a:gradFill>
-                <a:gsLst>
-                  <a:gs pos="0">
-                    <a:schemeClr val="accent4">
-                      <a:lumMod val="75000"/>
-                    </a:schemeClr>
-                  </a:gs>
-                  <a:gs pos="100000">
-                    <a:schemeClr val="accent2">
-                      <a:lumMod val="20000"/>
-                      <a:lumOff val="80000"/>
-                    </a:schemeClr>
-                  </a:gs>
-                </a:gsLst>
-                <a:lin ang="0" scaled="1"/>
-              </a:gradFill>
-            </p:spPr>
-            <p:style>
-              <a:lnRef idx="2">
-                <a:schemeClr val="accent6">
-                  <a:shade val="50000"/>
-                </a:schemeClr>
-              </a:lnRef>
-              <a:fillRef idx="1">
-                <a:schemeClr val="accent6"/>
-              </a:fillRef>
-              <a:effectRef idx="0">
-                <a:schemeClr val="accent6"/>
-              </a:effectRef>
-              <a:fontRef idx="minor">
-                <a:schemeClr val="lt1"/>
-              </a:fontRef>
-            </p:style>
-            <p:txBody>
-              <a:bodyPr rtlCol="0" anchor="ctr"/>
-              <a:lstStyle/>
-              <a:p>
-                <a:pPr algn="ctr"/>
-                <a:endParaRPr lang="zh-CN" altLang="en-US">
-                  <a:latin typeface="Consolas" panose="020B0609020204030204" pitchFamily="49" charset="0"/>
-                  <a:cs typeface="Consolas" panose="020B0609020204030204" pitchFamily="49" charset="0"/>
-                </a:endParaRPr>
-              </a:p>
-            </p:txBody>
-          </p:sp>
-          <p:sp>
-            <p:nvSpPr>
-              <p:cNvPr id="29" name="右箭头 28"/>
-              <p:cNvSpPr/>
-              <p:nvPr/>
-            </p:nvSpPr>
-            <p:spPr>
-              <a:xfrm>
-                <a:off x="1889310" y="2060369"/>
-                <a:ext cx="905405" cy="368843"/>
-              </a:xfrm>
-              <a:prstGeom prst="rightArrow">
-                <a:avLst/>
-              </a:prstGeom>
-              <a:gradFill flip="none" rotWithShape="1">
-                <a:gsLst>
-                  <a:gs pos="0">
-                    <a:schemeClr val="accent6">
-                      <a:lumMod val="75000"/>
-                    </a:schemeClr>
-                  </a:gs>
-                  <a:gs pos="100000">
-                    <a:schemeClr val="accent6">
-                      <a:lumMod val="20000"/>
-                      <a:lumOff val="80000"/>
-                    </a:schemeClr>
-                  </a:gs>
-                </a:gsLst>
-                <a:lin ang="0" scaled="1"/>
-                <a:tileRect/>
-              </a:gradFill>
-            </p:spPr>
-            <p:style>
-              <a:lnRef idx="2">
-                <a:schemeClr val="accent6">
-                  <a:shade val="50000"/>
-                </a:schemeClr>
-              </a:lnRef>
-              <a:fillRef idx="1">
-                <a:schemeClr val="accent6"/>
-              </a:fillRef>
-              <a:effectRef idx="0">
-                <a:schemeClr val="accent6"/>
-              </a:effectRef>
-              <a:fontRef idx="minor">
-                <a:schemeClr val="lt1"/>
-              </a:fontRef>
-            </p:style>
-            <p:txBody>
-              <a:bodyPr rtlCol="0" anchor="ctr"/>
-              <a:lstStyle/>
-              <a:p>
-                <a:pPr algn="ctr"/>
-                <a:endParaRPr lang="zh-CN" altLang="en-US">
-                  <a:latin typeface="Consolas" panose="020B0609020204030204" pitchFamily="49" charset="0"/>
-                  <a:cs typeface="Consolas" panose="020B0609020204030204" pitchFamily="49" charset="0"/>
-                </a:endParaRPr>
-              </a:p>
-            </p:txBody>
-          </p:sp>
-          <p:sp>
-            <p:nvSpPr>
-              <p:cNvPr id="37" name="矩形 36"/>
-              <p:cNvSpPr/>
-              <p:nvPr/>
-            </p:nvSpPr>
-            <p:spPr>
-              <a:xfrm rot="16200000">
-                <a:off x="4333443" y="3204542"/>
-                <a:ext cx="383242" cy="4851609"/>
-              </a:xfrm>
-              <a:prstGeom prst="rect">
-                <a:avLst/>
-              </a:prstGeom>
-              <a:solidFill>
-                <a:srgbClr val="FFFF00"/>
-              </a:solidFill>
-              <a:ln>
-                <a:solidFill>
-                  <a:schemeClr val="tx1"/>
-                </a:solidFill>
-              </a:ln>
-              <a:effectLst>
-                <a:innerShdw blurRad="63500" dist="50800" dir="10800000">
-                  <a:prstClr val="black">
-                    <a:alpha val="50000"/>
-                  </a:prstClr>
-                </a:innerShdw>
-              </a:effectLst>
-            </p:spPr>
-            <p:style>
-              <a:lnRef idx="2">
-                <a:schemeClr val="accent1">
-                  <a:shade val="50000"/>
-                </a:schemeClr>
-              </a:lnRef>
-              <a:fillRef idx="1">
-                <a:schemeClr val="accent1"/>
-              </a:fillRef>
-              <a:effectRef idx="0">
-                <a:schemeClr val="accent1"/>
-              </a:effectRef>
-              <a:fontRef idx="minor">
-                <a:schemeClr val="lt1"/>
-              </a:fontRef>
-            </p:style>
-            <p:txBody>
-              <a:bodyPr rtlCol="0" anchor="ctr"/>
-              <a:lstStyle/>
-              <a:p>
-                <a:pPr algn="ctr"/>
-                <a:endParaRPr lang="zh-CN" altLang="en-US">
-                  <a:latin typeface="Consolas" panose="020B0609020204030204" pitchFamily="49" charset="0"/>
-                  <a:cs typeface="Consolas" panose="020B0609020204030204" pitchFamily="49" charset="0"/>
-                </a:endParaRPr>
-              </a:p>
-            </p:txBody>
-          </p:sp>
-          <p:sp>
-            <p:nvSpPr>
-              <p:cNvPr id="30" name="文本框 29"/>
-              <p:cNvSpPr txBox="1"/>
-              <p:nvPr/>
-            </p:nvSpPr>
-            <p:spPr>
-              <a:xfrm>
-                <a:off x="-133050" y="2210538"/>
-                <a:ext cx="2581836" cy="307777"/>
-              </a:xfrm>
-              <a:prstGeom prst="rect">
-                <a:avLst/>
-              </a:prstGeom>
-              <a:noFill/>
-            </p:spPr>
-            <p:txBody>
-              <a:bodyPr wrap="square" rtlCol="0">
-                <a:spAutoFit/>
-              </a:bodyPr>
-              <a:lstStyle/>
-              <a:p>
-                <a:pPr algn="ctr"/>
-                <a:r>
-                  <a:rPr lang="en-US" altLang="zh-CN" sz="1400" dirty="0" err="1" smtClean="0">
-                    <a:latin typeface="Consolas" panose="020B0609020204030204" pitchFamily="49" charset="0"/>
-                    <a:cs typeface="Consolas" panose="020B0609020204030204" pitchFamily="49" charset="0"/>
-                  </a:rPr>
-                  <a:t>Mongodb</a:t>
-                </a:r>
-                <a:endParaRPr lang="en-US" altLang="zh-CN" sz="1400" dirty="0" smtClean="0">
-                  <a:latin typeface="Consolas" panose="020B0609020204030204" pitchFamily="49" charset="0"/>
-                  <a:cs typeface="Consolas" panose="020B0609020204030204" pitchFamily="49" charset="0"/>
-                </a:endParaRPr>
-              </a:p>
-            </p:txBody>
-          </p:sp>
-          <p:sp>
-            <p:nvSpPr>
-              <p:cNvPr id="31" name="文本框 30"/>
-              <p:cNvSpPr txBox="1"/>
-              <p:nvPr/>
-            </p:nvSpPr>
-            <p:spPr>
-              <a:xfrm>
-                <a:off x="-90767" y="4475249"/>
-                <a:ext cx="2581836" cy="307777"/>
-              </a:xfrm>
-              <a:prstGeom prst="rect">
-                <a:avLst/>
-              </a:prstGeom>
-              <a:noFill/>
-            </p:spPr>
-            <p:txBody>
-              <a:bodyPr wrap="square" rtlCol="0">
-                <a:spAutoFit/>
-              </a:bodyPr>
-              <a:lstStyle/>
-              <a:p>
-                <a:pPr algn="ctr"/>
-                <a:r>
-                  <a:rPr lang="en-US" altLang="zh-CN" sz="1400" dirty="0" smtClean="0">
-                    <a:latin typeface="Consolas" panose="020B0609020204030204" pitchFamily="49" charset="0"/>
-                    <a:cs typeface="Consolas" panose="020B0609020204030204" pitchFamily="49" charset="0"/>
-                  </a:rPr>
-                  <a:t>Oracle</a:t>
-                </a:r>
-              </a:p>
-            </p:txBody>
-          </p:sp>
-          <p:sp>
-            <p:nvSpPr>
-              <p:cNvPr id="32" name="文本框 31"/>
-              <p:cNvSpPr txBox="1"/>
-              <p:nvPr/>
-            </p:nvSpPr>
-            <p:spPr>
-              <a:xfrm>
-                <a:off x="3079186" y="855521"/>
-                <a:ext cx="2581836" cy="369332"/>
-              </a:xfrm>
-              <a:prstGeom prst="rect">
-                <a:avLst/>
-              </a:prstGeom>
-              <a:noFill/>
-            </p:spPr>
-            <p:txBody>
-              <a:bodyPr wrap="square" rtlCol="0">
-                <a:spAutoFit/>
-              </a:bodyPr>
-              <a:lstStyle/>
-              <a:p>
-                <a:pPr algn="ctr"/>
-                <a:r>
-                  <a:rPr lang="en-US" altLang="zh-CN" b="1" dirty="0" smtClean="0">
-                    <a:latin typeface="Consolas" panose="020B0609020204030204" pitchFamily="49" charset="0"/>
-                    <a:cs typeface="Consolas" panose="020B0609020204030204" pitchFamily="49" charset="0"/>
-                  </a:rPr>
-                  <a:t>Data </a:t>
-                </a:r>
-                <a:r>
-                  <a:rPr lang="en-US" altLang="zh-CN" b="1" dirty="0" err="1" smtClean="0">
-                    <a:latin typeface="Consolas" panose="020B0609020204030204" pitchFamily="49" charset="0"/>
-                    <a:cs typeface="Consolas" panose="020B0609020204030204" pitchFamily="49" charset="0"/>
-                  </a:rPr>
-                  <a:t>Plantform</a:t>
-                </a:r>
-                <a:endParaRPr lang="en-US" altLang="zh-CN" b="1" dirty="0" smtClean="0">
-                  <a:latin typeface="Consolas" panose="020B0609020204030204" pitchFamily="49" charset="0"/>
-                  <a:cs typeface="Consolas" panose="020B0609020204030204" pitchFamily="49" charset="0"/>
-                </a:endParaRPr>
-              </a:p>
-            </p:txBody>
-          </p:sp>
-          <p:sp>
-            <p:nvSpPr>
-              <p:cNvPr id="3" name="圆角矩形 2"/>
-              <p:cNvSpPr/>
-              <p:nvPr/>
-            </p:nvSpPr>
-            <p:spPr>
-              <a:xfrm>
-                <a:off x="3490175" y="1314387"/>
-                <a:ext cx="2364185" cy="1841503"/>
-              </a:xfrm>
-              <a:prstGeom prst="roundRect">
-                <a:avLst>
-                  <a:gd name="adj" fmla="val 8974"/>
-                </a:avLst>
-              </a:prstGeom>
-              <a:solidFill>
-                <a:schemeClr val="accent4">
-                  <a:lumMod val="75000"/>
-                </a:schemeClr>
-              </a:solidFill>
-            </p:spPr>
-            <p:style>
-              <a:lnRef idx="2">
-                <a:schemeClr val="accent1">
-                  <a:shade val="50000"/>
-                </a:schemeClr>
-              </a:lnRef>
-              <a:fillRef idx="1">
-                <a:schemeClr val="accent1"/>
-              </a:fillRef>
-              <a:effectRef idx="0">
-                <a:schemeClr val="accent1"/>
-              </a:effectRef>
-              <a:fontRef idx="minor">
-                <a:schemeClr val="lt1"/>
-              </a:fontRef>
-            </p:style>
-            <p:txBody>
-              <a:bodyPr rtlCol="0" anchor="ctr"/>
-              <a:lstStyle/>
-              <a:p>
-                <a:pPr algn="ctr"/>
-                <a:endParaRPr lang="zh-CN" altLang="en-US">
-                  <a:latin typeface="Consolas" panose="020B0609020204030204" pitchFamily="49" charset="0"/>
-                  <a:cs typeface="Consolas" panose="020B0609020204030204" pitchFamily="49" charset="0"/>
-                </a:endParaRPr>
-              </a:p>
-            </p:txBody>
-          </p:sp>
-          <p:sp>
-            <p:nvSpPr>
-              <p:cNvPr id="33" name="文本框 32"/>
-              <p:cNvSpPr txBox="1"/>
-              <p:nvPr/>
-            </p:nvSpPr>
-            <p:spPr>
-              <a:xfrm>
-                <a:off x="3335199" y="1459512"/>
-                <a:ext cx="2581836" cy="307777"/>
-              </a:xfrm>
-              <a:prstGeom prst="rect">
-                <a:avLst/>
-              </a:prstGeom>
-              <a:noFill/>
-            </p:spPr>
-            <p:txBody>
-              <a:bodyPr wrap="square" rtlCol="0">
-                <a:spAutoFit/>
-              </a:bodyPr>
-              <a:lstStyle/>
-              <a:p>
-                <a:pPr algn="ctr"/>
-                <a:r>
-                  <a:rPr lang="en-US" altLang="zh-CN" sz="1400" dirty="0" smtClean="0">
-                    <a:latin typeface="Consolas" panose="020B0609020204030204" pitchFamily="49" charset="0"/>
-                    <a:cs typeface="Consolas" panose="020B0609020204030204" pitchFamily="49" charset="0"/>
-                  </a:rPr>
-                  <a:t>Batch Processing</a:t>
-                </a:r>
-                <a:endParaRPr lang="en-US" altLang="zh-CN" sz="1400" dirty="0" smtClean="0">
-                  <a:latin typeface="Consolas" panose="020B0609020204030204" pitchFamily="49" charset="0"/>
-                  <a:cs typeface="Consolas" panose="020B0609020204030204" pitchFamily="49" charset="0"/>
-                </a:endParaRPr>
-              </a:p>
-            </p:txBody>
-          </p:sp>
-          <p:grpSp>
-            <p:nvGrpSpPr>
-              <p:cNvPr id="10" name="组合 9"/>
-              <p:cNvGrpSpPr/>
-              <p:nvPr/>
-            </p:nvGrpSpPr>
-            <p:grpSpPr>
-              <a:xfrm>
-                <a:off x="2797487" y="1678448"/>
-                <a:ext cx="431586" cy="1477442"/>
-                <a:chOff x="2979851" y="1494028"/>
-                <a:chExt cx="431586" cy="1477442"/>
+                <a:off x="964310" y="192994"/>
+                <a:ext cx="9637743" cy="6555536"/>
+                <a:chOff x="964310" y="192994"/>
+                <a:chExt cx="9637743" cy="6555536"/>
               </a:xfrm>
             </p:grpSpPr>
             <p:grpSp>
               <p:nvGrpSpPr>
-                <p:cNvPr id="34" name="组合 33"/>
+                <p:cNvPr id="36" name="组合 35"/>
                 <p:cNvGrpSpPr/>
                 <p:nvPr/>
               </p:nvGrpSpPr>
               <p:grpSpPr>
                 <a:xfrm>
-                  <a:off x="2985433" y="1543200"/>
-                  <a:ext cx="417997" cy="1428270"/>
-                  <a:chOff x="2985246" y="753035"/>
-                  <a:chExt cx="1411942" cy="1083903"/>
+                  <a:off x="964310" y="192994"/>
+                  <a:ext cx="9637743" cy="6555536"/>
+                  <a:chOff x="964310" y="192994"/>
+                  <a:chExt cx="9637743" cy="6555536"/>
                 </a:xfrm>
-                <a:effectLst>
-                  <a:outerShdw blurRad="50800" dist="38100" dir="2700000" algn="tl" rotWithShape="0">
-                    <a:prstClr val="black">
-                      <a:alpha val="40000"/>
-                    </a:prstClr>
-                  </a:outerShdw>
-                </a:effectLst>
               </p:grpSpPr>
+              <p:grpSp>
+                <p:nvGrpSpPr>
+                  <p:cNvPr id="26" name="组合 25"/>
+                  <p:cNvGrpSpPr/>
+                  <p:nvPr/>
+                </p:nvGrpSpPr>
+                <p:grpSpPr>
+                  <a:xfrm>
+                    <a:off x="964310" y="192994"/>
+                    <a:ext cx="9623468" cy="6555536"/>
+                    <a:chOff x="964310" y="605117"/>
+                    <a:chExt cx="9623468" cy="6555536"/>
+                  </a:xfrm>
+                </p:grpSpPr>
+                <p:grpSp>
+                  <p:nvGrpSpPr>
+                    <p:cNvPr id="80" name="组合 79"/>
+                    <p:cNvGrpSpPr/>
+                    <p:nvPr/>
+                  </p:nvGrpSpPr>
+                  <p:grpSpPr>
+                    <a:xfrm>
+                      <a:off x="964310" y="605117"/>
+                      <a:ext cx="9623468" cy="6555536"/>
+                      <a:chOff x="-90767" y="605116"/>
+                      <a:chExt cx="9623468" cy="6555536"/>
+                    </a:xfrm>
+                  </p:grpSpPr>
+                  <p:sp>
+                    <p:nvSpPr>
+                      <p:cNvPr id="25" name="圆角矩形 24"/>
+                      <p:cNvSpPr/>
+                      <p:nvPr/>
+                    </p:nvSpPr>
+                    <p:spPr>
+                      <a:xfrm>
+                        <a:off x="7159666" y="605116"/>
+                        <a:ext cx="2164234" cy="6555535"/>
+                      </a:xfrm>
+                      <a:prstGeom prst="roundRect">
+                        <a:avLst>
+                          <a:gd name="adj" fmla="val 9192"/>
+                        </a:avLst>
+                      </a:prstGeom>
+                      <a:solidFill>
+                        <a:srgbClr val="FFCCFF">
+                          <a:alpha val="70000"/>
+                        </a:srgbClr>
+                      </a:solidFill>
+                      <a:ln>
+                        <a:solidFill>
+                          <a:schemeClr val="tx1"/>
+                        </a:solidFill>
+                      </a:ln>
+                    </p:spPr>
+                    <p:style>
+                      <a:lnRef idx="2">
+                        <a:schemeClr val="accent1">
+                          <a:shade val="50000"/>
+                        </a:schemeClr>
+                      </a:lnRef>
+                      <a:fillRef idx="1">
+                        <a:schemeClr val="accent1"/>
+                      </a:fillRef>
+                      <a:effectRef idx="0">
+                        <a:schemeClr val="accent1"/>
+                      </a:effectRef>
+                      <a:fontRef idx="minor">
+                        <a:schemeClr val="lt1"/>
+                      </a:fontRef>
+                    </p:style>
+                    <p:txBody>
+                      <a:bodyPr rtlCol="0" anchor="ctr"/>
+                      <a:lstStyle/>
+                      <a:p>
+                        <a:pPr algn="ctr"/>
+                        <a:endParaRPr lang="zh-CN" altLang="en-US">
+                          <a:latin typeface="Consolas" panose="020B0609020204030204" pitchFamily="49" charset="0"/>
+                          <a:cs typeface="Consolas" panose="020B0609020204030204" pitchFamily="49" charset="0"/>
+                        </a:endParaRPr>
+                      </a:p>
+                    </p:txBody>
+                  </p:sp>
+                  <p:sp>
+                    <p:nvSpPr>
+                      <p:cNvPr id="54" name="圆角矩形 53"/>
+                      <p:cNvSpPr/>
+                      <p:nvPr/>
+                    </p:nvSpPr>
+                    <p:spPr>
+                      <a:xfrm>
+                        <a:off x="7345524" y="878099"/>
+                        <a:ext cx="1792518" cy="1733071"/>
+                      </a:xfrm>
+                      <a:prstGeom prst="roundRect">
+                        <a:avLst>
+                          <a:gd name="adj" fmla="val 8493"/>
+                        </a:avLst>
+                      </a:prstGeom>
+                      <a:solidFill>
+                        <a:srgbClr val="99CCFF"/>
+                      </a:solidFill>
+                    </p:spPr>
+                    <p:style>
+                      <a:lnRef idx="2">
+                        <a:schemeClr val="accent1">
+                          <a:shade val="50000"/>
+                        </a:schemeClr>
+                      </a:lnRef>
+                      <a:fillRef idx="1">
+                        <a:schemeClr val="accent1"/>
+                      </a:fillRef>
+                      <a:effectRef idx="0">
+                        <a:schemeClr val="accent1"/>
+                      </a:effectRef>
+                      <a:fontRef idx="minor">
+                        <a:schemeClr val="lt1"/>
+                      </a:fontRef>
+                    </p:style>
+                    <p:txBody>
+                      <a:bodyPr rtlCol="0" anchor="ctr"/>
+                      <a:lstStyle/>
+                      <a:p>
+                        <a:pPr algn="ctr"/>
+                        <a:endParaRPr lang="zh-CN" altLang="en-US"/>
+                      </a:p>
+                    </p:txBody>
+                  </p:sp>
+                  <p:sp>
+                    <p:nvSpPr>
+                      <p:cNvPr id="2" name="圆角矩形 1"/>
+                      <p:cNvSpPr/>
+                      <p:nvPr/>
+                    </p:nvSpPr>
+                    <p:spPr>
+                      <a:xfrm>
+                        <a:off x="2695851" y="605116"/>
+                        <a:ext cx="3348507" cy="5821440"/>
+                      </a:xfrm>
+                      <a:prstGeom prst="roundRect">
+                        <a:avLst>
+                          <a:gd name="adj" fmla="val 5898"/>
+                        </a:avLst>
+                      </a:prstGeom>
+                      <a:solidFill>
+                        <a:schemeClr val="accent5">
+                          <a:lumMod val="40000"/>
+                          <a:lumOff val="60000"/>
+                          <a:alpha val="70000"/>
+                        </a:schemeClr>
+                      </a:solidFill>
+                      <a:ln>
+                        <a:solidFill>
+                          <a:schemeClr val="tx1"/>
+                        </a:solidFill>
+                      </a:ln>
+                    </p:spPr>
+                    <p:style>
+                      <a:lnRef idx="2">
+                        <a:schemeClr val="accent1">
+                          <a:shade val="50000"/>
+                        </a:schemeClr>
+                      </a:lnRef>
+                      <a:fillRef idx="1">
+                        <a:schemeClr val="accent1"/>
+                      </a:fillRef>
+                      <a:effectRef idx="0">
+                        <a:schemeClr val="accent1"/>
+                      </a:effectRef>
+                      <a:fontRef idx="minor">
+                        <a:schemeClr val="lt1"/>
+                      </a:fontRef>
+                    </p:style>
+                    <p:txBody>
+                      <a:bodyPr rtlCol="0" anchor="ctr"/>
+                      <a:lstStyle/>
+                      <a:p>
+                        <a:pPr algn="ctr"/>
+                        <a:endParaRPr lang="zh-CN" altLang="en-US">
+                          <a:latin typeface="Consolas" panose="020B0609020204030204" pitchFamily="49" charset="0"/>
+                          <a:cs typeface="Consolas" panose="020B0609020204030204" pitchFamily="49" charset="0"/>
+                        </a:endParaRPr>
+                      </a:p>
+                    </p:txBody>
+                  </p:sp>
+                  <p:sp>
+                    <p:nvSpPr>
+                      <p:cNvPr id="4" name="圆角矩形 3"/>
+                      <p:cNvSpPr/>
+                      <p:nvPr/>
+                    </p:nvSpPr>
+                    <p:spPr>
+                      <a:xfrm>
+                        <a:off x="510988" y="605117"/>
+                        <a:ext cx="1378326" cy="6555535"/>
+                      </a:xfrm>
+                      <a:prstGeom prst="roundRect">
+                        <a:avLst>
+                          <a:gd name="adj" fmla="val 11061"/>
+                        </a:avLst>
+                      </a:prstGeom>
+                      <a:solidFill>
+                        <a:schemeClr val="bg1">
+                          <a:lumMod val="75000"/>
+                          <a:alpha val="70000"/>
+                        </a:schemeClr>
+                      </a:solidFill>
+                      <a:ln>
+                        <a:solidFill>
+                          <a:schemeClr val="tx1"/>
+                        </a:solidFill>
+                      </a:ln>
+                    </p:spPr>
+                    <p:style>
+                      <a:lnRef idx="2">
+                        <a:schemeClr val="accent1">
+                          <a:shade val="50000"/>
+                        </a:schemeClr>
+                      </a:lnRef>
+                      <a:fillRef idx="1">
+                        <a:schemeClr val="accent1"/>
+                      </a:fillRef>
+                      <a:effectRef idx="0">
+                        <a:schemeClr val="accent1"/>
+                      </a:effectRef>
+                      <a:fontRef idx="minor">
+                        <a:schemeClr val="lt1"/>
+                      </a:fontRef>
+                    </p:style>
+                    <p:txBody>
+                      <a:bodyPr rtlCol="0" anchor="ctr"/>
+                      <a:lstStyle/>
+                      <a:p>
+                        <a:pPr algn="ctr"/>
+                        <a:endParaRPr lang="zh-CN" altLang="en-US">
+                          <a:latin typeface="Consolas" panose="020B0609020204030204" pitchFamily="49" charset="0"/>
+                          <a:cs typeface="Consolas" panose="020B0609020204030204" pitchFamily="49" charset="0"/>
+                        </a:endParaRPr>
+                      </a:p>
+                    </p:txBody>
+                  </p:sp>
+                  <p:sp>
+                    <p:nvSpPr>
+                      <p:cNvPr id="5" name="文本框 4"/>
+                      <p:cNvSpPr txBox="1"/>
+                      <p:nvPr/>
+                    </p:nvSpPr>
+                    <p:spPr>
+                      <a:xfrm>
+                        <a:off x="-90767" y="837062"/>
+                        <a:ext cx="2581836" cy="307777"/>
+                      </a:xfrm>
+                      <a:prstGeom prst="rect">
+                        <a:avLst/>
+                      </a:prstGeom>
+                      <a:noFill/>
+                    </p:spPr>
+                    <p:txBody>
+                      <a:bodyPr wrap="square" rtlCol="0">
+                        <a:spAutoFit/>
+                      </a:bodyPr>
+                      <a:lstStyle/>
+                      <a:p>
+                        <a:pPr algn="ctr"/>
+                        <a:r>
+                          <a:rPr lang="en-US" altLang="zh-CN" sz="1400" b="1" dirty="0" smtClean="0">
+                            <a:effectLst>
+                              <a:outerShdw blurRad="38100" dist="38100" dir="2700000" algn="tl">
+                                <a:srgbClr val="000000">
+                                  <a:alpha val="43137"/>
+                                </a:srgbClr>
+                              </a:outerShdw>
+                            </a:effectLst>
+                            <a:latin typeface="Consolas" panose="020B0609020204030204" pitchFamily="49" charset="0"/>
+                            <a:cs typeface="Consolas" panose="020B0609020204030204" pitchFamily="49" charset="0"/>
+                          </a:rPr>
+                          <a:t>Data Source</a:t>
+                        </a:r>
+                      </a:p>
+                    </p:txBody>
+                  </p:sp>
+                  <p:sp>
+                    <p:nvSpPr>
+                      <p:cNvPr id="27" name="右箭头 26"/>
+                      <p:cNvSpPr/>
+                      <p:nvPr/>
+                    </p:nvSpPr>
+                    <p:spPr>
+                      <a:xfrm>
+                        <a:off x="6035677" y="5677529"/>
+                        <a:ext cx="1222975" cy="368843"/>
+                      </a:xfrm>
+                      <a:prstGeom prst="rightArrow">
+                        <a:avLst/>
+                      </a:prstGeom>
+                      <a:gradFill>
+                        <a:gsLst>
+                          <a:gs pos="0">
+                            <a:schemeClr val="accent6">
+                              <a:lumMod val="75000"/>
+                            </a:schemeClr>
+                          </a:gs>
+                          <a:gs pos="100000">
+                            <a:schemeClr val="accent4">
+                              <a:lumMod val="20000"/>
+                              <a:lumOff val="80000"/>
+                            </a:schemeClr>
+                          </a:gs>
+                        </a:gsLst>
+                        <a:lin ang="0" scaled="1"/>
+                      </a:gradFill>
+                    </p:spPr>
+                    <p:style>
+                      <a:lnRef idx="2">
+                        <a:schemeClr val="accent6">
+                          <a:shade val="50000"/>
+                        </a:schemeClr>
+                      </a:lnRef>
+                      <a:fillRef idx="1">
+                        <a:schemeClr val="accent6"/>
+                      </a:fillRef>
+                      <a:effectRef idx="0">
+                        <a:schemeClr val="accent6"/>
+                      </a:effectRef>
+                      <a:fontRef idx="minor">
+                        <a:schemeClr val="lt1"/>
+                      </a:fontRef>
+                    </p:style>
+                    <p:txBody>
+                      <a:bodyPr rtlCol="0" anchor="ctr"/>
+                      <a:lstStyle/>
+                      <a:p>
+                        <a:pPr algn="ctr"/>
+                        <a:endParaRPr lang="zh-CN" altLang="en-US">
+                          <a:latin typeface="Consolas" panose="020B0609020204030204" pitchFamily="49" charset="0"/>
+                          <a:cs typeface="Consolas" panose="020B0609020204030204" pitchFamily="49" charset="0"/>
+                        </a:endParaRPr>
+                      </a:p>
+                    </p:txBody>
+                  </p:sp>
+                  <p:sp>
+                    <p:nvSpPr>
+                      <p:cNvPr id="28" name="右箭头 27"/>
+                      <p:cNvSpPr/>
+                      <p:nvPr/>
+                    </p:nvSpPr>
+                    <p:spPr>
+                      <a:xfrm>
+                        <a:off x="6040218" y="1524376"/>
+                        <a:ext cx="1218434" cy="368843"/>
+                      </a:xfrm>
+                      <a:prstGeom prst="rightArrow">
+                        <a:avLst/>
+                      </a:prstGeom>
+                      <a:gradFill>
+                        <a:gsLst>
+                          <a:gs pos="0">
+                            <a:schemeClr val="accent4">
+                              <a:lumMod val="75000"/>
+                            </a:schemeClr>
+                          </a:gs>
+                          <a:gs pos="100000">
+                            <a:schemeClr val="accent2">
+                              <a:lumMod val="20000"/>
+                              <a:lumOff val="80000"/>
+                            </a:schemeClr>
+                          </a:gs>
+                        </a:gsLst>
+                        <a:lin ang="0" scaled="1"/>
+                      </a:gradFill>
+                    </p:spPr>
+                    <p:style>
+                      <a:lnRef idx="2">
+                        <a:schemeClr val="accent6">
+                          <a:shade val="50000"/>
+                        </a:schemeClr>
+                      </a:lnRef>
+                      <a:fillRef idx="1">
+                        <a:schemeClr val="accent6"/>
+                      </a:fillRef>
+                      <a:effectRef idx="0">
+                        <a:schemeClr val="accent6"/>
+                      </a:effectRef>
+                      <a:fontRef idx="minor">
+                        <a:schemeClr val="lt1"/>
+                      </a:fontRef>
+                    </p:style>
+                    <p:txBody>
+                      <a:bodyPr rtlCol="0" anchor="ctr"/>
+                      <a:lstStyle/>
+                      <a:p>
+                        <a:pPr algn="ctr"/>
+                        <a:endParaRPr lang="zh-CN" altLang="en-US">
+                          <a:latin typeface="Consolas" panose="020B0609020204030204" pitchFamily="49" charset="0"/>
+                          <a:cs typeface="Consolas" panose="020B0609020204030204" pitchFamily="49" charset="0"/>
+                        </a:endParaRPr>
+                      </a:p>
+                    </p:txBody>
+                  </p:sp>
+                  <p:sp>
+                    <p:nvSpPr>
+                      <p:cNvPr id="29" name="右箭头 28"/>
+                      <p:cNvSpPr/>
+                      <p:nvPr/>
+                    </p:nvSpPr>
+                    <p:spPr>
+                      <a:xfrm>
+                        <a:off x="1889310" y="2060369"/>
+                        <a:ext cx="905405" cy="368843"/>
+                      </a:xfrm>
+                      <a:prstGeom prst="rightArrow">
+                        <a:avLst/>
+                      </a:prstGeom>
+                      <a:gradFill flip="none" rotWithShape="1">
+                        <a:gsLst>
+                          <a:gs pos="0">
+                            <a:schemeClr val="accent6">
+                              <a:lumMod val="75000"/>
+                            </a:schemeClr>
+                          </a:gs>
+                          <a:gs pos="100000">
+                            <a:schemeClr val="accent6">
+                              <a:lumMod val="20000"/>
+                              <a:lumOff val="80000"/>
+                            </a:schemeClr>
+                          </a:gs>
+                        </a:gsLst>
+                        <a:lin ang="0" scaled="1"/>
+                        <a:tileRect/>
+                      </a:gradFill>
+                    </p:spPr>
+                    <p:style>
+                      <a:lnRef idx="2">
+                        <a:schemeClr val="accent6">
+                          <a:shade val="50000"/>
+                        </a:schemeClr>
+                      </a:lnRef>
+                      <a:fillRef idx="1">
+                        <a:schemeClr val="accent6"/>
+                      </a:fillRef>
+                      <a:effectRef idx="0">
+                        <a:schemeClr val="accent6"/>
+                      </a:effectRef>
+                      <a:fontRef idx="minor">
+                        <a:schemeClr val="lt1"/>
+                      </a:fontRef>
+                    </p:style>
+                    <p:txBody>
+                      <a:bodyPr rtlCol="0" anchor="ctr"/>
+                      <a:lstStyle/>
+                      <a:p>
+                        <a:pPr algn="ctr"/>
+                        <a:endParaRPr lang="zh-CN" altLang="en-US">
+                          <a:latin typeface="Consolas" panose="020B0609020204030204" pitchFamily="49" charset="0"/>
+                          <a:cs typeface="Consolas" panose="020B0609020204030204" pitchFamily="49" charset="0"/>
+                        </a:endParaRPr>
+                      </a:p>
+                    </p:txBody>
+                  </p:sp>
+                  <p:sp>
+                    <p:nvSpPr>
+                      <p:cNvPr id="37" name="矩形 36"/>
+                      <p:cNvSpPr/>
+                      <p:nvPr/>
+                    </p:nvSpPr>
+                    <p:spPr>
+                      <a:xfrm rot="16200000">
+                        <a:off x="4333443" y="4415154"/>
+                        <a:ext cx="383242" cy="4851609"/>
+                      </a:xfrm>
+                      <a:prstGeom prst="rect">
+                        <a:avLst/>
+                      </a:prstGeom>
+                      <a:solidFill>
+                        <a:srgbClr val="FFFF00"/>
+                      </a:solidFill>
+                      <a:ln>
+                        <a:solidFill>
+                          <a:schemeClr val="tx1"/>
+                        </a:solidFill>
+                      </a:ln>
+                      <a:effectLst>
+                        <a:innerShdw blurRad="63500" dist="50800" dir="10800000">
+                          <a:prstClr val="black">
+                            <a:alpha val="50000"/>
+                          </a:prstClr>
+                        </a:innerShdw>
+                      </a:effectLst>
+                    </p:spPr>
+                    <p:style>
+                      <a:lnRef idx="2">
+                        <a:schemeClr val="accent1">
+                          <a:shade val="50000"/>
+                        </a:schemeClr>
+                      </a:lnRef>
+                      <a:fillRef idx="1">
+                        <a:schemeClr val="accent1"/>
+                      </a:fillRef>
+                      <a:effectRef idx="0">
+                        <a:schemeClr val="accent1"/>
+                      </a:effectRef>
+                      <a:fontRef idx="minor">
+                        <a:schemeClr val="lt1"/>
+                      </a:fontRef>
+                    </p:style>
+                    <p:txBody>
+                      <a:bodyPr rtlCol="0" anchor="ctr"/>
+                      <a:lstStyle/>
+                      <a:p>
+                        <a:pPr algn="ctr"/>
+                        <a:endParaRPr lang="zh-CN" altLang="en-US">
+                          <a:latin typeface="Consolas" panose="020B0609020204030204" pitchFamily="49" charset="0"/>
+                          <a:cs typeface="Consolas" panose="020B0609020204030204" pitchFamily="49" charset="0"/>
+                        </a:endParaRPr>
+                      </a:p>
+                    </p:txBody>
+                  </p:sp>
+                  <p:sp>
+                    <p:nvSpPr>
+                      <p:cNvPr id="32" name="文本框 31"/>
+                      <p:cNvSpPr txBox="1"/>
+                      <p:nvPr/>
+                    </p:nvSpPr>
+                    <p:spPr>
+                      <a:xfrm>
+                        <a:off x="3079186" y="721054"/>
+                        <a:ext cx="2581836" cy="584775"/>
+                      </a:xfrm>
+                      <a:prstGeom prst="rect">
+                        <a:avLst/>
+                      </a:prstGeom>
+                      <a:noFill/>
+                    </p:spPr>
+                    <p:txBody>
+                      <a:bodyPr wrap="square" rtlCol="0">
+                        <a:spAutoFit/>
+                      </a:bodyPr>
+                      <a:lstStyle/>
+                      <a:p>
+                        <a:pPr algn="ctr"/>
+                        <a:r>
+                          <a:rPr lang="en-US" altLang="zh-CN" b="1" dirty="0" smtClean="0">
+                            <a:effectLst>
+                              <a:outerShdw blurRad="38100" dist="38100" dir="2700000" algn="tl">
+                                <a:srgbClr val="000000">
+                                  <a:alpha val="43137"/>
+                                </a:srgbClr>
+                              </a:outerShdw>
+                            </a:effectLst>
+                            <a:latin typeface="Consolas" panose="020B0609020204030204" pitchFamily="49" charset="0"/>
+                            <a:cs typeface="Consolas" panose="020B0609020204030204" pitchFamily="49" charset="0"/>
+                          </a:rPr>
+                          <a:t>Data </a:t>
+                        </a:r>
+                        <a:r>
+                          <a:rPr lang="en-US" altLang="zh-CN" b="1" dirty="0" err="1" smtClean="0">
+                            <a:effectLst>
+                              <a:outerShdw blurRad="38100" dist="38100" dir="2700000" algn="tl">
+                                <a:srgbClr val="000000">
+                                  <a:alpha val="43137"/>
+                                </a:srgbClr>
+                              </a:outerShdw>
+                            </a:effectLst>
+                            <a:latin typeface="Consolas" panose="020B0609020204030204" pitchFamily="49" charset="0"/>
+                            <a:cs typeface="Consolas" panose="020B0609020204030204" pitchFamily="49" charset="0"/>
+                          </a:rPr>
+                          <a:t>Plantform</a:t>
+                        </a:r>
+                        <a:endParaRPr lang="en-US" altLang="zh-CN" b="1" dirty="0" smtClean="0">
+                          <a:effectLst>
+                            <a:outerShdw blurRad="38100" dist="38100" dir="2700000" algn="tl">
+                              <a:srgbClr val="000000">
+                                <a:alpha val="43137"/>
+                              </a:srgbClr>
+                            </a:outerShdw>
+                          </a:effectLst>
+                          <a:latin typeface="Consolas" panose="020B0609020204030204" pitchFamily="49" charset="0"/>
+                          <a:cs typeface="Consolas" panose="020B0609020204030204" pitchFamily="49" charset="0"/>
+                        </a:endParaRPr>
+                      </a:p>
+                      <a:p>
+                        <a:pPr algn="ctr"/>
+                        <a:r>
+                          <a:rPr lang="en-US" altLang="zh-CN" sz="1400" dirty="0" err="1" smtClean="0">
+                            <a:effectLst>
+                              <a:outerShdw blurRad="38100" dist="38100" dir="2700000" algn="tl">
+                                <a:srgbClr val="000000">
+                                  <a:alpha val="43137"/>
+                                </a:srgbClr>
+                              </a:outerShdw>
+                            </a:effectLst>
+                            <a:latin typeface="Consolas" panose="020B0609020204030204" pitchFamily="49" charset="0"/>
+                            <a:cs typeface="Consolas" panose="020B0609020204030204" pitchFamily="49" charset="0"/>
+                          </a:rPr>
+                          <a:t>Hadoop</a:t>
+                        </a:r>
+                        <a:r>
+                          <a:rPr lang="en-US" altLang="zh-CN" sz="1400" dirty="0" smtClean="0">
+                            <a:effectLst>
+                              <a:outerShdw blurRad="38100" dist="38100" dir="2700000" algn="tl">
+                                <a:srgbClr val="000000">
+                                  <a:alpha val="43137"/>
+                                </a:srgbClr>
+                              </a:outerShdw>
+                            </a:effectLst>
+                            <a:latin typeface="Consolas" panose="020B0609020204030204" pitchFamily="49" charset="0"/>
+                            <a:cs typeface="Consolas" panose="020B0609020204030204" pitchFamily="49" charset="0"/>
+                          </a:rPr>
+                          <a:t> </a:t>
+                        </a:r>
+                        <a:r>
+                          <a:rPr lang="en-US" altLang="zh-CN" sz="1400" dirty="0" err="1" smtClean="0">
+                            <a:effectLst>
+                              <a:outerShdw blurRad="38100" dist="38100" dir="2700000" algn="tl">
+                                <a:srgbClr val="000000">
+                                  <a:alpha val="43137"/>
+                                </a:srgbClr>
+                              </a:outerShdw>
+                            </a:effectLst>
+                            <a:latin typeface="Consolas" panose="020B0609020204030204" pitchFamily="49" charset="0"/>
+                            <a:cs typeface="Consolas" panose="020B0609020204030204" pitchFamily="49" charset="0"/>
+                          </a:rPr>
+                          <a:t>Clust</a:t>
+                        </a:r>
+                        <a:endParaRPr lang="en-US" altLang="zh-CN" sz="1400" dirty="0" smtClean="0">
+                          <a:effectLst>
+                            <a:outerShdw blurRad="38100" dist="38100" dir="2700000" algn="tl">
+                              <a:srgbClr val="000000">
+                                <a:alpha val="43137"/>
+                              </a:srgbClr>
+                            </a:outerShdw>
+                          </a:effectLst>
+                          <a:latin typeface="Consolas" panose="020B0609020204030204" pitchFamily="49" charset="0"/>
+                          <a:cs typeface="Consolas" panose="020B0609020204030204" pitchFamily="49" charset="0"/>
+                        </a:endParaRPr>
+                      </a:p>
+                    </p:txBody>
+                  </p:sp>
+                  <p:sp>
+                    <p:nvSpPr>
+                      <p:cNvPr id="3" name="圆角矩形 2"/>
+                      <p:cNvSpPr/>
+                      <p:nvPr/>
+                    </p:nvSpPr>
+                    <p:spPr>
+                      <a:xfrm>
+                        <a:off x="3490175" y="1314387"/>
+                        <a:ext cx="2364185" cy="1841503"/>
+                      </a:xfrm>
+                      <a:prstGeom prst="roundRect">
+                        <a:avLst>
+                          <a:gd name="adj" fmla="val 8974"/>
+                        </a:avLst>
+                      </a:prstGeom>
+                      <a:solidFill>
+                        <a:schemeClr val="accent4">
+                          <a:lumMod val="75000"/>
+                        </a:schemeClr>
+                      </a:solidFill>
+                    </p:spPr>
+                    <p:style>
+                      <a:lnRef idx="2">
+                        <a:schemeClr val="accent1">
+                          <a:shade val="50000"/>
+                        </a:schemeClr>
+                      </a:lnRef>
+                      <a:fillRef idx="1">
+                        <a:schemeClr val="accent1"/>
+                      </a:fillRef>
+                      <a:effectRef idx="0">
+                        <a:schemeClr val="accent1"/>
+                      </a:effectRef>
+                      <a:fontRef idx="minor">
+                        <a:schemeClr val="lt1"/>
+                      </a:fontRef>
+                    </p:style>
+                    <p:txBody>
+                      <a:bodyPr rtlCol="0" anchor="ctr"/>
+                      <a:lstStyle/>
+                      <a:p>
+                        <a:pPr algn="ctr"/>
+                        <a:endParaRPr lang="zh-CN" altLang="en-US">
+                          <a:latin typeface="Consolas" panose="020B0609020204030204" pitchFamily="49" charset="0"/>
+                          <a:cs typeface="Consolas" panose="020B0609020204030204" pitchFamily="49" charset="0"/>
+                        </a:endParaRPr>
+                      </a:p>
+                    </p:txBody>
+                  </p:sp>
+                  <p:sp>
+                    <p:nvSpPr>
+                      <p:cNvPr id="33" name="文本框 32"/>
+                      <p:cNvSpPr txBox="1"/>
+                      <p:nvPr/>
+                    </p:nvSpPr>
+                    <p:spPr>
+                      <a:xfrm>
+                        <a:off x="3335199" y="1459512"/>
+                        <a:ext cx="2581836" cy="307777"/>
+                      </a:xfrm>
+                      <a:prstGeom prst="rect">
+                        <a:avLst/>
+                      </a:prstGeom>
+                      <a:noFill/>
+                    </p:spPr>
+                    <p:txBody>
+                      <a:bodyPr wrap="square" rtlCol="0">
+                        <a:spAutoFit/>
+                      </a:bodyPr>
+                      <a:lstStyle/>
+                      <a:p>
+                        <a:pPr algn="ctr"/>
+                        <a:r>
+                          <a:rPr lang="en-US" altLang="zh-CN" sz="1400" dirty="0" smtClean="0">
+                            <a:latin typeface="Consolas" panose="020B0609020204030204" pitchFamily="49" charset="0"/>
+                            <a:cs typeface="Consolas" panose="020B0609020204030204" pitchFamily="49" charset="0"/>
+                          </a:rPr>
+                          <a:t>Batch Processing</a:t>
+                        </a:r>
+                      </a:p>
+                    </p:txBody>
+                  </p:sp>
+                  <p:sp>
+                    <p:nvSpPr>
+                      <p:cNvPr id="40" name="右箭头 39"/>
+                      <p:cNvSpPr/>
+                      <p:nvPr/>
+                    </p:nvSpPr>
+                    <p:spPr>
+                      <a:xfrm>
+                        <a:off x="3203807" y="2058277"/>
+                        <a:ext cx="411787" cy="368843"/>
+                      </a:xfrm>
+                      <a:prstGeom prst="rightArrow">
+                        <a:avLst/>
+                      </a:prstGeom>
+                      <a:gradFill>
+                        <a:gsLst>
+                          <a:gs pos="0">
+                            <a:schemeClr val="accent2">
+                              <a:lumMod val="75000"/>
+                            </a:schemeClr>
+                          </a:gs>
+                          <a:gs pos="100000">
+                            <a:schemeClr val="accent2">
+                              <a:lumMod val="20000"/>
+                              <a:lumOff val="80000"/>
+                            </a:schemeClr>
+                          </a:gs>
+                        </a:gsLst>
+                        <a:lin ang="0" scaled="1"/>
+                      </a:gradFill>
+                    </p:spPr>
+                    <p:style>
+                      <a:lnRef idx="2">
+                        <a:schemeClr val="accent6">
+                          <a:shade val="50000"/>
+                        </a:schemeClr>
+                      </a:lnRef>
+                      <a:fillRef idx="1">
+                        <a:schemeClr val="accent6"/>
+                      </a:fillRef>
+                      <a:effectRef idx="0">
+                        <a:schemeClr val="accent6"/>
+                      </a:effectRef>
+                      <a:fontRef idx="minor">
+                        <a:schemeClr val="lt1"/>
+                      </a:fontRef>
+                    </p:style>
+                    <p:txBody>
+                      <a:bodyPr rtlCol="0" anchor="ctr"/>
+                      <a:lstStyle/>
+                      <a:p>
+                        <a:pPr algn="ctr"/>
+                        <a:endParaRPr lang="zh-CN" altLang="en-US">
+                          <a:latin typeface="Consolas" panose="020B0609020204030204" pitchFamily="49" charset="0"/>
+                          <a:cs typeface="Consolas" panose="020B0609020204030204" pitchFamily="49" charset="0"/>
+                        </a:endParaRPr>
+                      </a:p>
+                    </p:txBody>
+                  </p:sp>
+                  <p:sp>
+                    <p:nvSpPr>
+                      <p:cNvPr id="11" name="矩形 10"/>
+                      <p:cNvSpPr/>
+                      <p:nvPr/>
+                    </p:nvSpPr>
+                    <p:spPr>
+                      <a:xfrm>
+                        <a:off x="3683358" y="1824771"/>
+                        <a:ext cx="334850" cy="869700"/>
+                      </a:xfrm>
+                      <a:prstGeom prst="rect">
+                        <a:avLst/>
+                      </a:prstGeom>
+                      <a:solidFill>
+                        <a:schemeClr val="accent4">
+                          <a:lumMod val="60000"/>
+                          <a:lumOff val="40000"/>
+                        </a:schemeClr>
+                      </a:solidFill>
+                      <a:effectLst>
+                        <a:outerShdw blurRad="50800" dist="38100" dir="2700000" algn="tl" rotWithShape="0">
+                          <a:prstClr val="black">
+                            <a:alpha val="40000"/>
+                          </a:prstClr>
+                        </a:outerShdw>
+                      </a:effectLst>
+                    </p:spPr>
+                    <p:style>
+                      <a:lnRef idx="2">
+                        <a:schemeClr val="accent1">
+                          <a:shade val="50000"/>
+                        </a:schemeClr>
+                      </a:lnRef>
+                      <a:fillRef idx="1">
+                        <a:schemeClr val="accent1"/>
+                      </a:fillRef>
+                      <a:effectRef idx="0">
+                        <a:schemeClr val="accent1"/>
+                      </a:effectRef>
+                      <a:fontRef idx="minor">
+                        <a:schemeClr val="lt1"/>
+                      </a:fontRef>
+                    </p:style>
+                    <p:txBody>
+                      <a:bodyPr rtlCol="0" anchor="ctr"/>
+                      <a:lstStyle/>
+                      <a:p>
+                        <a:pPr algn="ctr"/>
+                        <a:endParaRPr lang="zh-CN" altLang="en-US">
+                          <a:latin typeface="Consolas" panose="020B0609020204030204" pitchFamily="49" charset="0"/>
+                          <a:cs typeface="Consolas" panose="020B0609020204030204" pitchFamily="49" charset="0"/>
+                        </a:endParaRPr>
+                      </a:p>
+                    </p:txBody>
+                  </p:sp>
+                  <p:sp>
+                    <p:nvSpPr>
+                      <p:cNvPr id="42" name="矩形 41"/>
+                      <p:cNvSpPr/>
+                      <p:nvPr/>
+                    </p:nvSpPr>
+                    <p:spPr>
+                      <a:xfrm>
+                        <a:off x="4211391" y="1826583"/>
+                        <a:ext cx="334850" cy="869700"/>
+                      </a:xfrm>
+                      <a:prstGeom prst="rect">
+                        <a:avLst/>
+                      </a:prstGeom>
+                      <a:solidFill>
+                        <a:schemeClr val="accent4">
+                          <a:lumMod val="60000"/>
+                          <a:lumOff val="40000"/>
+                        </a:schemeClr>
+                      </a:solidFill>
+                      <a:effectLst>
+                        <a:outerShdw blurRad="50800" dist="38100" dir="2700000" algn="tl" rotWithShape="0">
+                          <a:prstClr val="black">
+                            <a:alpha val="40000"/>
+                          </a:prstClr>
+                        </a:outerShdw>
+                      </a:effectLst>
+                    </p:spPr>
+                    <p:style>
+                      <a:lnRef idx="2">
+                        <a:schemeClr val="accent1">
+                          <a:shade val="50000"/>
+                        </a:schemeClr>
+                      </a:lnRef>
+                      <a:fillRef idx="1">
+                        <a:schemeClr val="accent1"/>
+                      </a:fillRef>
+                      <a:effectRef idx="0">
+                        <a:schemeClr val="accent1"/>
+                      </a:effectRef>
+                      <a:fontRef idx="minor">
+                        <a:schemeClr val="lt1"/>
+                      </a:fontRef>
+                    </p:style>
+                    <p:txBody>
+                      <a:bodyPr rtlCol="0" anchor="ctr"/>
+                      <a:lstStyle/>
+                      <a:p>
+                        <a:pPr algn="ctr"/>
+                        <a:endParaRPr lang="zh-CN" altLang="en-US">
+                          <a:latin typeface="Consolas" panose="020B0609020204030204" pitchFamily="49" charset="0"/>
+                          <a:cs typeface="Consolas" panose="020B0609020204030204" pitchFamily="49" charset="0"/>
+                        </a:endParaRPr>
+                      </a:p>
+                    </p:txBody>
+                  </p:sp>
+                  <p:sp>
+                    <p:nvSpPr>
+                      <p:cNvPr id="43" name="矩形 42"/>
+                      <p:cNvSpPr/>
+                      <p:nvPr/>
+                    </p:nvSpPr>
+                    <p:spPr>
+                      <a:xfrm>
+                        <a:off x="4739424" y="1828357"/>
+                        <a:ext cx="334850" cy="869700"/>
+                      </a:xfrm>
+                      <a:prstGeom prst="rect">
+                        <a:avLst/>
+                      </a:prstGeom>
+                      <a:solidFill>
+                        <a:schemeClr val="accent4">
+                          <a:lumMod val="60000"/>
+                          <a:lumOff val="40000"/>
+                        </a:schemeClr>
+                      </a:solidFill>
+                      <a:effectLst>
+                        <a:outerShdw blurRad="50800" dist="38100" dir="2700000" algn="tl" rotWithShape="0">
+                          <a:prstClr val="black">
+                            <a:alpha val="40000"/>
+                          </a:prstClr>
+                        </a:outerShdw>
+                      </a:effectLst>
+                    </p:spPr>
+                    <p:style>
+                      <a:lnRef idx="2">
+                        <a:schemeClr val="accent1">
+                          <a:shade val="50000"/>
+                        </a:schemeClr>
+                      </a:lnRef>
+                      <a:fillRef idx="1">
+                        <a:schemeClr val="accent1"/>
+                      </a:fillRef>
+                      <a:effectRef idx="0">
+                        <a:schemeClr val="accent1"/>
+                      </a:effectRef>
+                      <a:fontRef idx="minor">
+                        <a:schemeClr val="lt1"/>
+                      </a:fontRef>
+                    </p:style>
+                    <p:txBody>
+                      <a:bodyPr rtlCol="0" anchor="ctr"/>
+                      <a:lstStyle/>
+                      <a:p>
+                        <a:pPr algn="ctr"/>
+                        <a:endParaRPr lang="zh-CN" altLang="en-US">
+                          <a:latin typeface="Consolas" panose="020B0609020204030204" pitchFamily="49" charset="0"/>
+                          <a:cs typeface="Consolas" panose="020B0609020204030204" pitchFamily="49" charset="0"/>
+                        </a:endParaRPr>
+                      </a:p>
+                    </p:txBody>
+                  </p:sp>
+                  <p:sp>
+                    <p:nvSpPr>
+                      <p:cNvPr id="44" name="矩形 43"/>
+                      <p:cNvSpPr/>
+                      <p:nvPr/>
+                    </p:nvSpPr>
+                    <p:spPr>
+                      <a:xfrm>
+                        <a:off x="5267457" y="1820441"/>
+                        <a:ext cx="334850" cy="869700"/>
+                      </a:xfrm>
+                      <a:prstGeom prst="rect">
+                        <a:avLst/>
+                      </a:prstGeom>
+                      <a:solidFill>
+                        <a:schemeClr val="accent4">
+                          <a:lumMod val="60000"/>
+                          <a:lumOff val="40000"/>
+                        </a:schemeClr>
+                      </a:solidFill>
+                      <a:effectLst>
+                        <a:outerShdw blurRad="50800" dist="38100" dir="2700000" algn="tl" rotWithShape="0">
+                          <a:prstClr val="black">
+                            <a:alpha val="40000"/>
+                          </a:prstClr>
+                        </a:outerShdw>
+                      </a:effectLst>
+                    </p:spPr>
+                    <p:style>
+                      <a:lnRef idx="2">
+                        <a:schemeClr val="accent1">
+                          <a:shade val="50000"/>
+                        </a:schemeClr>
+                      </a:lnRef>
+                      <a:fillRef idx="1">
+                        <a:schemeClr val="accent1"/>
+                      </a:fillRef>
+                      <a:effectRef idx="0">
+                        <a:schemeClr val="accent1"/>
+                      </a:effectRef>
+                      <a:fontRef idx="minor">
+                        <a:schemeClr val="lt1"/>
+                      </a:fontRef>
+                    </p:style>
+                    <p:txBody>
+                      <a:bodyPr rtlCol="0" anchor="ctr"/>
+                      <a:lstStyle/>
+                      <a:p>
+                        <a:pPr algn="ctr"/>
+                        <a:endParaRPr lang="zh-CN" altLang="en-US">
+                          <a:latin typeface="Consolas" panose="020B0609020204030204" pitchFamily="49" charset="0"/>
+                          <a:cs typeface="Consolas" panose="020B0609020204030204" pitchFamily="49" charset="0"/>
+                        </a:endParaRPr>
+                      </a:p>
+                    </p:txBody>
+                  </p:sp>
+                  <p:sp>
+                    <p:nvSpPr>
+                      <p:cNvPr id="45" name="文本框 44"/>
+                      <p:cNvSpPr txBox="1"/>
+                      <p:nvPr/>
+                    </p:nvSpPr>
+                    <p:spPr>
+                      <a:xfrm rot="16200000">
+                        <a:off x="2557622" y="2117411"/>
+                        <a:ext cx="2581836" cy="276999"/>
+                      </a:xfrm>
+                      <a:prstGeom prst="rect">
+                        <a:avLst/>
+                      </a:prstGeom>
+                      <a:noFill/>
+                    </p:spPr>
+                    <p:txBody>
+                      <a:bodyPr wrap="square" rtlCol="0">
+                        <a:spAutoFit/>
+                      </a:bodyPr>
+                      <a:lstStyle/>
+                      <a:p>
+                        <a:pPr algn="ctr"/>
+                        <a:r>
+                          <a:rPr lang="en-US" altLang="zh-CN" sz="1200" dirty="0">
+                            <a:latin typeface="Consolas" panose="020B0609020204030204" pitchFamily="49" charset="0"/>
+                            <a:cs typeface="Consolas" panose="020B0609020204030204" pitchFamily="49" charset="0"/>
+                          </a:rPr>
+                          <a:t>S</a:t>
+                        </a:r>
+                        <a:r>
+                          <a:rPr lang="en-US" altLang="zh-CN" sz="1200" dirty="0" smtClean="0">
+                            <a:latin typeface="Consolas" panose="020B0609020204030204" pitchFamily="49" charset="0"/>
+                            <a:cs typeface="Consolas" panose="020B0609020204030204" pitchFamily="49" charset="0"/>
+                          </a:rPr>
+                          <a:t> level</a:t>
+                        </a:r>
+                      </a:p>
+                    </p:txBody>
+                  </p:sp>
+                  <p:sp>
+                    <p:nvSpPr>
+                      <p:cNvPr id="46" name="文本框 45"/>
+                      <p:cNvSpPr txBox="1"/>
+                      <p:nvPr/>
+                    </p:nvSpPr>
+                    <p:spPr>
+                      <a:xfrm rot="16200000">
+                        <a:off x="3083152" y="2130725"/>
+                        <a:ext cx="2581836" cy="276999"/>
+                      </a:xfrm>
+                      <a:prstGeom prst="rect">
+                        <a:avLst/>
+                      </a:prstGeom>
+                      <a:noFill/>
+                    </p:spPr>
+                    <p:txBody>
+                      <a:bodyPr wrap="square" rtlCol="0">
+                        <a:spAutoFit/>
+                      </a:bodyPr>
+                      <a:lstStyle/>
+                      <a:p>
+                        <a:pPr algn="ctr"/>
+                        <a:r>
+                          <a:rPr lang="en-US" altLang="zh-CN" sz="1200" dirty="0" smtClean="0">
+                            <a:latin typeface="Consolas" panose="020B0609020204030204" pitchFamily="49" charset="0"/>
+                            <a:cs typeface="Consolas" panose="020B0609020204030204" pitchFamily="49" charset="0"/>
+                          </a:rPr>
+                          <a:t>O level</a:t>
+                        </a:r>
+                      </a:p>
+                    </p:txBody>
+                  </p:sp>
+                  <p:sp>
+                    <p:nvSpPr>
+                      <p:cNvPr id="47" name="文本框 46"/>
+                      <p:cNvSpPr txBox="1"/>
+                      <p:nvPr/>
+                    </p:nvSpPr>
+                    <p:spPr>
+                      <a:xfrm rot="16200000">
+                        <a:off x="3638309" y="2121558"/>
+                        <a:ext cx="2581836" cy="276999"/>
+                      </a:xfrm>
+                      <a:prstGeom prst="rect">
+                        <a:avLst/>
+                      </a:prstGeom>
+                      <a:noFill/>
+                    </p:spPr>
+                    <p:txBody>
+                      <a:bodyPr wrap="square" rtlCol="0">
+                        <a:spAutoFit/>
+                      </a:bodyPr>
+                      <a:lstStyle/>
+                      <a:p>
+                        <a:pPr algn="ctr"/>
+                        <a:r>
+                          <a:rPr lang="en-US" altLang="zh-CN" sz="1200" dirty="0" smtClean="0">
+                            <a:latin typeface="Consolas" panose="020B0609020204030204" pitchFamily="49" charset="0"/>
+                            <a:cs typeface="Consolas" panose="020B0609020204030204" pitchFamily="49" charset="0"/>
+                          </a:rPr>
+                          <a:t>L level</a:t>
+                        </a:r>
+                      </a:p>
+                    </p:txBody>
+                  </p:sp>
+                  <p:sp>
+                    <p:nvSpPr>
+                      <p:cNvPr id="48" name="文本框 47"/>
+                      <p:cNvSpPr txBox="1"/>
+                      <p:nvPr/>
+                    </p:nvSpPr>
+                    <p:spPr>
+                      <a:xfrm rot="16200000">
+                        <a:off x="4163840" y="2134872"/>
+                        <a:ext cx="2581836" cy="276999"/>
+                      </a:xfrm>
+                      <a:prstGeom prst="rect">
+                        <a:avLst/>
+                      </a:prstGeom>
+                      <a:noFill/>
+                    </p:spPr>
+                    <p:txBody>
+                      <a:bodyPr wrap="square" rtlCol="0">
+                        <a:spAutoFit/>
+                      </a:bodyPr>
+                      <a:lstStyle/>
+                      <a:p>
+                        <a:pPr algn="ctr"/>
+                        <a:r>
+                          <a:rPr lang="en-US" altLang="zh-CN" sz="1200" dirty="0">
+                            <a:latin typeface="Consolas" panose="020B0609020204030204" pitchFamily="49" charset="0"/>
+                            <a:cs typeface="Consolas" panose="020B0609020204030204" pitchFamily="49" charset="0"/>
+                          </a:rPr>
+                          <a:t>D</a:t>
+                        </a:r>
+                        <a:r>
+                          <a:rPr lang="en-US" altLang="zh-CN" sz="1200" dirty="0" smtClean="0">
+                            <a:latin typeface="Consolas" panose="020B0609020204030204" pitchFamily="49" charset="0"/>
+                            <a:cs typeface="Consolas" panose="020B0609020204030204" pitchFamily="49" charset="0"/>
+                          </a:rPr>
+                          <a:t> level</a:t>
+                        </a:r>
+                      </a:p>
+                    </p:txBody>
+                  </p:sp>
+                  <p:sp>
+                    <p:nvSpPr>
+                      <p:cNvPr id="53" name="文本框 52"/>
+                      <p:cNvSpPr txBox="1"/>
+                      <p:nvPr/>
+                    </p:nvSpPr>
+                    <p:spPr>
+                      <a:xfrm>
+                        <a:off x="3087898" y="6625665"/>
+                        <a:ext cx="2581836" cy="369332"/>
+                      </a:xfrm>
+                      <a:prstGeom prst="rect">
+                        <a:avLst/>
+                      </a:prstGeom>
+                      <a:noFill/>
+                    </p:spPr>
+                    <p:txBody>
+                      <a:bodyPr wrap="square" rtlCol="0">
+                        <a:spAutoFit/>
+                      </a:bodyPr>
+                      <a:lstStyle/>
+                      <a:p>
+                        <a:pPr algn="ctr"/>
+                        <a:r>
+                          <a:rPr lang="en-US" altLang="zh-CN" dirty="0" err="1" smtClean="0">
+                            <a:latin typeface="Consolas" panose="020B0609020204030204" pitchFamily="49" charset="0"/>
+                            <a:cs typeface="Consolas" panose="020B0609020204030204" pitchFamily="49" charset="0"/>
+                          </a:rPr>
+                          <a:t>Oozie</a:t>
+                        </a:r>
+                        <a:endParaRPr lang="en-US" altLang="zh-CN" dirty="0" smtClean="0">
+                          <a:latin typeface="Consolas" panose="020B0609020204030204" pitchFamily="49" charset="0"/>
+                          <a:cs typeface="Consolas" panose="020B0609020204030204" pitchFamily="49" charset="0"/>
+                        </a:endParaRPr>
+                      </a:p>
+                    </p:txBody>
+                  </p:sp>
+                  <p:sp>
+                    <p:nvSpPr>
+                      <p:cNvPr id="55" name="文本框 54"/>
+                      <p:cNvSpPr txBox="1"/>
+                      <p:nvPr/>
+                    </p:nvSpPr>
+                    <p:spPr>
+                      <a:xfrm>
+                        <a:off x="6950865" y="990950"/>
+                        <a:ext cx="2581836" cy="307777"/>
+                      </a:xfrm>
+                      <a:prstGeom prst="rect">
+                        <a:avLst/>
+                      </a:prstGeom>
+                      <a:noFill/>
+                    </p:spPr>
+                    <p:txBody>
+                      <a:bodyPr wrap="square" rtlCol="0">
+                        <a:spAutoFit/>
+                      </a:bodyPr>
+                      <a:lstStyle/>
+                      <a:p>
+                        <a:pPr algn="ctr"/>
+                        <a:r>
+                          <a:rPr lang="en-US" altLang="zh-CN" sz="1400" b="1" dirty="0" smtClean="0">
+                            <a:latin typeface="Consolas" panose="020B0609020204030204" pitchFamily="49" charset="0"/>
+                            <a:cs typeface="Consolas" panose="020B0609020204030204" pitchFamily="49" charset="0"/>
+                          </a:rPr>
+                          <a:t>Report System</a:t>
+                        </a:r>
+                      </a:p>
+                    </p:txBody>
+                  </p:sp>
+                  <p:sp>
+                    <p:nvSpPr>
+                      <p:cNvPr id="61" name="L 形 60"/>
+                      <p:cNvSpPr/>
+                      <p:nvPr/>
+                    </p:nvSpPr>
+                    <p:spPr>
+                      <a:xfrm rot="16200000">
+                        <a:off x="590143" y="3939461"/>
+                        <a:ext cx="2994861" cy="338282"/>
+                      </a:xfrm>
+                      <a:prstGeom prst="corner">
+                        <a:avLst>
+                          <a:gd name="adj1" fmla="val 46334"/>
+                          <a:gd name="adj2" fmla="val 50000"/>
+                        </a:avLst>
+                      </a:prstGeom>
+                      <a:solidFill>
+                        <a:schemeClr val="accent1">
+                          <a:lumMod val="75000"/>
+                        </a:schemeClr>
+                      </a:solidFill>
+                      <a:ln>
+                        <a:solidFill>
+                          <a:schemeClr val="accent6">
+                            <a:lumMod val="75000"/>
+                          </a:schemeClr>
+                        </a:solidFill>
+                      </a:ln>
+                    </p:spPr>
+                    <p:style>
+                      <a:lnRef idx="2">
+                        <a:schemeClr val="accent1">
+                          <a:shade val="50000"/>
+                        </a:schemeClr>
+                      </a:lnRef>
+                      <a:fillRef idx="1">
+                        <a:schemeClr val="accent1"/>
+                      </a:fillRef>
+                      <a:effectRef idx="0">
+                        <a:schemeClr val="accent1"/>
+                      </a:effectRef>
+                      <a:fontRef idx="minor">
+                        <a:schemeClr val="lt1"/>
+                      </a:fontRef>
+                    </p:style>
+                    <p:txBody>
+                      <a:bodyPr rtlCol="0" anchor="ctr"/>
+                      <a:lstStyle/>
+                      <a:p>
+                        <a:pPr algn="ctr"/>
+                        <a:endParaRPr lang="zh-CN" altLang="en-US"/>
+                      </a:p>
+                    </p:txBody>
+                  </p:sp>
+                  <p:sp>
+                    <p:nvSpPr>
+                      <p:cNvPr id="62" name="右箭头 61"/>
+                      <p:cNvSpPr/>
+                      <p:nvPr/>
+                    </p:nvSpPr>
+                    <p:spPr>
+                      <a:xfrm>
+                        <a:off x="2265762" y="2529765"/>
+                        <a:ext cx="511089" cy="345463"/>
+                      </a:xfrm>
+                      <a:prstGeom prst="rightArrow">
+                        <a:avLst/>
+                      </a:prstGeom>
+                      <a:gradFill flip="none" rotWithShape="1">
+                        <a:gsLst>
+                          <a:gs pos="0">
+                            <a:schemeClr val="accent1">
+                              <a:lumMod val="75000"/>
+                            </a:schemeClr>
+                          </a:gs>
+                          <a:gs pos="100000">
+                            <a:schemeClr val="accent1">
+                              <a:lumMod val="20000"/>
+                              <a:lumOff val="80000"/>
+                            </a:schemeClr>
+                          </a:gs>
+                        </a:gsLst>
+                        <a:lin ang="0" scaled="1"/>
+                        <a:tileRect/>
+                      </a:gradFill>
+                    </p:spPr>
+                    <p:style>
+                      <a:lnRef idx="2">
+                        <a:schemeClr val="accent6">
+                          <a:shade val="50000"/>
+                        </a:schemeClr>
+                      </a:lnRef>
+                      <a:fillRef idx="1">
+                        <a:schemeClr val="accent6"/>
+                      </a:fillRef>
+                      <a:effectRef idx="0">
+                        <a:schemeClr val="accent6"/>
+                      </a:effectRef>
+                      <a:fontRef idx="minor">
+                        <a:schemeClr val="lt1"/>
+                      </a:fontRef>
+                    </p:style>
+                    <p:txBody>
+                      <a:bodyPr rtlCol="0" anchor="ctr"/>
+                      <a:lstStyle/>
+                      <a:p>
+                        <a:pPr algn="ctr"/>
+                        <a:endParaRPr lang="zh-CN" altLang="en-US"/>
+                      </a:p>
+                    </p:txBody>
+                  </p:sp>
+                  <p:sp>
+                    <p:nvSpPr>
+                      <p:cNvPr id="63" name="圆角矩形 62"/>
+                      <p:cNvSpPr/>
+                      <p:nvPr/>
+                    </p:nvSpPr>
+                    <p:spPr>
+                      <a:xfrm>
+                        <a:off x="2802914" y="4683247"/>
+                        <a:ext cx="3051446" cy="1607371"/>
+                      </a:xfrm>
+                      <a:prstGeom prst="roundRect">
+                        <a:avLst>
+                          <a:gd name="adj" fmla="val 8974"/>
+                        </a:avLst>
+                      </a:prstGeom>
+                      <a:solidFill>
+                        <a:schemeClr val="accent6">
+                          <a:lumMod val="75000"/>
+                        </a:schemeClr>
+                      </a:solidFill>
+                    </p:spPr>
+                    <p:style>
+                      <a:lnRef idx="2">
+                        <a:schemeClr val="accent1">
+                          <a:shade val="50000"/>
+                        </a:schemeClr>
+                      </a:lnRef>
+                      <a:fillRef idx="1">
+                        <a:schemeClr val="accent1"/>
+                      </a:fillRef>
+                      <a:effectRef idx="0">
+                        <a:schemeClr val="accent1"/>
+                      </a:effectRef>
+                      <a:fontRef idx="minor">
+                        <a:schemeClr val="lt1"/>
+                      </a:fontRef>
+                    </p:style>
+                    <p:txBody>
+                      <a:bodyPr rtlCol="0" anchor="ctr"/>
+                      <a:lstStyle/>
+                      <a:p>
+                        <a:pPr algn="ctr"/>
+                        <a:endParaRPr lang="zh-CN" altLang="en-US">
+                          <a:latin typeface="Consolas" panose="020B0609020204030204" pitchFamily="49" charset="0"/>
+                          <a:cs typeface="Consolas" panose="020B0609020204030204" pitchFamily="49" charset="0"/>
+                        </a:endParaRPr>
+                      </a:p>
+                    </p:txBody>
+                  </p:sp>
+                  <p:sp>
+                    <p:nvSpPr>
+                      <p:cNvPr id="64" name="文本框 63"/>
+                      <p:cNvSpPr txBox="1"/>
+                      <p:nvPr/>
+                    </p:nvSpPr>
+                    <p:spPr>
+                      <a:xfrm>
+                        <a:off x="3037719" y="4827032"/>
+                        <a:ext cx="2581836" cy="307777"/>
+                      </a:xfrm>
+                      <a:prstGeom prst="rect">
+                        <a:avLst/>
+                      </a:prstGeom>
+                      <a:noFill/>
+                    </p:spPr>
+                    <p:txBody>
+                      <a:bodyPr wrap="square" rtlCol="0">
+                        <a:spAutoFit/>
+                      </a:bodyPr>
+                      <a:lstStyle/>
+                      <a:p>
+                        <a:pPr algn="ctr"/>
+                        <a:r>
+                          <a:rPr lang="en-US" altLang="zh-CN" sz="1400" dirty="0">
+                            <a:latin typeface="Consolas" panose="020B0609020204030204" pitchFamily="49" charset="0"/>
+                            <a:cs typeface="Consolas" panose="020B0609020204030204" pitchFamily="49" charset="0"/>
+                          </a:rPr>
+                          <a:t>real-time processing</a:t>
+                        </a:r>
+                        <a:endParaRPr lang="en-US" altLang="zh-CN" sz="1400" dirty="0" smtClean="0">
+                          <a:latin typeface="Consolas" panose="020B0609020204030204" pitchFamily="49" charset="0"/>
+                          <a:cs typeface="Consolas" panose="020B0609020204030204" pitchFamily="49" charset="0"/>
+                        </a:endParaRPr>
+                      </a:p>
+                    </p:txBody>
+                  </p:sp>
+                  <p:sp>
+                    <p:nvSpPr>
+                      <p:cNvPr id="69" name="矩形 68"/>
+                      <p:cNvSpPr/>
+                      <p:nvPr/>
+                    </p:nvSpPr>
+                    <p:spPr>
+                      <a:xfrm>
+                        <a:off x="4608913" y="5232081"/>
+                        <a:ext cx="1006884" cy="963349"/>
+                      </a:xfrm>
+                      <a:prstGeom prst="rect">
+                        <a:avLst/>
+                      </a:prstGeom>
+                      <a:solidFill>
+                        <a:schemeClr val="accent6">
+                          <a:lumMod val="60000"/>
+                          <a:lumOff val="40000"/>
+                        </a:schemeClr>
+                      </a:solidFill>
+                      <a:effectLst>
+                        <a:outerShdw blurRad="50800" dist="38100" dir="2700000" algn="tl" rotWithShape="0">
+                          <a:prstClr val="black">
+                            <a:alpha val="40000"/>
+                          </a:prstClr>
+                        </a:outerShdw>
+                      </a:effectLst>
+                    </p:spPr>
+                    <p:style>
+                      <a:lnRef idx="2">
+                        <a:schemeClr val="accent1">
+                          <a:shade val="50000"/>
+                        </a:schemeClr>
+                      </a:lnRef>
+                      <a:fillRef idx="1">
+                        <a:schemeClr val="accent1"/>
+                      </a:fillRef>
+                      <a:effectRef idx="0">
+                        <a:schemeClr val="accent1"/>
+                      </a:effectRef>
+                      <a:fontRef idx="minor">
+                        <a:schemeClr val="lt1"/>
+                      </a:fontRef>
+                    </p:style>
+                    <p:txBody>
+                      <a:bodyPr rtlCol="0" anchor="ctr"/>
+                      <a:lstStyle/>
+                      <a:p>
+                        <a:pPr algn="ctr"/>
+                        <a:endParaRPr lang="zh-CN" altLang="en-US">
+                          <a:latin typeface="Consolas" panose="020B0609020204030204" pitchFamily="49" charset="0"/>
+                          <a:cs typeface="Consolas" panose="020B0609020204030204" pitchFamily="49" charset="0"/>
+                        </a:endParaRPr>
+                      </a:p>
+                    </p:txBody>
+                  </p:sp>
+                  <p:sp>
+                    <p:nvSpPr>
+                      <p:cNvPr id="71" name="文本框 70"/>
+                      <p:cNvSpPr txBox="1"/>
+                      <p:nvPr/>
+                    </p:nvSpPr>
+                    <p:spPr>
+                      <a:xfrm>
+                        <a:off x="3832864" y="5481881"/>
+                        <a:ext cx="2581836" cy="461665"/>
+                      </a:xfrm>
+                      <a:prstGeom prst="rect">
+                        <a:avLst/>
+                      </a:prstGeom>
+                      <a:noFill/>
+                    </p:spPr>
+                    <p:txBody>
+                      <a:bodyPr wrap="square" rtlCol="0">
+                        <a:spAutoFit/>
+                      </a:bodyPr>
+                      <a:lstStyle/>
+                      <a:p>
+                        <a:pPr algn="ctr"/>
+                        <a:r>
+                          <a:rPr lang="en-US" altLang="zh-CN" sz="1200" dirty="0" smtClean="0">
+                            <a:latin typeface="Consolas" panose="020B0609020204030204" pitchFamily="49" charset="0"/>
+                            <a:cs typeface="Consolas" panose="020B0609020204030204" pitchFamily="49" charset="0"/>
+                          </a:rPr>
+                          <a:t>Spark </a:t>
+                        </a:r>
+                      </a:p>
+                      <a:p>
+                        <a:pPr algn="ctr"/>
+                        <a:r>
+                          <a:rPr lang="en-US" altLang="zh-CN" sz="1200" dirty="0" smtClean="0">
+                            <a:latin typeface="Consolas" panose="020B0609020204030204" pitchFamily="49" charset="0"/>
+                            <a:cs typeface="Consolas" panose="020B0609020204030204" pitchFamily="49" charset="0"/>
+                          </a:rPr>
+                          <a:t>Streaming</a:t>
+                        </a:r>
+                      </a:p>
+                    </p:txBody>
+                  </p:sp>
+                  <p:sp>
+                    <p:nvSpPr>
+                      <p:cNvPr id="72" name="矩形 71"/>
+                      <p:cNvSpPr/>
+                      <p:nvPr/>
+                    </p:nvSpPr>
+                    <p:spPr>
+                      <a:xfrm>
+                        <a:off x="3145755" y="5232081"/>
+                        <a:ext cx="1006884" cy="963349"/>
+                      </a:xfrm>
+                      <a:prstGeom prst="rect">
+                        <a:avLst/>
+                      </a:prstGeom>
+                      <a:solidFill>
+                        <a:schemeClr val="accent6">
+                          <a:lumMod val="60000"/>
+                          <a:lumOff val="40000"/>
+                        </a:schemeClr>
+                      </a:solidFill>
+                      <a:effectLst>
+                        <a:outerShdw blurRad="50800" dist="38100" dir="2700000" algn="tl" rotWithShape="0">
+                          <a:prstClr val="black">
+                            <a:alpha val="40000"/>
+                          </a:prstClr>
+                        </a:outerShdw>
+                      </a:effectLst>
+                    </p:spPr>
+                    <p:style>
+                      <a:lnRef idx="2">
+                        <a:schemeClr val="accent1">
+                          <a:shade val="50000"/>
+                        </a:schemeClr>
+                      </a:lnRef>
+                      <a:fillRef idx="1">
+                        <a:schemeClr val="accent1"/>
+                      </a:fillRef>
+                      <a:effectRef idx="0">
+                        <a:schemeClr val="accent1"/>
+                      </a:effectRef>
+                      <a:fontRef idx="minor">
+                        <a:schemeClr val="lt1"/>
+                      </a:fontRef>
+                    </p:style>
+                    <p:txBody>
+                      <a:bodyPr rtlCol="0" anchor="ctr"/>
+                      <a:lstStyle/>
+                      <a:p>
+                        <a:pPr algn="ctr"/>
+                        <a:endParaRPr lang="zh-CN" altLang="en-US">
+                          <a:latin typeface="Consolas" panose="020B0609020204030204" pitchFamily="49" charset="0"/>
+                          <a:cs typeface="Consolas" panose="020B0609020204030204" pitchFamily="49" charset="0"/>
+                        </a:endParaRPr>
+                      </a:p>
+                    </p:txBody>
+                  </p:sp>
+                  <p:sp>
+                    <p:nvSpPr>
+                      <p:cNvPr id="73" name="文本框 72"/>
+                      <p:cNvSpPr txBox="1"/>
+                      <p:nvPr/>
+                    </p:nvSpPr>
+                    <p:spPr>
+                      <a:xfrm>
+                        <a:off x="2300697" y="5610428"/>
+                        <a:ext cx="2581836" cy="276999"/>
+                      </a:xfrm>
+                      <a:prstGeom prst="rect">
+                        <a:avLst/>
+                      </a:prstGeom>
+                      <a:noFill/>
+                    </p:spPr>
+                    <p:txBody>
+                      <a:bodyPr wrap="square" rtlCol="0">
+                        <a:spAutoFit/>
+                      </a:bodyPr>
+                      <a:lstStyle/>
+                      <a:p>
+                        <a:pPr algn="ctr"/>
+                        <a:r>
+                          <a:rPr lang="en-US" altLang="zh-CN" sz="1200" dirty="0" smtClean="0">
+                            <a:latin typeface="Consolas" panose="020B0609020204030204" pitchFamily="49" charset="0"/>
+                            <a:cs typeface="Consolas" panose="020B0609020204030204" pitchFamily="49" charset="0"/>
+                          </a:rPr>
+                          <a:t>Kafka</a:t>
+                        </a:r>
+                      </a:p>
+                    </p:txBody>
+                  </p:sp>
+                  <p:sp>
+                    <p:nvSpPr>
+                      <p:cNvPr id="75" name="圆角矩形 74"/>
+                      <p:cNvSpPr/>
+                      <p:nvPr/>
+                    </p:nvSpPr>
+                    <p:spPr>
+                      <a:xfrm>
+                        <a:off x="7359799" y="4925308"/>
+                        <a:ext cx="1792518" cy="1733071"/>
+                      </a:xfrm>
+                      <a:prstGeom prst="roundRect">
+                        <a:avLst>
+                          <a:gd name="adj" fmla="val 8493"/>
+                        </a:avLst>
+                      </a:prstGeom>
+                      <a:solidFill>
+                        <a:srgbClr val="99CCFF"/>
+                      </a:solidFill>
+                    </p:spPr>
+                    <p:style>
+                      <a:lnRef idx="2">
+                        <a:schemeClr val="accent1">
+                          <a:shade val="50000"/>
+                        </a:schemeClr>
+                      </a:lnRef>
+                      <a:fillRef idx="1">
+                        <a:schemeClr val="accent1"/>
+                      </a:fillRef>
+                      <a:effectRef idx="0">
+                        <a:schemeClr val="accent1"/>
+                      </a:effectRef>
+                      <a:fontRef idx="minor">
+                        <a:schemeClr val="lt1"/>
+                      </a:fontRef>
+                    </p:style>
+                    <p:txBody>
+                      <a:bodyPr rtlCol="0" anchor="ctr"/>
+                      <a:lstStyle/>
+                      <a:p>
+                        <a:pPr algn="ctr"/>
+                        <a:endParaRPr lang="zh-CN" altLang="en-US"/>
+                      </a:p>
+                    </p:txBody>
+                  </p:sp>
+                  <p:sp>
+                    <p:nvSpPr>
+                      <p:cNvPr id="74" name="右箭头 73"/>
+                      <p:cNvSpPr/>
+                      <p:nvPr/>
+                    </p:nvSpPr>
+                    <p:spPr>
+                      <a:xfrm>
+                        <a:off x="1889700" y="5648902"/>
+                        <a:ext cx="885713" cy="345463"/>
+                      </a:xfrm>
+                      <a:prstGeom prst="rightArrow">
+                        <a:avLst/>
+                      </a:prstGeom>
+                      <a:gradFill flip="none" rotWithShape="1">
+                        <a:gsLst>
+                          <a:gs pos="0">
+                            <a:schemeClr val="accent5">
+                              <a:lumMod val="75000"/>
+                            </a:schemeClr>
+                          </a:gs>
+                          <a:gs pos="100000">
+                            <a:schemeClr val="bg1"/>
+                          </a:gs>
+                        </a:gsLst>
+                        <a:lin ang="0" scaled="1"/>
+                        <a:tileRect/>
+                      </a:gradFill>
+                    </p:spPr>
+                    <p:style>
+                      <a:lnRef idx="2">
+                        <a:schemeClr val="accent6">
+                          <a:shade val="50000"/>
+                        </a:schemeClr>
+                      </a:lnRef>
+                      <a:fillRef idx="1">
+                        <a:schemeClr val="accent6"/>
+                      </a:fillRef>
+                      <a:effectRef idx="0">
+                        <a:schemeClr val="accent6"/>
+                      </a:effectRef>
+                      <a:fontRef idx="minor">
+                        <a:schemeClr val="lt1"/>
+                      </a:fontRef>
+                    </p:style>
+                    <p:txBody>
+                      <a:bodyPr rtlCol="0" anchor="ctr"/>
+                      <a:lstStyle/>
+                      <a:p>
+                        <a:pPr algn="ctr"/>
+                        <a:endParaRPr lang="zh-CN" altLang="en-US"/>
+                      </a:p>
+                    </p:txBody>
+                  </p:sp>
+                  <p:sp>
+                    <p:nvSpPr>
+                      <p:cNvPr id="76" name="文本框 75"/>
+                      <p:cNvSpPr txBox="1"/>
+                      <p:nvPr/>
+                    </p:nvSpPr>
+                    <p:spPr>
+                      <a:xfrm>
+                        <a:off x="6950864" y="5022841"/>
+                        <a:ext cx="2581836" cy="307777"/>
+                      </a:xfrm>
+                      <a:prstGeom prst="rect">
+                        <a:avLst/>
+                      </a:prstGeom>
+                      <a:noFill/>
+                    </p:spPr>
+                    <p:txBody>
+                      <a:bodyPr wrap="square" rtlCol="0">
+                        <a:spAutoFit/>
+                      </a:bodyPr>
+                      <a:lstStyle/>
+                      <a:p>
+                        <a:pPr algn="ctr"/>
+                        <a:r>
+                          <a:rPr lang="en-US" altLang="zh-CN" sz="1400" b="1" dirty="0" smtClean="0">
+                            <a:latin typeface="Consolas" panose="020B0609020204030204" pitchFamily="49" charset="0"/>
+                            <a:cs typeface="Consolas" panose="020B0609020204030204" pitchFamily="49" charset="0"/>
+                          </a:rPr>
+                          <a:t>Marketing</a:t>
+                        </a:r>
+                      </a:p>
+                    </p:txBody>
+                  </p:sp>
+                </p:grpSp>
+                <p:sp>
+                  <p:nvSpPr>
+                    <p:cNvPr id="65" name="矩形 64"/>
+                    <p:cNvSpPr/>
+                    <p:nvPr/>
+                  </p:nvSpPr>
+                  <p:spPr>
+                    <a:xfrm rot="5400000">
+                      <a:off x="5545092" y="1953330"/>
+                      <a:ext cx="294147" cy="1912335"/>
+                    </a:xfrm>
+                    <a:prstGeom prst="rect">
+                      <a:avLst/>
+                    </a:prstGeom>
+                    <a:solidFill>
+                      <a:schemeClr val="accent4">
+                        <a:lumMod val="60000"/>
+                        <a:lumOff val="40000"/>
+                      </a:schemeClr>
+                    </a:solidFill>
+                    <a:effectLst>
+                      <a:outerShdw blurRad="50800" dist="38100" dir="2700000" algn="tl" rotWithShape="0">
+                        <a:prstClr val="black">
+                          <a:alpha val="40000"/>
+                        </a:prstClr>
+                      </a:outerShdw>
+                    </a:effectLst>
+                  </p:spPr>
+                  <p:style>
+                    <a:lnRef idx="2">
+                      <a:schemeClr val="accent1">
+                        <a:shade val="50000"/>
+                      </a:schemeClr>
+                    </a:lnRef>
+                    <a:fillRef idx="1">
+                      <a:schemeClr val="accent1"/>
+                    </a:fillRef>
+                    <a:effectRef idx="0">
+                      <a:schemeClr val="accent1"/>
+                    </a:effectRef>
+                    <a:fontRef idx="minor">
+                      <a:schemeClr val="lt1"/>
+                    </a:fontRef>
+                  </p:style>
+                  <p:txBody>
+                    <a:bodyPr rtlCol="0" anchor="ctr"/>
+                    <a:lstStyle/>
+                    <a:p>
+                      <a:pPr algn="ctr"/>
+                      <a:endParaRPr lang="zh-CN" altLang="en-US">
+                        <a:latin typeface="Consolas" panose="020B0609020204030204" pitchFamily="49" charset="0"/>
+                        <a:cs typeface="Consolas" panose="020B0609020204030204" pitchFamily="49" charset="0"/>
+                      </a:endParaRPr>
+                    </a:p>
+                  </p:txBody>
+                </p:sp>
+                <p:sp>
+                  <p:nvSpPr>
+                    <p:cNvPr id="66" name="文本框 65"/>
+                    <p:cNvSpPr txBox="1"/>
+                    <p:nvPr/>
+                  </p:nvSpPr>
+                  <p:spPr>
+                    <a:xfrm>
+                      <a:off x="4740765" y="2778916"/>
+                      <a:ext cx="1755610" cy="276999"/>
+                    </a:xfrm>
+                    <a:prstGeom prst="rect">
+                      <a:avLst/>
+                    </a:prstGeom>
+                    <a:noFill/>
+                  </p:spPr>
+                  <p:txBody>
+                    <a:bodyPr wrap="square" rtlCol="0">
+                      <a:spAutoFit/>
+                    </a:bodyPr>
+                    <a:lstStyle/>
+                    <a:p>
+                      <a:pPr algn="ctr"/>
+                      <a:r>
+                        <a:rPr lang="en-US" altLang="zh-CN" sz="1200" dirty="0" err="1" smtClean="0">
+                          <a:latin typeface="Consolas" panose="020B0609020204030204" pitchFamily="49" charset="0"/>
+                          <a:cs typeface="Consolas" panose="020B0609020204030204" pitchFamily="49" charset="0"/>
+                        </a:rPr>
+                        <a:t>HiveSQL</a:t>
+                      </a:r>
+                      <a:endParaRPr lang="en-US" altLang="zh-CN" sz="1200" dirty="0" smtClean="0">
+                        <a:latin typeface="Consolas" panose="020B0609020204030204" pitchFamily="49" charset="0"/>
+                        <a:cs typeface="Consolas" panose="020B0609020204030204" pitchFamily="49" charset="0"/>
+                      </a:endParaRPr>
+                    </a:p>
+                  </p:txBody>
+                </p:sp>
+              </p:grpSp>
               <p:sp>
                 <p:nvSpPr>
-                  <p:cNvPr id="35" name="矩形 34"/>
+                  <p:cNvPr id="70" name="圆角矩形 69"/>
                   <p:cNvSpPr/>
                   <p:nvPr/>
                 </p:nvSpPr>
                 <p:spPr>
                   <a:xfrm>
-                    <a:off x="2985247" y="753035"/>
-                    <a:ext cx="1411941" cy="1008530"/>
+                    <a:off x="4545251" y="3079535"/>
+                    <a:ext cx="2364786" cy="1083491"/>
                   </a:xfrm>
-                  <a:prstGeom prst="rect">
-                    <a:avLst/>
+                  <a:prstGeom prst="roundRect">
+                    <a:avLst>
+                      <a:gd name="adj" fmla="val 8974"/>
+                    </a:avLst>
                   </a:prstGeom>
                   <a:solidFill>
-                    <a:schemeClr val="accent4">
+                    <a:schemeClr val="accent5">
                       <a:lumMod val="75000"/>
                     </a:schemeClr>
                   </a:solidFill>
-                  <a:ln>
-                    <a:noFill/>
-                  </a:ln>
                 </p:spPr>
                 <p:style>
                   <a:lnRef idx="2">
@@ -4715,26 +5550,64 @@
               </p:sp>
               <p:sp>
                 <p:nvSpPr>
-                  <p:cNvPr id="38" name="椭圆 37"/>
+                  <p:cNvPr id="78" name="文本框 77"/>
+                  <p:cNvSpPr txBox="1"/>
+                  <p:nvPr/>
+                </p:nvSpPr>
+                <p:spPr>
+                  <a:xfrm>
+                    <a:off x="4207645" y="3173895"/>
+                    <a:ext cx="2969040" cy="307777"/>
+                  </a:xfrm>
+                  <a:prstGeom prst="rect">
+                    <a:avLst/>
+                  </a:prstGeom>
+                  <a:noFill/>
+                </p:spPr>
+                <p:txBody>
+                  <a:bodyPr wrap="square" rtlCol="0">
+                    <a:spAutoFit/>
+                  </a:bodyPr>
+                  <a:lstStyle/>
+                  <a:p>
+                    <a:pPr algn="ctr"/>
+                    <a:r>
+                      <a:rPr lang="en-US" altLang="zh-CN" sz="1400" dirty="0" smtClean="0">
+                        <a:latin typeface="Consolas" panose="020B0609020204030204" pitchFamily="49" charset="0"/>
+                        <a:cs typeface="Consolas" panose="020B0609020204030204" pitchFamily="49" charset="0"/>
+                      </a:rPr>
+                      <a:t>Flexible Query</a:t>
+                    </a:r>
+                  </a:p>
+                </p:txBody>
+              </p:sp>
+              <p:sp>
+                <p:nvSpPr>
+                  <p:cNvPr id="79" name="矩形 78"/>
                   <p:cNvSpPr/>
                   <p:nvPr/>
                 </p:nvSpPr>
                 <p:spPr>
                   <a:xfrm>
-                    <a:off x="2985246" y="1702467"/>
-                    <a:ext cx="1411942" cy="134471"/>
+                    <a:off x="4903617" y="3585929"/>
+                    <a:ext cx="1569610" cy="381893"/>
                   </a:xfrm>
-                  <a:prstGeom prst="ellipse">
+                  <a:prstGeom prst="rect">
                     <a:avLst/>
                   </a:prstGeom>
                   <a:solidFill>
-                    <a:schemeClr val="accent4">
-                      <a:lumMod val="75000"/>
+                    <a:schemeClr val="accent5">
+                      <a:lumMod val="40000"/>
+                      <a:lumOff val="60000"/>
                     </a:schemeClr>
                   </a:solidFill>
-                  <a:ln>
-                    <a:noFill/>
-                  </a:ln>
+                  <a:effectLst>
+                    <a:outerShdw blurRad="50800" dist="38100" dir="2700000" algn="tl" rotWithShape="0">
+                      <a:prstClr val="black">
+                        <a:alpha val="40000"/>
+                      </a:prstClr>
+                    </a:outerShdw>
+                  </a:effectLst>
                 </p:spPr>
                 <p:style>
                   <a:lnRef idx="2">
@@ -4764,29 +5637,471 @@
                   </a:p>
                 </p:txBody>
               </p:sp>
+              <p:sp>
+                <p:nvSpPr>
+                  <p:cNvPr id="83" name="文本框 82"/>
+                  <p:cNvSpPr txBox="1"/>
+                  <p:nvPr/>
+                </p:nvSpPr>
+                <p:spPr>
+                  <a:xfrm>
+                    <a:off x="4646692" y="3690508"/>
+                    <a:ext cx="2060889" cy="276999"/>
+                  </a:xfrm>
+                  <a:prstGeom prst="rect">
+                    <a:avLst/>
+                  </a:prstGeom>
+                  <a:noFill/>
+                </p:spPr>
+                <p:txBody>
+                  <a:bodyPr wrap="square" rtlCol="0">
+                    <a:spAutoFit/>
+                  </a:bodyPr>
+                  <a:lstStyle/>
+                  <a:p>
+                    <a:pPr algn="ctr"/>
+                    <a:r>
+                      <a:rPr lang="en-US" altLang="zh-CN" sz="1200" dirty="0" err="1" smtClean="0">
+                        <a:latin typeface="Consolas" panose="020B0609020204030204" pitchFamily="49" charset="0"/>
+                        <a:cs typeface="Consolas" panose="020B0609020204030204" pitchFamily="49" charset="0"/>
+                      </a:rPr>
+                      <a:t>SparkSQL</a:t>
+                    </a:r>
+                    <a:endParaRPr lang="en-US" altLang="zh-CN" sz="1200" dirty="0" smtClean="0">
+                      <a:latin typeface="Consolas" panose="020B0609020204030204" pitchFamily="49" charset="0"/>
+                      <a:cs typeface="Consolas" panose="020B0609020204030204" pitchFamily="49" charset="0"/>
+                    </a:endParaRPr>
+                  </a:p>
+                </p:txBody>
+              </p:sp>
+              <p:sp>
+                <p:nvSpPr>
+                  <p:cNvPr id="84" name="右箭头 83"/>
+                  <p:cNvSpPr/>
+                  <p:nvPr/>
+                </p:nvSpPr>
+                <p:spPr>
+                  <a:xfrm rot="5400000">
+                    <a:off x="5400121" y="2767905"/>
+                    <a:ext cx="443141" cy="368843"/>
+                  </a:xfrm>
+                  <a:prstGeom prst="rightArrow">
+                    <a:avLst/>
+                  </a:prstGeom>
+                  <a:gradFill>
+                    <a:gsLst>
+                      <a:gs pos="0">
+                        <a:schemeClr val="accent4">
+                          <a:lumMod val="75000"/>
+                        </a:schemeClr>
+                      </a:gs>
+                      <a:gs pos="100000">
+                        <a:schemeClr val="accent2">
+                          <a:lumMod val="20000"/>
+                          <a:lumOff val="80000"/>
+                        </a:schemeClr>
+                      </a:gs>
+                    </a:gsLst>
+                    <a:lin ang="0" scaled="1"/>
+                  </a:gradFill>
+                </p:spPr>
+                <p:style>
+                  <a:lnRef idx="2">
+                    <a:schemeClr val="accent6">
+                      <a:shade val="50000"/>
+                    </a:schemeClr>
+                  </a:lnRef>
+                  <a:fillRef idx="1">
+                    <a:schemeClr val="accent6"/>
+                  </a:fillRef>
+                  <a:effectRef idx="0">
+                    <a:schemeClr val="accent6"/>
+                  </a:effectRef>
+                  <a:fontRef idx="minor">
+                    <a:schemeClr val="lt1"/>
+                  </a:fontRef>
+                </p:style>
+                <p:txBody>
+                  <a:bodyPr rtlCol="0" anchor="ctr"/>
+                  <a:lstStyle/>
+                  <a:p>
+                    <a:pPr algn="ctr"/>
+                    <a:endParaRPr lang="zh-CN" altLang="en-US">
+                      <a:latin typeface="Consolas" panose="020B0609020204030204" pitchFamily="49" charset="0"/>
+                      <a:cs typeface="Consolas" panose="020B0609020204030204" pitchFamily="49" charset="0"/>
+                    </a:endParaRPr>
+                  </a:p>
+                </p:txBody>
+              </p:sp>
+              <p:sp>
+                <p:nvSpPr>
+                  <p:cNvPr id="85" name="圆角矩形 84"/>
+                  <p:cNvSpPr/>
+                  <p:nvPr/>
+                </p:nvSpPr>
+                <p:spPr>
+                  <a:xfrm>
+                    <a:off x="8414876" y="2550883"/>
+                    <a:ext cx="1792518" cy="1733071"/>
+                  </a:xfrm>
+                  <a:prstGeom prst="roundRect">
+                    <a:avLst>
+                      <a:gd name="adj" fmla="val 8493"/>
+                    </a:avLst>
+                  </a:prstGeom>
+                  <a:solidFill>
+                    <a:srgbClr val="99CCFF"/>
+                  </a:solidFill>
+                </p:spPr>
+                <p:style>
+                  <a:lnRef idx="2">
+                    <a:schemeClr val="accent1">
+                      <a:shade val="50000"/>
+                    </a:schemeClr>
+                  </a:lnRef>
+                  <a:fillRef idx="1">
+                    <a:schemeClr val="accent1"/>
+                  </a:fillRef>
+                  <a:effectRef idx="0">
+                    <a:schemeClr val="accent1"/>
+                  </a:effectRef>
+                  <a:fontRef idx="minor">
+                    <a:schemeClr val="lt1"/>
+                  </a:fontRef>
+                </p:style>
+                <p:txBody>
+                  <a:bodyPr rtlCol="0" anchor="ctr"/>
+                  <a:lstStyle/>
+                  <a:p>
+                    <a:pPr algn="ctr"/>
+                    <a:endParaRPr lang="zh-CN" altLang="en-US"/>
+                  </a:p>
+                </p:txBody>
+              </p:sp>
+              <p:sp>
+                <p:nvSpPr>
+                  <p:cNvPr id="87" name="文本框 86"/>
+                  <p:cNvSpPr txBox="1"/>
+                  <p:nvPr/>
+                </p:nvSpPr>
+                <p:spPr>
+                  <a:xfrm>
+                    <a:off x="8020217" y="2663734"/>
+                    <a:ext cx="2581836" cy="307777"/>
+                  </a:xfrm>
+                  <a:prstGeom prst="rect">
+                    <a:avLst/>
+                  </a:prstGeom>
+                  <a:noFill/>
+                </p:spPr>
+                <p:txBody>
+                  <a:bodyPr wrap="square" rtlCol="0">
+                    <a:spAutoFit/>
+                  </a:bodyPr>
+                  <a:lstStyle/>
+                  <a:p>
+                    <a:pPr algn="ctr"/>
+                    <a:r>
+                      <a:rPr lang="en-US" altLang="zh-CN" sz="1400" b="1" dirty="0">
+                        <a:latin typeface="Consolas" panose="020B0609020204030204" pitchFamily="49" charset="0"/>
+                        <a:cs typeface="Consolas" panose="020B0609020204030204" pitchFamily="49" charset="0"/>
+                      </a:rPr>
+                      <a:t>Flexible Query</a:t>
+                    </a:r>
+                  </a:p>
+                </p:txBody>
+              </p:sp>
+              <p:sp>
+                <p:nvSpPr>
+                  <p:cNvPr id="89" name="矩形 88"/>
+                  <p:cNvSpPr/>
+                  <p:nvPr/>
+                </p:nvSpPr>
+                <p:spPr>
+                  <a:xfrm>
+                    <a:off x="8750332" y="3277049"/>
+                    <a:ext cx="1093053" cy="790731"/>
+                  </a:xfrm>
+                  <a:prstGeom prst="rect">
+                    <a:avLst/>
+                  </a:prstGeom>
+                  <a:solidFill>
+                    <a:schemeClr val="accent3">
+                      <a:lumMod val="60000"/>
+                      <a:lumOff val="40000"/>
+                    </a:schemeClr>
+                  </a:solidFill>
+                  <a:effectLst>
+                    <a:outerShdw blurRad="50800" dist="38100" dir="2700000" algn="tl" rotWithShape="0">
+                      <a:prstClr val="black">
+                        <a:alpha val="40000"/>
+                      </a:prstClr>
+                    </a:outerShdw>
+                  </a:effectLst>
+                </p:spPr>
+                <p:style>
+                  <a:lnRef idx="2">
+                    <a:schemeClr val="accent1">
+                      <a:shade val="50000"/>
+                    </a:schemeClr>
+                  </a:lnRef>
+                  <a:fillRef idx="1">
+                    <a:schemeClr val="accent1"/>
+                  </a:fillRef>
+                  <a:effectRef idx="0">
+                    <a:schemeClr val="accent1"/>
+                  </a:effectRef>
+                  <a:fontRef idx="minor">
+                    <a:schemeClr val="lt1"/>
+                  </a:fontRef>
+                </p:style>
+                <p:txBody>
+                  <a:bodyPr rtlCol="0" anchor="ctr"/>
+                  <a:lstStyle/>
+                  <a:p>
+                    <a:pPr algn="ctr"/>
+                    <a:endParaRPr lang="zh-CN" altLang="en-US">
+                      <a:latin typeface="Consolas" panose="020B0609020204030204" pitchFamily="49" charset="0"/>
+                      <a:cs typeface="Consolas" panose="020B0609020204030204" pitchFamily="49" charset="0"/>
+                    </a:endParaRPr>
+                  </a:p>
+                </p:txBody>
+              </p:sp>
+              <p:sp>
+                <p:nvSpPr>
+                  <p:cNvPr id="90" name="文本框 89"/>
+                  <p:cNvSpPr txBox="1"/>
+                  <p:nvPr/>
+                </p:nvSpPr>
+                <p:spPr>
+                  <a:xfrm>
+                    <a:off x="8010445" y="3608082"/>
+                    <a:ext cx="2581836" cy="276999"/>
+                  </a:xfrm>
+                  <a:prstGeom prst="rect">
+                    <a:avLst/>
+                  </a:prstGeom>
+                  <a:noFill/>
+                </p:spPr>
+                <p:txBody>
+                  <a:bodyPr wrap="square" rtlCol="0">
+                    <a:spAutoFit/>
+                  </a:bodyPr>
+                  <a:lstStyle/>
+                  <a:p>
+                    <a:pPr algn="ctr"/>
+                    <a:r>
+                      <a:rPr lang="en-US" altLang="zh-CN" sz="1200" dirty="0" smtClean="0">
+                        <a:latin typeface="Consolas" panose="020B0609020204030204" pitchFamily="49" charset="0"/>
+                        <a:cs typeface="Consolas" panose="020B0609020204030204" pitchFamily="49" charset="0"/>
+                      </a:rPr>
+                      <a:t>Tableau</a:t>
+                    </a:r>
+                  </a:p>
+                </p:txBody>
+              </p:sp>
+              <p:sp>
+                <p:nvSpPr>
+                  <p:cNvPr id="91" name="右箭头 90"/>
+                  <p:cNvSpPr/>
+                  <p:nvPr/>
+                </p:nvSpPr>
+                <p:spPr>
+                  <a:xfrm>
+                    <a:off x="7092103" y="3431699"/>
+                    <a:ext cx="1221626" cy="345463"/>
+                  </a:xfrm>
+                  <a:prstGeom prst="rightArrow">
+                    <a:avLst/>
+                  </a:prstGeom>
+                  <a:gradFill flip="none" rotWithShape="1">
+                    <a:gsLst>
+                      <a:gs pos="0">
+                        <a:schemeClr val="accent5">
+                          <a:lumMod val="75000"/>
+                        </a:schemeClr>
+                      </a:gs>
+                      <a:gs pos="100000">
+                        <a:schemeClr val="bg1"/>
+                      </a:gs>
+                    </a:gsLst>
+                    <a:lin ang="0" scaled="1"/>
+                    <a:tileRect/>
+                  </a:gradFill>
+                </p:spPr>
+                <p:style>
+                  <a:lnRef idx="2">
+                    <a:schemeClr val="accent6">
+                      <a:shade val="50000"/>
+                    </a:schemeClr>
+                  </a:lnRef>
+                  <a:fillRef idx="1">
+                    <a:schemeClr val="accent6"/>
+                  </a:fillRef>
+                  <a:effectRef idx="0">
+                    <a:schemeClr val="accent6"/>
+                  </a:effectRef>
+                  <a:fontRef idx="minor">
+                    <a:schemeClr val="lt1"/>
+                  </a:fontRef>
+                </p:style>
+                <p:txBody>
+                  <a:bodyPr rtlCol="0" anchor="ctr"/>
+                  <a:lstStyle/>
+                  <a:p>
+                    <a:pPr algn="ctr"/>
+                    <a:endParaRPr lang="zh-CN" altLang="en-US"/>
+                  </a:p>
+                </p:txBody>
+              </p:sp>
             </p:grpSp>
             <p:sp>
               <p:nvSpPr>
-                <p:cNvPr id="39" name="椭圆 38"/>
+                <p:cNvPr id="50" name="L 形 49"/>
+                <p:cNvSpPr/>
+                <p:nvPr/>
+              </p:nvSpPr>
+              <p:spPr>
+                <a:xfrm rot="10800000">
+                  <a:off x="7086554" y="1739622"/>
+                  <a:ext cx="347056" cy="3326675"/>
+                </a:xfrm>
+                <a:prstGeom prst="corner">
+                  <a:avLst/>
+                </a:prstGeom>
+                <a:solidFill>
+                  <a:schemeClr val="accent1">
+                    <a:lumMod val="75000"/>
+                  </a:schemeClr>
+                </a:solidFill>
+              </p:spPr>
+              <p:style>
+                <a:lnRef idx="2">
+                  <a:schemeClr val="accent1">
+                    <a:shade val="50000"/>
+                  </a:schemeClr>
+                </a:lnRef>
+                <a:fillRef idx="1">
+                  <a:schemeClr val="accent1"/>
+                </a:fillRef>
+                <a:effectRef idx="0">
+                  <a:schemeClr val="accent1"/>
+                </a:effectRef>
+                <a:fontRef idx="minor">
+                  <a:schemeClr val="lt1"/>
+                </a:fontRef>
+              </p:style>
+              <p:txBody>
+                <a:bodyPr rtlCol="0" anchor="ctr"/>
+                <a:lstStyle/>
+                <a:p>
+                  <a:pPr algn="ctr"/>
+                  <a:endParaRPr lang="zh-CN" altLang="en-US"/>
+                </a:p>
+              </p:txBody>
+            </p:sp>
+            <p:sp>
+              <p:nvSpPr>
+                <p:cNvPr id="94" name="右箭头 93"/>
                 <p:cNvSpPr/>
                 <p:nvPr/>
               </p:nvSpPr>
               <p:spPr>
                 <a:xfrm>
-                  <a:off x="2979851" y="1494028"/>
-                  <a:ext cx="431586" cy="163964"/>
+                  <a:off x="7419267" y="4780638"/>
+                  <a:ext cx="862750" cy="371791"/>
                 </a:xfrm>
-                <a:prstGeom prst="ellipse">
+                <a:prstGeom prst="rightArrow">
+                  <a:avLst/>
+                </a:prstGeom>
+                <a:gradFill flip="none" rotWithShape="1">
+                  <a:gsLst>
+                    <a:gs pos="0">
+                      <a:schemeClr val="accent1">
+                        <a:lumMod val="75000"/>
+                      </a:schemeClr>
+                    </a:gs>
+                    <a:gs pos="100000">
+                      <a:schemeClr val="accent1">
+                        <a:lumMod val="20000"/>
+                        <a:lumOff val="80000"/>
+                      </a:schemeClr>
+                    </a:gs>
+                  </a:gsLst>
+                  <a:lin ang="0" scaled="1"/>
+                  <a:tileRect/>
+                </a:gradFill>
+              </p:spPr>
+              <p:style>
+                <a:lnRef idx="2">
+                  <a:schemeClr val="accent6">
+                    <a:shade val="50000"/>
+                  </a:schemeClr>
+                </a:lnRef>
+                <a:fillRef idx="1">
+                  <a:schemeClr val="accent6"/>
+                </a:fillRef>
+                <a:effectRef idx="0">
+                  <a:schemeClr val="accent6"/>
+                </a:effectRef>
+                <a:fontRef idx="minor">
+                  <a:schemeClr val="lt1"/>
+                </a:fontRef>
+              </p:style>
+              <p:txBody>
+                <a:bodyPr rtlCol="0" anchor="ctr"/>
+                <a:lstStyle/>
+                <a:p>
+                  <a:pPr algn="ctr"/>
+                  <a:endParaRPr lang="zh-CN" altLang="en-US"/>
+                </a:p>
+              </p:txBody>
+            </p:sp>
+          </p:grpSp>
+          <p:grpSp>
+            <p:nvGrpSpPr>
+              <p:cNvPr id="86" name="组合 85"/>
+              <p:cNvGrpSpPr/>
+              <p:nvPr/>
+            </p:nvGrpSpPr>
+            <p:grpSpPr>
+              <a:xfrm>
+                <a:off x="1807745" y="1553824"/>
+                <a:ext cx="968187" cy="983547"/>
+                <a:chOff x="2152356" y="4375052"/>
+                <a:chExt cx="5528603" cy="1195754"/>
+              </a:xfrm>
+              <a:effectLst>
+                <a:outerShdw blurRad="50800" dist="38100" dir="2700000" algn="tl" rotWithShape="0">
+                  <a:prstClr val="black">
+                    <a:alpha val="40000"/>
+                  </a:prstClr>
+                </a:outerShdw>
+              </a:effectLst>
+            </p:grpSpPr>
+            <p:sp>
+              <p:nvSpPr>
+                <p:cNvPr id="88" name="流程图: 磁盘 87"/>
+                <p:cNvSpPr/>
+                <p:nvPr/>
+              </p:nvSpPr>
+              <p:spPr>
+                <a:xfrm>
+                  <a:off x="2152356" y="4375052"/>
+                  <a:ext cx="5528603" cy="1195754"/>
+                </a:xfrm>
+                <a:prstGeom prst="flowChartMagneticDisk">
                   <a:avLst/>
                 </a:prstGeom>
                 <a:solidFill>
-                  <a:schemeClr val="accent4">
-                    <a:lumMod val="60000"/>
-                    <a:lumOff val="40000"/>
+                  <a:schemeClr val="accent6">
+                    <a:lumMod val="75000"/>
                   </a:schemeClr>
                 </a:solidFill>
                 <a:ln>
-                  <a:noFill/>
+                  <a:solidFill>
+                    <a:schemeClr val="tx1"/>
+                  </a:solidFill>
                 </a:ln>
               </p:spPr>
               <p:style>
@@ -4810,514 +6125,71 @@
                 <a:lstStyle/>
                 <a:p>
                   <a:pPr algn="ctr"/>
-                  <a:endParaRPr lang="zh-CN" altLang="en-US">
-                    <a:latin typeface="Consolas" panose="020B0609020204030204" pitchFamily="49" charset="0"/>
-                    <a:cs typeface="Consolas" panose="020B0609020204030204" pitchFamily="49" charset="0"/>
-                  </a:endParaRPr>
+                  <a:endParaRPr lang="zh-CN" altLang="en-US"/>
+                </a:p>
+              </p:txBody>
+            </p:sp>
+            <p:sp>
+              <p:nvSpPr>
+                <p:cNvPr id="93" name="椭圆 92"/>
+                <p:cNvSpPr/>
+                <p:nvPr/>
+              </p:nvSpPr>
+              <p:spPr>
+                <a:xfrm>
+                  <a:off x="2152356" y="4375052"/>
+                  <a:ext cx="5528603" cy="388643"/>
+                </a:xfrm>
+                <a:prstGeom prst="ellipse">
+                  <a:avLst/>
+                </a:prstGeom>
+                <a:solidFill>
+                  <a:schemeClr val="accent6">
+                    <a:lumMod val="60000"/>
+                    <a:lumOff val="40000"/>
+                  </a:schemeClr>
+                </a:solidFill>
+                <a:ln>
+                  <a:solidFill>
+                    <a:schemeClr val="accent1"/>
+                  </a:solidFill>
+                </a:ln>
+              </p:spPr>
+              <p:style>
+                <a:lnRef idx="2">
+                  <a:schemeClr val="accent1">
+                    <a:shade val="50000"/>
+                  </a:schemeClr>
+                </a:lnRef>
+                <a:fillRef idx="1">
+                  <a:schemeClr val="accent1"/>
+                </a:fillRef>
+                <a:effectRef idx="0">
+                  <a:schemeClr val="accent1"/>
+                </a:effectRef>
+                <a:fontRef idx="minor">
+                  <a:schemeClr val="lt1"/>
+                </a:fontRef>
+              </p:style>
+              <p:txBody>
+                <a:bodyPr rtlCol="0" anchor="ctr"/>
+                <a:lstStyle/>
+                <a:p>
+                  <a:pPr algn="ctr"/>
+                  <a:endParaRPr lang="zh-CN" altLang="en-US"/>
                 </a:p>
               </p:txBody>
             </p:sp>
           </p:grpSp>
           <p:sp>
             <p:nvSpPr>
-              <p:cNvPr id="40" name="右箭头 39"/>
-              <p:cNvSpPr/>
-              <p:nvPr/>
-            </p:nvSpPr>
-            <p:spPr>
-              <a:xfrm>
-                <a:off x="3203807" y="2058277"/>
-                <a:ext cx="286367" cy="368843"/>
-              </a:xfrm>
-              <a:prstGeom prst="rightArrow">
-                <a:avLst/>
-              </a:prstGeom>
-              <a:gradFill>
-                <a:gsLst>
-                  <a:gs pos="0">
-                    <a:schemeClr val="accent2">
-                      <a:lumMod val="75000"/>
-                    </a:schemeClr>
-                  </a:gs>
-                  <a:gs pos="100000">
-                    <a:schemeClr val="accent2">
-                      <a:lumMod val="20000"/>
-                      <a:lumOff val="80000"/>
-                    </a:schemeClr>
-                  </a:gs>
-                </a:gsLst>
-                <a:lin ang="0" scaled="1"/>
-              </a:gradFill>
-            </p:spPr>
-            <p:style>
-              <a:lnRef idx="2">
-                <a:schemeClr val="accent6">
-                  <a:shade val="50000"/>
-                </a:schemeClr>
-              </a:lnRef>
-              <a:fillRef idx="1">
-                <a:schemeClr val="accent6"/>
-              </a:fillRef>
-              <a:effectRef idx="0">
-                <a:schemeClr val="accent6"/>
-              </a:effectRef>
-              <a:fontRef idx="minor">
-                <a:schemeClr val="lt1"/>
-              </a:fontRef>
-            </p:style>
-            <p:txBody>
-              <a:bodyPr rtlCol="0" anchor="ctr"/>
-              <a:lstStyle/>
-              <a:p>
-                <a:pPr algn="ctr"/>
-                <a:endParaRPr lang="zh-CN" altLang="en-US">
-                  <a:latin typeface="Consolas" panose="020B0609020204030204" pitchFamily="49" charset="0"/>
-                  <a:cs typeface="Consolas" panose="020B0609020204030204" pitchFamily="49" charset="0"/>
-                </a:endParaRPr>
-              </a:p>
-            </p:txBody>
-          </p:sp>
-          <p:sp>
-            <p:nvSpPr>
-              <p:cNvPr id="41" name="文本框 40"/>
-              <p:cNvSpPr txBox="1"/>
-              <p:nvPr/>
-            </p:nvSpPr>
-            <p:spPr>
-              <a:xfrm rot="16200000">
-                <a:off x="1710157" y="2366506"/>
-                <a:ext cx="2581836" cy="261610"/>
-              </a:xfrm>
-              <a:prstGeom prst="rect">
-                <a:avLst/>
-              </a:prstGeom>
-              <a:noFill/>
-            </p:spPr>
-            <p:txBody>
-              <a:bodyPr wrap="square" rtlCol="0">
-                <a:spAutoFit/>
-              </a:bodyPr>
-              <a:lstStyle/>
-              <a:p>
-                <a:pPr algn="ctr"/>
-                <a:r>
-                  <a:rPr lang="en-US" altLang="zh-CN" sz="1100" dirty="0" smtClean="0">
-                    <a:latin typeface="Consolas" panose="020B0609020204030204" pitchFamily="49" charset="0"/>
-                    <a:cs typeface="Consolas" panose="020B0609020204030204" pitchFamily="49" charset="0"/>
-                  </a:rPr>
-                  <a:t>Data Warehouse</a:t>
-                </a:r>
-                <a:endParaRPr lang="en-US" altLang="zh-CN" sz="1100" dirty="0" smtClean="0">
-                  <a:latin typeface="Consolas" panose="020B0609020204030204" pitchFamily="49" charset="0"/>
-                  <a:cs typeface="Consolas" panose="020B0609020204030204" pitchFamily="49" charset="0"/>
-                </a:endParaRPr>
-              </a:p>
-            </p:txBody>
-          </p:sp>
-          <p:sp>
-            <p:nvSpPr>
-              <p:cNvPr id="11" name="矩形 10"/>
-              <p:cNvSpPr/>
-              <p:nvPr/>
-            </p:nvSpPr>
-            <p:spPr>
-              <a:xfrm>
-                <a:off x="3683358" y="1824770"/>
-                <a:ext cx="334850" cy="1146699"/>
-              </a:xfrm>
-              <a:prstGeom prst="rect">
-                <a:avLst/>
-              </a:prstGeom>
-              <a:solidFill>
-                <a:schemeClr val="accent4">
-                  <a:lumMod val="60000"/>
-                  <a:lumOff val="40000"/>
-                </a:schemeClr>
-              </a:solidFill>
-            </p:spPr>
-            <p:style>
-              <a:lnRef idx="2">
-                <a:schemeClr val="accent1">
-                  <a:shade val="50000"/>
-                </a:schemeClr>
-              </a:lnRef>
-              <a:fillRef idx="1">
-                <a:schemeClr val="accent1"/>
-              </a:fillRef>
-              <a:effectRef idx="0">
-                <a:schemeClr val="accent1"/>
-              </a:effectRef>
-              <a:fontRef idx="minor">
-                <a:schemeClr val="lt1"/>
-              </a:fontRef>
-            </p:style>
-            <p:txBody>
-              <a:bodyPr rtlCol="0" anchor="ctr"/>
-              <a:lstStyle/>
-              <a:p>
-                <a:pPr algn="ctr"/>
-                <a:endParaRPr lang="zh-CN" altLang="en-US">
-                  <a:latin typeface="Consolas" panose="020B0609020204030204" pitchFamily="49" charset="0"/>
-                  <a:cs typeface="Consolas" panose="020B0609020204030204" pitchFamily="49" charset="0"/>
-                </a:endParaRPr>
-              </a:p>
-            </p:txBody>
-          </p:sp>
-          <p:sp>
-            <p:nvSpPr>
-              <p:cNvPr id="42" name="矩形 41"/>
-              <p:cNvSpPr/>
-              <p:nvPr/>
-            </p:nvSpPr>
-            <p:spPr>
-              <a:xfrm>
-                <a:off x="4211391" y="1836310"/>
-                <a:ext cx="334850" cy="1146699"/>
-              </a:xfrm>
-              <a:prstGeom prst="rect">
-                <a:avLst/>
-              </a:prstGeom>
-              <a:solidFill>
-                <a:schemeClr val="accent4">
-                  <a:lumMod val="60000"/>
-                  <a:lumOff val="40000"/>
-                </a:schemeClr>
-              </a:solidFill>
-            </p:spPr>
-            <p:style>
-              <a:lnRef idx="2">
-                <a:schemeClr val="accent1">
-                  <a:shade val="50000"/>
-                </a:schemeClr>
-              </a:lnRef>
-              <a:fillRef idx="1">
-                <a:schemeClr val="accent1"/>
-              </a:fillRef>
-              <a:effectRef idx="0">
-                <a:schemeClr val="accent1"/>
-              </a:effectRef>
-              <a:fontRef idx="minor">
-                <a:schemeClr val="lt1"/>
-              </a:fontRef>
-            </p:style>
-            <p:txBody>
-              <a:bodyPr rtlCol="0" anchor="ctr"/>
-              <a:lstStyle/>
-              <a:p>
-                <a:pPr algn="ctr"/>
-                <a:endParaRPr lang="zh-CN" altLang="en-US">
-                  <a:latin typeface="Consolas" panose="020B0609020204030204" pitchFamily="49" charset="0"/>
-                  <a:cs typeface="Consolas" panose="020B0609020204030204" pitchFamily="49" charset="0"/>
-                </a:endParaRPr>
-              </a:p>
-            </p:txBody>
-          </p:sp>
-          <p:sp>
-            <p:nvSpPr>
-              <p:cNvPr id="43" name="矩形 42"/>
-              <p:cNvSpPr/>
-              <p:nvPr/>
-            </p:nvSpPr>
-            <p:spPr>
-              <a:xfrm>
-                <a:off x="4739424" y="1838084"/>
-                <a:ext cx="334850" cy="1146699"/>
-              </a:xfrm>
-              <a:prstGeom prst="rect">
-                <a:avLst/>
-              </a:prstGeom>
-              <a:solidFill>
-                <a:schemeClr val="accent4">
-                  <a:lumMod val="60000"/>
-                  <a:lumOff val="40000"/>
-                </a:schemeClr>
-              </a:solidFill>
-            </p:spPr>
-            <p:style>
-              <a:lnRef idx="2">
-                <a:schemeClr val="accent1">
-                  <a:shade val="50000"/>
-                </a:schemeClr>
-              </a:lnRef>
-              <a:fillRef idx="1">
-                <a:schemeClr val="accent1"/>
-              </a:fillRef>
-              <a:effectRef idx="0">
-                <a:schemeClr val="accent1"/>
-              </a:effectRef>
-              <a:fontRef idx="minor">
-                <a:schemeClr val="lt1"/>
-              </a:fontRef>
-            </p:style>
-            <p:txBody>
-              <a:bodyPr rtlCol="0" anchor="ctr"/>
-              <a:lstStyle/>
-              <a:p>
-                <a:pPr algn="ctr"/>
-                <a:endParaRPr lang="zh-CN" altLang="en-US">
-                  <a:latin typeface="Consolas" panose="020B0609020204030204" pitchFamily="49" charset="0"/>
-                  <a:cs typeface="Consolas" panose="020B0609020204030204" pitchFamily="49" charset="0"/>
-                </a:endParaRPr>
-              </a:p>
-            </p:txBody>
-          </p:sp>
-          <p:sp>
-            <p:nvSpPr>
-              <p:cNvPr id="44" name="矩形 43"/>
-              <p:cNvSpPr/>
-              <p:nvPr/>
-            </p:nvSpPr>
-            <p:spPr>
-              <a:xfrm>
-                <a:off x="5267457" y="1849624"/>
-                <a:ext cx="334850" cy="1146699"/>
-              </a:xfrm>
-              <a:prstGeom prst="rect">
-                <a:avLst/>
-              </a:prstGeom>
-              <a:solidFill>
-                <a:schemeClr val="accent4">
-                  <a:lumMod val="60000"/>
-                  <a:lumOff val="40000"/>
-                </a:schemeClr>
-              </a:solidFill>
-            </p:spPr>
-            <p:style>
-              <a:lnRef idx="2">
-                <a:schemeClr val="accent1">
-                  <a:shade val="50000"/>
-                </a:schemeClr>
-              </a:lnRef>
-              <a:fillRef idx="1">
-                <a:schemeClr val="accent1"/>
-              </a:fillRef>
-              <a:effectRef idx="0">
-                <a:schemeClr val="accent1"/>
-              </a:effectRef>
-              <a:fontRef idx="minor">
-                <a:schemeClr val="lt1"/>
-              </a:fontRef>
-            </p:style>
-            <p:txBody>
-              <a:bodyPr rtlCol="0" anchor="ctr"/>
-              <a:lstStyle/>
-              <a:p>
-                <a:pPr algn="ctr"/>
-                <a:endParaRPr lang="zh-CN" altLang="en-US">
-                  <a:latin typeface="Consolas" panose="020B0609020204030204" pitchFamily="49" charset="0"/>
-                  <a:cs typeface="Consolas" panose="020B0609020204030204" pitchFamily="49" charset="0"/>
-                </a:endParaRPr>
-              </a:p>
-            </p:txBody>
-          </p:sp>
-          <p:sp>
-            <p:nvSpPr>
-              <p:cNvPr id="45" name="文本框 44"/>
-              <p:cNvSpPr txBox="1"/>
-              <p:nvPr/>
-            </p:nvSpPr>
-            <p:spPr>
-              <a:xfrm rot="16200000">
-                <a:off x="2557621" y="2271159"/>
-                <a:ext cx="2581836" cy="276999"/>
-              </a:xfrm>
-              <a:prstGeom prst="rect">
-                <a:avLst/>
-              </a:prstGeom>
-              <a:noFill/>
-            </p:spPr>
-            <p:txBody>
-              <a:bodyPr wrap="square" rtlCol="0">
-                <a:spAutoFit/>
-              </a:bodyPr>
-              <a:lstStyle/>
-              <a:p>
-                <a:pPr algn="ctr"/>
-                <a:r>
-                  <a:rPr lang="en-US" altLang="zh-CN" sz="1200" dirty="0">
-                    <a:latin typeface="Consolas" panose="020B0609020204030204" pitchFamily="49" charset="0"/>
-                    <a:cs typeface="Consolas" panose="020B0609020204030204" pitchFamily="49" charset="0"/>
-                  </a:rPr>
-                  <a:t>S</a:t>
-                </a:r>
-                <a:r>
-                  <a:rPr lang="en-US" altLang="zh-CN" sz="1200" dirty="0" smtClean="0">
-                    <a:latin typeface="Consolas" panose="020B0609020204030204" pitchFamily="49" charset="0"/>
-                    <a:cs typeface="Consolas" panose="020B0609020204030204" pitchFamily="49" charset="0"/>
-                  </a:rPr>
-                  <a:t> level</a:t>
-                </a:r>
-                <a:endParaRPr lang="en-US" altLang="zh-CN" sz="1200" dirty="0" smtClean="0">
-                  <a:latin typeface="Consolas" panose="020B0609020204030204" pitchFamily="49" charset="0"/>
-                  <a:cs typeface="Consolas" panose="020B0609020204030204" pitchFamily="49" charset="0"/>
-                </a:endParaRPr>
-              </a:p>
-            </p:txBody>
-          </p:sp>
-          <p:sp>
-            <p:nvSpPr>
-              <p:cNvPr id="46" name="文本框 45"/>
-              <p:cNvSpPr txBox="1"/>
-              <p:nvPr/>
-            </p:nvSpPr>
-            <p:spPr>
-              <a:xfrm rot="16200000">
-                <a:off x="3083152" y="2284473"/>
-                <a:ext cx="2581836" cy="276999"/>
-              </a:xfrm>
-              <a:prstGeom prst="rect">
-                <a:avLst/>
-              </a:prstGeom>
-              <a:noFill/>
-            </p:spPr>
-            <p:txBody>
-              <a:bodyPr wrap="square" rtlCol="0">
-                <a:spAutoFit/>
-              </a:bodyPr>
-              <a:lstStyle/>
-              <a:p>
-                <a:pPr algn="ctr"/>
-                <a:r>
-                  <a:rPr lang="en-US" altLang="zh-CN" sz="1200" dirty="0" smtClean="0">
-                    <a:latin typeface="Consolas" panose="020B0609020204030204" pitchFamily="49" charset="0"/>
-                    <a:cs typeface="Consolas" panose="020B0609020204030204" pitchFamily="49" charset="0"/>
-                  </a:rPr>
-                  <a:t>O level</a:t>
-                </a:r>
-                <a:endParaRPr lang="en-US" altLang="zh-CN" sz="1200" dirty="0" smtClean="0">
-                  <a:latin typeface="Consolas" panose="020B0609020204030204" pitchFamily="49" charset="0"/>
-                  <a:cs typeface="Consolas" panose="020B0609020204030204" pitchFamily="49" charset="0"/>
-                </a:endParaRPr>
-              </a:p>
-            </p:txBody>
-          </p:sp>
-          <p:sp>
-            <p:nvSpPr>
-              <p:cNvPr id="47" name="文本框 46"/>
-              <p:cNvSpPr txBox="1"/>
-              <p:nvPr/>
-            </p:nvSpPr>
-            <p:spPr>
-              <a:xfrm rot="16200000">
-                <a:off x="3638309" y="2275306"/>
-                <a:ext cx="2581836" cy="276999"/>
-              </a:xfrm>
-              <a:prstGeom prst="rect">
-                <a:avLst/>
-              </a:prstGeom>
-              <a:noFill/>
-            </p:spPr>
-            <p:txBody>
-              <a:bodyPr wrap="square" rtlCol="0">
-                <a:spAutoFit/>
-              </a:bodyPr>
-              <a:lstStyle/>
-              <a:p>
-                <a:pPr algn="ctr"/>
-                <a:r>
-                  <a:rPr lang="en-US" altLang="zh-CN" sz="1200" dirty="0" smtClean="0">
-                    <a:latin typeface="Consolas" panose="020B0609020204030204" pitchFamily="49" charset="0"/>
-                    <a:cs typeface="Consolas" panose="020B0609020204030204" pitchFamily="49" charset="0"/>
-                  </a:rPr>
-                  <a:t>L level</a:t>
-                </a:r>
-                <a:endParaRPr lang="en-US" altLang="zh-CN" sz="1200" dirty="0" smtClean="0">
-                  <a:latin typeface="Consolas" panose="020B0609020204030204" pitchFamily="49" charset="0"/>
-                  <a:cs typeface="Consolas" panose="020B0609020204030204" pitchFamily="49" charset="0"/>
-                </a:endParaRPr>
-              </a:p>
-            </p:txBody>
-          </p:sp>
-          <p:sp>
-            <p:nvSpPr>
-              <p:cNvPr id="48" name="文本框 47"/>
-              <p:cNvSpPr txBox="1"/>
-              <p:nvPr/>
-            </p:nvSpPr>
-            <p:spPr>
-              <a:xfrm rot="16200000">
-                <a:off x="4163840" y="2288620"/>
-                <a:ext cx="2581836" cy="276999"/>
-              </a:xfrm>
-              <a:prstGeom prst="rect">
-                <a:avLst/>
-              </a:prstGeom>
-              <a:noFill/>
-            </p:spPr>
-            <p:txBody>
-              <a:bodyPr wrap="square" rtlCol="0">
-                <a:spAutoFit/>
-              </a:bodyPr>
-              <a:lstStyle/>
-              <a:p>
-                <a:pPr algn="ctr"/>
-                <a:r>
-                  <a:rPr lang="en-US" altLang="zh-CN" sz="1200" dirty="0">
-                    <a:latin typeface="Consolas" panose="020B0609020204030204" pitchFamily="49" charset="0"/>
-                    <a:cs typeface="Consolas" panose="020B0609020204030204" pitchFamily="49" charset="0"/>
-                  </a:rPr>
-                  <a:t>D</a:t>
-                </a:r>
-                <a:r>
-                  <a:rPr lang="en-US" altLang="zh-CN" sz="1200" dirty="0" smtClean="0">
-                    <a:latin typeface="Consolas" panose="020B0609020204030204" pitchFamily="49" charset="0"/>
-                    <a:cs typeface="Consolas" panose="020B0609020204030204" pitchFamily="49" charset="0"/>
-                  </a:rPr>
-                  <a:t> level</a:t>
-                </a:r>
-                <a:endParaRPr lang="en-US" altLang="zh-CN" sz="1200" dirty="0" smtClean="0">
-                  <a:latin typeface="Consolas" panose="020B0609020204030204" pitchFamily="49" charset="0"/>
-                  <a:cs typeface="Consolas" panose="020B0609020204030204" pitchFamily="49" charset="0"/>
-                </a:endParaRPr>
-              </a:p>
-            </p:txBody>
-          </p:sp>
-          <p:sp>
-            <p:nvSpPr>
-              <p:cNvPr id="53" name="文本框 52"/>
+              <p:cNvPr id="97" name="文本框 96"/>
               <p:cNvSpPr txBox="1"/>
               <p:nvPr/>
             </p:nvSpPr>
             <p:spPr>
               <a:xfrm>
-                <a:off x="3087898" y="5415053"/>
-                <a:ext cx="2581836" cy="369332"/>
-              </a:xfrm>
-              <a:prstGeom prst="rect">
-                <a:avLst/>
-              </a:prstGeom>
-              <a:noFill/>
-            </p:spPr>
-            <p:txBody>
-              <a:bodyPr wrap="square" rtlCol="0">
-                <a:spAutoFit/>
-              </a:bodyPr>
-              <a:lstStyle/>
-              <a:p>
-                <a:pPr algn="ctr"/>
-                <a:r>
-                  <a:rPr lang="en-US" altLang="zh-CN" dirty="0" err="1" smtClean="0">
-                    <a:latin typeface="Consolas" panose="020B0609020204030204" pitchFamily="49" charset="0"/>
-                    <a:cs typeface="Consolas" panose="020B0609020204030204" pitchFamily="49" charset="0"/>
-                  </a:rPr>
-                  <a:t>Oozie</a:t>
-                </a:r>
-                <a:endParaRPr lang="en-US" altLang="zh-CN" dirty="0" smtClean="0">
-                  <a:latin typeface="Consolas" panose="020B0609020204030204" pitchFamily="49" charset="0"/>
-                  <a:cs typeface="Consolas" panose="020B0609020204030204" pitchFamily="49" charset="0"/>
-                </a:endParaRPr>
-              </a:p>
-            </p:txBody>
-          </p:sp>
-          <p:sp>
-            <p:nvSpPr>
-              <p:cNvPr id="55" name="文本框 54"/>
-              <p:cNvSpPr txBox="1"/>
-              <p:nvPr/>
-            </p:nvSpPr>
-            <p:spPr>
-              <a:xfrm>
-                <a:off x="6950865" y="990950"/>
+                <a:off x="1003148" y="2040762"/>
                 <a:ext cx="2581836" cy="307777"/>
               </a:xfrm>
               <a:prstGeom prst="rect">
@@ -5333,24 +6205,439 @@
               <a:p>
                 <a:pPr algn="ctr"/>
                 <a:r>
-                  <a:rPr lang="en-US" altLang="zh-CN" sz="1400" b="1" dirty="0" smtClean="0">
+                  <a:rPr lang="en-US" altLang="zh-CN" sz="1400" dirty="0" err="1" smtClean="0">
                     <a:latin typeface="Consolas" panose="020B0609020204030204" pitchFamily="49" charset="0"/>
                     <a:cs typeface="Consolas" panose="020B0609020204030204" pitchFamily="49" charset="0"/>
                   </a:rPr>
-                  <a:t>Report System</a:t>
+                  <a:t>Mongodb</a:t>
                 </a:r>
+                <a:endParaRPr lang="en-US" altLang="zh-CN" sz="1400" dirty="0" smtClean="0">
+                  <a:latin typeface="Consolas" panose="020B0609020204030204" pitchFamily="49" charset="0"/>
+                  <a:cs typeface="Consolas" panose="020B0609020204030204" pitchFamily="49" charset="0"/>
+                </a:endParaRPr>
               </a:p>
             </p:txBody>
           </p:sp>
+          <p:grpSp>
+            <p:nvGrpSpPr>
+              <p:cNvPr id="98" name="组合 97"/>
+              <p:cNvGrpSpPr/>
+              <p:nvPr/>
+            </p:nvGrpSpPr>
+            <p:grpSpPr>
+              <a:xfrm>
+                <a:off x="1806829" y="4773633"/>
+                <a:ext cx="968187" cy="983547"/>
+                <a:chOff x="2152356" y="4375052"/>
+                <a:chExt cx="5528603" cy="1195754"/>
+              </a:xfrm>
+              <a:effectLst>
+                <a:outerShdw blurRad="50800" dist="38100" dir="2700000" algn="tl" rotWithShape="0">
+                  <a:prstClr val="black">
+                    <a:alpha val="40000"/>
+                  </a:prstClr>
+                </a:outerShdw>
+              </a:effectLst>
+            </p:grpSpPr>
+            <p:sp>
+              <p:nvSpPr>
+                <p:cNvPr id="99" name="流程图: 磁盘 98"/>
+                <p:cNvSpPr/>
+                <p:nvPr/>
+              </p:nvSpPr>
+              <p:spPr>
+                <a:xfrm>
+                  <a:off x="2152356" y="4375052"/>
+                  <a:ext cx="5528603" cy="1195754"/>
+                </a:xfrm>
+                <a:prstGeom prst="flowChartMagneticDisk">
+                  <a:avLst/>
+                </a:prstGeom>
+                <a:solidFill>
+                  <a:schemeClr val="accent1">
+                    <a:lumMod val="75000"/>
+                  </a:schemeClr>
+                </a:solidFill>
+                <a:ln>
+                  <a:solidFill>
+                    <a:schemeClr val="tx1"/>
+                  </a:solidFill>
+                </a:ln>
+              </p:spPr>
+              <p:style>
+                <a:lnRef idx="2">
+                  <a:schemeClr val="accent1">
+                    <a:shade val="50000"/>
+                  </a:schemeClr>
+                </a:lnRef>
+                <a:fillRef idx="1">
+                  <a:schemeClr val="accent1"/>
+                </a:fillRef>
+                <a:effectRef idx="0">
+                  <a:schemeClr val="accent1"/>
+                </a:effectRef>
+                <a:fontRef idx="minor">
+                  <a:schemeClr val="lt1"/>
+                </a:fontRef>
+              </p:style>
+              <p:txBody>
+                <a:bodyPr rtlCol="0" anchor="ctr"/>
+                <a:lstStyle/>
+                <a:p>
+                  <a:pPr algn="ctr"/>
+                  <a:endParaRPr lang="zh-CN" altLang="en-US"/>
+                </a:p>
+              </p:txBody>
+            </p:sp>
+            <p:sp>
+              <p:nvSpPr>
+                <p:cNvPr id="100" name="椭圆 99"/>
+                <p:cNvSpPr/>
+                <p:nvPr/>
+              </p:nvSpPr>
+              <p:spPr>
+                <a:xfrm>
+                  <a:off x="2152356" y="4375052"/>
+                  <a:ext cx="5528603" cy="388643"/>
+                </a:xfrm>
+                <a:prstGeom prst="ellipse">
+                  <a:avLst/>
+                </a:prstGeom>
+                <a:solidFill>
+                  <a:schemeClr val="accent1">
+                    <a:lumMod val="60000"/>
+                    <a:lumOff val="40000"/>
+                  </a:schemeClr>
+                </a:solidFill>
+                <a:ln>
+                  <a:solidFill>
+                    <a:schemeClr val="accent1">
+                      <a:lumMod val="60000"/>
+                      <a:lumOff val="40000"/>
+                    </a:schemeClr>
+                  </a:solidFill>
+                </a:ln>
+              </p:spPr>
+              <p:style>
+                <a:lnRef idx="2">
+                  <a:schemeClr val="accent1">
+                    <a:shade val="50000"/>
+                  </a:schemeClr>
+                </a:lnRef>
+                <a:fillRef idx="1">
+                  <a:schemeClr val="accent1"/>
+                </a:fillRef>
+                <a:effectRef idx="0">
+                  <a:schemeClr val="accent1"/>
+                </a:effectRef>
+                <a:fontRef idx="minor">
+                  <a:schemeClr val="lt1"/>
+                </a:fontRef>
+              </p:style>
+              <p:txBody>
+                <a:bodyPr rtlCol="0" anchor="ctr"/>
+                <a:lstStyle/>
+                <a:p>
+                  <a:pPr algn="ctr"/>
+                  <a:endParaRPr lang="zh-CN" altLang="en-US"/>
+                </a:p>
+              </p:txBody>
+            </p:sp>
+          </p:grpSp>
           <p:sp>
             <p:nvSpPr>
-              <p:cNvPr id="60" name="文本框 59"/>
+              <p:cNvPr id="101" name="文本框 100"/>
               <p:cNvSpPr txBox="1"/>
               <p:nvPr/>
             </p:nvSpPr>
             <p:spPr>
               <a:xfrm>
-                <a:off x="6965140" y="1956051"/>
+                <a:off x="995234" y="5234074"/>
+                <a:ext cx="2581836" cy="307777"/>
+              </a:xfrm>
+              <a:prstGeom prst="rect">
+                <a:avLst/>
+              </a:prstGeom>
+              <a:noFill/>
+            </p:spPr>
+            <p:txBody>
+              <a:bodyPr wrap="square" rtlCol="0">
+                <a:spAutoFit/>
+              </a:bodyPr>
+              <a:lstStyle/>
+              <a:p>
+                <a:pPr algn="ctr"/>
+                <a:r>
+                  <a:rPr lang="en-US" altLang="zh-CN" sz="1400" dirty="0" smtClean="0">
+                    <a:latin typeface="Consolas" panose="020B0609020204030204" pitchFamily="49" charset="0"/>
+                    <a:cs typeface="Consolas" panose="020B0609020204030204" pitchFamily="49" charset="0"/>
+                  </a:rPr>
+                  <a:t>Oracle</a:t>
+                </a:r>
+              </a:p>
+            </p:txBody>
+          </p:sp>
+          <p:grpSp>
+            <p:nvGrpSpPr>
+              <p:cNvPr id="102" name="组合 101"/>
+              <p:cNvGrpSpPr/>
+              <p:nvPr/>
+            </p:nvGrpSpPr>
+            <p:grpSpPr>
+              <a:xfrm>
+                <a:off x="8750332" y="1002881"/>
+                <a:ext cx="968187" cy="983547"/>
+                <a:chOff x="2152356" y="4375052"/>
+                <a:chExt cx="5528603" cy="1195754"/>
+              </a:xfrm>
+              <a:effectLst>
+                <a:outerShdw blurRad="50800" dist="38100" dir="2700000" algn="tl" rotWithShape="0">
+                  <a:prstClr val="black">
+                    <a:alpha val="40000"/>
+                  </a:prstClr>
+                </a:outerShdw>
+              </a:effectLst>
+            </p:grpSpPr>
+            <p:sp>
+              <p:nvSpPr>
+                <p:cNvPr id="103" name="流程图: 磁盘 102"/>
+                <p:cNvSpPr/>
+                <p:nvPr/>
+              </p:nvSpPr>
+              <p:spPr>
+                <a:xfrm>
+                  <a:off x="2152356" y="4375052"/>
+                  <a:ext cx="5528603" cy="1195754"/>
+                </a:xfrm>
+                <a:prstGeom prst="flowChartMagneticDisk">
+                  <a:avLst/>
+                </a:prstGeom>
+                <a:solidFill>
+                  <a:schemeClr val="accent2">
+                    <a:lumMod val="75000"/>
+                  </a:schemeClr>
+                </a:solidFill>
+                <a:ln>
+                  <a:solidFill>
+                    <a:schemeClr val="tx1"/>
+                  </a:solidFill>
+                </a:ln>
+              </p:spPr>
+              <p:style>
+                <a:lnRef idx="2">
+                  <a:schemeClr val="accent1">
+                    <a:shade val="50000"/>
+                  </a:schemeClr>
+                </a:lnRef>
+                <a:fillRef idx="1">
+                  <a:schemeClr val="accent1"/>
+                </a:fillRef>
+                <a:effectRef idx="0">
+                  <a:schemeClr val="accent1"/>
+                </a:effectRef>
+                <a:fontRef idx="minor">
+                  <a:schemeClr val="lt1"/>
+                </a:fontRef>
+              </p:style>
+              <p:txBody>
+                <a:bodyPr rtlCol="0" anchor="ctr"/>
+                <a:lstStyle/>
+                <a:p>
+                  <a:pPr algn="ctr"/>
+                  <a:endParaRPr lang="zh-CN" altLang="en-US"/>
+                </a:p>
+              </p:txBody>
+            </p:sp>
+            <p:sp>
+              <p:nvSpPr>
+                <p:cNvPr id="104" name="椭圆 103"/>
+                <p:cNvSpPr/>
+                <p:nvPr/>
+              </p:nvSpPr>
+              <p:spPr>
+                <a:xfrm>
+                  <a:off x="2152356" y="4375052"/>
+                  <a:ext cx="5528603" cy="388643"/>
+                </a:xfrm>
+                <a:prstGeom prst="ellipse">
+                  <a:avLst/>
+                </a:prstGeom>
+                <a:solidFill>
+                  <a:schemeClr val="accent2">
+                    <a:lumMod val="60000"/>
+                    <a:lumOff val="40000"/>
+                  </a:schemeClr>
+                </a:solidFill>
+                <a:ln>
+                  <a:solidFill>
+                    <a:schemeClr val="accent1">
+                      <a:lumMod val="60000"/>
+                      <a:lumOff val="40000"/>
+                    </a:schemeClr>
+                  </a:solidFill>
+                </a:ln>
+              </p:spPr>
+              <p:style>
+                <a:lnRef idx="2">
+                  <a:schemeClr val="accent1">
+                    <a:shade val="50000"/>
+                  </a:schemeClr>
+                </a:lnRef>
+                <a:fillRef idx="1">
+                  <a:schemeClr val="accent1"/>
+                </a:fillRef>
+                <a:effectRef idx="0">
+                  <a:schemeClr val="accent1"/>
+                </a:effectRef>
+                <a:fontRef idx="minor">
+                  <a:schemeClr val="lt1"/>
+                </a:fontRef>
+              </p:style>
+              <p:txBody>
+                <a:bodyPr rtlCol="0" anchor="ctr"/>
+                <a:lstStyle/>
+                <a:p>
+                  <a:pPr algn="ctr"/>
+                  <a:endParaRPr lang="zh-CN" altLang="en-US"/>
+                </a:p>
+              </p:txBody>
+            </p:sp>
+          </p:grpSp>
+          <p:grpSp>
+            <p:nvGrpSpPr>
+              <p:cNvPr id="105" name="组合 104"/>
+              <p:cNvGrpSpPr/>
+              <p:nvPr/>
+            </p:nvGrpSpPr>
+            <p:grpSpPr>
+              <a:xfrm>
+                <a:off x="8806940" y="5021576"/>
+                <a:ext cx="968187" cy="983547"/>
+                <a:chOff x="2152356" y="4375052"/>
+                <a:chExt cx="5528603" cy="1195754"/>
+              </a:xfrm>
+              <a:effectLst>
+                <a:outerShdw blurRad="50800" dist="38100" dir="2700000" algn="tl" rotWithShape="0">
+                  <a:prstClr val="black">
+                    <a:alpha val="40000"/>
+                  </a:prstClr>
+                </a:outerShdw>
+              </a:effectLst>
+            </p:grpSpPr>
+            <p:sp>
+              <p:nvSpPr>
+                <p:cNvPr id="106" name="流程图: 磁盘 105"/>
+                <p:cNvSpPr/>
+                <p:nvPr/>
+              </p:nvSpPr>
+              <p:spPr>
+                <a:xfrm>
+                  <a:off x="2152356" y="4375052"/>
+                  <a:ext cx="5528603" cy="1195754"/>
+                </a:xfrm>
+                <a:prstGeom prst="flowChartMagneticDisk">
+                  <a:avLst/>
+                </a:prstGeom>
+                <a:solidFill>
+                  <a:schemeClr val="accent4">
+                    <a:lumMod val="75000"/>
+                  </a:schemeClr>
+                </a:solidFill>
+                <a:ln>
+                  <a:solidFill>
+                    <a:schemeClr val="tx1"/>
+                  </a:solidFill>
+                </a:ln>
+              </p:spPr>
+              <p:style>
+                <a:lnRef idx="2">
+                  <a:schemeClr val="accent1">
+                    <a:shade val="50000"/>
+                  </a:schemeClr>
+                </a:lnRef>
+                <a:fillRef idx="1">
+                  <a:schemeClr val="accent1"/>
+                </a:fillRef>
+                <a:effectRef idx="0">
+                  <a:schemeClr val="accent1"/>
+                </a:effectRef>
+                <a:fontRef idx="minor">
+                  <a:schemeClr val="lt1"/>
+                </a:fontRef>
+              </p:style>
+              <p:txBody>
+                <a:bodyPr rtlCol="0" anchor="ctr"/>
+                <a:lstStyle/>
+                <a:p>
+                  <a:pPr algn="ctr"/>
+                  <a:endParaRPr lang="zh-CN" altLang="en-US"/>
+                </a:p>
+              </p:txBody>
+            </p:sp>
+            <p:sp>
+              <p:nvSpPr>
+                <p:cNvPr id="107" name="椭圆 106"/>
+                <p:cNvSpPr/>
+                <p:nvPr/>
+              </p:nvSpPr>
+              <p:spPr>
+                <a:xfrm>
+                  <a:off x="2152356" y="4375052"/>
+                  <a:ext cx="5528603" cy="388643"/>
+                </a:xfrm>
+                <a:prstGeom prst="ellipse">
+                  <a:avLst/>
+                </a:prstGeom>
+                <a:solidFill>
+                  <a:schemeClr val="accent4">
+                    <a:lumMod val="60000"/>
+                    <a:lumOff val="40000"/>
+                  </a:schemeClr>
+                </a:solidFill>
+                <a:ln>
+                  <a:solidFill>
+                    <a:schemeClr val="accent1">
+                      <a:lumMod val="60000"/>
+                      <a:lumOff val="40000"/>
+                    </a:schemeClr>
+                  </a:solidFill>
+                </a:ln>
+              </p:spPr>
+              <p:style>
+                <a:lnRef idx="2">
+                  <a:schemeClr val="accent1">
+                    <a:shade val="50000"/>
+                  </a:schemeClr>
+                </a:lnRef>
+                <a:fillRef idx="1">
+                  <a:schemeClr val="accent1"/>
+                </a:fillRef>
+                <a:effectRef idx="0">
+                  <a:schemeClr val="accent1"/>
+                </a:effectRef>
+                <a:fontRef idx="minor">
+                  <a:schemeClr val="lt1"/>
+                </a:fontRef>
+              </p:style>
+              <p:txBody>
+                <a:bodyPr rtlCol="0" anchor="ctr"/>
+                <a:lstStyle/>
+                <a:p>
+                  <a:pPr algn="ctr"/>
+                  <a:endParaRPr lang="zh-CN" altLang="en-US"/>
+                </a:p>
+              </p:txBody>
+            </p:sp>
+          </p:grpSp>
+          <p:sp>
+            <p:nvSpPr>
+              <p:cNvPr id="108" name="文本框 107"/>
+              <p:cNvSpPr txBox="1"/>
+              <p:nvPr/>
+            </p:nvSpPr>
+            <p:spPr>
+              <a:xfrm>
+                <a:off x="7943507" y="1494358"/>
                 <a:ext cx="2581836" cy="307777"/>
               </a:xfrm>
               <a:prstGeom prst="rect">
@@ -5381,695 +6668,13 @@
           </p:sp>
           <p:sp>
             <p:nvSpPr>
-              <p:cNvPr id="61" name="L 形 60"/>
-              <p:cNvSpPr/>
-              <p:nvPr/>
-            </p:nvSpPr>
-            <p:spPr>
-              <a:xfrm rot="16200000">
-                <a:off x="1147543" y="3366077"/>
-                <a:ext cx="1864077" cy="354267"/>
-              </a:xfrm>
-              <a:prstGeom prst="corner">
-                <a:avLst>
-                  <a:gd name="adj1" fmla="val 46334"/>
-                  <a:gd name="adj2" fmla="val 50000"/>
-                </a:avLst>
-              </a:prstGeom>
-              <a:solidFill>
-                <a:schemeClr val="accent1">
-                  <a:lumMod val="75000"/>
-                </a:schemeClr>
-              </a:solidFill>
-            </p:spPr>
-            <p:style>
-              <a:lnRef idx="2">
-                <a:schemeClr val="accent1">
-                  <a:shade val="50000"/>
-                </a:schemeClr>
-              </a:lnRef>
-              <a:fillRef idx="1">
-                <a:schemeClr val="accent1"/>
-              </a:fillRef>
-              <a:effectRef idx="0">
-                <a:schemeClr val="accent1"/>
-              </a:effectRef>
-              <a:fontRef idx="minor">
-                <a:schemeClr val="lt1"/>
-              </a:fontRef>
-            </p:style>
-            <p:txBody>
-              <a:bodyPr rtlCol="0" anchor="ctr"/>
-              <a:lstStyle/>
-              <a:p>
-                <a:pPr algn="ctr"/>
-                <a:endParaRPr lang="zh-CN" altLang="en-US"/>
-              </a:p>
-            </p:txBody>
-          </p:sp>
-          <p:sp>
-            <p:nvSpPr>
-              <p:cNvPr id="62" name="右箭头 61"/>
-              <p:cNvSpPr/>
-              <p:nvPr/>
-            </p:nvSpPr>
-            <p:spPr>
-              <a:xfrm>
-                <a:off x="2265762" y="2529765"/>
-                <a:ext cx="511089" cy="345463"/>
-              </a:xfrm>
-              <a:prstGeom prst="rightArrow">
-                <a:avLst/>
-              </a:prstGeom>
-              <a:gradFill flip="none" rotWithShape="1">
-                <a:gsLst>
-                  <a:gs pos="0">
-                    <a:schemeClr val="accent1">
-                      <a:lumMod val="75000"/>
-                    </a:schemeClr>
-                  </a:gs>
-                  <a:gs pos="100000">
-                    <a:schemeClr val="accent1">
-                      <a:lumMod val="20000"/>
-                      <a:lumOff val="80000"/>
-                    </a:schemeClr>
-                  </a:gs>
-                </a:gsLst>
-                <a:lin ang="0" scaled="1"/>
-                <a:tileRect/>
-              </a:gradFill>
-            </p:spPr>
-            <p:style>
-              <a:lnRef idx="2">
-                <a:schemeClr val="accent6">
-                  <a:shade val="50000"/>
-                </a:schemeClr>
-              </a:lnRef>
-              <a:fillRef idx="1">
-                <a:schemeClr val="accent6"/>
-              </a:fillRef>
-              <a:effectRef idx="0">
-                <a:schemeClr val="accent6"/>
-              </a:effectRef>
-              <a:fontRef idx="minor">
-                <a:schemeClr val="lt1"/>
-              </a:fontRef>
-            </p:style>
-            <p:txBody>
-              <a:bodyPr rtlCol="0" anchor="ctr"/>
-              <a:lstStyle/>
-              <a:p>
-                <a:pPr algn="ctr"/>
-                <a:endParaRPr lang="zh-CN" altLang="en-US"/>
-              </a:p>
-            </p:txBody>
-          </p:sp>
-          <p:sp>
-            <p:nvSpPr>
-              <p:cNvPr id="63" name="圆角矩形 62"/>
-              <p:cNvSpPr/>
-              <p:nvPr/>
-            </p:nvSpPr>
-            <p:spPr>
-              <a:xfrm>
-                <a:off x="2802914" y="3446878"/>
-                <a:ext cx="3051446" cy="1607371"/>
-              </a:xfrm>
-              <a:prstGeom prst="roundRect">
-                <a:avLst>
-                  <a:gd name="adj" fmla="val 8974"/>
-                </a:avLst>
-              </a:prstGeom>
-              <a:solidFill>
-                <a:schemeClr val="accent6">
-                  <a:lumMod val="75000"/>
-                </a:schemeClr>
-              </a:solidFill>
-            </p:spPr>
-            <p:style>
-              <a:lnRef idx="2">
-                <a:schemeClr val="accent1">
-                  <a:shade val="50000"/>
-                </a:schemeClr>
-              </a:lnRef>
-              <a:fillRef idx="1">
-                <a:schemeClr val="accent1"/>
-              </a:fillRef>
-              <a:effectRef idx="0">
-                <a:schemeClr val="accent1"/>
-              </a:effectRef>
-              <a:fontRef idx="minor">
-                <a:schemeClr val="lt1"/>
-              </a:fontRef>
-            </p:style>
-            <p:txBody>
-              <a:bodyPr rtlCol="0" anchor="ctr"/>
-              <a:lstStyle/>
-              <a:p>
-                <a:pPr algn="ctr"/>
-                <a:endParaRPr lang="zh-CN" altLang="en-US">
-                  <a:latin typeface="Consolas" panose="020B0609020204030204" pitchFamily="49" charset="0"/>
-                  <a:cs typeface="Consolas" panose="020B0609020204030204" pitchFamily="49" charset="0"/>
-                </a:endParaRPr>
-              </a:p>
-            </p:txBody>
-          </p:sp>
-          <p:sp>
-            <p:nvSpPr>
-              <p:cNvPr id="64" name="文本框 63"/>
+              <p:cNvPr id="109" name="文本框 108"/>
               <p:cNvSpPr txBox="1"/>
               <p:nvPr/>
             </p:nvSpPr>
             <p:spPr>
               <a:xfrm>
-                <a:off x="3037719" y="3590663"/>
-                <a:ext cx="2581836" cy="307777"/>
-              </a:xfrm>
-              <a:prstGeom prst="rect">
-                <a:avLst/>
-              </a:prstGeom>
-              <a:noFill/>
-            </p:spPr>
-            <p:txBody>
-              <a:bodyPr wrap="square" rtlCol="0">
-                <a:spAutoFit/>
-              </a:bodyPr>
-              <a:lstStyle/>
-              <a:p>
-                <a:pPr algn="ctr"/>
-                <a:r>
-                  <a:rPr lang="en-US" altLang="zh-CN" sz="1400" dirty="0">
-                    <a:latin typeface="Consolas" panose="020B0609020204030204" pitchFamily="49" charset="0"/>
-                    <a:cs typeface="Consolas" panose="020B0609020204030204" pitchFamily="49" charset="0"/>
-                  </a:rPr>
-                  <a:t>real-time processing</a:t>
-                </a:r>
-                <a:endParaRPr lang="en-US" altLang="zh-CN" sz="1400" dirty="0" smtClean="0">
-                  <a:latin typeface="Consolas" panose="020B0609020204030204" pitchFamily="49" charset="0"/>
-                  <a:cs typeface="Consolas" panose="020B0609020204030204" pitchFamily="49" charset="0"/>
-                </a:endParaRPr>
-              </a:p>
-            </p:txBody>
-          </p:sp>
-          <p:sp>
-            <p:nvSpPr>
-              <p:cNvPr id="69" name="矩形 68"/>
-              <p:cNvSpPr/>
-              <p:nvPr/>
-            </p:nvSpPr>
-            <p:spPr>
-              <a:xfrm>
-                <a:off x="4608913" y="3995712"/>
-                <a:ext cx="1006884" cy="963349"/>
-              </a:xfrm>
-              <a:prstGeom prst="rect">
-                <a:avLst/>
-              </a:prstGeom>
-              <a:solidFill>
-                <a:schemeClr val="accent6">
-                  <a:lumMod val="60000"/>
-                  <a:lumOff val="40000"/>
-                </a:schemeClr>
-              </a:solidFill>
-            </p:spPr>
-            <p:style>
-              <a:lnRef idx="2">
-                <a:schemeClr val="accent1">
-                  <a:shade val="50000"/>
-                </a:schemeClr>
-              </a:lnRef>
-              <a:fillRef idx="1">
-                <a:schemeClr val="accent1"/>
-              </a:fillRef>
-              <a:effectRef idx="0">
-                <a:schemeClr val="accent1"/>
-              </a:effectRef>
-              <a:fontRef idx="minor">
-                <a:schemeClr val="lt1"/>
-              </a:fontRef>
-            </p:style>
-            <p:txBody>
-              <a:bodyPr rtlCol="0" anchor="ctr"/>
-              <a:lstStyle/>
-              <a:p>
-                <a:pPr algn="ctr"/>
-                <a:endParaRPr lang="zh-CN" altLang="en-US">
-                  <a:latin typeface="Consolas" panose="020B0609020204030204" pitchFamily="49" charset="0"/>
-                  <a:cs typeface="Consolas" panose="020B0609020204030204" pitchFamily="49" charset="0"/>
-                </a:endParaRPr>
-              </a:p>
-            </p:txBody>
-          </p:sp>
-          <p:sp>
-            <p:nvSpPr>
-              <p:cNvPr id="71" name="文本框 70"/>
-              <p:cNvSpPr txBox="1"/>
-              <p:nvPr/>
-            </p:nvSpPr>
-            <p:spPr>
-              <a:xfrm>
-                <a:off x="3832864" y="4245512"/>
-                <a:ext cx="2581836" cy="461665"/>
-              </a:xfrm>
-              <a:prstGeom prst="rect">
-                <a:avLst/>
-              </a:prstGeom>
-              <a:noFill/>
-            </p:spPr>
-            <p:txBody>
-              <a:bodyPr wrap="square" rtlCol="0">
-                <a:spAutoFit/>
-              </a:bodyPr>
-              <a:lstStyle/>
-              <a:p>
-                <a:pPr algn="ctr"/>
-                <a:r>
-                  <a:rPr lang="en-US" altLang="zh-CN" sz="1200" dirty="0" smtClean="0">
-                    <a:latin typeface="Consolas" panose="020B0609020204030204" pitchFamily="49" charset="0"/>
-                    <a:cs typeface="Consolas" panose="020B0609020204030204" pitchFamily="49" charset="0"/>
-                  </a:rPr>
-                  <a:t>Spark </a:t>
-                </a:r>
-              </a:p>
-              <a:p>
-                <a:pPr algn="ctr"/>
-                <a:r>
-                  <a:rPr lang="en-US" altLang="zh-CN" sz="1200" dirty="0" smtClean="0">
-                    <a:latin typeface="Consolas" panose="020B0609020204030204" pitchFamily="49" charset="0"/>
-                    <a:cs typeface="Consolas" panose="020B0609020204030204" pitchFamily="49" charset="0"/>
-                  </a:rPr>
-                  <a:t>Streaming</a:t>
-                </a:r>
-                <a:endParaRPr lang="en-US" altLang="zh-CN" sz="1200" dirty="0" smtClean="0">
-                  <a:latin typeface="Consolas" panose="020B0609020204030204" pitchFamily="49" charset="0"/>
-                  <a:cs typeface="Consolas" panose="020B0609020204030204" pitchFamily="49" charset="0"/>
-                </a:endParaRPr>
-              </a:p>
-            </p:txBody>
-          </p:sp>
-          <p:sp>
-            <p:nvSpPr>
-              <p:cNvPr id="72" name="矩形 71"/>
-              <p:cNvSpPr/>
-              <p:nvPr/>
-            </p:nvSpPr>
-            <p:spPr>
-              <a:xfrm>
-                <a:off x="3145755" y="3995712"/>
-                <a:ext cx="1006884" cy="963349"/>
-              </a:xfrm>
-              <a:prstGeom prst="rect">
-                <a:avLst/>
-              </a:prstGeom>
-              <a:solidFill>
-                <a:schemeClr val="accent6">
-                  <a:lumMod val="60000"/>
-                  <a:lumOff val="40000"/>
-                </a:schemeClr>
-              </a:solidFill>
-            </p:spPr>
-            <p:style>
-              <a:lnRef idx="2">
-                <a:schemeClr val="accent1">
-                  <a:shade val="50000"/>
-                </a:schemeClr>
-              </a:lnRef>
-              <a:fillRef idx="1">
-                <a:schemeClr val="accent1"/>
-              </a:fillRef>
-              <a:effectRef idx="0">
-                <a:schemeClr val="accent1"/>
-              </a:effectRef>
-              <a:fontRef idx="minor">
-                <a:schemeClr val="lt1"/>
-              </a:fontRef>
-            </p:style>
-            <p:txBody>
-              <a:bodyPr rtlCol="0" anchor="ctr"/>
-              <a:lstStyle/>
-              <a:p>
-                <a:pPr algn="ctr"/>
-                <a:endParaRPr lang="zh-CN" altLang="en-US">
-                  <a:latin typeface="Consolas" panose="020B0609020204030204" pitchFamily="49" charset="0"/>
-                  <a:cs typeface="Consolas" panose="020B0609020204030204" pitchFamily="49" charset="0"/>
-                </a:endParaRPr>
-              </a:p>
-            </p:txBody>
-          </p:sp>
-          <p:sp>
-            <p:nvSpPr>
-              <p:cNvPr id="73" name="文本框 72"/>
-              <p:cNvSpPr txBox="1"/>
-              <p:nvPr/>
-            </p:nvSpPr>
-            <p:spPr>
-              <a:xfrm>
-                <a:off x="2300697" y="4374059"/>
-                <a:ext cx="2581836" cy="276999"/>
-              </a:xfrm>
-              <a:prstGeom prst="rect">
-                <a:avLst/>
-              </a:prstGeom>
-              <a:noFill/>
-            </p:spPr>
-            <p:txBody>
-              <a:bodyPr wrap="square" rtlCol="0">
-                <a:spAutoFit/>
-              </a:bodyPr>
-              <a:lstStyle/>
-              <a:p>
-                <a:pPr algn="ctr"/>
-                <a:r>
-                  <a:rPr lang="en-US" altLang="zh-CN" sz="1200" dirty="0" smtClean="0">
-                    <a:latin typeface="Consolas" panose="020B0609020204030204" pitchFamily="49" charset="0"/>
-                    <a:cs typeface="Consolas" panose="020B0609020204030204" pitchFamily="49" charset="0"/>
-                  </a:rPr>
-                  <a:t>Kafka</a:t>
-                </a:r>
-                <a:endParaRPr lang="en-US" altLang="zh-CN" sz="1200" dirty="0" smtClean="0">
-                  <a:latin typeface="Consolas" panose="020B0609020204030204" pitchFamily="49" charset="0"/>
-                  <a:cs typeface="Consolas" panose="020B0609020204030204" pitchFamily="49" charset="0"/>
-                </a:endParaRPr>
-              </a:p>
-            </p:txBody>
-          </p:sp>
-          <p:sp>
-            <p:nvSpPr>
-              <p:cNvPr id="75" name="圆角矩形 74"/>
-              <p:cNvSpPr/>
-              <p:nvPr/>
-            </p:nvSpPr>
-            <p:spPr>
-              <a:xfrm>
-                <a:off x="7359799" y="3521509"/>
-                <a:ext cx="1792518" cy="1733071"/>
-              </a:xfrm>
-              <a:prstGeom prst="roundRect">
-                <a:avLst>
-                  <a:gd name="adj" fmla="val 8493"/>
-                </a:avLst>
-              </a:prstGeom>
-              <a:solidFill>
-                <a:srgbClr val="99CCFF"/>
-              </a:solidFill>
-            </p:spPr>
-            <p:style>
-              <a:lnRef idx="2">
-                <a:schemeClr val="accent1">
-                  <a:shade val="50000"/>
-                </a:schemeClr>
-              </a:lnRef>
-              <a:fillRef idx="1">
-                <a:schemeClr val="accent1"/>
-              </a:fillRef>
-              <a:effectRef idx="0">
-                <a:schemeClr val="accent1"/>
-              </a:effectRef>
-              <a:fontRef idx="minor">
-                <a:schemeClr val="lt1"/>
-              </a:fontRef>
-            </p:style>
-            <p:txBody>
-              <a:bodyPr rtlCol="0" anchor="ctr"/>
-              <a:lstStyle/>
-              <a:p>
-                <a:pPr algn="ctr"/>
-                <a:endParaRPr lang="zh-CN" altLang="en-US"/>
-              </a:p>
-            </p:txBody>
-          </p:sp>
-          <p:sp>
-            <p:nvSpPr>
-              <p:cNvPr id="74" name="右箭头 73"/>
-              <p:cNvSpPr/>
-              <p:nvPr/>
-            </p:nvSpPr>
-            <p:spPr>
-              <a:xfrm>
-                <a:off x="1889700" y="4554199"/>
-                <a:ext cx="885713" cy="345463"/>
-              </a:xfrm>
-              <a:prstGeom prst="rightArrow">
-                <a:avLst/>
-              </a:prstGeom>
-              <a:gradFill flip="none" rotWithShape="1">
-                <a:gsLst>
-                  <a:gs pos="0">
-                    <a:schemeClr val="accent5">
-                      <a:lumMod val="75000"/>
-                    </a:schemeClr>
-                  </a:gs>
-                  <a:gs pos="100000">
-                    <a:schemeClr val="bg1"/>
-                  </a:gs>
-                </a:gsLst>
-                <a:lin ang="0" scaled="1"/>
-                <a:tileRect/>
-              </a:gradFill>
-            </p:spPr>
-            <p:style>
-              <a:lnRef idx="2">
-                <a:schemeClr val="accent6">
-                  <a:shade val="50000"/>
-                </a:schemeClr>
-              </a:lnRef>
-              <a:fillRef idx="1">
-                <a:schemeClr val="accent6"/>
-              </a:fillRef>
-              <a:effectRef idx="0">
-                <a:schemeClr val="accent6"/>
-              </a:effectRef>
-              <a:fontRef idx="minor">
-                <a:schemeClr val="lt1"/>
-              </a:fontRef>
-            </p:style>
-            <p:txBody>
-              <a:bodyPr rtlCol="0" anchor="ctr"/>
-              <a:lstStyle/>
-              <a:p>
-                <a:pPr algn="ctr"/>
-                <a:endParaRPr lang="zh-CN" altLang="en-US"/>
-              </a:p>
-            </p:txBody>
-          </p:sp>
-          <p:grpSp>
-            <p:nvGrpSpPr>
-              <p:cNvPr id="20" name="组合 19"/>
-              <p:cNvGrpSpPr/>
-              <p:nvPr/>
-            </p:nvGrpSpPr>
-            <p:grpSpPr>
-              <a:xfrm>
-                <a:off x="7754326" y="4067458"/>
-                <a:ext cx="974913" cy="1012123"/>
-                <a:chOff x="2985246" y="605117"/>
-                <a:chExt cx="1411942" cy="1290919"/>
-              </a:xfrm>
-              <a:effectLst>
-                <a:outerShdw blurRad="50800" dist="38100" dir="2700000" algn="tl" rotWithShape="0">
-                  <a:prstClr val="black">
-                    <a:alpha val="40000"/>
-                  </a:prstClr>
-                </a:outerShdw>
-              </a:effectLst>
-            </p:grpSpPr>
-            <p:sp>
-              <p:nvSpPr>
-                <p:cNvPr id="21" name="矩形 20"/>
-                <p:cNvSpPr/>
-                <p:nvPr/>
-              </p:nvSpPr>
-              <p:spPr>
-                <a:xfrm>
-                  <a:off x="2985247" y="753035"/>
-                  <a:ext cx="1411941" cy="1008530"/>
-                </a:xfrm>
-                <a:prstGeom prst="rect">
-                  <a:avLst/>
-                </a:prstGeom>
-                <a:solidFill>
-                  <a:schemeClr val="accent4">
-                    <a:lumMod val="75000"/>
-                  </a:schemeClr>
-                </a:solidFill>
-                <a:ln>
-                  <a:noFill/>
-                </a:ln>
-              </p:spPr>
-              <p:style>
-                <a:lnRef idx="2">
-                  <a:schemeClr val="accent1">
-                    <a:shade val="50000"/>
-                  </a:schemeClr>
-                </a:lnRef>
-                <a:fillRef idx="1">
-                  <a:schemeClr val="accent1"/>
-                </a:fillRef>
-                <a:effectRef idx="0">
-                  <a:schemeClr val="accent1"/>
-                </a:effectRef>
-                <a:fontRef idx="minor">
-                  <a:schemeClr val="lt1"/>
-                </a:fontRef>
-              </p:style>
-              <p:txBody>
-                <a:bodyPr rtlCol="0" anchor="ctr"/>
-                <a:lstStyle/>
-                <a:p>
-                  <a:pPr algn="ctr"/>
-                  <a:endParaRPr lang="zh-CN" altLang="en-US">
-                    <a:latin typeface="Consolas" panose="020B0609020204030204" pitchFamily="49" charset="0"/>
-                    <a:cs typeface="Consolas" panose="020B0609020204030204" pitchFamily="49" charset="0"/>
-                  </a:endParaRPr>
-                </a:p>
-              </p:txBody>
-            </p:sp>
-            <p:sp>
-              <p:nvSpPr>
-                <p:cNvPr id="22" name="椭圆 21"/>
-                <p:cNvSpPr/>
-                <p:nvPr/>
-              </p:nvSpPr>
-              <p:spPr>
-                <a:xfrm>
-                  <a:off x="2985247" y="605117"/>
-                  <a:ext cx="1411941" cy="295836"/>
-                </a:xfrm>
-                <a:prstGeom prst="ellipse">
-                  <a:avLst/>
-                </a:prstGeom>
-                <a:solidFill>
-                  <a:schemeClr val="accent4">
-                    <a:lumMod val="60000"/>
-                    <a:lumOff val="40000"/>
-                  </a:schemeClr>
-                </a:solidFill>
-                <a:ln>
-                  <a:noFill/>
-                </a:ln>
-              </p:spPr>
-              <p:style>
-                <a:lnRef idx="2">
-                  <a:schemeClr val="accent1">
-                    <a:shade val="50000"/>
-                  </a:schemeClr>
-                </a:lnRef>
-                <a:fillRef idx="1">
-                  <a:schemeClr val="accent1"/>
-                </a:fillRef>
-                <a:effectRef idx="0">
-                  <a:schemeClr val="accent1"/>
-                </a:effectRef>
-                <a:fontRef idx="minor">
-                  <a:schemeClr val="lt1"/>
-                </a:fontRef>
-              </p:style>
-              <p:txBody>
-                <a:bodyPr rtlCol="0" anchor="ctr"/>
-                <a:lstStyle/>
-                <a:p>
-                  <a:pPr algn="ctr"/>
-                  <a:endParaRPr lang="zh-CN" altLang="en-US">
-                    <a:latin typeface="Consolas" panose="020B0609020204030204" pitchFamily="49" charset="0"/>
-                    <a:cs typeface="Consolas" panose="020B0609020204030204" pitchFamily="49" charset="0"/>
-                  </a:endParaRPr>
-                </a:p>
-              </p:txBody>
-            </p:sp>
-            <p:sp>
-              <p:nvSpPr>
-                <p:cNvPr id="23" name="椭圆 22"/>
-                <p:cNvSpPr/>
-                <p:nvPr/>
-              </p:nvSpPr>
-              <p:spPr>
-                <a:xfrm>
-                  <a:off x="2985246" y="1600200"/>
-                  <a:ext cx="1411941" cy="295836"/>
-                </a:xfrm>
-                <a:prstGeom prst="ellipse">
-                  <a:avLst/>
-                </a:prstGeom>
-                <a:solidFill>
-                  <a:schemeClr val="accent4">
-                    <a:lumMod val="75000"/>
-                  </a:schemeClr>
-                </a:solidFill>
-                <a:ln>
-                  <a:noFill/>
-                </a:ln>
-              </p:spPr>
-              <p:style>
-                <a:lnRef idx="2">
-                  <a:schemeClr val="accent1">
-                    <a:shade val="50000"/>
-                  </a:schemeClr>
-                </a:lnRef>
-                <a:fillRef idx="1">
-                  <a:schemeClr val="accent1"/>
-                </a:fillRef>
-                <a:effectRef idx="0">
-                  <a:schemeClr val="accent1"/>
-                </a:effectRef>
-                <a:fontRef idx="minor">
-                  <a:schemeClr val="lt1"/>
-                </a:fontRef>
-              </p:style>
-              <p:txBody>
-                <a:bodyPr rtlCol="0" anchor="ctr"/>
-                <a:lstStyle/>
-                <a:p>
-                  <a:pPr algn="ctr"/>
-                  <a:endParaRPr lang="zh-CN" altLang="en-US">
-                    <a:latin typeface="Consolas" panose="020B0609020204030204" pitchFamily="49" charset="0"/>
-                    <a:cs typeface="Consolas" panose="020B0609020204030204" pitchFamily="49" charset="0"/>
-                  </a:endParaRPr>
-                </a:p>
-              </p:txBody>
-            </p:sp>
-          </p:grpSp>
-          <p:sp>
-            <p:nvSpPr>
-              <p:cNvPr id="76" name="文本框 75"/>
-              <p:cNvSpPr txBox="1"/>
-              <p:nvPr/>
-            </p:nvSpPr>
-            <p:spPr>
-              <a:xfrm>
-                <a:off x="6950864" y="3619042"/>
-                <a:ext cx="2581836" cy="307777"/>
-              </a:xfrm>
-              <a:prstGeom prst="rect">
-                <a:avLst/>
-              </a:prstGeom>
-              <a:noFill/>
-            </p:spPr>
-            <p:txBody>
-              <a:bodyPr wrap="square" rtlCol="0">
-                <a:spAutoFit/>
-              </a:bodyPr>
-              <a:lstStyle/>
-              <a:p>
-                <a:pPr algn="ctr"/>
-                <a:r>
-                  <a:rPr lang="en-US" altLang="zh-CN" sz="1400" b="1" dirty="0" smtClean="0">
-                    <a:latin typeface="Consolas" panose="020B0609020204030204" pitchFamily="49" charset="0"/>
-                    <a:cs typeface="Consolas" panose="020B0609020204030204" pitchFamily="49" charset="0"/>
-                  </a:rPr>
-                  <a:t>Marketing</a:t>
-                </a:r>
-              </a:p>
-            </p:txBody>
-          </p:sp>
-          <p:sp>
-            <p:nvSpPr>
-              <p:cNvPr id="77" name="文本框 76"/>
-              <p:cNvSpPr txBox="1"/>
-              <p:nvPr/>
-            </p:nvSpPr>
-            <p:spPr>
-              <a:xfrm>
-                <a:off x="6950864" y="4579378"/>
+                <a:off x="8020217" y="5493635"/>
                 <a:ext cx="2581836" cy="307777"/>
               </a:xfrm>
               <a:prstGeom prst="rect">
@@ -6098,7 +6703,191 @@
               </a:p>
             </p:txBody>
           </p:sp>
+          <p:grpSp>
+            <p:nvGrpSpPr>
+              <p:cNvPr id="110" name="组合 109"/>
+              <p:cNvGrpSpPr/>
+              <p:nvPr/>
+            </p:nvGrpSpPr>
+            <p:grpSpPr>
+              <a:xfrm rot="5400000">
+                <a:off x="3114515" y="1617827"/>
+                <a:ext cx="1859605" cy="397162"/>
+                <a:chOff x="2152356" y="4375052"/>
+                <a:chExt cx="5528603" cy="1195754"/>
+              </a:xfrm>
+            </p:grpSpPr>
+            <p:sp>
+              <p:nvSpPr>
+                <p:cNvPr id="111" name="流程图: 磁盘 110"/>
+                <p:cNvSpPr/>
+                <p:nvPr/>
+              </p:nvSpPr>
+              <p:spPr>
+                <a:xfrm>
+                  <a:off x="2152356" y="4375052"/>
+                  <a:ext cx="5528603" cy="1195754"/>
+                </a:xfrm>
+                <a:prstGeom prst="flowChartMagneticDisk">
+                  <a:avLst/>
+                </a:prstGeom>
+                <a:solidFill>
+                  <a:schemeClr val="accent4">
+                    <a:lumMod val="75000"/>
+                  </a:schemeClr>
+                </a:solidFill>
+                <a:ln>
+                  <a:solidFill>
+                    <a:schemeClr val="tx1"/>
+                  </a:solidFill>
+                </a:ln>
+              </p:spPr>
+              <p:style>
+                <a:lnRef idx="2">
+                  <a:schemeClr val="accent1">
+                    <a:shade val="50000"/>
+                  </a:schemeClr>
+                </a:lnRef>
+                <a:fillRef idx="1">
+                  <a:schemeClr val="accent1"/>
+                </a:fillRef>
+                <a:effectRef idx="0">
+                  <a:schemeClr val="accent1"/>
+                </a:effectRef>
+                <a:fontRef idx="minor">
+                  <a:schemeClr val="lt1"/>
+                </a:fontRef>
+              </p:style>
+              <p:txBody>
+                <a:bodyPr rtlCol="0" anchor="ctr"/>
+                <a:lstStyle/>
+                <a:p>
+                  <a:pPr algn="ctr"/>
+                  <a:endParaRPr lang="zh-CN" altLang="en-US"/>
+                </a:p>
+              </p:txBody>
+            </p:sp>
+            <p:sp>
+              <p:nvSpPr>
+                <p:cNvPr id="112" name="椭圆 111"/>
+                <p:cNvSpPr/>
+                <p:nvPr/>
+              </p:nvSpPr>
+              <p:spPr>
+                <a:xfrm>
+                  <a:off x="2152356" y="4375052"/>
+                  <a:ext cx="5528603" cy="388643"/>
+                </a:xfrm>
+                <a:prstGeom prst="ellipse">
+                  <a:avLst/>
+                </a:prstGeom>
+                <a:solidFill>
+                  <a:schemeClr val="accent4">
+                    <a:lumMod val="60000"/>
+                    <a:lumOff val="40000"/>
+                  </a:schemeClr>
+                </a:solidFill>
+                <a:ln>
+                  <a:solidFill>
+                    <a:schemeClr val="accent1"/>
+                  </a:solidFill>
+                </a:ln>
+              </p:spPr>
+              <p:style>
+                <a:lnRef idx="2">
+                  <a:schemeClr val="accent1">
+                    <a:shade val="50000"/>
+                  </a:schemeClr>
+                </a:lnRef>
+                <a:fillRef idx="1">
+                  <a:schemeClr val="accent1"/>
+                </a:fillRef>
+                <a:effectRef idx="0">
+                  <a:schemeClr val="accent1"/>
+                </a:effectRef>
+                <a:fontRef idx="minor">
+                  <a:schemeClr val="lt1"/>
+                </a:fontRef>
+              </p:style>
+              <p:txBody>
+                <a:bodyPr rtlCol="0" anchor="ctr"/>
+                <a:lstStyle/>
+                <a:p>
+                  <a:pPr algn="ctr"/>
+                  <a:endParaRPr lang="zh-CN" altLang="en-US"/>
+                </a:p>
+              </p:txBody>
+            </p:sp>
+          </p:grpSp>
+          <p:sp>
+            <p:nvSpPr>
+              <p:cNvPr id="113" name="文本框 112"/>
+              <p:cNvSpPr txBox="1"/>
+              <p:nvPr/>
+            </p:nvSpPr>
+            <p:spPr>
+              <a:xfrm rot="16200000">
+                <a:off x="2712896" y="1699771"/>
+                <a:ext cx="2581836" cy="261610"/>
+              </a:xfrm>
+              <a:prstGeom prst="rect">
+                <a:avLst/>
+              </a:prstGeom>
+              <a:noFill/>
+            </p:spPr>
+            <p:txBody>
+              <a:bodyPr wrap="square" rtlCol="0">
+                <a:spAutoFit/>
+              </a:bodyPr>
+              <a:lstStyle/>
+              <a:p>
+                <a:pPr algn="ctr"/>
+                <a:r>
+                  <a:rPr lang="en-US" altLang="zh-CN" sz="1100" dirty="0" smtClean="0">
+                    <a:latin typeface="Consolas" panose="020B0609020204030204" pitchFamily="49" charset="0"/>
+                    <a:cs typeface="Consolas" panose="020B0609020204030204" pitchFamily="49" charset="0"/>
+                  </a:rPr>
+                  <a:t>Data Warehouse</a:t>
+                </a:r>
+              </a:p>
+            </p:txBody>
+          </p:sp>
         </p:grpSp>
+        <p:sp>
+          <p:nvSpPr>
+            <p:cNvPr id="57" name="文本框 56"/>
+            <p:cNvSpPr txBox="1"/>
+            <p:nvPr/>
+          </p:nvSpPr>
+          <p:spPr>
+            <a:xfrm>
+              <a:off x="-29499" y="394162"/>
+              <a:ext cx="1498301" cy="369332"/>
+            </a:xfrm>
+            <a:prstGeom prst="rect">
+              <a:avLst/>
+            </a:prstGeom>
+            <a:noFill/>
+          </p:spPr>
+          <p:txBody>
+            <a:bodyPr wrap="square" rtlCol="0">
+              <a:spAutoFit/>
+            </a:bodyPr>
+            <a:lstStyle/>
+            <a:p>
+              <a:pPr algn="ctr"/>
+              <a:r>
+                <a:rPr lang="zh-CN" altLang="en-US" b="1" dirty="0"/>
+                <a:t>数据</a:t>
+              </a:r>
+              <a:r>
+                <a:rPr lang="zh-CN" altLang="en-US" b="1" dirty="0" smtClean="0"/>
+                <a:t>架构图</a:t>
+              </a:r>
+              <a:endParaRPr lang="en-US" altLang="zh-CN" b="1" dirty="0" smtClean="0"/>
+            </a:p>
+          </p:txBody>
+        </p:sp>
       </p:grpSp>
     </p:spTree>
     <p:extLst>
@@ -6110,6 +6899,867 @@
   <p:clrMapOvr>
     <a:masterClrMapping/>
   </p:clrMapOvr>
+  <p:timing>
+    <p:tnLst>
+      <p:par>
+        <p:cTn id="1" dur="indefinite" restart="never" nodeType="tmRoot"/>
+      </p:par>
+    </p:tnLst>
+  </p:timing>
+</p:sld>
+</file>
+
+<file path=ppt/slides/slide3.xml><?xml version="1.0" encoding="utf-8"?>
+<p:sld xmlns:a="http://schemas.openxmlformats.org/drawingml/2006/main" xmlns:r="http://schemas.openxmlformats.org/officeDocument/2006/relationships" xmlns:p="http://schemas.openxmlformats.org/presentationml/2006/main">
+  <p:cSld>
+    <p:spTree>
+      <p:nvGrpSpPr>
+        <p:cNvPr id="1" name=""/>
+        <p:cNvGrpSpPr/>
+        <p:nvPr/>
+      </p:nvGrpSpPr>
+      <p:grpSpPr>
+        <a:xfrm>
+          <a:off x="0" y="0"/>
+          <a:ext cx="0" cy="0"/>
+          <a:chOff x="0" y="0"/>
+          <a:chExt cx="0" cy="0"/>
+        </a:xfrm>
+      </p:grpSpPr>
+      <p:sp>
+        <p:nvSpPr>
+          <p:cNvPr id="7" name="矩形 6"/>
+          <p:cNvSpPr/>
+          <p:nvPr/>
+        </p:nvSpPr>
+        <p:spPr>
+          <a:xfrm>
+            <a:off x="736979" y="450376"/>
+            <a:ext cx="9703558" cy="504967"/>
+          </a:xfrm>
+          <a:prstGeom prst="rect">
+            <a:avLst/>
+          </a:prstGeom>
+          <a:solidFill>
+            <a:schemeClr val="accent4"/>
+          </a:solidFill>
+          <a:ln>
+            <a:solidFill>
+              <a:schemeClr val="tx1"/>
+            </a:solidFill>
+          </a:ln>
+        </p:spPr>
+        <p:style>
+          <a:lnRef idx="2">
+            <a:schemeClr val="accent1">
+              <a:shade val="50000"/>
+            </a:schemeClr>
+          </a:lnRef>
+          <a:fillRef idx="1">
+            <a:schemeClr val="accent1"/>
+          </a:fillRef>
+          <a:effectRef idx="0">
+            <a:schemeClr val="accent1"/>
+          </a:effectRef>
+          <a:fontRef idx="minor">
+            <a:schemeClr val="lt1"/>
+          </a:fontRef>
+        </p:style>
+        <p:txBody>
+          <a:bodyPr rtlCol="0" anchor="ctr"/>
+          <a:lstStyle/>
+          <a:p>
+            <a:pPr algn="ctr"/>
+            <a:endParaRPr lang="zh-CN" altLang="en-US"/>
+          </a:p>
+        </p:txBody>
+      </p:sp>
+      <p:sp>
+        <p:nvSpPr>
+          <p:cNvPr id="8" name="矩形 7"/>
+          <p:cNvSpPr/>
+          <p:nvPr/>
+        </p:nvSpPr>
+        <p:spPr>
+          <a:xfrm>
+            <a:off x="736979" y="1244221"/>
+            <a:ext cx="9703558" cy="504967"/>
+          </a:xfrm>
+          <a:prstGeom prst="rect">
+            <a:avLst/>
+          </a:prstGeom>
+          <a:solidFill>
+            <a:schemeClr val="accent2"/>
+          </a:solidFill>
+          <a:ln>
+            <a:solidFill>
+              <a:schemeClr val="tx1"/>
+            </a:solidFill>
+          </a:ln>
+        </p:spPr>
+        <p:style>
+          <a:lnRef idx="2">
+            <a:schemeClr val="accent1">
+              <a:shade val="50000"/>
+            </a:schemeClr>
+          </a:lnRef>
+          <a:fillRef idx="1">
+            <a:schemeClr val="accent1"/>
+          </a:fillRef>
+          <a:effectRef idx="0">
+            <a:schemeClr val="accent1"/>
+          </a:effectRef>
+          <a:fontRef idx="minor">
+            <a:schemeClr val="lt1"/>
+          </a:fontRef>
+        </p:style>
+        <p:txBody>
+          <a:bodyPr rtlCol="0" anchor="ctr"/>
+          <a:lstStyle/>
+          <a:p>
+            <a:pPr algn="ctr"/>
+            <a:endParaRPr lang="zh-CN" altLang="en-US"/>
+          </a:p>
+        </p:txBody>
+      </p:sp>
+      <p:sp>
+        <p:nvSpPr>
+          <p:cNvPr id="9" name="矩形 8"/>
+          <p:cNvSpPr/>
+          <p:nvPr/>
+        </p:nvSpPr>
+        <p:spPr>
+          <a:xfrm>
+            <a:off x="736979" y="2108579"/>
+            <a:ext cx="9703558" cy="504967"/>
+          </a:xfrm>
+          <a:prstGeom prst="rect">
+            <a:avLst/>
+          </a:prstGeom>
+          <a:solidFill>
+            <a:schemeClr val="accent5"/>
+          </a:solidFill>
+          <a:ln>
+            <a:solidFill>
+              <a:schemeClr val="tx1"/>
+            </a:solidFill>
+          </a:ln>
+        </p:spPr>
+        <p:style>
+          <a:lnRef idx="2">
+            <a:schemeClr val="accent1">
+              <a:shade val="50000"/>
+            </a:schemeClr>
+          </a:lnRef>
+          <a:fillRef idx="1">
+            <a:schemeClr val="accent1"/>
+          </a:fillRef>
+          <a:effectRef idx="0">
+            <a:schemeClr val="accent1"/>
+          </a:effectRef>
+          <a:fontRef idx="minor">
+            <a:schemeClr val="lt1"/>
+          </a:fontRef>
+        </p:style>
+        <p:txBody>
+          <a:bodyPr rtlCol="0" anchor="ctr"/>
+          <a:lstStyle/>
+          <a:p>
+            <a:pPr algn="ctr"/>
+            <a:endParaRPr lang="zh-CN" altLang="en-US"/>
+          </a:p>
+        </p:txBody>
+      </p:sp>
+      <p:sp>
+        <p:nvSpPr>
+          <p:cNvPr id="10" name="矩形 9"/>
+          <p:cNvSpPr/>
+          <p:nvPr/>
+        </p:nvSpPr>
+        <p:spPr>
+          <a:xfrm>
+            <a:off x="736979" y="2902424"/>
+            <a:ext cx="9703558" cy="504967"/>
+          </a:xfrm>
+          <a:prstGeom prst="rect">
+            <a:avLst/>
+          </a:prstGeom>
+          <a:solidFill>
+            <a:schemeClr val="accent6"/>
+          </a:solidFill>
+          <a:ln>
+            <a:solidFill>
+              <a:schemeClr val="tx1"/>
+            </a:solidFill>
+          </a:ln>
+        </p:spPr>
+        <p:style>
+          <a:lnRef idx="2">
+            <a:schemeClr val="accent1">
+              <a:shade val="50000"/>
+            </a:schemeClr>
+          </a:lnRef>
+          <a:fillRef idx="1">
+            <a:schemeClr val="accent1"/>
+          </a:fillRef>
+          <a:effectRef idx="0">
+            <a:schemeClr val="accent1"/>
+          </a:effectRef>
+          <a:fontRef idx="minor">
+            <a:schemeClr val="lt1"/>
+          </a:fontRef>
+        </p:style>
+        <p:txBody>
+          <a:bodyPr rtlCol="0" anchor="ctr"/>
+          <a:lstStyle/>
+          <a:p>
+            <a:pPr algn="ctr"/>
+            <a:endParaRPr lang="zh-CN" altLang="en-US"/>
+          </a:p>
+        </p:txBody>
+      </p:sp>
+      <p:sp>
+        <p:nvSpPr>
+          <p:cNvPr id="11" name="矩形 10"/>
+          <p:cNvSpPr/>
+          <p:nvPr/>
+        </p:nvSpPr>
+        <p:spPr>
+          <a:xfrm>
+            <a:off x="736979" y="3696269"/>
+            <a:ext cx="9703558" cy="504967"/>
+          </a:xfrm>
+          <a:prstGeom prst="rect">
+            <a:avLst/>
+          </a:prstGeom>
+          <a:solidFill>
+            <a:schemeClr val="accent3"/>
+          </a:solidFill>
+          <a:ln>
+            <a:solidFill>
+              <a:schemeClr val="tx1"/>
+            </a:solidFill>
+          </a:ln>
+        </p:spPr>
+        <p:style>
+          <a:lnRef idx="2">
+            <a:schemeClr val="accent1">
+              <a:shade val="50000"/>
+            </a:schemeClr>
+          </a:lnRef>
+          <a:fillRef idx="1">
+            <a:schemeClr val="accent1"/>
+          </a:fillRef>
+          <a:effectRef idx="0">
+            <a:schemeClr val="accent1"/>
+          </a:effectRef>
+          <a:fontRef idx="minor">
+            <a:schemeClr val="lt1"/>
+          </a:fontRef>
+        </p:style>
+        <p:txBody>
+          <a:bodyPr rtlCol="0" anchor="ctr"/>
+          <a:lstStyle/>
+          <a:p>
+            <a:pPr algn="ctr"/>
+            <a:endParaRPr lang="zh-CN" altLang="en-US"/>
+          </a:p>
+        </p:txBody>
+      </p:sp>
+      <p:grpSp>
+        <p:nvGrpSpPr>
+          <p:cNvPr id="14" name="组合 13"/>
+          <p:cNvGrpSpPr/>
+          <p:nvPr/>
+        </p:nvGrpSpPr>
+        <p:grpSpPr>
+          <a:xfrm>
+            <a:off x="736979" y="4815927"/>
+            <a:ext cx="968187" cy="983547"/>
+            <a:chOff x="2490133" y="1663294"/>
+            <a:chExt cx="968187" cy="983547"/>
+          </a:xfrm>
+        </p:grpSpPr>
+        <p:sp>
+          <p:nvSpPr>
+            <p:cNvPr id="12" name="流程图: 磁盘 11"/>
+            <p:cNvSpPr/>
+            <p:nvPr/>
+          </p:nvSpPr>
+          <p:spPr>
+            <a:xfrm>
+              <a:off x="2490133" y="1663294"/>
+              <a:ext cx="968187" cy="983547"/>
+            </a:xfrm>
+            <a:prstGeom prst="flowChartMagneticDisk">
+              <a:avLst/>
+            </a:prstGeom>
+            <a:solidFill>
+              <a:schemeClr val="accent6">
+                <a:lumMod val="75000"/>
+              </a:schemeClr>
+            </a:solidFill>
+            <a:ln>
+              <a:solidFill>
+                <a:schemeClr val="tx1"/>
+              </a:solidFill>
+            </a:ln>
+          </p:spPr>
+          <p:style>
+            <a:lnRef idx="2">
+              <a:schemeClr val="accent1">
+                <a:shade val="50000"/>
+              </a:schemeClr>
+            </a:lnRef>
+            <a:fillRef idx="1">
+              <a:schemeClr val="accent1"/>
+            </a:fillRef>
+            <a:effectRef idx="0">
+              <a:schemeClr val="accent1"/>
+            </a:effectRef>
+            <a:fontRef idx="minor">
+              <a:schemeClr val="lt1"/>
+            </a:fontRef>
+          </p:style>
+          <p:txBody>
+            <a:bodyPr rtlCol="0" anchor="ctr"/>
+            <a:lstStyle/>
+            <a:p>
+              <a:pPr algn="ctr"/>
+              <a:endParaRPr lang="zh-CN" altLang="en-US"/>
+            </a:p>
+          </p:txBody>
+        </p:sp>
+        <p:sp>
+          <p:nvSpPr>
+            <p:cNvPr id="13" name="椭圆 12"/>
+            <p:cNvSpPr/>
+            <p:nvPr/>
+          </p:nvSpPr>
+          <p:spPr>
+            <a:xfrm>
+              <a:off x="2490133" y="1663294"/>
+              <a:ext cx="968187" cy="319672"/>
+            </a:xfrm>
+            <a:prstGeom prst="ellipse">
+              <a:avLst/>
+            </a:prstGeom>
+            <a:solidFill>
+              <a:schemeClr val="accent6">
+                <a:lumMod val="60000"/>
+                <a:lumOff val="40000"/>
+              </a:schemeClr>
+            </a:solidFill>
+            <a:ln>
+              <a:solidFill>
+                <a:schemeClr val="tx1"/>
+              </a:solidFill>
+            </a:ln>
+          </p:spPr>
+          <p:style>
+            <a:lnRef idx="2">
+              <a:schemeClr val="accent1">
+                <a:shade val="50000"/>
+              </a:schemeClr>
+            </a:lnRef>
+            <a:fillRef idx="1">
+              <a:schemeClr val="accent1"/>
+            </a:fillRef>
+            <a:effectRef idx="0">
+              <a:schemeClr val="accent1"/>
+            </a:effectRef>
+            <a:fontRef idx="minor">
+              <a:schemeClr val="lt1"/>
+            </a:fontRef>
+          </p:style>
+          <p:txBody>
+            <a:bodyPr rtlCol="0" anchor="ctr"/>
+            <a:lstStyle/>
+            <a:p>
+              <a:pPr algn="ctr"/>
+              <a:endParaRPr lang="zh-CN" altLang="en-US"/>
+            </a:p>
+          </p:txBody>
+        </p:sp>
+      </p:grpSp>
+      <p:sp>
+        <p:nvSpPr>
+          <p:cNvPr id="15" name="圆角矩形 14"/>
+          <p:cNvSpPr/>
+          <p:nvPr/>
+        </p:nvSpPr>
+        <p:spPr>
+          <a:xfrm>
+            <a:off x="1849297" y="4815926"/>
+            <a:ext cx="2364185" cy="1841503"/>
+          </a:xfrm>
+          <a:prstGeom prst="roundRect">
+            <a:avLst>
+              <a:gd name="adj" fmla="val 8233"/>
+            </a:avLst>
+          </a:prstGeom>
+          <a:solidFill>
+            <a:schemeClr val="accent4">
+              <a:lumMod val="75000"/>
+            </a:schemeClr>
+          </a:solidFill>
+          <a:ln>
+            <a:solidFill>
+              <a:schemeClr val="tx1"/>
+            </a:solidFill>
+          </a:ln>
+        </p:spPr>
+        <p:style>
+          <a:lnRef idx="2">
+            <a:schemeClr val="accent1">
+              <a:shade val="50000"/>
+            </a:schemeClr>
+          </a:lnRef>
+          <a:fillRef idx="1">
+            <a:schemeClr val="accent1"/>
+          </a:fillRef>
+          <a:effectRef idx="0">
+            <a:schemeClr val="accent1"/>
+          </a:effectRef>
+          <a:fontRef idx="minor">
+            <a:schemeClr val="lt1"/>
+          </a:fontRef>
+        </p:style>
+        <p:txBody>
+          <a:bodyPr rtlCol="0" anchor="ctr"/>
+          <a:lstStyle/>
+          <a:p>
+            <a:pPr algn="ctr"/>
+            <a:endParaRPr lang="zh-CN" altLang="en-US">
+              <a:latin typeface="Consolas" panose="020B0609020204030204" pitchFamily="49" charset="0"/>
+              <a:cs typeface="Consolas" panose="020B0609020204030204" pitchFamily="49" charset="0"/>
+            </a:endParaRPr>
+          </a:p>
+        </p:txBody>
+      </p:sp>
+      <p:sp>
+        <p:nvSpPr>
+          <p:cNvPr id="16" name="右箭头 15"/>
+          <p:cNvSpPr/>
+          <p:nvPr/>
+        </p:nvSpPr>
+        <p:spPr>
+          <a:xfrm>
+            <a:off x="4930922" y="4815926"/>
+            <a:ext cx="411787" cy="368843"/>
+          </a:xfrm>
+          <a:prstGeom prst="rightArrow">
+            <a:avLst/>
+          </a:prstGeom>
+          <a:gradFill>
+            <a:gsLst>
+              <a:gs pos="0">
+                <a:schemeClr val="accent2">
+                  <a:lumMod val="75000"/>
+                </a:schemeClr>
+              </a:gs>
+              <a:gs pos="100000">
+                <a:schemeClr val="accent2">
+                  <a:lumMod val="20000"/>
+                  <a:lumOff val="80000"/>
+                </a:schemeClr>
+              </a:gs>
+            </a:gsLst>
+            <a:lin ang="0" scaled="1"/>
+          </a:gradFill>
+          <a:ln>
+            <a:solidFill>
+              <a:schemeClr val="tx1"/>
+            </a:solidFill>
+          </a:ln>
+        </p:spPr>
+        <p:style>
+          <a:lnRef idx="2">
+            <a:schemeClr val="accent6">
+              <a:shade val="50000"/>
+            </a:schemeClr>
+          </a:lnRef>
+          <a:fillRef idx="1">
+            <a:schemeClr val="accent6"/>
+          </a:fillRef>
+          <a:effectRef idx="0">
+            <a:schemeClr val="accent6"/>
+          </a:effectRef>
+          <a:fontRef idx="minor">
+            <a:schemeClr val="lt1"/>
+          </a:fontRef>
+        </p:style>
+        <p:txBody>
+          <a:bodyPr rtlCol="0" anchor="ctr"/>
+          <a:lstStyle/>
+          <a:p>
+            <a:pPr algn="ctr"/>
+            <a:endParaRPr lang="zh-CN" altLang="en-US">
+              <a:latin typeface="Consolas" panose="020B0609020204030204" pitchFamily="49" charset="0"/>
+              <a:cs typeface="Consolas" panose="020B0609020204030204" pitchFamily="49" charset="0"/>
+            </a:endParaRPr>
+          </a:p>
+        </p:txBody>
+      </p:sp>
+      <p:sp>
+        <p:nvSpPr>
+          <p:cNvPr id="17" name="L 形 16"/>
+          <p:cNvSpPr/>
+          <p:nvPr/>
+        </p:nvSpPr>
+        <p:spPr>
+          <a:xfrm rot="16200000">
+            <a:off x="5477332" y="5487711"/>
+            <a:ext cx="1681850" cy="338282"/>
+          </a:xfrm>
+          <a:prstGeom prst="corner">
+            <a:avLst>
+              <a:gd name="adj1" fmla="val 46334"/>
+              <a:gd name="adj2" fmla="val 50000"/>
+            </a:avLst>
+          </a:prstGeom>
+          <a:solidFill>
+            <a:schemeClr val="accent1">
+              <a:lumMod val="75000"/>
+            </a:schemeClr>
+          </a:solidFill>
+          <a:ln>
+            <a:solidFill>
+              <a:schemeClr val="tx1"/>
+            </a:solidFill>
+          </a:ln>
+        </p:spPr>
+        <p:style>
+          <a:lnRef idx="2">
+            <a:schemeClr val="accent1">
+              <a:shade val="50000"/>
+            </a:schemeClr>
+          </a:lnRef>
+          <a:fillRef idx="1">
+            <a:schemeClr val="accent1"/>
+          </a:fillRef>
+          <a:effectRef idx="0">
+            <a:schemeClr val="accent1"/>
+          </a:effectRef>
+          <a:fontRef idx="minor">
+            <a:schemeClr val="lt1"/>
+          </a:fontRef>
+        </p:style>
+        <p:txBody>
+          <a:bodyPr rtlCol="0" anchor="ctr"/>
+          <a:lstStyle/>
+          <a:p>
+            <a:pPr algn="ctr"/>
+            <a:endParaRPr lang="zh-CN" altLang="en-US"/>
+          </a:p>
+        </p:txBody>
+      </p:sp>
+      <p:sp>
+        <p:nvSpPr>
+          <p:cNvPr id="18" name="矩形 17"/>
+          <p:cNvSpPr/>
+          <p:nvPr/>
+        </p:nvSpPr>
+        <p:spPr>
+          <a:xfrm rot="5400000">
+            <a:off x="7856850" y="4006832"/>
+            <a:ext cx="294147" cy="1912335"/>
+          </a:xfrm>
+          <a:prstGeom prst="rect">
+            <a:avLst/>
+          </a:prstGeom>
+          <a:solidFill>
+            <a:schemeClr val="accent4">
+              <a:lumMod val="60000"/>
+              <a:lumOff val="40000"/>
+            </a:schemeClr>
+          </a:solidFill>
+          <a:ln>
+            <a:solidFill>
+              <a:schemeClr val="tx1"/>
+            </a:solidFill>
+          </a:ln>
+          <a:effectLst>
+            <a:outerShdw blurRad="50800" dist="38100" dir="2700000" algn="tl" rotWithShape="0">
+              <a:prstClr val="black">
+                <a:alpha val="40000"/>
+              </a:prstClr>
+            </a:outerShdw>
+          </a:effectLst>
+        </p:spPr>
+        <p:style>
+          <a:lnRef idx="2">
+            <a:schemeClr val="accent1">
+              <a:shade val="50000"/>
+            </a:schemeClr>
+          </a:lnRef>
+          <a:fillRef idx="1">
+            <a:schemeClr val="accent1"/>
+          </a:fillRef>
+          <a:effectRef idx="0">
+            <a:schemeClr val="accent1"/>
+          </a:effectRef>
+          <a:fontRef idx="minor">
+            <a:schemeClr val="lt1"/>
+          </a:fontRef>
+        </p:style>
+        <p:txBody>
+          <a:bodyPr rtlCol="0" anchor="ctr"/>
+          <a:lstStyle/>
+          <a:p>
+            <a:pPr algn="ctr"/>
+            <a:endParaRPr lang="zh-CN" altLang="en-US">
+              <a:latin typeface="Consolas" panose="020B0609020204030204" pitchFamily="49" charset="0"/>
+              <a:cs typeface="Consolas" panose="020B0609020204030204" pitchFamily="49" charset="0"/>
+            </a:endParaRPr>
+          </a:p>
+        </p:txBody>
+      </p:sp>
+      <p:sp>
+        <p:nvSpPr>
+          <p:cNvPr id="19" name="文本框 18"/>
+          <p:cNvSpPr txBox="1"/>
+          <p:nvPr/>
+        </p:nvSpPr>
+        <p:spPr>
+          <a:xfrm>
+            <a:off x="7047756" y="5518072"/>
+            <a:ext cx="2581836" cy="307777"/>
+          </a:xfrm>
+          <a:prstGeom prst="rect">
+            <a:avLst/>
+          </a:prstGeom>
+          <a:noFill/>
+          <a:ln>
+            <a:solidFill>
+              <a:schemeClr val="tx1"/>
+            </a:solidFill>
+          </a:ln>
+        </p:spPr>
+        <p:txBody>
+          <a:bodyPr wrap="square" rtlCol="0">
+            <a:spAutoFit/>
+          </a:bodyPr>
+          <a:lstStyle/>
+          <a:p>
+            <a:pPr algn="ctr"/>
+            <a:r>
+              <a:rPr lang="en-US" altLang="zh-CN" sz="1400" b="1" dirty="0" smtClean="0">
+                <a:effectLst>
+                  <a:outerShdw blurRad="38100" dist="38100" dir="2700000" algn="tl">
+                    <a:srgbClr val="000000">
+                      <a:alpha val="43137"/>
+                    </a:srgbClr>
+                  </a:outerShdw>
+                </a:effectLst>
+                <a:latin typeface="Consolas" panose="020B0609020204030204" pitchFamily="49" charset="0"/>
+                <a:cs typeface="Consolas" panose="020B0609020204030204" pitchFamily="49" charset="0"/>
+              </a:rPr>
+              <a:t>Data Source</a:t>
+            </a:r>
+          </a:p>
+        </p:txBody>
+      </p:sp>
+      <p:sp>
+        <p:nvSpPr>
+          <p:cNvPr id="20" name="矩形 19"/>
+          <p:cNvSpPr/>
+          <p:nvPr/>
+        </p:nvSpPr>
+        <p:spPr>
+          <a:xfrm rot="16200000">
+            <a:off x="9132556" y="3984085"/>
+            <a:ext cx="383242" cy="4552838"/>
+          </a:xfrm>
+          <a:prstGeom prst="rect">
+            <a:avLst/>
+          </a:prstGeom>
+          <a:solidFill>
+            <a:srgbClr val="FFFF00"/>
+          </a:solidFill>
+          <a:ln>
+            <a:solidFill>
+              <a:schemeClr val="tx1"/>
+            </a:solidFill>
+          </a:ln>
+          <a:effectLst>
+            <a:innerShdw blurRad="63500" dist="50800" dir="10800000">
+              <a:prstClr val="black">
+                <a:alpha val="50000"/>
+              </a:prstClr>
+            </a:innerShdw>
+          </a:effectLst>
+        </p:spPr>
+        <p:style>
+          <a:lnRef idx="2">
+            <a:schemeClr val="accent1">
+              <a:shade val="50000"/>
+            </a:schemeClr>
+          </a:lnRef>
+          <a:fillRef idx="1">
+            <a:schemeClr val="accent1"/>
+          </a:fillRef>
+          <a:effectRef idx="0">
+            <a:schemeClr val="accent1"/>
+          </a:effectRef>
+          <a:fontRef idx="minor">
+            <a:schemeClr val="lt1"/>
+          </a:fontRef>
+        </p:style>
+        <p:txBody>
+          <a:bodyPr rtlCol="0" anchor="ctr"/>
+          <a:lstStyle/>
+          <a:p>
+            <a:pPr algn="ctr"/>
+            <a:endParaRPr lang="zh-CN" altLang="en-US">
+              <a:latin typeface="Consolas" panose="020B0609020204030204" pitchFamily="49" charset="0"/>
+              <a:cs typeface="Consolas" panose="020B0609020204030204" pitchFamily="49" charset="0"/>
+            </a:endParaRPr>
+          </a:p>
+        </p:txBody>
+      </p:sp>
+      <p:sp>
+        <p:nvSpPr>
+          <p:cNvPr id="22" name="剪去单角的矩形 21"/>
+          <p:cNvSpPr/>
+          <p:nvPr/>
+        </p:nvSpPr>
+        <p:spPr>
+          <a:xfrm>
+            <a:off x="10194877" y="4738735"/>
+            <a:ext cx="1405719" cy="371338"/>
+          </a:xfrm>
+          <a:prstGeom prst="snip1Rect">
+            <a:avLst>
+              <a:gd name="adj" fmla="val 38669"/>
+            </a:avLst>
+          </a:prstGeom>
+          <a:solidFill>
+            <a:schemeClr val="accent2"/>
+          </a:solidFill>
+        </p:spPr>
+        <p:style>
+          <a:lnRef idx="2">
+            <a:schemeClr val="accent1">
+              <a:shade val="50000"/>
+            </a:schemeClr>
+          </a:lnRef>
+          <a:fillRef idx="1">
+            <a:schemeClr val="accent1"/>
+          </a:fillRef>
+          <a:effectRef idx="0">
+            <a:schemeClr val="accent1"/>
+          </a:effectRef>
+          <a:fontRef idx="minor">
+            <a:schemeClr val="lt1"/>
+          </a:fontRef>
+        </p:style>
+        <p:txBody>
+          <a:bodyPr rtlCol="0" anchor="ctr"/>
+          <a:lstStyle/>
+          <a:p>
+            <a:pPr algn="ctr"/>
+            <a:endParaRPr lang="zh-CN" altLang="en-US">
+              <a:ln>
+                <a:solidFill>
+                  <a:schemeClr val="tx1"/>
+                </a:solidFill>
+              </a:ln>
+            </a:endParaRPr>
+          </a:p>
+        </p:txBody>
+      </p:sp>
+      <p:sp>
+        <p:nvSpPr>
+          <p:cNvPr id="24" name="文本框 23"/>
+          <p:cNvSpPr txBox="1"/>
+          <p:nvPr/>
+        </p:nvSpPr>
+        <p:spPr>
+          <a:xfrm>
+            <a:off x="9640430" y="5502962"/>
+            <a:ext cx="2581836" cy="307777"/>
+          </a:xfrm>
+          <a:prstGeom prst="rect">
+            <a:avLst/>
+          </a:prstGeom>
+          <a:noFill/>
+        </p:spPr>
+        <p:txBody>
+          <a:bodyPr wrap="square" rtlCol="0">
+            <a:spAutoFit/>
+          </a:bodyPr>
+          <a:lstStyle/>
+          <a:p>
+            <a:pPr algn="ctr"/>
+            <a:r>
+              <a:rPr lang="en-US" altLang="zh-CN" sz="1400" dirty="0" err="1" smtClean="0">
+                <a:latin typeface="Consolas" panose="020B0609020204030204" pitchFamily="49" charset="0"/>
+                <a:cs typeface="Consolas" panose="020B0609020204030204" pitchFamily="49" charset="0"/>
+              </a:rPr>
+              <a:t>Mongodb</a:t>
+            </a:r>
+            <a:endParaRPr lang="en-US" altLang="zh-CN" sz="1400" dirty="0" smtClean="0">
+              <a:latin typeface="Consolas" panose="020B0609020204030204" pitchFamily="49" charset="0"/>
+              <a:cs typeface="Consolas" panose="020B0609020204030204" pitchFamily="49" charset="0"/>
+            </a:endParaRPr>
+          </a:p>
+        </p:txBody>
+      </p:sp>
+    </p:spTree>
+    <p:extLst>
+      <p:ext uri="{BB962C8B-B14F-4D97-AF65-F5344CB8AC3E}">
+        <p14:creationId xmlns:p14="http://schemas.microsoft.com/office/powerpoint/2010/main" val="1079151669"/>
+      </p:ext>
+    </p:extLst>
+  </p:cSld>
+  <p:clrMapOvr>
+    <a:masterClrMapping/>
+  </p:clrMapOvr>
+  <p:timing>
+    <p:tnLst>
+      <p:par>
+        <p:cTn id="1" dur="indefinite" restart="never" nodeType="tmRoot"/>
+      </p:par>
+    </p:tnLst>
+  </p:timing>
+</p:sld>
+</file>
+
+<file path=ppt/slides/slide4.xml><?xml version="1.0" encoding="utf-8"?>
+<p:sld xmlns:a="http://schemas.openxmlformats.org/drawingml/2006/main" xmlns:r="http://schemas.openxmlformats.org/officeDocument/2006/relationships" xmlns:p="http://schemas.openxmlformats.org/presentationml/2006/main">
+  <p:cSld>
+    <p:spTree>
+      <p:nvGrpSpPr>
+        <p:cNvPr id="1" name=""/>
+        <p:cNvGrpSpPr/>
+        <p:nvPr/>
+      </p:nvGrpSpPr>
+      <p:grpSpPr>
+        <a:xfrm>
+          <a:off x="0" y="0"/>
+          <a:ext cx="0" cy="0"/>
+          <a:chOff x="0" y="0"/>
+          <a:chExt cx="0" cy="0"/>
+        </a:xfrm>
+      </p:grpSpPr>
+    </p:spTree>
+    <p:extLst>
+      <p:ext uri="{BB962C8B-B14F-4D97-AF65-F5344CB8AC3E}">
+        <p14:creationId xmlns:p14="http://schemas.microsoft.com/office/powerpoint/2010/main" val="2430799395"/>
+      </p:ext>
+    </p:extLst>
+  </p:cSld>
+  <p:clrMapOvr>
+    <a:masterClrMapping/>
+  </p:clrMapOvr>
+  <p:timing>
+    <p:tnLst>
+      <p:par>
+        <p:cTn id="1" dur="indefinite" restart="never" nodeType="tmRoot"/>
+      </p:par>
+    </p:tnLst>
+  </p:timing>
 </p:sld>
 </file>
 

--- a/trunk/doc/30_ID.pptx
+++ b/trunk/doc/30_ID.pptx
@@ -8,7 +8,6 @@
     <p:sldId id="257" r:id="rId2"/>
     <p:sldId id="260" r:id="rId3"/>
     <p:sldId id="261" r:id="rId4"/>
-    <p:sldId id="262" r:id="rId5"/>
   </p:sldIdLst>
   <p:sldSz cx="12192000" cy="6858000"/>
   <p:notesSz cx="6858000" cy="9144000"/>
@@ -246,7 +245,7 @@
           <a:p>
             <a:fld id="{F6F91C30-DDD9-4B1D-B91C-42B16B1D2A1B}" type="datetimeFigureOut">
               <a:rPr lang="zh-CN" altLang="en-US" smtClean="0"/>
-              <a:t>2017/1/13</a:t>
+              <a:t>2017/2/9</a:t>
             </a:fld>
             <a:endParaRPr lang="zh-CN" altLang="en-US"/>
           </a:p>
@@ -416,7 +415,7 @@
           <a:p>
             <a:fld id="{F6F91C30-DDD9-4B1D-B91C-42B16B1D2A1B}" type="datetimeFigureOut">
               <a:rPr lang="zh-CN" altLang="en-US" smtClean="0"/>
-              <a:t>2017/1/13</a:t>
+              <a:t>2017/2/9</a:t>
             </a:fld>
             <a:endParaRPr lang="zh-CN" altLang="en-US"/>
           </a:p>
@@ -596,7 +595,7 @@
           <a:p>
             <a:fld id="{F6F91C30-DDD9-4B1D-B91C-42B16B1D2A1B}" type="datetimeFigureOut">
               <a:rPr lang="zh-CN" altLang="en-US" smtClean="0"/>
-              <a:t>2017/1/13</a:t>
+              <a:t>2017/2/9</a:t>
             </a:fld>
             <a:endParaRPr lang="zh-CN" altLang="en-US"/>
           </a:p>
@@ -766,7 +765,7 @@
           <a:p>
             <a:fld id="{F6F91C30-DDD9-4B1D-B91C-42B16B1D2A1B}" type="datetimeFigureOut">
               <a:rPr lang="zh-CN" altLang="en-US" smtClean="0"/>
-              <a:t>2017/1/13</a:t>
+              <a:t>2017/2/9</a:t>
             </a:fld>
             <a:endParaRPr lang="zh-CN" altLang="en-US"/>
           </a:p>
@@ -1012,7 +1011,7 @@
           <a:p>
             <a:fld id="{F6F91C30-DDD9-4B1D-B91C-42B16B1D2A1B}" type="datetimeFigureOut">
               <a:rPr lang="zh-CN" altLang="en-US" smtClean="0"/>
-              <a:t>2017/1/13</a:t>
+              <a:t>2017/2/9</a:t>
             </a:fld>
             <a:endParaRPr lang="zh-CN" altLang="en-US"/>
           </a:p>
@@ -1244,7 +1243,7 @@
           <a:p>
             <a:fld id="{F6F91C30-DDD9-4B1D-B91C-42B16B1D2A1B}" type="datetimeFigureOut">
               <a:rPr lang="zh-CN" altLang="en-US" smtClean="0"/>
-              <a:t>2017/1/13</a:t>
+              <a:t>2017/2/9</a:t>
             </a:fld>
             <a:endParaRPr lang="zh-CN" altLang="en-US"/>
           </a:p>
@@ -1611,7 +1610,7 @@
           <a:p>
             <a:fld id="{F6F91C30-DDD9-4B1D-B91C-42B16B1D2A1B}" type="datetimeFigureOut">
               <a:rPr lang="zh-CN" altLang="en-US" smtClean="0"/>
-              <a:t>2017/1/13</a:t>
+              <a:t>2017/2/9</a:t>
             </a:fld>
             <a:endParaRPr lang="zh-CN" altLang="en-US"/>
           </a:p>
@@ -1729,7 +1728,7 @@
           <a:p>
             <a:fld id="{F6F91C30-DDD9-4B1D-B91C-42B16B1D2A1B}" type="datetimeFigureOut">
               <a:rPr lang="zh-CN" altLang="en-US" smtClean="0"/>
-              <a:t>2017/1/13</a:t>
+              <a:t>2017/2/9</a:t>
             </a:fld>
             <a:endParaRPr lang="zh-CN" altLang="en-US"/>
           </a:p>
@@ -1824,7 +1823,7 @@
           <a:p>
             <a:fld id="{F6F91C30-DDD9-4B1D-B91C-42B16B1D2A1B}" type="datetimeFigureOut">
               <a:rPr lang="zh-CN" altLang="en-US" smtClean="0"/>
-              <a:t>2017/1/13</a:t>
+              <a:t>2017/2/9</a:t>
             </a:fld>
             <a:endParaRPr lang="zh-CN" altLang="en-US"/>
           </a:p>
@@ -2101,7 +2100,7 @@
           <a:p>
             <a:fld id="{F6F91C30-DDD9-4B1D-B91C-42B16B1D2A1B}" type="datetimeFigureOut">
               <a:rPr lang="zh-CN" altLang="en-US" smtClean="0"/>
-              <a:t>2017/1/13</a:t>
+              <a:t>2017/2/9</a:t>
             </a:fld>
             <a:endParaRPr lang="zh-CN" altLang="en-US"/>
           </a:p>
@@ -2354,7 +2353,7 @@
           <a:p>
             <a:fld id="{F6F91C30-DDD9-4B1D-B91C-42B16B1D2A1B}" type="datetimeFigureOut">
               <a:rPr lang="zh-CN" altLang="en-US" smtClean="0"/>
-              <a:t>2017/1/13</a:t>
+              <a:t>2017/2/9</a:t>
             </a:fld>
             <a:endParaRPr lang="zh-CN" altLang="en-US"/>
           </a:p>
@@ -2567,7 +2566,7 @@
           <a:p>
             <a:fld id="{F6F91C30-DDD9-4B1D-B91C-42B16B1D2A1B}" type="datetimeFigureOut">
               <a:rPr lang="zh-CN" altLang="en-US" smtClean="0"/>
-              <a:t>2017/1/13</a:t>
+              <a:t>2017/2/9</a:t>
             </a:fld>
             <a:endParaRPr lang="zh-CN" altLang="en-US"/>
           </a:p>
@@ -3594,6 +3593,15 @@
 <file path=ppt/slides/slide2.xml><?xml version="1.0" encoding="utf-8"?>
 <p:sld xmlns:a="http://schemas.openxmlformats.org/drawingml/2006/main" xmlns:r="http://schemas.openxmlformats.org/officeDocument/2006/relationships" xmlns:p="http://schemas.openxmlformats.org/presentationml/2006/main">
   <p:cSld>
+    <p:bg>
+      <p:bgPr>
+        <a:blipFill>
+          <a:blip r:embed="rId2"/>
+          <a:tile tx="0" ty="0" sx="100000" sy="100000" flip="none" algn="tl"/>
+        </a:blipFill>
+        <a:effectLst/>
+      </p:bgPr>
+    </p:bg>
     <p:spTree>
       <p:nvGrpSpPr>
         <p:cNvPr id="1" name=""/>
@@ -3610,63 +3618,63 @@
       </p:grpSpPr>
       <p:grpSp>
         <p:nvGrpSpPr>
-          <p:cNvPr id="58" name="组合 57"/>
+          <p:cNvPr id="8" name="组合 7"/>
           <p:cNvGrpSpPr/>
           <p:nvPr/>
         </p:nvGrpSpPr>
         <p:grpSpPr>
           <a:xfrm>
-            <a:off x="652889" y="152336"/>
-            <a:ext cx="10631552" cy="6555536"/>
-            <a:chOff x="-29499" y="192994"/>
-            <a:chExt cx="10631552" cy="6555536"/>
+            <a:off x="67740" y="39868"/>
+            <a:ext cx="12022790" cy="6726991"/>
+            <a:chOff x="67740" y="39868"/>
+            <a:chExt cx="12022790" cy="6726991"/>
           </a:xfrm>
         </p:grpSpPr>
         <p:grpSp>
           <p:nvGrpSpPr>
-            <p:cNvPr id="56" name="组合 55"/>
+            <p:cNvPr id="6" name="组合 5"/>
             <p:cNvGrpSpPr/>
             <p:nvPr/>
           </p:nvGrpSpPr>
           <p:grpSpPr>
             <a:xfrm>
-              <a:off x="964310" y="192994"/>
-              <a:ext cx="9637743" cy="6555536"/>
-              <a:chOff x="964310" y="192994"/>
-              <a:chExt cx="9637743" cy="6555536"/>
+              <a:off x="145140" y="147868"/>
+              <a:ext cx="11941917" cy="6564992"/>
+              <a:chOff x="-388164" y="155759"/>
+              <a:chExt cx="11941917" cy="6564992"/>
             </a:xfrm>
           </p:grpSpPr>
           <p:grpSp>
             <p:nvGrpSpPr>
-              <p:cNvPr id="51" name="组合 50"/>
+              <p:cNvPr id="58" name="组合 57"/>
               <p:cNvGrpSpPr/>
               <p:nvPr/>
             </p:nvGrpSpPr>
             <p:grpSpPr>
               <a:xfrm>
-                <a:off x="964310" y="192994"/>
-                <a:ext cx="9637743" cy="6555536"/>
-                <a:chOff x="964310" y="192994"/>
-                <a:chExt cx="9637743" cy="6555536"/>
+                <a:off x="-388164" y="155759"/>
+                <a:ext cx="11837390" cy="6564992"/>
+                <a:chOff x="964310" y="183538"/>
+                <a:chExt cx="11837390" cy="6564992"/>
               </a:xfrm>
             </p:grpSpPr>
             <p:grpSp>
               <p:nvGrpSpPr>
-                <p:cNvPr id="36" name="组合 35"/>
+                <p:cNvPr id="56" name="组合 55"/>
                 <p:cNvGrpSpPr/>
                 <p:nvPr/>
               </p:nvGrpSpPr>
               <p:grpSpPr>
                 <a:xfrm>
                   <a:off x="964310" y="192994"/>
-                  <a:ext cx="9637743" cy="6555536"/>
+                  <a:ext cx="9637744" cy="6555536"/>
                   <a:chOff x="964310" y="192994"/>
-                  <a:chExt cx="9637743" cy="6555536"/>
+                  <a:chExt cx="9637744" cy="6555536"/>
                 </a:xfrm>
               </p:grpSpPr>
               <p:grpSp>
                 <p:nvGrpSpPr>
-                  <p:cNvPr id="26" name="组合 25"/>
+                  <p:cNvPr id="51" name="组合 50"/>
                   <p:cNvGrpSpPr/>
                   <p:nvPr/>
                 </p:nvGrpSpPr>
@@ -3674,50 +3682,1862 @@
                   <a:xfrm>
                     <a:off x="964310" y="192994"/>
                     <a:ext cx="9623468" cy="6555536"/>
-                    <a:chOff x="964310" y="605117"/>
+                    <a:chOff x="964310" y="192994"/>
                     <a:chExt cx="9623468" cy="6555536"/>
                   </a:xfrm>
                 </p:grpSpPr>
                 <p:grpSp>
                   <p:nvGrpSpPr>
-                    <p:cNvPr id="80" name="组合 79"/>
+                    <p:cNvPr id="36" name="组合 35"/>
                     <p:cNvGrpSpPr/>
                     <p:nvPr/>
                   </p:nvGrpSpPr>
                   <p:grpSpPr>
                     <a:xfrm>
-                      <a:off x="964310" y="605117"/>
+                      <a:off x="964310" y="192994"/>
                       <a:ext cx="9623468" cy="6555536"/>
-                      <a:chOff x="-90767" y="605116"/>
+                      <a:chOff x="964310" y="192994"/>
                       <a:chExt cx="9623468" cy="6555536"/>
                     </a:xfrm>
                   </p:grpSpPr>
+                  <p:grpSp>
+                    <p:nvGrpSpPr>
+                      <p:cNvPr id="26" name="组合 25"/>
+                      <p:cNvGrpSpPr/>
+                      <p:nvPr/>
+                    </p:nvGrpSpPr>
+                    <p:grpSpPr>
+                      <a:xfrm>
+                        <a:off x="964310" y="192994"/>
+                        <a:ext cx="9623468" cy="6555536"/>
+                        <a:chOff x="964310" y="605117"/>
+                        <a:chExt cx="9623468" cy="6555536"/>
+                      </a:xfrm>
+                    </p:grpSpPr>
+                    <p:grpSp>
+                      <p:nvGrpSpPr>
+                        <p:cNvPr id="80" name="组合 79"/>
+                        <p:cNvGrpSpPr/>
+                        <p:nvPr/>
+                      </p:nvGrpSpPr>
+                      <p:grpSpPr>
+                        <a:xfrm>
+                          <a:off x="964310" y="605117"/>
+                          <a:ext cx="9623468" cy="6555536"/>
+                          <a:chOff x="-90767" y="605116"/>
+                          <a:chExt cx="9623468" cy="6555536"/>
+                        </a:xfrm>
+                      </p:grpSpPr>
+                      <p:sp>
+                        <p:nvSpPr>
+                          <p:cNvPr id="25" name="圆角矩形 24"/>
+                          <p:cNvSpPr/>
+                          <p:nvPr/>
+                        </p:nvSpPr>
+                        <p:spPr>
+                          <a:xfrm>
+                            <a:off x="7159666" y="605116"/>
+                            <a:ext cx="2164234" cy="6555535"/>
+                          </a:xfrm>
+                          <a:prstGeom prst="roundRect">
+                            <a:avLst>
+                              <a:gd name="adj" fmla="val 9192"/>
+                            </a:avLst>
+                          </a:prstGeom>
+                          <a:solidFill>
+                            <a:srgbClr val="FFCCFF">
+                              <a:alpha val="70000"/>
+                            </a:srgbClr>
+                          </a:solidFill>
+                          <a:ln>
+                            <a:solidFill>
+                              <a:schemeClr val="tx1"/>
+                            </a:solidFill>
+                          </a:ln>
+                        </p:spPr>
+                        <p:style>
+                          <a:lnRef idx="2">
+                            <a:schemeClr val="accent1">
+                              <a:shade val="50000"/>
+                            </a:schemeClr>
+                          </a:lnRef>
+                          <a:fillRef idx="1">
+                            <a:schemeClr val="accent1"/>
+                          </a:fillRef>
+                          <a:effectRef idx="0">
+                            <a:schemeClr val="accent1"/>
+                          </a:effectRef>
+                          <a:fontRef idx="minor">
+                            <a:schemeClr val="lt1"/>
+                          </a:fontRef>
+                        </p:style>
+                        <p:txBody>
+                          <a:bodyPr rtlCol="0" anchor="ctr"/>
+                          <a:lstStyle/>
+                          <a:p>
+                            <a:pPr algn="ctr"/>
+                            <a:endParaRPr lang="zh-CN" altLang="en-US">
+                              <a:latin typeface="Consolas" panose="020B0609020204030204" pitchFamily="49" charset="0"/>
+                              <a:cs typeface="Consolas" panose="020B0609020204030204" pitchFamily="49" charset="0"/>
+                            </a:endParaRPr>
+                          </a:p>
+                        </p:txBody>
+                      </p:sp>
+                      <p:sp>
+                        <p:nvSpPr>
+                          <p:cNvPr id="54" name="圆角矩形 53"/>
+                          <p:cNvSpPr/>
+                          <p:nvPr/>
+                        </p:nvSpPr>
+                        <p:spPr>
+                          <a:xfrm>
+                            <a:off x="7345524" y="878099"/>
+                            <a:ext cx="1792518" cy="1733071"/>
+                          </a:xfrm>
+                          <a:prstGeom prst="roundRect">
+                            <a:avLst>
+                              <a:gd name="adj" fmla="val 8493"/>
+                            </a:avLst>
+                          </a:prstGeom>
+                          <a:solidFill>
+                            <a:srgbClr val="99CCFF"/>
+                          </a:solidFill>
+                        </p:spPr>
+                        <p:style>
+                          <a:lnRef idx="2">
+                            <a:schemeClr val="accent1">
+                              <a:shade val="50000"/>
+                            </a:schemeClr>
+                          </a:lnRef>
+                          <a:fillRef idx="1">
+                            <a:schemeClr val="accent1"/>
+                          </a:fillRef>
+                          <a:effectRef idx="0">
+                            <a:schemeClr val="accent1"/>
+                          </a:effectRef>
+                          <a:fontRef idx="minor">
+                            <a:schemeClr val="lt1"/>
+                          </a:fontRef>
+                        </p:style>
+                        <p:txBody>
+                          <a:bodyPr rtlCol="0" anchor="ctr"/>
+                          <a:lstStyle/>
+                          <a:p>
+                            <a:pPr algn="ctr"/>
+                            <a:endParaRPr lang="zh-CN" altLang="en-US"/>
+                          </a:p>
+                        </p:txBody>
+                      </p:sp>
+                      <p:sp>
+                        <p:nvSpPr>
+                          <p:cNvPr id="2" name="圆角矩形 1"/>
+                          <p:cNvSpPr/>
+                          <p:nvPr/>
+                        </p:nvSpPr>
+                        <p:spPr>
+                          <a:xfrm>
+                            <a:off x="2695851" y="605116"/>
+                            <a:ext cx="3348507" cy="5821440"/>
+                          </a:xfrm>
+                          <a:prstGeom prst="roundRect">
+                            <a:avLst>
+                              <a:gd name="adj" fmla="val 5898"/>
+                            </a:avLst>
+                          </a:prstGeom>
+                          <a:solidFill>
+                            <a:schemeClr val="accent5">
+                              <a:lumMod val="40000"/>
+                              <a:lumOff val="60000"/>
+                              <a:alpha val="70000"/>
+                            </a:schemeClr>
+                          </a:solidFill>
+                          <a:ln>
+                            <a:solidFill>
+                              <a:schemeClr val="tx1"/>
+                            </a:solidFill>
+                          </a:ln>
+                        </p:spPr>
+                        <p:style>
+                          <a:lnRef idx="2">
+                            <a:schemeClr val="accent1">
+                              <a:shade val="50000"/>
+                            </a:schemeClr>
+                          </a:lnRef>
+                          <a:fillRef idx="1">
+                            <a:schemeClr val="accent1"/>
+                          </a:fillRef>
+                          <a:effectRef idx="0">
+                            <a:schemeClr val="accent1"/>
+                          </a:effectRef>
+                          <a:fontRef idx="minor">
+                            <a:schemeClr val="lt1"/>
+                          </a:fontRef>
+                        </p:style>
+                        <p:txBody>
+                          <a:bodyPr rtlCol="0" anchor="ctr"/>
+                          <a:lstStyle/>
+                          <a:p>
+                            <a:pPr algn="ctr"/>
+                            <a:endParaRPr lang="zh-CN" altLang="en-US">
+                              <a:latin typeface="Consolas" panose="020B0609020204030204" pitchFamily="49" charset="0"/>
+                              <a:cs typeface="Consolas" panose="020B0609020204030204" pitchFamily="49" charset="0"/>
+                            </a:endParaRPr>
+                          </a:p>
+                        </p:txBody>
+                      </p:sp>
+                      <p:sp>
+                        <p:nvSpPr>
+                          <p:cNvPr id="4" name="圆角矩形 3"/>
+                          <p:cNvSpPr/>
+                          <p:nvPr/>
+                        </p:nvSpPr>
+                        <p:spPr>
+                          <a:xfrm>
+                            <a:off x="510988" y="605117"/>
+                            <a:ext cx="1378326" cy="6555535"/>
+                          </a:xfrm>
+                          <a:prstGeom prst="roundRect">
+                            <a:avLst>
+                              <a:gd name="adj" fmla="val 11061"/>
+                            </a:avLst>
+                          </a:prstGeom>
+                          <a:solidFill>
+                            <a:schemeClr val="bg1">
+                              <a:lumMod val="75000"/>
+                              <a:alpha val="70000"/>
+                            </a:schemeClr>
+                          </a:solidFill>
+                          <a:ln>
+                            <a:solidFill>
+                              <a:schemeClr val="tx1"/>
+                            </a:solidFill>
+                          </a:ln>
+                        </p:spPr>
+                        <p:style>
+                          <a:lnRef idx="2">
+                            <a:schemeClr val="accent1">
+                              <a:shade val="50000"/>
+                            </a:schemeClr>
+                          </a:lnRef>
+                          <a:fillRef idx="1">
+                            <a:schemeClr val="accent1"/>
+                          </a:fillRef>
+                          <a:effectRef idx="0">
+                            <a:schemeClr val="accent1"/>
+                          </a:effectRef>
+                          <a:fontRef idx="minor">
+                            <a:schemeClr val="lt1"/>
+                          </a:fontRef>
+                        </p:style>
+                        <p:txBody>
+                          <a:bodyPr rtlCol="0" anchor="ctr"/>
+                          <a:lstStyle/>
+                          <a:p>
+                            <a:pPr algn="ctr"/>
+                            <a:endParaRPr lang="zh-CN" altLang="en-US">
+                              <a:latin typeface="Consolas" panose="020B0609020204030204" pitchFamily="49" charset="0"/>
+                              <a:cs typeface="Consolas" panose="020B0609020204030204" pitchFamily="49" charset="0"/>
+                            </a:endParaRPr>
+                          </a:p>
+                        </p:txBody>
+                      </p:sp>
+                      <p:sp>
+                        <p:nvSpPr>
+                          <p:cNvPr id="5" name="文本框 4"/>
+                          <p:cNvSpPr txBox="1"/>
+                          <p:nvPr/>
+                        </p:nvSpPr>
+                        <p:spPr>
+                          <a:xfrm>
+                            <a:off x="-90767" y="837062"/>
+                            <a:ext cx="2581836" cy="307777"/>
+                          </a:xfrm>
+                          <a:prstGeom prst="rect">
+                            <a:avLst/>
+                          </a:prstGeom>
+                          <a:noFill/>
+                        </p:spPr>
+                        <p:txBody>
+                          <a:bodyPr wrap="square" rtlCol="0">
+                            <a:spAutoFit/>
+                          </a:bodyPr>
+                          <a:lstStyle/>
+                          <a:p>
+                            <a:pPr algn="ctr"/>
+                            <a:r>
+                              <a:rPr lang="en-US" altLang="zh-CN" sz="1400" b="1" dirty="0" smtClean="0">
+                                <a:effectLst>
+                                  <a:outerShdw blurRad="38100" dist="38100" dir="2700000" algn="tl">
+                                    <a:srgbClr val="000000">
+                                      <a:alpha val="43137"/>
+                                    </a:srgbClr>
+                                  </a:outerShdw>
+                                </a:effectLst>
+                                <a:latin typeface="Consolas" panose="020B0609020204030204" pitchFamily="49" charset="0"/>
+                                <a:cs typeface="Consolas" panose="020B0609020204030204" pitchFamily="49" charset="0"/>
+                              </a:rPr>
+                              <a:t>Data Source</a:t>
+                            </a:r>
+                          </a:p>
+                        </p:txBody>
+                      </p:sp>
+                      <p:sp>
+                        <p:nvSpPr>
+                          <p:cNvPr id="27" name="右箭头 26"/>
+                          <p:cNvSpPr/>
+                          <p:nvPr/>
+                        </p:nvSpPr>
+                        <p:spPr>
+                          <a:xfrm>
+                            <a:off x="6394089" y="6154589"/>
+                            <a:ext cx="862750" cy="368843"/>
+                          </a:xfrm>
+                          <a:prstGeom prst="rightArrow">
+                            <a:avLst/>
+                          </a:prstGeom>
+                          <a:gradFill>
+                            <a:gsLst>
+                              <a:gs pos="0">
+                                <a:schemeClr val="accent5">
+                                  <a:lumMod val="75000"/>
+                                </a:schemeClr>
+                              </a:gs>
+                              <a:gs pos="100000">
+                                <a:schemeClr val="accent5">
+                                  <a:lumMod val="20000"/>
+                                  <a:lumOff val="80000"/>
+                                </a:schemeClr>
+                              </a:gs>
+                            </a:gsLst>
+                            <a:lin ang="0" scaled="1"/>
+                          </a:gradFill>
+                        </p:spPr>
+                        <p:style>
+                          <a:lnRef idx="2">
+                            <a:schemeClr val="accent6">
+                              <a:shade val="50000"/>
+                            </a:schemeClr>
+                          </a:lnRef>
+                          <a:fillRef idx="1">
+                            <a:schemeClr val="accent6"/>
+                          </a:fillRef>
+                          <a:effectRef idx="0">
+                            <a:schemeClr val="accent6"/>
+                          </a:effectRef>
+                          <a:fontRef idx="minor">
+                            <a:schemeClr val="lt1"/>
+                          </a:fontRef>
+                        </p:style>
+                        <p:txBody>
+                          <a:bodyPr rtlCol="0" anchor="ctr"/>
+                          <a:lstStyle/>
+                          <a:p>
+                            <a:pPr algn="ctr"/>
+                            <a:endParaRPr lang="zh-CN" altLang="en-US">
+                              <a:latin typeface="Consolas" panose="020B0609020204030204" pitchFamily="49" charset="0"/>
+                              <a:cs typeface="Consolas" panose="020B0609020204030204" pitchFamily="49" charset="0"/>
+                            </a:endParaRPr>
+                          </a:p>
+                        </p:txBody>
+                      </p:sp>
+                      <p:sp>
+                        <p:nvSpPr>
+                          <p:cNvPr id="28" name="右箭头 27"/>
+                          <p:cNvSpPr/>
+                          <p:nvPr/>
+                        </p:nvSpPr>
+                        <p:spPr>
+                          <a:xfrm>
+                            <a:off x="6040218" y="1524376"/>
+                            <a:ext cx="1218434" cy="368843"/>
+                          </a:xfrm>
+                          <a:prstGeom prst="rightArrow">
+                            <a:avLst/>
+                          </a:prstGeom>
+                          <a:gradFill>
+                            <a:gsLst>
+                              <a:gs pos="0">
+                                <a:schemeClr val="accent4">
+                                  <a:lumMod val="75000"/>
+                                </a:schemeClr>
+                              </a:gs>
+                              <a:gs pos="100000">
+                                <a:schemeClr val="accent2">
+                                  <a:lumMod val="20000"/>
+                                  <a:lumOff val="80000"/>
+                                </a:schemeClr>
+                              </a:gs>
+                            </a:gsLst>
+                            <a:lin ang="0" scaled="1"/>
+                          </a:gradFill>
+                        </p:spPr>
+                        <p:style>
+                          <a:lnRef idx="2">
+                            <a:schemeClr val="accent6">
+                              <a:shade val="50000"/>
+                            </a:schemeClr>
+                          </a:lnRef>
+                          <a:fillRef idx="1">
+                            <a:schemeClr val="accent6"/>
+                          </a:fillRef>
+                          <a:effectRef idx="0">
+                            <a:schemeClr val="accent6"/>
+                          </a:effectRef>
+                          <a:fontRef idx="minor">
+                            <a:schemeClr val="lt1"/>
+                          </a:fontRef>
+                        </p:style>
+                        <p:txBody>
+                          <a:bodyPr rtlCol="0" anchor="ctr"/>
+                          <a:lstStyle/>
+                          <a:p>
+                            <a:pPr algn="ctr"/>
+                            <a:endParaRPr lang="zh-CN" altLang="en-US">
+                              <a:latin typeface="Consolas" panose="020B0609020204030204" pitchFamily="49" charset="0"/>
+                              <a:cs typeface="Consolas" panose="020B0609020204030204" pitchFamily="49" charset="0"/>
+                            </a:endParaRPr>
+                          </a:p>
+                        </p:txBody>
+                      </p:sp>
+                      <p:sp>
+                        <p:nvSpPr>
+                          <p:cNvPr id="29" name="右箭头 28"/>
+                          <p:cNvSpPr/>
+                          <p:nvPr/>
+                        </p:nvSpPr>
+                        <p:spPr>
+                          <a:xfrm>
+                            <a:off x="1889310" y="2060369"/>
+                            <a:ext cx="905405" cy="368843"/>
+                          </a:xfrm>
+                          <a:prstGeom prst="rightArrow">
+                            <a:avLst/>
+                          </a:prstGeom>
+                          <a:gradFill flip="none" rotWithShape="1">
+                            <a:gsLst>
+                              <a:gs pos="0">
+                                <a:schemeClr val="accent6">
+                                  <a:lumMod val="75000"/>
+                                </a:schemeClr>
+                              </a:gs>
+                              <a:gs pos="100000">
+                                <a:schemeClr val="accent6">
+                                  <a:lumMod val="20000"/>
+                                  <a:lumOff val="80000"/>
+                                </a:schemeClr>
+                              </a:gs>
+                            </a:gsLst>
+                            <a:lin ang="0" scaled="1"/>
+                            <a:tileRect/>
+                          </a:gradFill>
+                        </p:spPr>
+                        <p:style>
+                          <a:lnRef idx="2">
+                            <a:schemeClr val="accent6">
+                              <a:shade val="50000"/>
+                            </a:schemeClr>
+                          </a:lnRef>
+                          <a:fillRef idx="1">
+                            <a:schemeClr val="accent6"/>
+                          </a:fillRef>
+                          <a:effectRef idx="0">
+                            <a:schemeClr val="accent6"/>
+                          </a:effectRef>
+                          <a:fontRef idx="minor">
+                            <a:schemeClr val="lt1"/>
+                          </a:fontRef>
+                        </p:style>
+                        <p:txBody>
+                          <a:bodyPr rtlCol="0" anchor="ctr"/>
+                          <a:lstStyle/>
+                          <a:p>
+                            <a:pPr algn="ctr"/>
+                            <a:endParaRPr lang="zh-CN" altLang="en-US">
+                              <a:latin typeface="Consolas" panose="020B0609020204030204" pitchFamily="49" charset="0"/>
+                              <a:cs typeface="Consolas" panose="020B0609020204030204" pitchFamily="49" charset="0"/>
+                            </a:endParaRPr>
+                          </a:p>
+                        </p:txBody>
+                      </p:sp>
+                      <p:sp>
+                        <p:nvSpPr>
+                          <p:cNvPr id="37" name="矩形 36"/>
+                          <p:cNvSpPr/>
+                          <p:nvPr/>
+                        </p:nvSpPr>
+                        <p:spPr>
+                          <a:xfrm rot="16200000">
+                            <a:off x="4333443" y="4415154"/>
+                            <a:ext cx="383242" cy="4851609"/>
+                          </a:xfrm>
+                          <a:prstGeom prst="rect">
+                            <a:avLst/>
+                          </a:prstGeom>
+                          <a:solidFill>
+                            <a:srgbClr val="FFFF00"/>
+                          </a:solidFill>
+                          <a:ln>
+                            <a:solidFill>
+                              <a:schemeClr val="tx1"/>
+                            </a:solidFill>
+                          </a:ln>
+                          <a:effectLst>
+                            <a:innerShdw blurRad="63500" dist="50800" dir="10800000">
+                              <a:prstClr val="black">
+                                <a:alpha val="50000"/>
+                              </a:prstClr>
+                            </a:innerShdw>
+                          </a:effectLst>
+                        </p:spPr>
+                        <p:style>
+                          <a:lnRef idx="2">
+                            <a:schemeClr val="accent1">
+                              <a:shade val="50000"/>
+                            </a:schemeClr>
+                          </a:lnRef>
+                          <a:fillRef idx="1">
+                            <a:schemeClr val="accent1"/>
+                          </a:fillRef>
+                          <a:effectRef idx="0">
+                            <a:schemeClr val="accent1"/>
+                          </a:effectRef>
+                          <a:fontRef idx="minor">
+                            <a:schemeClr val="lt1"/>
+                          </a:fontRef>
+                        </p:style>
+                        <p:txBody>
+                          <a:bodyPr rtlCol="0" anchor="ctr"/>
+                          <a:lstStyle/>
+                          <a:p>
+                            <a:pPr algn="ctr"/>
+                            <a:endParaRPr lang="zh-CN" altLang="en-US">
+                              <a:latin typeface="Consolas" panose="020B0609020204030204" pitchFamily="49" charset="0"/>
+                              <a:cs typeface="Consolas" panose="020B0609020204030204" pitchFamily="49" charset="0"/>
+                            </a:endParaRPr>
+                          </a:p>
+                        </p:txBody>
+                      </p:sp>
+                      <p:sp>
+                        <p:nvSpPr>
+                          <p:cNvPr id="32" name="文本框 31"/>
+                          <p:cNvSpPr txBox="1"/>
+                          <p:nvPr/>
+                        </p:nvSpPr>
+                        <p:spPr>
+                          <a:xfrm>
+                            <a:off x="3079186" y="721054"/>
+                            <a:ext cx="2581836" cy="584775"/>
+                          </a:xfrm>
+                          <a:prstGeom prst="rect">
+                            <a:avLst/>
+                          </a:prstGeom>
+                          <a:noFill/>
+                        </p:spPr>
+                        <p:txBody>
+                          <a:bodyPr wrap="square" rtlCol="0">
+                            <a:spAutoFit/>
+                          </a:bodyPr>
+                          <a:lstStyle/>
+                          <a:p>
+                            <a:pPr algn="ctr"/>
+                            <a:r>
+                              <a:rPr lang="en-US" altLang="zh-CN" b="1" dirty="0" smtClean="0">
+                                <a:effectLst>
+                                  <a:outerShdw blurRad="38100" dist="38100" dir="2700000" algn="tl">
+                                    <a:srgbClr val="000000">
+                                      <a:alpha val="43137"/>
+                                    </a:srgbClr>
+                                  </a:outerShdw>
+                                </a:effectLst>
+                                <a:latin typeface="Consolas" panose="020B0609020204030204" pitchFamily="49" charset="0"/>
+                                <a:cs typeface="Consolas" panose="020B0609020204030204" pitchFamily="49" charset="0"/>
+                              </a:rPr>
+                              <a:t>Data Platform</a:t>
+                            </a:r>
+                          </a:p>
+                          <a:p>
+                            <a:pPr algn="ctr"/>
+                            <a:r>
+                              <a:rPr lang="en-US" altLang="zh-CN" sz="1400" dirty="0" err="1" smtClean="0">
+                                <a:effectLst>
+                                  <a:outerShdw blurRad="38100" dist="38100" dir="2700000" algn="tl">
+                                    <a:srgbClr val="000000">
+                                      <a:alpha val="43137"/>
+                                    </a:srgbClr>
+                                  </a:outerShdw>
+                                </a:effectLst>
+                                <a:latin typeface="Consolas" panose="020B0609020204030204" pitchFamily="49" charset="0"/>
+                                <a:cs typeface="Consolas" panose="020B0609020204030204" pitchFamily="49" charset="0"/>
+                              </a:rPr>
+                              <a:t>Hadoop</a:t>
+                            </a:r>
+                            <a:r>
+                              <a:rPr lang="en-US" altLang="zh-CN" sz="1400" dirty="0" smtClean="0">
+                                <a:effectLst>
+                                  <a:outerShdw blurRad="38100" dist="38100" dir="2700000" algn="tl">
+                                    <a:srgbClr val="000000">
+                                      <a:alpha val="43137"/>
+                                    </a:srgbClr>
+                                  </a:outerShdw>
+                                </a:effectLst>
+                                <a:latin typeface="Consolas" panose="020B0609020204030204" pitchFamily="49" charset="0"/>
+                                <a:cs typeface="Consolas" panose="020B0609020204030204" pitchFamily="49" charset="0"/>
+                              </a:rPr>
+                              <a:t> </a:t>
+                            </a:r>
+                            <a:r>
+                              <a:rPr lang="en-US" altLang="zh-CN" sz="1400" dirty="0" err="1" smtClean="0">
+                                <a:effectLst>
+                                  <a:outerShdw blurRad="38100" dist="38100" dir="2700000" algn="tl">
+                                    <a:srgbClr val="000000">
+                                      <a:alpha val="43137"/>
+                                    </a:srgbClr>
+                                  </a:outerShdw>
+                                </a:effectLst>
+                                <a:latin typeface="Consolas" panose="020B0609020204030204" pitchFamily="49" charset="0"/>
+                                <a:cs typeface="Consolas" panose="020B0609020204030204" pitchFamily="49" charset="0"/>
+                              </a:rPr>
+                              <a:t>Clust</a:t>
+                            </a:r>
+                            <a:endParaRPr lang="en-US" altLang="zh-CN" sz="1400" dirty="0" smtClean="0">
+                              <a:effectLst>
+                                <a:outerShdw blurRad="38100" dist="38100" dir="2700000" algn="tl">
+                                  <a:srgbClr val="000000">
+                                    <a:alpha val="43137"/>
+                                  </a:srgbClr>
+                                </a:outerShdw>
+                              </a:effectLst>
+                              <a:latin typeface="Consolas" panose="020B0609020204030204" pitchFamily="49" charset="0"/>
+                              <a:cs typeface="Consolas" panose="020B0609020204030204" pitchFamily="49" charset="0"/>
+                            </a:endParaRPr>
+                          </a:p>
+                        </p:txBody>
+                      </p:sp>
+                      <p:sp>
+                        <p:nvSpPr>
+                          <p:cNvPr id="3" name="圆角矩形 2"/>
+                          <p:cNvSpPr/>
+                          <p:nvPr/>
+                        </p:nvSpPr>
+                        <p:spPr>
+                          <a:xfrm>
+                            <a:off x="3490175" y="1314387"/>
+                            <a:ext cx="2364185" cy="1841503"/>
+                          </a:xfrm>
+                          <a:prstGeom prst="roundRect">
+                            <a:avLst>
+                              <a:gd name="adj" fmla="val 8974"/>
+                            </a:avLst>
+                          </a:prstGeom>
+                          <a:solidFill>
+                            <a:schemeClr val="accent4">
+                              <a:lumMod val="75000"/>
+                            </a:schemeClr>
+                          </a:solidFill>
+                        </p:spPr>
+                        <p:style>
+                          <a:lnRef idx="2">
+                            <a:schemeClr val="accent1">
+                              <a:shade val="50000"/>
+                            </a:schemeClr>
+                          </a:lnRef>
+                          <a:fillRef idx="1">
+                            <a:schemeClr val="accent1"/>
+                          </a:fillRef>
+                          <a:effectRef idx="0">
+                            <a:schemeClr val="accent1"/>
+                          </a:effectRef>
+                          <a:fontRef idx="minor">
+                            <a:schemeClr val="lt1"/>
+                          </a:fontRef>
+                        </p:style>
+                        <p:txBody>
+                          <a:bodyPr rtlCol="0" anchor="ctr"/>
+                          <a:lstStyle/>
+                          <a:p>
+                            <a:pPr algn="ctr"/>
+                            <a:endParaRPr lang="zh-CN" altLang="en-US">
+                              <a:latin typeface="Consolas" panose="020B0609020204030204" pitchFamily="49" charset="0"/>
+                              <a:cs typeface="Consolas" panose="020B0609020204030204" pitchFamily="49" charset="0"/>
+                            </a:endParaRPr>
+                          </a:p>
+                        </p:txBody>
+                      </p:sp>
+                      <p:sp>
+                        <p:nvSpPr>
+                          <p:cNvPr id="33" name="文本框 32"/>
+                          <p:cNvSpPr txBox="1"/>
+                          <p:nvPr/>
+                        </p:nvSpPr>
+                        <p:spPr>
+                          <a:xfrm>
+                            <a:off x="3335199" y="1459512"/>
+                            <a:ext cx="2581836" cy="307777"/>
+                          </a:xfrm>
+                          <a:prstGeom prst="rect">
+                            <a:avLst/>
+                          </a:prstGeom>
+                          <a:noFill/>
+                        </p:spPr>
+                        <p:txBody>
+                          <a:bodyPr wrap="square" rtlCol="0">
+                            <a:spAutoFit/>
+                          </a:bodyPr>
+                          <a:lstStyle/>
+                          <a:p>
+                            <a:pPr algn="ctr"/>
+                            <a:r>
+                              <a:rPr lang="en-US" altLang="zh-CN" sz="1400" dirty="0" smtClean="0">
+                                <a:latin typeface="Consolas" panose="020B0609020204030204" pitchFamily="49" charset="0"/>
+                                <a:cs typeface="Consolas" panose="020B0609020204030204" pitchFamily="49" charset="0"/>
+                              </a:rPr>
+                              <a:t>Batch Processing</a:t>
+                            </a:r>
+                          </a:p>
+                        </p:txBody>
+                      </p:sp>
+                      <p:sp>
+                        <p:nvSpPr>
+                          <p:cNvPr id="40" name="右箭头 39"/>
+                          <p:cNvSpPr/>
+                          <p:nvPr/>
+                        </p:nvSpPr>
+                        <p:spPr>
+                          <a:xfrm>
+                            <a:off x="3203807" y="2058277"/>
+                            <a:ext cx="411787" cy="368843"/>
+                          </a:xfrm>
+                          <a:prstGeom prst="rightArrow">
+                            <a:avLst/>
+                          </a:prstGeom>
+                          <a:gradFill>
+                            <a:gsLst>
+                              <a:gs pos="0">
+                                <a:schemeClr val="accent2">
+                                  <a:lumMod val="75000"/>
+                                </a:schemeClr>
+                              </a:gs>
+                              <a:gs pos="100000">
+                                <a:schemeClr val="accent2">
+                                  <a:lumMod val="20000"/>
+                                  <a:lumOff val="80000"/>
+                                </a:schemeClr>
+                              </a:gs>
+                            </a:gsLst>
+                            <a:lin ang="0" scaled="1"/>
+                          </a:gradFill>
+                        </p:spPr>
+                        <p:style>
+                          <a:lnRef idx="2">
+                            <a:schemeClr val="accent6">
+                              <a:shade val="50000"/>
+                            </a:schemeClr>
+                          </a:lnRef>
+                          <a:fillRef idx="1">
+                            <a:schemeClr val="accent6"/>
+                          </a:fillRef>
+                          <a:effectRef idx="0">
+                            <a:schemeClr val="accent6"/>
+                          </a:effectRef>
+                          <a:fontRef idx="minor">
+                            <a:schemeClr val="lt1"/>
+                          </a:fontRef>
+                        </p:style>
+                        <p:txBody>
+                          <a:bodyPr rtlCol="0" anchor="ctr"/>
+                          <a:lstStyle/>
+                          <a:p>
+                            <a:pPr algn="ctr"/>
+                            <a:endParaRPr lang="zh-CN" altLang="en-US">
+                              <a:latin typeface="Consolas" panose="020B0609020204030204" pitchFamily="49" charset="0"/>
+                              <a:cs typeface="Consolas" panose="020B0609020204030204" pitchFamily="49" charset="0"/>
+                            </a:endParaRPr>
+                          </a:p>
+                        </p:txBody>
+                      </p:sp>
+                      <p:sp>
+                        <p:nvSpPr>
+                          <p:cNvPr id="11" name="矩形 10"/>
+                          <p:cNvSpPr/>
+                          <p:nvPr/>
+                        </p:nvSpPr>
+                        <p:spPr>
+                          <a:xfrm>
+                            <a:off x="3683358" y="1824771"/>
+                            <a:ext cx="334850" cy="869700"/>
+                          </a:xfrm>
+                          <a:prstGeom prst="rect">
+                            <a:avLst/>
+                          </a:prstGeom>
+                          <a:solidFill>
+                            <a:schemeClr val="accent4">
+                              <a:lumMod val="60000"/>
+                              <a:lumOff val="40000"/>
+                            </a:schemeClr>
+                          </a:solidFill>
+                          <a:effectLst>
+                            <a:outerShdw blurRad="50800" dist="38100" dir="2700000" algn="tl" rotWithShape="0">
+                              <a:prstClr val="black">
+                                <a:alpha val="40000"/>
+                              </a:prstClr>
+                            </a:outerShdw>
+                          </a:effectLst>
+                        </p:spPr>
+                        <p:style>
+                          <a:lnRef idx="2">
+                            <a:schemeClr val="accent1">
+                              <a:shade val="50000"/>
+                            </a:schemeClr>
+                          </a:lnRef>
+                          <a:fillRef idx="1">
+                            <a:schemeClr val="accent1"/>
+                          </a:fillRef>
+                          <a:effectRef idx="0">
+                            <a:schemeClr val="accent1"/>
+                          </a:effectRef>
+                          <a:fontRef idx="minor">
+                            <a:schemeClr val="lt1"/>
+                          </a:fontRef>
+                        </p:style>
+                        <p:txBody>
+                          <a:bodyPr rtlCol="0" anchor="ctr"/>
+                          <a:lstStyle/>
+                          <a:p>
+                            <a:pPr algn="ctr"/>
+                            <a:endParaRPr lang="zh-CN" altLang="en-US">
+                              <a:latin typeface="Consolas" panose="020B0609020204030204" pitchFamily="49" charset="0"/>
+                              <a:cs typeface="Consolas" panose="020B0609020204030204" pitchFamily="49" charset="0"/>
+                            </a:endParaRPr>
+                          </a:p>
+                        </p:txBody>
+                      </p:sp>
+                      <p:sp>
+                        <p:nvSpPr>
+                          <p:cNvPr id="42" name="矩形 41"/>
+                          <p:cNvSpPr/>
+                          <p:nvPr/>
+                        </p:nvSpPr>
+                        <p:spPr>
+                          <a:xfrm>
+                            <a:off x="4211391" y="1826583"/>
+                            <a:ext cx="334850" cy="869700"/>
+                          </a:xfrm>
+                          <a:prstGeom prst="rect">
+                            <a:avLst/>
+                          </a:prstGeom>
+                          <a:solidFill>
+                            <a:schemeClr val="accent4">
+                              <a:lumMod val="60000"/>
+                              <a:lumOff val="40000"/>
+                            </a:schemeClr>
+                          </a:solidFill>
+                          <a:effectLst>
+                            <a:outerShdw blurRad="50800" dist="38100" dir="2700000" algn="tl" rotWithShape="0">
+                              <a:prstClr val="black">
+                                <a:alpha val="40000"/>
+                              </a:prstClr>
+                            </a:outerShdw>
+                          </a:effectLst>
+                        </p:spPr>
+                        <p:style>
+                          <a:lnRef idx="2">
+                            <a:schemeClr val="accent1">
+                              <a:shade val="50000"/>
+                            </a:schemeClr>
+                          </a:lnRef>
+                          <a:fillRef idx="1">
+                            <a:schemeClr val="accent1"/>
+                          </a:fillRef>
+                          <a:effectRef idx="0">
+                            <a:schemeClr val="accent1"/>
+                          </a:effectRef>
+                          <a:fontRef idx="minor">
+                            <a:schemeClr val="lt1"/>
+                          </a:fontRef>
+                        </p:style>
+                        <p:txBody>
+                          <a:bodyPr rtlCol="0" anchor="ctr"/>
+                          <a:lstStyle/>
+                          <a:p>
+                            <a:pPr algn="ctr"/>
+                            <a:endParaRPr lang="zh-CN" altLang="en-US">
+                              <a:latin typeface="Consolas" panose="020B0609020204030204" pitchFamily="49" charset="0"/>
+                              <a:cs typeface="Consolas" panose="020B0609020204030204" pitchFamily="49" charset="0"/>
+                            </a:endParaRPr>
+                          </a:p>
+                        </p:txBody>
+                      </p:sp>
+                      <p:sp>
+                        <p:nvSpPr>
+                          <p:cNvPr id="43" name="矩形 42"/>
+                          <p:cNvSpPr/>
+                          <p:nvPr/>
+                        </p:nvSpPr>
+                        <p:spPr>
+                          <a:xfrm>
+                            <a:off x="4739424" y="1828357"/>
+                            <a:ext cx="334850" cy="869700"/>
+                          </a:xfrm>
+                          <a:prstGeom prst="rect">
+                            <a:avLst/>
+                          </a:prstGeom>
+                          <a:solidFill>
+                            <a:schemeClr val="accent4">
+                              <a:lumMod val="60000"/>
+                              <a:lumOff val="40000"/>
+                            </a:schemeClr>
+                          </a:solidFill>
+                          <a:effectLst>
+                            <a:outerShdw blurRad="50800" dist="38100" dir="2700000" algn="tl" rotWithShape="0">
+                              <a:prstClr val="black">
+                                <a:alpha val="40000"/>
+                              </a:prstClr>
+                            </a:outerShdw>
+                          </a:effectLst>
+                        </p:spPr>
+                        <p:style>
+                          <a:lnRef idx="2">
+                            <a:schemeClr val="accent1">
+                              <a:shade val="50000"/>
+                            </a:schemeClr>
+                          </a:lnRef>
+                          <a:fillRef idx="1">
+                            <a:schemeClr val="accent1"/>
+                          </a:fillRef>
+                          <a:effectRef idx="0">
+                            <a:schemeClr val="accent1"/>
+                          </a:effectRef>
+                          <a:fontRef idx="minor">
+                            <a:schemeClr val="lt1"/>
+                          </a:fontRef>
+                        </p:style>
+                        <p:txBody>
+                          <a:bodyPr rtlCol="0" anchor="ctr"/>
+                          <a:lstStyle/>
+                          <a:p>
+                            <a:pPr algn="ctr"/>
+                            <a:endParaRPr lang="zh-CN" altLang="en-US">
+                              <a:latin typeface="Consolas" panose="020B0609020204030204" pitchFamily="49" charset="0"/>
+                              <a:cs typeface="Consolas" panose="020B0609020204030204" pitchFamily="49" charset="0"/>
+                            </a:endParaRPr>
+                          </a:p>
+                        </p:txBody>
+                      </p:sp>
+                      <p:sp>
+                        <p:nvSpPr>
+                          <p:cNvPr id="44" name="矩形 43"/>
+                          <p:cNvSpPr/>
+                          <p:nvPr/>
+                        </p:nvSpPr>
+                        <p:spPr>
+                          <a:xfrm>
+                            <a:off x="5267457" y="1820441"/>
+                            <a:ext cx="334850" cy="869700"/>
+                          </a:xfrm>
+                          <a:prstGeom prst="rect">
+                            <a:avLst/>
+                          </a:prstGeom>
+                          <a:solidFill>
+                            <a:schemeClr val="accent4">
+                              <a:lumMod val="60000"/>
+                              <a:lumOff val="40000"/>
+                            </a:schemeClr>
+                          </a:solidFill>
+                          <a:effectLst>
+                            <a:outerShdw blurRad="50800" dist="38100" dir="2700000" algn="tl" rotWithShape="0">
+                              <a:prstClr val="black">
+                                <a:alpha val="40000"/>
+                              </a:prstClr>
+                            </a:outerShdw>
+                          </a:effectLst>
+                        </p:spPr>
+                        <p:style>
+                          <a:lnRef idx="2">
+                            <a:schemeClr val="accent1">
+                              <a:shade val="50000"/>
+                            </a:schemeClr>
+                          </a:lnRef>
+                          <a:fillRef idx="1">
+                            <a:schemeClr val="accent1"/>
+                          </a:fillRef>
+                          <a:effectRef idx="0">
+                            <a:schemeClr val="accent1"/>
+                          </a:effectRef>
+                          <a:fontRef idx="minor">
+                            <a:schemeClr val="lt1"/>
+                          </a:fontRef>
+                        </p:style>
+                        <p:txBody>
+                          <a:bodyPr rtlCol="0" anchor="ctr"/>
+                          <a:lstStyle/>
+                          <a:p>
+                            <a:pPr algn="ctr"/>
+                            <a:endParaRPr lang="zh-CN" altLang="en-US">
+                              <a:latin typeface="Consolas" panose="020B0609020204030204" pitchFamily="49" charset="0"/>
+                              <a:cs typeface="Consolas" panose="020B0609020204030204" pitchFamily="49" charset="0"/>
+                            </a:endParaRPr>
+                          </a:p>
+                        </p:txBody>
+                      </p:sp>
+                      <p:sp>
+                        <p:nvSpPr>
+                          <p:cNvPr id="45" name="文本框 44"/>
+                          <p:cNvSpPr txBox="1"/>
+                          <p:nvPr/>
+                        </p:nvSpPr>
+                        <p:spPr>
+                          <a:xfrm rot="16200000">
+                            <a:off x="2557622" y="2117411"/>
+                            <a:ext cx="2581836" cy="276999"/>
+                          </a:xfrm>
+                          <a:prstGeom prst="rect">
+                            <a:avLst/>
+                          </a:prstGeom>
+                          <a:noFill/>
+                        </p:spPr>
+                        <p:txBody>
+                          <a:bodyPr wrap="square" rtlCol="0">
+                            <a:spAutoFit/>
+                          </a:bodyPr>
+                          <a:lstStyle/>
+                          <a:p>
+                            <a:pPr algn="ctr"/>
+                            <a:r>
+                              <a:rPr lang="en-US" altLang="zh-CN" sz="1200" dirty="0">
+                                <a:latin typeface="Consolas" panose="020B0609020204030204" pitchFamily="49" charset="0"/>
+                                <a:cs typeface="Consolas" panose="020B0609020204030204" pitchFamily="49" charset="0"/>
+                              </a:rPr>
+                              <a:t>S</a:t>
+                            </a:r>
+                            <a:r>
+                              <a:rPr lang="en-US" altLang="zh-CN" sz="1200" dirty="0" smtClean="0">
+                                <a:latin typeface="Consolas" panose="020B0609020204030204" pitchFamily="49" charset="0"/>
+                                <a:cs typeface="Consolas" panose="020B0609020204030204" pitchFamily="49" charset="0"/>
+                              </a:rPr>
+                              <a:t> level</a:t>
+                            </a:r>
+                          </a:p>
+                        </p:txBody>
+                      </p:sp>
+                      <p:sp>
+                        <p:nvSpPr>
+                          <p:cNvPr id="46" name="文本框 45"/>
+                          <p:cNvSpPr txBox="1"/>
+                          <p:nvPr/>
+                        </p:nvSpPr>
+                        <p:spPr>
+                          <a:xfrm rot="16200000">
+                            <a:off x="3083152" y="2130725"/>
+                            <a:ext cx="2581836" cy="276999"/>
+                          </a:xfrm>
+                          <a:prstGeom prst="rect">
+                            <a:avLst/>
+                          </a:prstGeom>
+                          <a:noFill/>
+                        </p:spPr>
+                        <p:txBody>
+                          <a:bodyPr wrap="square" rtlCol="0">
+                            <a:spAutoFit/>
+                          </a:bodyPr>
+                          <a:lstStyle/>
+                          <a:p>
+                            <a:pPr algn="ctr"/>
+                            <a:r>
+                              <a:rPr lang="en-US" altLang="zh-CN" sz="1200" dirty="0" smtClean="0">
+                                <a:latin typeface="Consolas" panose="020B0609020204030204" pitchFamily="49" charset="0"/>
+                                <a:cs typeface="Consolas" panose="020B0609020204030204" pitchFamily="49" charset="0"/>
+                              </a:rPr>
+                              <a:t>O level</a:t>
+                            </a:r>
+                          </a:p>
+                        </p:txBody>
+                      </p:sp>
+                      <p:sp>
+                        <p:nvSpPr>
+                          <p:cNvPr id="47" name="文本框 46"/>
+                          <p:cNvSpPr txBox="1"/>
+                          <p:nvPr/>
+                        </p:nvSpPr>
+                        <p:spPr>
+                          <a:xfrm rot="16200000">
+                            <a:off x="3638309" y="2121558"/>
+                            <a:ext cx="2581836" cy="276999"/>
+                          </a:xfrm>
+                          <a:prstGeom prst="rect">
+                            <a:avLst/>
+                          </a:prstGeom>
+                          <a:noFill/>
+                        </p:spPr>
+                        <p:txBody>
+                          <a:bodyPr wrap="square" rtlCol="0">
+                            <a:spAutoFit/>
+                          </a:bodyPr>
+                          <a:lstStyle/>
+                          <a:p>
+                            <a:pPr algn="ctr"/>
+                            <a:r>
+                              <a:rPr lang="en-US" altLang="zh-CN" sz="1200" dirty="0" smtClean="0">
+                                <a:latin typeface="Consolas" panose="020B0609020204030204" pitchFamily="49" charset="0"/>
+                                <a:cs typeface="Consolas" panose="020B0609020204030204" pitchFamily="49" charset="0"/>
+                              </a:rPr>
+                              <a:t>L level</a:t>
+                            </a:r>
+                          </a:p>
+                        </p:txBody>
+                      </p:sp>
+                      <p:sp>
+                        <p:nvSpPr>
+                          <p:cNvPr id="48" name="文本框 47"/>
+                          <p:cNvSpPr txBox="1"/>
+                          <p:nvPr/>
+                        </p:nvSpPr>
+                        <p:spPr>
+                          <a:xfrm rot="16200000">
+                            <a:off x="4163840" y="2134872"/>
+                            <a:ext cx="2581836" cy="276999"/>
+                          </a:xfrm>
+                          <a:prstGeom prst="rect">
+                            <a:avLst/>
+                          </a:prstGeom>
+                          <a:noFill/>
+                        </p:spPr>
+                        <p:txBody>
+                          <a:bodyPr wrap="square" rtlCol="0">
+                            <a:spAutoFit/>
+                          </a:bodyPr>
+                          <a:lstStyle/>
+                          <a:p>
+                            <a:pPr algn="ctr"/>
+                            <a:r>
+                              <a:rPr lang="en-US" altLang="zh-CN" sz="1200" dirty="0">
+                                <a:latin typeface="Consolas" panose="020B0609020204030204" pitchFamily="49" charset="0"/>
+                                <a:cs typeface="Consolas" panose="020B0609020204030204" pitchFamily="49" charset="0"/>
+                              </a:rPr>
+                              <a:t>D</a:t>
+                            </a:r>
+                            <a:r>
+                              <a:rPr lang="en-US" altLang="zh-CN" sz="1200" dirty="0" smtClean="0">
+                                <a:latin typeface="Consolas" panose="020B0609020204030204" pitchFamily="49" charset="0"/>
+                                <a:cs typeface="Consolas" panose="020B0609020204030204" pitchFamily="49" charset="0"/>
+                              </a:rPr>
+                              <a:t> level</a:t>
+                            </a:r>
+                          </a:p>
+                        </p:txBody>
+                      </p:sp>
+                      <p:sp>
+                        <p:nvSpPr>
+                          <p:cNvPr id="53" name="文本框 52"/>
+                          <p:cNvSpPr txBox="1"/>
+                          <p:nvPr/>
+                        </p:nvSpPr>
+                        <p:spPr>
+                          <a:xfrm>
+                            <a:off x="3087898" y="6625665"/>
+                            <a:ext cx="2581836" cy="369332"/>
+                          </a:xfrm>
+                          <a:prstGeom prst="rect">
+                            <a:avLst/>
+                          </a:prstGeom>
+                          <a:noFill/>
+                        </p:spPr>
+                        <p:txBody>
+                          <a:bodyPr wrap="square" rtlCol="0">
+                            <a:spAutoFit/>
+                          </a:bodyPr>
+                          <a:lstStyle/>
+                          <a:p>
+                            <a:pPr algn="ctr"/>
+                            <a:r>
+                              <a:rPr lang="en-US" altLang="zh-CN" dirty="0" err="1" smtClean="0">
+                                <a:latin typeface="Consolas" panose="020B0609020204030204" pitchFamily="49" charset="0"/>
+                                <a:cs typeface="Consolas" panose="020B0609020204030204" pitchFamily="49" charset="0"/>
+                              </a:rPr>
+                              <a:t>Oozie</a:t>
+                            </a:r>
+                            <a:endParaRPr lang="en-US" altLang="zh-CN" dirty="0" smtClean="0">
+                              <a:latin typeface="Consolas" panose="020B0609020204030204" pitchFamily="49" charset="0"/>
+                              <a:cs typeface="Consolas" panose="020B0609020204030204" pitchFamily="49" charset="0"/>
+                            </a:endParaRPr>
+                          </a:p>
+                        </p:txBody>
+                      </p:sp>
+                      <p:sp>
+                        <p:nvSpPr>
+                          <p:cNvPr id="55" name="文本框 54"/>
+                          <p:cNvSpPr txBox="1"/>
+                          <p:nvPr/>
+                        </p:nvSpPr>
+                        <p:spPr>
+                          <a:xfrm>
+                            <a:off x="6950865" y="990950"/>
+                            <a:ext cx="2581836" cy="307777"/>
+                          </a:xfrm>
+                          <a:prstGeom prst="rect">
+                            <a:avLst/>
+                          </a:prstGeom>
+                          <a:noFill/>
+                        </p:spPr>
+                        <p:txBody>
+                          <a:bodyPr wrap="square" rtlCol="0">
+                            <a:spAutoFit/>
+                          </a:bodyPr>
+                          <a:lstStyle/>
+                          <a:p>
+                            <a:pPr algn="ctr"/>
+                            <a:r>
+                              <a:rPr lang="en-US" altLang="zh-CN" sz="1400" b="1" dirty="0" smtClean="0">
+                                <a:latin typeface="Consolas" panose="020B0609020204030204" pitchFamily="49" charset="0"/>
+                                <a:cs typeface="Consolas" panose="020B0609020204030204" pitchFamily="49" charset="0"/>
+                              </a:rPr>
+                              <a:t>Report System</a:t>
+                            </a:r>
+                          </a:p>
+                        </p:txBody>
+                      </p:sp>
+                      <p:sp>
+                        <p:nvSpPr>
+                          <p:cNvPr id="61" name="L 形 60"/>
+                          <p:cNvSpPr/>
+                          <p:nvPr/>
+                        </p:nvSpPr>
+                        <p:spPr>
+                          <a:xfrm rot="16200000">
+                            <a:off x="590143" y="3939461"/>
+                            <a:ext cx="2994861" cy="338282"/>
+                          </a:xfrm>
+                          <a:prstGeom prst="corner">
+                            <a:avLst>
+                              <a:gd name="adj1" fmla="val 46334"/>
+                              <a:gd name="adj2" fmla="val 50000"/>
+                            </a:avLst>
+                          </a:prstGeom>
+                          <a:solidFill>
+                            <a:schemeClr val="accent1">
+                              <a:lumMod val="75000"/>
+                            </a:schemeClr>
+                          </a:solidFill>
+                          <a:ln>
+                            <a:solidFill>
+                              <a:schemeClr val="accent6">
+                                <a:lumMod val="75000"/>
+                              </a:schemeClr>
+                            </a:solidFill>
+                          </a:ln>
+                        </p:spPr>
+                        <p:style>
+                          <a:lnRef idx="2">
+                            <a:schemeClr val="accent1">
+                              <a:shade val="50000"/>
+                            </a:schemeClr>
+                          </a:lnRef>
+                          <a:fillRef idx="1">
+                            <a:schemeClr val="accent1"/>
+                          </a:fillRef>
+                          <a:effectRef idx="0">
+                            <a:schemeClr val="accent1"/>
+                          </a:effectRef>
+                          <a:fontRef idx="minor">
+                            <a:schemeClr val="lt1"/>
+                          </a:fontRef>
+                        </p:style>
+                        <p:txBody>
+                          <a:bodyPr rtlCol="0" anchor="ctr"/>
+                          <a:lstStyle/>
+                          <a:p>
+                            <a:pPr algn="ctr"/>
+                            <a:endParaRPr lang="zh-CN" altLang="en-US"/>
+                          </a:p>
+                        </p:txBody>
+                      </p:sp>
+                      <p:sp>
+                        <p:nvSpPr>
+                          <p:cNvPr id="62" name="右箭头 61"/>
+                          <p:cNvSpPr/>
+                          <p:nvPr/>
+                        </p:nvSpPr>
+                        <p:spPr>
+                          <a:xfrm>
+                            <a:off x="2265762" y="2529765"/>
+                            <a:ext cx="511089" cy="345463"/>
+                          </a:xfrm>
+                          <a:prstGeom prst="rightArrow">
+                            <a:avLst/>
+                          </a:prstGeom>
+                          <a:gradFill flip="none" rotWithShape="1">
+                            <a:gsLst>
+                              <a:gs pos="0">
+                                <a:schemeClr val="accent1">
+                                  <a:lumMod val="75000"/>
+                                </a:schemeClr>
+                              </a:gs>
+                              <a:gs pos="100000">
+                                <a:schemeClr val="accent1">
+                                  <a:lumMod val="20000"/>
+                                  <a:lumOff val="80000"/>
+                                </a:schemeClr>
+                              </a:gs>
+                            </a:gsLst>
+                            <a:lin ang="0" scaled="1"/>
+                            <a:tileRect/>
+                          </a:gradFill>
+                        </p:spPr>
+                        <p:style>
+                          <a:lnRef idx="2">
+                            <a:schemeClr val="accent6">
+                              <a:shade val="50000"/>
+                            </a:schemeClr>
+                          </a:lnRef>
+                          <a:fillRef idx="1">
+                            <a:schemeClr val="accent6"/>
+                          </a:fillRef>
+                          <a:effectRef idx="0">
+                            <a:schemeClr val="accent6"/>
+                          </a:effectRef>
+                          <a:fontRef idx="minor">
+                            <a:schemeClr val="lt1"/>
+                          </a:fontRef>
+                        </p:style>
+                        <p:txBody>
+                          <a:bodyPr rtlCol="0" anchor="ctr"/>
+                          <a:lstStyle/>
+                          <a:p>
+                            <a:pPr algn="ctr"/>
+                            <a:endParaRPr lang="zh-CN" altLang="en-US"/>
+                          </a:p>
+                        </p:txBody>
+                      </p:sp>
+                      <p:sp>
+                        <p:nvSpPr>
+                          <p:cNvPr id="63" name="圆角矩形 62"/>
+                          <p:cNvSpPr/>
+                          <p:nvPr/>
+                        </p:nvSpPr>
+                        <p:spPr>
+                          <a:xfrm>
+                            <a:off x="2802914" y="4683247"/>
+                            <a:ext cx="3051446" cy="1607371"/>
+                          </a:xfrm>
+                          <a:prstGeom prst="roundRect">
+                            <a:avLst>
+                              <a:gd name="adj" fmla="val 8974"/>
+                            </a:avLst>
+                          </a:prstGeom>
+                          <a:solidFill>
+                            <a:schemeClr val="accent6">
+                              <a:lumMod val="75000"/>
+                            </a:schemeClr>
+                          </a:solidFill>
+                        </p:spPr>
+                        <p:style>
+                          <a:lnRef idx="2">
+                            <a:schemeClr val="accent1">
+                              <a:shade val="50000"/>
+                            </a:schemeClr>
+                          </a:lnRef>
+                          <a:fillRef idx="1">
+                            <a:schemeClr val="accent1"/>
+                          </a:fillRef>
+                          <a:effectRef idx="0">
+                            <a:schemeClr val="accent1"/>
+                          </a:effectRef>
+                          <a:fontRef idx="minor">
+                            <a:schemeClr val="lt1"/>
+                          </a:fontRef>
+                        </p:style>
+                        <p:txBody>
+                          <a:bodyPr rtlCol="0" anchor="ctr"/>
+                          <a:lstStyle/>
+                          <a:p>
+                            <a:pPr algn="ctr"/>
+                            <a:endParaRPr lang="zh-CN" altLang="en-US">
+                              <a:latin typeface="Consolas" panose="020B0609020204030204" pitchFamily="49" charset="0"/>
+                              <a:cs typeface="Consolas" panose="020B0609020204030204" pitchFamily="49" charset="0"/>
+                            </a:endParaRPr>
+                          </a:p>
+                        </p:txBody>
+                      </p:sp>
+                      <p:sp>
+                        <p:nvSpPr>
+                          <p:cNvPr id="64" name="文本框 63"/>
+                          <p:cNvSpPr txBox="1"/>
+                          <p:nvPr/>
+                        </p:nvSpPr>
+                        <p:spPr>
+                          <a:xfrm>
+                            <a:off x="3037719" y="4827032"/>
+                            <a:ext cx="2581836" cy="307777"/>
+                          </a:xfrm>
+                          <a:prstGeom prst="rect">
+                            <a:avLst/>
+                          </a:prstGeom>
+                          <a:noFill/>
+                        </p:spPr>
+                        <p:txBody>
+                          <a:bodyPr wrap="square" rtlCol="0">
+                            <a:spAutoFit/>
+                          </a:bodyPr>
+                          <a:lstStyle/>
+                          <a:p>
+                            <a:pPr algn="ctr"/>
+                            <a:r>
+                              <a:rPr lang="en-US" altLang="zh-CN" sz="1400" dirty="0">
+                                <a:latin typeface="Consolas" panose="020B0609020204030204" pitchFamily="49" charset="0"/>
+                                <a:cs typeface="Consolas" panose="020B0609020204030204" pitchFamily="49" charset="0"/>
+                              </a:rPr>
+                              <a:t>real-time processing</a:t>
+                            </a:r>
+                            <a:endParaRPr lang="en-US" altLang="zh-CN" sz="1400" dirty="0" smtClean="0">
+                              <a:latin typeface="Consolas" panose="020B0609020204030204" pitchFamily="49" charset="0"/>
+                              <a:cs typeface="Consolas" panose="020B0609020204030204" pitchFamily="49" charset="0"/>
+                            </a:endParaRPr>
+                          </a:p>
+                        </p:txBody>
+                      </p:sp>
+                      <p:sp>
+                        <p:nvSpPr>
+                          <p:cNvPr id="69" name="矩形 68"/>
+                          <p:cNvSpPr/>
+                          <p:nvPr/>
+                        </p:nvSpPr>
+                        <p:spPr>
+                          <a:xfrm>
+                            <a:off x="4608913" y="5232081"/>
+                            <a:ext cx="1006884" cy="963349"/>
+                          </a:xfrm>
+                          <a:prstGeom prst="rect">
+                            <a:avLst/>
+                          </a:prstGeom>
+                          <a:solidFill>
+                            <a:schemeClr val="accent6">
+                              <a:lumMod val="60000"/>
+                              <a:lumOff val="40000"/>
+                            </a:schemeClr>
+                          </a:solidFill>
+                          <a:effectLst>
+                            <a:outerShdw blurRad="50800" dist="38100" dir="2700000" algn="tl" rotWithShape="0">
+                              <a:prstClr val="black">
+                                <a:alpha val="40000"/>
+                              </a:prstClr>
+                            </a:outerShdw>
+                          </a:effectLst>
+                        </p:spPr>
+                        <p:style>
+                          <a:lnRef idx="2">
+                            <a:schemeClr val="accent1">
+                              <a:shade val="50000"/>
+                            </a:schemeClr>
+                          </a:lnRef>
+                          <a:fillRef idx="1">
+                            <a:schemeClr val="accent1"/>
+                          </a:fillRef>
+                          <a:effectRef idx="0">
+                            <a:schemeClr val="accent1"/>
+                          </a:effectRef>
+                          <a:fontRef idx="minor">
+                            <a:schemeClr val="lt1"/>
+                          </a:fontRef>
+                        </p:style>
+                        <p:txBody>
+                          <a:bodyPr rtlCol="0" anchor="ctr"/>
+                          <a:lstStyle/>
+                          <a:p>
+                            <a:pPr algn="ctr"/>
+                            <a:endParaRPr lang="zh-CN" altLang="en-US">
+                              <a:latin typeface="Consolas" panose="020B0609020204030204" pitchFamily="49" charset="0"/>
+                              <a:cs typeface="Consolas" panose="020B0609020204030204" pitchFamily="49" charset="0"/>
+                            </a:endParaRPr>
+                          </a:p>
+                        </p:txBody>
+                      </p:sp>
+                      <p:sp>
+                        <p:nvSpPr>
+                          <p:cNvPr id="71" name="文本框 70"/>
+                          <p:cNvSpPr txBox="1"/>
+                          <p:nvPr/>
+                        </p:nvSpPr>
+                        <p:spPr>
+                          <a:xfrm>
+                            <a:off x="3832864" y="5481881"/>
+                            <a:ext cx="2581836" cy="461665"/>
+                          </a:xfrm>
+                          <a:prstGeom prst="rect">
+                            <a:avLst/>
+                          </a:prstGeom>
+                          <a:noFill/>
+                        </p:spPr>
+                        <p:txBody>
+                          <a:bodyPr wrap="square" rtlCol="0">
+                            <a:spAutoFit/>
+                          </a:bodyPr>
+                          <a:lstStyle/>
+                          <a:p>
+                            <a:pPr algn="ctr"/>
+                            <a:r>
+                              <a:rPr lang="en-US" altLang="zh-CN" sz="1200" dirty="0" smtClean="0">
+                                <a:latin typeface="Consolas" panose="020B0609020204030204" pitchFamily="49" charset="0"/>
+                                <a:cs typeface="Consolas" panose="020B0609020204030204" pitchFamily="49" charset="0"/>
+                              </a:rPr>
+                              <a:t>Spark </a:t>
+                            </a:r>
+                            <a:endParaRPr lang="en-US" altLang="zh-CN" sz="1200" dirty="0" smtClean="0">
+                              <a:latin typeface="Consolas" panose="020B0609020204030204" pitchFamily="49" charset="0"/>
+                              <a:cs typeface="Consolas" panose="020B0609020204030204" pitchFamily="49" charset="0"/>
+                            </a:endParaRPr>
+                          </a:p>
+                          <a:p>
+                            <a:pPr algn="ctr"/>
+                            <a:r>
+                              <a:rPr lang="en-US" altLang="zh-CN" sz="1200" dirty="0" smtClean="0">
+                                <a:latin typeface="Consolas" panose="020B0609020204030204" pitchFamily="49" charset="0"/>
+                                <a:cs typeface="Consolas" panose="020B0609020204030204" pitchFamily="49" charset="0"/>
+                              </a:rPr>
+                              <a:t>Streaming</a:t>
+                            </a:r>
+                            <a:endParaRPr lang="en-US" altLang="zh-CN" sz="1200" dirty="0" smtClean="0">
+                              <a:latin typeface="Consolas" panose="020B0609020204030204" pitchFamily="49" charset="0"/>
+                              <a:cs typeface="Consolas" panose="020B0609020204030204" pitchFamily="49" charset="0"/>
+                            </a:endParaRPr>
+                          </a:p>
+                        </p:txBody>
+                      </p:sp>
+                      <p:sp>
+                        <p:nvSpPr>
+                          <p:cNvPr id="72" name="矩形 71"/>
+                          <p:cNvSpPr/>
+                          <p:nvPr/>
+                        </p:nvSpPr>
+                        <p:spPr>
+                          <a:xfrm>
+                            <a:off x="3145755" y="5232081"/>
+                            <a:ext cx="1006884" cy="963349"/>
+                          </a:xfrm>
+                          <a:prstGeom prst="rect">
+                            <a:avLst/>
+                          </a:prstGeom>
+                          <a:solidFill>
+                            <a:schemeClr val="accent6">
+                              <a:lumMod val="60000"/>
+                              <a:lumOff val="40000"/>
+                            </a:schemeClr>
+                          </a:solidFill>
+                          <a:effectLst>
+                            <a:outerShdw blurRad="50800" dist="38100" dir="2700000" algn="tl" rotWithShape="0">
+                              <a:prstClr val="black">
+                                <a:alpha val="40000"/>
+                              </a:prstClr>
+                            </a:outerShdw>
+                          </a:effectLst>
+                        </p:spPr>
+                        <p:style>
+                          <a:lnRef idx="2">
+                            <a:schemeClr val="accent1">
+                              <a:shade val="50000"/>
+                            </a:schemeClr>
+                          </a:lnRef>
+                          <a:fillRef idx="1">
+                            <a:schemeClr val="accent1"/>
+                          </a:fillRef>
+                          <a:effectRef idx="0">
+                            <a:schemeClr val="accent1"/>
+                          </a:effectRef>
+                          <a:fontRef idx="minor">
+                            <a:schemeClr val="lt1"/>
+                          </a:fontRef>
+                        </p:style>
+                        <p:txBody>
+                          <a:bodyPr rtlCol="0" anchor="ctr"/>
+                          <a:lstStyle/>
+                          <a:p>
+                            <a:pPr algn="ctr"/>
+                            <a:endParaRPr lang="zh-CN" altLang="en-US">
+                              <a:latin typeface="Consolas" panose="020B0609020204030204" pitchFamily="49" charset="0"/>
+                              <a:cs typeface="Consolas" panose="020B0609020204030204" pitchFamily="49" charset="0"/>
+                            </a:endParaRPr>
+                          </a:p>
+                        </p:txBody>
+                      </p:sp>
+                      <p:sp>
+                        <p:nvSpPr>
+                          <p:cNvPr id="73" name="文本框 72"/>
+                          <p:cNvSpPr txBox="1"/>
+                          <p:nvPr/>
+                        </p:nvSpPr>
+                        <p:spPr>
+                          <a:xfrm>
+                            <a:off x="2300697" y="5610428"/>
+                            <a:ext cx="2581836" cy="276999"/>
+                          </a:xfrm>
+                          <a:prstGeom prst="rect">
+                            <a:avLst/>
+                          </a:prstGeom>
+                          <a:noFill/>
+                        </p:spPr>
+                        <p:txBody>
+                          <a:bodyPr wrap="square" rtlCol="0">
+                            <a:spAutoFit/>
+                          </a:bodyPr>
+                          <a:lstStyle/>
+                          <a:p>
+                            <a:pPr algn="ctr"/>
+                            <a:r>
+                              <a:rPr lang="en-US" altLang="zh-CN" sz="1200" dirty="0" smtClean="0">
+                                <a:latin typeface="Consolas" panose="020B0609020204030204" pitchFamily="49" charset="0"/>
+                                <a:cs typeface="Consolas" panose="020B0609020204030204" pitchFamily="49" charset="0"/>
+                              </a:rPr>
+                              <a:t>Kafka</a:t>
+                            </a:r>
+                          </a:p>
+                        </p:txBody>
+                      </p:sp>
+                      <p:sp>
+                        <p:nvSpPr>
+                          <p:cNvPr id="75" name="圆角矩形 74"/>
+                          <p:cNvSpPr/>
+                          <p:nvPr/>
+                        </p:nvSpPr>
+                        <p:spPr>
+                          <a:xfrm>
+                            <a:off x="7359800" y="2702495"/>
+                            <a:ext cx="1792518" cy="1733071"/>
+                          </a:xfrm>
+                          <a:prstGeom prst="roundRect">
+                            <a:avLst>
+                              <a:gd name="adj" fmla="val 8493"/>
+                            </a:avLst>
+                          </a:prstGeom>
+                          <a:solidFill>
+                            <a:srgbClr val="99CCFF"/>
+                          </a:solidFill>
+                        </p:spPr>
+                        <p:style>
+                          <a:lnRef idx="2">
+                            <a:schemeClr val="accent1">
+                              <a:shade val="50000"/>
+                            </a:schemeClr>
+                          </a:lnRef>
+                          <a:fillRef idx="1">
+                            <a:schemeClr val="accent1"/>
+                          </a:fillRef>
+                          <a:effectRef idx="0">
+                            <a:schemeClr val="accent1"/>
+                          </a:effectRef>
+                          <a:fontRef idx="minor">
+                            <a:schemeClr val="lt1"/>
+                          </a:fontRef>
+                        </p:style>
+                        <p:txBody>
+                          <a:bodyPr rtlCol="0" anchor="ctr"/>
+                          <a:lstStyle/>
+                          <a:p>
+                            <a:pPr algn="ctr"/>
+                            <a:endParaRPr lang="zh-CN" altLang="en-US"/>
+                          </a:p>
+                        </p:txBody>
+                      </p:sp>
+                      <p:sp>
+                        <p:nvSpPr>
+                          <p:cNvPr id="74" name="右箭头 73"/>
+                          <p:cNvSpPr/>
+                          <p:nvPr/>
+                        </p:nvSpPr>
+                        <p:spPr>
+                          <a:xfrm>
+                            <a:off x="1889700" y="5648902"/>
+                            <a:ext cx="885713" cy="345463"/>
+                          </a:xfrm>
+                          <a:prstGeom prst="rightArrow">
+                            <a:avLst/>
+                          </a:prstGeom>
+                          <a:gradFill flip="none" rotWithShape="1">
+                            <a:gsLst>
+                              <a:gs pos="0">
+                                <a:schemeClr val="accent5">
+                                  <a:lumMod val="75000"/>
+                                </a:schemeClr>
+                              </a:gs>
+                              <a:gs pos="100000">
+                                <a:schemeClr val="bg1"/>
+                              </a:gs>
+                            </a:gsLst>
+                            <a:lin ang="0" scaled="1"/>
+                            <a:tileRect/>
+                          </a:gradFill>
+                        </p:spPr>
+                        <p:style>
+                          <a:lnRef idx="2">
+                            <a:schemeClr val="accent6">
+                              <a:shade val="50000"/>
+                            </a:schemeClr>
+                          </a:lnRef>
+                          <a:fillRef idx="1">
+                            <a:schemeClr val="accent6"/>
+                          </a:fillRef>
+                          <a:effectRef idx="0">
+                            <a:schemeClr val="accent6"/>
+                          </a:effectRef>
+                          <a:fontRef idx="minor">
+                            <a:schemeClr val="lt1"/>
+                          </a:fontRef>
+                        </p:style>
+                        <p:txBody>
+                          <a:bodyPr rtlCol="0" anchor="ctr"/>
+                          <a:lstStyle/>
+                          <a:p>
+                            <a:pPr algn="ctr"/>
+                            <a:endParaRPr lang="zh-CN" altLang="en-US"/>
+                          </a:p>
+                        </p:txBody>
+                      </p:sp>
+                      <p:sp>
+                        <p:nvSpPr>
+                          <p:cNvPr id="76" name="文本框 75"/>
+                          <p:cNvSpPr txBox="1"/>
+                          <p:nvPr/>
+                        </p:nvSpPr>
+                        <p:spPr>
+                          <a:xfrm>
+                            <a:off x="6950865" y="2800028"/>
+                            <a:ext cx="2581836" cy="307777"/>
+                          </a:xfrm>
+                          <a:prstGeom prst="rect">
+                            <a:avLst/>
+                          </a:prstGeom>
+                          <a:noFill/>
+                        </p:spPr>
+                        <p:txBody>
+                          <a:bodyPr wrap="square" rtlCol="0">
+                            <a:spAutoFit/>
+                          </a:bodyPr>
+                          <a:lstStyle/>
+                          <a:p>
+                            <a:pPr algn="ctr"/>
+                            <a:r>
+                              <a:rPr lang="en-US" altLang="zh-CN" sz="1400" b="1" dirty="0" smtClean="0">
+                                <a:latin typeface="Consolas" panose="020B0609020204030204" pitchFamily="49" charset="0"/>
+                                <a:cs typeface="Consolas" panose="020B0609020204030204" pitchFamily="49" charset="0"/>
+                              </a:rPr>
+                              <a:t>Marketing</a:t>
+                            </a:r>
+                          </a:p>
+                        </p:txBody>
+                      </p:sp>
+                    </p:grpSp>
+                    <p:sp>
+                      <p:nvSpPr>
+                        <p:cNvPr id="65" name="矩形 64"/>
+                        <p:cNvSpPr/>
+                        <p:nvPr/>
+                      </p:nvSpPr>
+                      <p:spPr>
+                        <a:xfrm rot="5400000">
+                          <a:off x="5545092" y="1953330"/>
+                          <a:ext cx="294147" cy="1912335"/>
+                        </a:xfrm>
+                        <a:prstGeom prst="rect">
+                          <a:avLst/>
+                        </a:prstGeom>
+                        <a:solidFill>
+                          <a:schemeClr val="accent4">
+                            <a:lumMod val="60000"/>
+                            <a:lumOff val="40000"/>
+                          </a:schemeClr>
+                        </a:solidFill>
+                        <a:effectLst>
+                          <a:outerShdw blurRad="50800" dist="38100" dir="2700000" algn="tl" rotWithShape="0">
+                            <a:prstClr val="black">
+                              <a:alpha val="40000"/>
+                            </a:prstClr>
+                          </a:outerShdw>
+                        </a:effectLst>
+                      </p:spPr>
+                      <p:style>
+                        <a:lnRef idx="2">
+                          <a:schemeClr val="accent1">
+                            <a:shade val="50000"/>
+                          </a:schemeClr>
+                        </a:lnRef>
+                        <a:fillRef idx="1">
+                          <a:schemeClr val="accent1"/>
+                        </a:fillRef>
+                        <a:effectRef idx="0">
+                          <a:schemeClr val="accent1"/>
+                        </a:effectRef>
+                        <a:fontRef idx="minor">
+                          <a:schemeClr val="lt1"/>
+                        </a:fontRef>
+                      </p:style>
+                      <p:txBody>
+                        <a:bodyPr rtlCol="0" anchor="ctr"/>
+                        <a:lstStyle/>
+                        <a:p>
+                          <a:pPr algn="ctr"/>
+                          <a:endParaRPr lang="zh-CN" altLang="en-US">
+                            <a:latin typeface="Consolas" panose="020B0609020204030204" pitchFamily="49" charset="0"/>
+                            <a:cs typeface="Consolas" panose="020B0609020204030204" pitchFamily="49" charset="0"/>
+                          </a:endParaRPr>
+                        </a:p>
+                      </p:txBody>
+                    </p:sp>
+                    <p:sp>
+                      <p:nvSpPr>
+                        <p:cNvPr id="66" name="文本框 65"/>
+                        <p:cNvSpPr txBox="1"/>
+                        <p:nvPr/>
+                      </p:nvSpPr>
+                      <p:spPr>
+                        <a:xfrm>
+                          <a:off x="4740765" y="2778916"/>
+                          <a:ext cx="1755610" cy="276999"/>
+                        </a:xfrm>
+                        <a:prstGeom prst="rect">
+                          <a:avLst/>
+                        </a:prstGeom>
+                        <a:noFill/>
+                      </p:spPr>
+                      <p:txBody>
+                        <a:bodyPr wrap="square" rtlCol="0">
+                          <a:spAutoFit/>
+                        </a:bodyPr>
+                        <a:lstStyle/>
+                        <a:p>
+                          <a:pPr algn="ctr"/>
+                          <a:r>
+                            <a:rPr lang="en-US" altLang="zh-CN" sz="1200" dirty="0" err="1" smtClean="0">
+                              <a:latin typeface="Consolas" panose="020B0609020204030204" pitchFamily="49" charset="0"/>
+                              <a:cs typeface="Consolas" panose="020B0609020204030204" pitchFamily="49" charset="0"/>
+                            </a:rPr>
+                            <a:t>HiveSQL</a:t>
+                          </a:r>
+                          <a:endParaRPr lang="en-US" altLang="zh-CN" sz="1200" dirty="0" smtClean="0">
+                            <a:latin typeface="Consolas" panose="020B0609020204030204" pitchFamily="49" charset="0"/>
+                            <a:cs typeface="Consolas" panose="020B0609020204030204" pitchFamily="49" charset="0"/>
+                          </a:endParaRPr>
+                        </a:p>
+                      </p:txBody>
+                    </p:sp>
+                  </p:grpSp>
                   <p:sp>
                     <p:nvSpPr>
-                      <p:cNvPr id="25" name="圆角矩形 24"/>
+                      <p:cNvPr id="70" name="圆角矩形 69"/>
                       <p:cNvSpPr/>
                       <p:nvPr/>
                     </p:nvSpPr>
                     <p:spPr>
                       <a:xfrm>
-                        <a:off x="7159666" y="605116"/>
-                        <a:ext cx="2164234" cy="6555535"/>
+                        <a:off x="4545251" y="3079535"/>
+                        <a:ext cx="2364786" cy="1083491"/>
                       </a:xfrm>
                       <a:prstGeom prst="roundRect">
                         <a:avLst>
-                          <a:gd name="adj" fmla="val 9192"/>
+                          <a:gd name="adj" fmla="val 8974"/>
                         </a:avLst>
                       </a:prstGeom>
                       <a:solidFill>
-                        <a:srgbClr val="FFCCFF">
-                          <a:alpha val="70000"/>
-                        </a:srgbClr>
+                        <a:schemeClr val="accent5">
+                          <a:lumMod val="75000"/>
+                        </a:schemeClr>
                       </a:solidFill>
-                      <a:ln>
-                        <a:solidFill>
-                          <a:schemeClr val="tx1"/>
-                        </a:solidFill>
-                      </a:ln>
                     </p:spPr>
                     <p:style>
                       <a:lnRef idx="2">
@@ -3749,77 +5569,64 @@
                   </p:sp>
                   <p:sp>
                     <p:nvSpPr>
-                      <p:cNvPr id="54" name="圆角矩形 53"/>
+                      <p:cNvPr id="78" name="文本框 77"/>
+                      <p:cNvSpPr txBox="1"/>
+                      <p:nvPr/>
+                    </p:nvSpPr>
+                    <p:spPr>
+                      <a:xfrm>
+                        <a:off x="4207645" y="3173895"/>
+                        <a:ext cx="2969040" cy="307777"/>
+                      </a:xfrm>
+                      <a:prstGeom prst="rect">
+                        <a:avLst/>
+                      </a:prstGeom>
+                      <a:noFill/>
+                    </p:spPr>
+                    <p:txBody>
+                      <a:bodyPr wrap="square" rtlCol="0">
+                        <a:spAutoFit/>
+                      </a:bodyPr>
+                      <a:lstStyle/>
+                      <a:p>
+                        <a:pPr algn="ctr"/>
+                        <a:r>
+                          <a:rPr lang="en-US" altLang="zh-CN" sz="1400" dirty="0" smtClean="0">
+                            <a:latin typeface="Consolas" panose="020B0609020204030204" pitchFamily="49" charset="0"/>
+                            <a:cs typeface="Consolas" panose="020B0609020204030204" pitchFamily="49" charset="0"/>
+                          </a:rPr>
+                          <a:t>Flexible Query</a:t>
+                        </a:r>
+                      </a:p>
+                    </p:txBody>
+                  </p:sp>
+                  <p:sp>
+                    <p:nvSpPr>
+                      <p:cNvPr id="79" name="矩形 78"/>
                       <p:cNvSpPr/>
                       <p:nvPr/>
                     </p:nvSpPr>
                     <p:spPr>
                       <a:xfrm>
-                        <a:off x="7345524" y="878099"/>
-                        <a:ext cx="1792518" cy="1733071"/>
+                        <a:off x="4903617" y="3585929"/>
+                        <a:ext cx="1569610" cy="381893"/>
                       </a:xfrm>
-                      <a:prstGeom prst="roundRect">
-                        <a:avLst>
-                          <a:gd name="adj" fmla="val 8493"/>
-                        </a:avLst>
-                      </a:prstGeom>
-                      <a:solidFill>
-                        <a:srgbClr val="99CCFF"/>
-                      </a:solidFill>
-                    </p:spPr>
-                    <p:style>
-                      <a:lnRef idx="2">
-                        <a:schemeClr val="accent1">
-                          <a:shade val="50000"/>
-                        </a:schemeClr>
-                      </a:lnRef>
-                      <a:fillRef idx="1">
-                        <a:schemeClr val="accent1"/>
-                      </a:fillRef>
-                      <a:effectRef idx="0">
-                        <a:schemeClr val="accent1"/>
-                      </a:effectRef>
-                      <a:fontRef idx="minor">
-                        <a:schemeClr val="lt1"/>
-                      </a:fontRef>
-                    </p:style>
-                    <p:txBody>
-                      <a:bodyPr rtlCol="0" anchor="ctr"/>
-                      <a:lstStyle/>
-                      <a:p>
-                        <a:pPr algn="ctr"/>
-                        <a:endParaRPr lang="zh-CN" altLang="en-US"/>
-                      </a:p>
-                    </p:txBody>
-                  </p:sp>
-                  <p:sp>
-                    <p:nvSpPr>
-                      <p:cNvPr id="2" name="圆角矩形 1"/>
-                      <p:cNvSpPr/>
-                      <p:nvPr/>
-                    </p:nvSpPr>
-                    <p:spPr>
-                      <a:xfrm>
-                        <a:off x="2695851" y="605116"/>
-                        <a:ext cx="3348507" cy="5821440"/>
-                      </a:xfrm>
-                      <a:prstGeom prst="roundRect">
-                        <a:avLst>
-                          <a:gd name="adj" fmla="val 5898"/>
-                        </a:avLst>
+                      <a:prstGeom prst="rect">
+                        <a:avLst/>
                       </a:prstGeom>
                       <a:solidFill>
                         <a:schemeClr val="accent5">
                           <a:lumMod val="40000"/>
                           <a:lumOff val="60000"/>
-                          <a:alpha val="70000"/>
                         </a:schemeClr>
                       </a:solidFill>
-                      <a:ln>
-                        <a:solidFill>
-                          <a:schemeClr val="tx1"/>
-                        </a:solidFill>
-                      </a:ln>
+                      <a:effectLst>
+                        <a:outerShdw blurRad="50800" dist="38100" dir="2700000" algn="tl" rotWithShape="0">
+                          <a:prstClr val="black">
+                            <a:alpha val="40000"/>
+                          </a:prstClr>
+                        </a:outerShdw>
+                      </a:effectLst>
                     </p:spPr>
                     <p:style>
                       <a:lnRef idx="2">
@@ -3851,70 +5658,14 @@
                   </p:sp>
                   <p:sp>
                     <p:nvSpPr>
-                      <p:cNvPr id="4" name="圆角矩形 3"/>
-                      <p:cNvSpPr/>
-                      <p:nvPr/>
-                    </p:nvSpPr>
-                    <p:spPr>
-                      <a:xfrm>
-                        <a:off x="510988" y="605117"/>
-                        <a:ext cx="1378326" cy="6555535"/>
-                      </a:xfrm>
-                      <a:prstGeom prst="roundRect">
-                        <a:avLst>
-                          <a:gd name="adj" fmla="val 11061"/>
-                        </a:avLst>
-                      </a:prstGeom>
-                      <a:solidFill>
-                        <a:schemeClr val="bg1">
-                          <a:lumMod val="75000"/>
-                          <a:alpha val="70000"/>
-                        </a:schemeClr>
-                      </a:solidFill>
-                      <a:ln>
-                        <a:solidFill>
-                          <a:schemeClr val="tx1"/>
-                        </a:solidFill>
-                      </a:ln>
-                    </p:spPr>
-                    <p:style>
-                      <a:lnRef idx="2">
-                        <a:schemeClr val="accent1">
-                          <a:shade val="50000"/>
-                        </a:schemeClr>
-                      </a:lnRef>
-                      <a:fillRef idx="1">
-                        <a:schemeClr val="accent1"/>
-                      </a:fillRef>
-                      <a:effectRef idx="0">
-                        <a:schemeClr val="accent1"/>
-                      </a:effectRef>
-                      <a:fontRef idx="minor">
-                        <a:schemeClr val="lt1"/>
-                      </a:fontRef>
-                    </p:style>
-                    <p:txBody>
-                      <a:bodyPr rtlCol="0" anchor="ctr"/>
-                      <a:lstStyle/>
-                      <a:p>
-                        <a:pPr algn="ctr"/>
-                        <a:endParaRPr lang="zh-CN" altLang="en-US">
-                          <a:latin typeface="Consolas" panose="020B0609020204030204" pitchFamily="49" charset="0"/>
-                          <a:cs typeface="Consolas" panose="020B0609020204030204" pitchFamily="49" charset="0"/>
-                        </a:endParaRPr>
-                      </a:p>
-                    </p:txBody>
-                  </p:sp>
-                  <p:sp>
-                    <p:nvSpPr>
-                      <p:cNvPr id="5" name="文本框 4"/>
+                      <p:cNvPr id="83" name="文本框 82"/>
                       <p:cNvSpPr txBox="1"/>
                       <p:nvPr/>
                     </p:nvSpPr>
                     <p:spPr>
                       <a:xfrm>
-                        <a:off x="-90767" y="837062"/>
-                        <a:ext cx="2581836" cy="307777"/>
+                        <a:off x="4646692" y="3690508"/>
+                        <a:ext cx="2060889" cy="276999"/>
                       </a:xfrm>
                       <a:prstGeom prst="rect">
                         <a:avLst/>
@@ -3929,75 +5680,13 @@
                       <a:p>
                         <a:pPr algn="ctr"/>
                         <a:r>
-                          <a:rPr lang="en-US" altLang="zh-CN" sz="1400" b="1" dirty="0" smtClean="0">
-                            <a:effectLst>
-                              <a:outerShdw blurRad="38100" dist="38100" dir="2700000" algn="tl">
-                                <a:srgbClr val="000000">
-                                  <a:alpha val="43137"/>
-                                </a:srgbClr>
-                              </a:outerShdw>
-                            </a:effectLst>
+                          <a:rPr lang="en-US" altLang="zh-CN" sz="1200" dirty="0" err="1" smtClean="0">
                             <a:latin typeface="Consolas" panose="020B0609020204030204" pitchFamily="49" charset="0"/>
                             <a:cs typeface="Consolas" panose="020B0609020204030204" pitchFamily="49" charset="0"/>
                           </a:rPr>
-                          <a:t>Data Source</a:t>
+                          <a:t>SparkSQL</a:t>
                         </a:r>
-                      </a:p>
-                    </p:txBody>
-                  </p:sp>
-                  <p:sp>
-                    <p:nvSpPr>
-                      <p:cNvPr id="27" name="右箭头 26"/>
-                      <p:cNvSpPr/>
-                      <p:nvPr/>
-                    </p:nvSpPr>
-                    <p:spPr>
-                      <a:xfrm>
-                        <a:off x="6035677" y="5677529"/>
-                        <a:ext cx="1222975" cy="368843"/>
-                      </a:xfrm>
-                      <a:prstGeom prst="rightArrow">
-                        <a:avLst/>
-                      </a:prstGeom>
-                      <a:gradFill>
-                        <a:gsLst>
-                          <a:gs pos="0">
-                            <a:schemeClr val="accent6">
-                              <a:lumMod val="75000"/>
-                            </a:schemeClr>
-                          </a:gs>
-                          <a:gs pos="100000">
-                            <a:schemeClr val="accent4">
-                              <a:lumMod val="20000"/>
-                              <a:lumOff val="80000"/>
-                            </a:schemeClr>
-                          </a:gs>
-                        </a:gsLst>
-                        <a:lin ang="0" scaled="1"/>
-                      </a:gradFill>
-                    </p:spPr>
-                    <p:style>
-                      <a:lnRef idx="2">
-                        <a:schemeClr val="accent6">
-                          <a:shade val="50000"/>
-                        </a:schemeClr>
-                      </a:lnRef>
-                      <a:fillRef idx="1">
-                        <a:schemeClr val="accent6"/>
-                      </a:fillRef>
-                      <a:effectRef idx="0">
-                        <a:schemeClr val="accent6"/>
-                      </a:effectRef>
-                      <a:fontRef idx="minor">
-                        <a:schemeClr val="lt1"/>
-                      </a:fontRef>
-                    </p:style>
-                    <p:txBody>
-                      <a:bodyPr rtlCol="0" anchor="ctr"/>
-                      <a:lstStyle/>
-                      <a:p>
-                        <a:pPr algn="ctr"/>
-                        <a:endParaRPr lang="zh-CN" altLang="en-US">
+                        <a:endParaRPr lang="en-US" altLang="zh-CN" sz="1200" dirty="0" smtClean="0">
                           <a:latin typeface="Consolas" panose="020B0609020204030204" pitchFamily="49" charset="0"/>
                           <a:cs typeface="Consolas" panose="020B0609020204030204" pitchFamily="49" charset="0"/>
                         </a:endParaRPr>
@@ -4006,14 +5695,14 @@
                   </p:sp>
                   <p:sp>
                     <p:nvSpPr>
-                      <p:cNvPr id="28" name="右箭头 27"/>
+                      <p:cNvPr id="84" name="右箭头 83"/>
                       <p:cNvSpPr/>
                       <p:nvPr/>
                     </p:nvSpPr>
                     <p:spPr>
-                      <a:xfrm>
-                        <a:off x="6040218" y="1524376"/>
-                        <a:ext cx="1218434" cy="368843"/>
+                      <a:xfrm rot="5400000">
+                        <a:off x="5400121" y="2767905"/>
+                        <a:ext cx="443141" cy="368843"/>
                       </a:xfrm>
                       <a:prstGeom prst="rightArrow">
                         <a:avLst/>
@@ -4065,263 +5754,22 @@
                   </p:sp>
                   <p:sp>
                     <p:nvSpPr>
-                      <p:cNvPr id="29" name="右箭头 28"/>
+                      <p:cNvPr id="85" name="圆角矩形 84"/>
                       <p:cNvSpPr/>
                       <p:nvPr/>
                     </p:nvSpPr>
                     <p:spPr>
                       <a:xfrm>
-                        <a:off x="1889310" y="2060369"/>
-                        <a:ext cx="905405" cy="368843"/>
-                      </a:xfrm>
-                      <a:prstGeom prst="rightArrow">
-                        <a:avLst/>
-                      </a:prstGeom>
-                      <a:gradFill flip="none" rotWithShape="1">
-                        <a:gsLst>
-                          <a:gs pos="0">
-                            <a:schemeClr val="accent6">
-                              <a:lumMod val="75000"/>
-                            </a:schemeClr>
-                          </a:gs>
-                          <a:gs pos="100000">
-                            <a:schemeClr val="accent6">
-                              <a:lumMod val="20000"/>
-                              <a:lumOff val="80000"/>
-                            </a:schemeClr>
-                          </a:gs>
-                        </a:gsLst>
-                        <a:lin ang="0" scaled="1"/>
-                        <a:tileRect/>
-                      </a:gradFill>
-                    </p:spPr>
-                    <p:style>
-                      <a:lnRef idx="2">
-                        <a:schemeClr val="accent6">
-                          <a:shade val="50000"/>
-                        </a:schemeClr>
-                      </a:lnRef>
-                      <a:fillRef idx="1">
-                        <a:schemeClr val="accent6"/>
-                      </a:fillRef>
-                      <a:effectRef idx="0">
-                        <a:schemeClr val="accent6"/>
-                      </a:effectRef>
-                      <a:fontRef idx="minor">
-                        <a:schemeClr val="lt1"/>
-                      </a:fontRef>
-                    </p:style>
-                    <p:txBody>
-                      <a:bodyPr rtlCol="0" anchor="ctr"/>
-                      <a:lstStyle/>
-                      <a:p>
-                        <a:pPr algn="ctr"/>
-                        <a:endParaRPr lang="zh-CN" altLang="en-US">
-                          <a:latin typeface="Consolas" panose="020B0609020204030204" pitchFamily="49" charset="0"/>
-                          <a:cs typeface="Consolas" panose="020B0609020204030204" pitchFamily="49" charset="0"/>
-                        </a:endParaRPr>
-                      </a:p>
-                    </p:txBody>
-                  </p:sp>
-                  <p:sp>
-                    <p:nvSpPr>
-                      <p:cNvPr id="37" name="矩形 36"/>
-                      <p:cNvSpPr/>
-                      <p:nvPr/>
-                    </p:nvSpPr>
-                    <p:spPr>
-                      <a:xfrm rot="16200000">
-                        <a:off x="4333443" y="4415154"/>
-                        <a:ext cx="383242" cy="4851609"/>
-                      </a:xfrm>
-                      <a:prstGeom prst="rect">
-                        <a:avLst/>
-                      </a:prstGeom>
-                      <a:solidFill>
-                        <a:srgbClr val="FFFF00"/>
-                      </a:solidFill>
-                      <a:ln>
-                        <a:solidFill>
-                          <a:schemeClr val="tx1"/>
-                        </a:solidFill>
-                      </a:ln>
-                      <a:effectLst>
-                        <a:innerShdw blurRad="63500" dist="50800" dir="10800000">
-                          <a:prstClr val="black">
-                            <a:alpha val="50000"/>
-                          </a:prstClr>
-                        </a:innerShdw>
-                      </a:effectLst>
-                    </p:spPr>
-                    <p:style>
-                      <a:lnRef idx="2">
-                        <a:schemeClr val="accent1">
-                          <a:shade val="50000"/>
-                        </a:schemeClr>
-                      </a:lnRef>
-                      <a:fillRef idx="1">
-                        <a:schemeClr val="accent1"/>
-                      </a:fillRef>
-                      <a:effectRef idx="0">
-                        <a:schemeClr val="accent1"/>
-                      </a:effectRef>
-                      <a:fontRef idx="minor">
-                        <a:schemeClr val="lt1"/>
-                      </a:fontRef>
-                    </p:style>
-                    <p:txBody>
-                      <a:bodyPr rtlCol="0" anchor="ctr"/>
-                      <a:lstStyle/>
-                      <a:p>
-                        <a:pPr algn="ctr"/>
-                        <a:endParaRPr lang="zh-CN" altLang="en-US">
-                          <a:latin typeface="Consolas" panose="020B0609020204030204" pitchFamily="49" charset="0"/>
-                          <a:cs typeface="Consolas" panose="020B0609020204030204" pitchFamily="49" charset="0"/>
-                        </a:endParaRPr>
-                      </a:p>
-                    </p:txBody>
-                  </p:sp>
-                  <p:sp>
-                    <p:nvSpPr>
-                      <p:cNvPr id="32" name="文本框 31"/>
-                      <p:cNvSpPr txBox="1"/>
-                      <p:nvPr/>
-                    </p:nvSpPr>
-                    <p:spPr>
-                      <a:xfrm>
-                        <a:off x="3079186" y="721054"/>
-                        <a:ext cx="2581836" cy="584775"/>
-                      </a:xfrm>
-                      <a:prstGeom prst="rect">
-                        <a:avLst/>
-                      </a:prstGeom>
-                      <a:noFill/>
-                    </p:spPr>
-                    <p:txBody>
-                      <a:bodyPr wrap="square" rtlCol="0">
-                        <a:spAutoFit/>
-                      </a:bodyPr>
-                      <a:lstStyle/>
-                      <a:p>
-                        <a:pPr algn="ctr"/>
-                        <a:r>
-                          <a:rPr lang="en-US" altLang="zh-CN" b="1" dirty="0" smtClean="0">
-                            <a:effectLst>
-                              <a:outerShdw blurRad="38100" dist="38100" dir="2700000" algn="tl">
-                                <a:srgbClr val="000000">
-                                  <a:alpha val="43137"/>
-                                </a:srgbClr>
-                              </a:outerShdw>
-                            </a:effectLst>
-                            <a:latin typeface="Consolas" panose="020B0609020204030204" pitchFamily="49" charset="0"/>
-                            <a:cs typeface="Consolas" panose="020B0609020204030204" pitchFamily="49" charset="0"/>
-                          </a:rPr>
-                          <a:t>Data </a:t>
-                        </a:r>
-                        <a:r>
-                          <a:rPr lang="en-US" altLang="zh-CN" b="1" dirty="0" err="1" smtClean="0">
-                            <a:effectLst>
-                              <a:outerShdw blurRad="38100" dist="38100" dir="2700000" algn="tl">
-                                <a:srgbClr val="000000">
-                                  <a:alpha val="43137"/>
-                                </a:srgbClr>
-                              </a:outerShdw>
-                            </a:effectLst>
-                            <a:latin typeface="Consolas" panose="020B0609020204030204" pitchFamily="49" charset="0"/>
-                            <a:cs typeface="Consolas" panose="020B0609020204030204" pitchFamily="49" charset="0"/>
-                          </a:rPr>
-                          <a:t>Plantform</a:t>
-                        </a:r>
-                        <a:endParaRPr lang="en-US" altLang="zh-CN" b="1" dirty="0" smtClean="0">
-                          <a:effectLst>
-                            <a:outerShdw blurRad="38100" dist="38100" dir="2700000" algn="tl">
-                              <a:srgbClr val="000000">
-                                <a:alpha val="43137"/>
-                              </a:srgbClr>
-                            </a:outerShdw>
-                          </a:effectLst>
-                          <a:latin typeface="Consolas" panose="020B0609020204030204" pitchFamily="49" charset="0"/>
-                          <a:cs typeface="Consolas" panose="020B0609020204030204" pitchFamily="49" charset="0"/>
-                        </a:endParaRPr>
-                      </a:p>
-                      <a:p>
-                        <a:pPr algn="ctr"/>
-                        <a:r>
-                          <a:rPr lang="en-US" altLang="zh-CN" sz="1400" dirty="0" err="1" smtClean="0">
-                            <a:effectLst>
-                              <a:outerShdw blurRad="38100" dist="38100" dir="2700000" algn="tl">
-                                <a:srgbClr val="000000">
-                                  <a:alpha val="43137"/>
-                                </a:srgbClr>
-                              </a:outerShdw>
-                            </a:effectLst>
-                            <a:latin typeface="Consolas" panose="020B0609020204030204" pitchFamily="49" charset="0"/>
-                            <a:cs typeface="Consolas" panose="020B0609020204030204" pitchFamily="49" charset="0"/>
-                          </a:rPr>
-                          <a:t>Hadoop</a:t>
-                        </a:r>
-                        <a:r>
-                          <a:rPr lang="en-US" altLang="zh-CN" sz="1400" dirty="0" smtClean="0">
-                            <a:effectLst>
-                              <a:outerShdw blurRad="38100" dist="38100" dir="2700000" algn="tl">
-                                <a:srgbClr val="000000">
-                                  <a:alpha val="43137"/>
-                                </a:srgbClr>
-                              </a:outerShdw>
-                            </a:effectLst>
-                            <a:latin typeface="Consolas" panose="020B0609020204030204" pitchFamily="49" charset="0"/>
-                            <a:cs typeface="Consolas" panose="020B0609020204030204" pitchFamily="49" charset="0"/>
-                          </a:rPr>
-                          <a:t> </a:t>
-                        </a:r>
-                        <a:r>
-                          <a:rPr lang="en-US" altLang="zh-CN" sz="1400" dirty="0" err="1" smtClean="0">
-                            <a:effectLst>
-                              <a:outerShdw blurRad="38100" dist="38100" dir="2700000" algn="tl">
-                                <a:srgbClr val="000000">
-                                  <a:alpha val="43137"/>
-                                </a:srgbClr>
-                              </a:outerShdw>
-                            </a:effectLst>
-                            <a:latin typeface="Consolas" panose="020B0609020204030204" pitchFamily="49" charset="0"/>
-                            <a:cs typeface="Consolas" panose="020B0609020204030204" pitchFamily="49" charset="0"/>
-                          </a:rPr>
-                          <a:t>Clust</a:t>
-                        </a:r>
-                        <a:endParaRPr lang="en-US" altLang="zh-CN" sz="1400" dirty="0" smtClean="0">
-                          <a:effectLst>
-                            <a:outerShdw blurRad="38100" dist="38100" dir="2700000" algn="tl">
-                              <a:srgbClr val="000000">
-                                <a:alpha val="43137"/>
-                              </a:srgbClr>
-                            </a:outerShdw>
-                          </a:effectLst>
-                          <a:latin typeface="Consolas" panose="020B0609020204030204" pitchFamily="49" charset="0"/>
-                          <a:cs typeface="Consolas" panose="020B0609020204030204" pitchFamily="49" charset="0"/>
-                        </a:endParaRPr>
-                      </a:p>
-                    </p:txBody>
-                  </p:sp>
-                  <p:sp>
-                    <p:nvSpPr>
-                      <p:cNvPr id="3" name="圆角矩形 2"/>
-                      <p:cNvSpPr/>
-                      <p:nvPr/>
-                    </p:nvSpPr>
-                    <p:spPr>
-                      <a:xfrm>
-                        <a:off x="3490175" y="1314387"/>
-                        <a:ext cx="2364185" cy="1841503"/>
+                        <a:off x="8400601" y="4132039"/>
+                        <a:ext cx="1792518" cy="1112719"/>
                       </a:xfrm>
                       <a:prstGeom prst="roundRect">
                         <a:avLst>
-                          <a:gd name="adj" fmla="val 8974"/>
+                          <a:gd name="adj" fmla="val 8493"/>
                         </a:avLst>
                       </a:prstGeom>
                       <a:solidFill>
-                        <a:schemeClr val="accent4">
-                          <a:lumMod val="75000"/>
-                        </a:schemeClr>
+                        <a:srgbClr val="99CCFF"/>
                       </a:solidFill>
                     </p:spPr>
                     <p:style>
@@ -4345,22 +5793,19 @@
                       <a:lstStyle/>
                       <a:p>
                         <a:pPr algn="ctr"/>
-                        <a:endParaRPr lang="zh-CN" altLang="en-US">
-                          <a:latin typeface="Consolas" panose="020B0609020204030204" pitchFamily="49" charset="0"/>
-                          <a:cs typeface="Consolas" panose="020B0609020204030204" pitchFamily="49" charset="0"/>
-                        </a:endParaRPr>
+                        <a:endParaRPr lang="zh-CN" altLang="en-US"/>
                       </a:p>
                     </p:txBody>
                   </p:sp>
                   <p:sp>
                     <p:nvSpPr>
-                      <p:cNvPr id="33" name="文本框 32"/>
+                      <p:cNvPr id="87" name="文本框 86"/>
                       <p:cNvSpPr txBox="1"/>
                       <p:nvPr/>
                     </p:nvSpPr>
                     <p:spPr>
                       <a:xfrm>
-                        <a:off x="3335199" y="1459512"/>
+                        <a:off x="8005942" y="4244890"/>
                         <a:ext cx="2581836" cy="307777"/>
                       </a:xfrm>
                       <a:prstGeom prst="rect">
@@ -4376,90 +5821,31 @@
                       <a:p>
                         <a:pPr algn="ctr"/>
                         <a:r>
-                          <a:rPr lang="en-US" altLang="zh-CN" sz="1400" dirty="0" smtClean="0">
+                          <a:rPr lang="en-US" altLang="zh-CN" sz="1400" b="1" dirty="0">
                             <a:latin typeface="Consolas" panose="020B0609020204030204" pitchFamily="49" charset="0"/>
                             <a:cs typeface="Consolas" panose="020B0609020204030204" pitchFamily="49" charset="0"/>
                           </a:rPr>
-                          <a:t>Batch Processing</a:t>
+                          <a:t>Flexible Query</a:t>
                         </a:r>
                       </a:p>
                     </p:txBody>
                   </p:sp>
                   <p:sp>
                     <p:nvSpPr>
-                      <p:cNvPr id="40" name="右箭头 39"/>
+                      <p:cNvPr id="89" name="矩形 88"/>
                       <p:cNvSpPr/>
                       <p:nvPr/>
                     </p:nvSpPr>
                     <p:spPr>
                       <a:xfrm>
-                        <a:off x="3203807" y="2058277"/>
-                        <a:ext cx="411787" cy="368843"/>
-                      </a:xfrm>
-                      <a:prstGeom prst="rightArrow">
-                        <a:avLst/>
-                      </a:prstGeom>
-                      <a:gradFill>
-                        <a:gsLst>
-                          <a:gs pos="0">
-                            <a:schemeClr val="accent2">
-                              <a:lumMod val="75000"/>
-                            </a:schemeClr>
-                          </a:gs>
-                          <a:gs pos="100000">
-                            <a:schemeClr val="accent2">
-                              <a:lumMod val="20000"/>
-                              <a:lumOff val="80000"/>
-                            </a:schemeClr>
-                          </a:gs>
-                        </a:gsLst>
-                        <a:lin ang="0" scaled="1"/>
-                      </a:gradFill>
-                    </p:spPr>
-                    <p:style>
-                      <a:lnRef idx="2">
-                        <a:schemeClr val="accent6">
-                          <a:shade val="50000"/>
-                        </a:schemeClr>
-                      </a:lnRef>
-                      <a:fillRef idx="1">
-                        <a:schemeClr val="accent6"/>
-                      </a:fillRef>
-                      <a:effectRef idx="0">
-                        <a:schemeClr val="accent6"/>
-                      </a:effectRef>
-                      <a:fontRef idx="minor">
-                        <a:schemeClr val="lt1"/>
-                      </a:fontRef>
-                    </p:style>
-                    <p:txBody>
-                      <a:bodyPr rtlCol="0" anchor="ctr"/>
-                      <a:lstStyle/>
-                      <a:p>
-                        <a:pPr algn="ctr"/>
-                        <a:endParaRPr lang="zh-CN" altLang="en-US">
-                          <a:latin typeface="Consolas" panose="020B0609020204030204" pitchFamily="49" charset="0"/>
-                          <a:cs typeface="Consolas" panose="020B0609020204030204" pitchFamily="49" charset="0"/>
-                        </a:endParaRPr>
-                      </a:p>
-                    </p:txBody>
-                  </p:sp>
-                  <p:sp>
-                    <p:nvSpPr>
-                      <p:cNvPr id="11" name="矩形 10"/>
-                      <p:cNvSpPr/>
-                      <p:nvPr/>
-                    </p:nvSpPr>
-                    <p:spPr>
-                      <a:xfrm>
-                        <a:off x="3683358" y="1824771"/>
-                        <a:ext cx="334850" cy="869700"/>
+                        <a:off x="8736057" y="4595683"/>
+                        <a:ext cx="1093053" cy="501711"/>
                       </a:xfrm>
                       <a:prstGeom prst="rect">
                         <a:avLst/>
                       </a:prstGeom>
                       <a:solidFill>
-                        <a:schemeClr val="accent4">
+                        <a:schemeClr val="accent3">
                           <a:lumMod val="60000"/>
                           <a:lumOff val="40000"/>
                         </a:schemeClr>
@@ -4502,222 +5888,14 @@
                   </p:sp>
                   <p:sp>
                     <p:nvSpPr>
-                      <p:cNvPr id="42" name="矩形 41"/>
-                      <p:cNvSpPr/>
+                      <p:cNvPr id="90" name="文本框 89"/>
+                      <p:cNvSpPr txBox="1"/>
                       <p:nvPr/>
                     </p:nvSpPr>
                     <p:spPr>
                       <a:xfrm>
-                        <a:off x="4211391" y="1826583"/>
-                        <a:ext cx="334850" cy="869700"/>
-                      </a:xfrm>
-                      <a:prstGeom prst="rect">
-                        <a:avLst/>
-                      </a:prstGeom>
-                      <a:solidFill>
-                        <a:schemeClr val="accent4">
-                          <a:lumMod val="60000"/>
-                          <a:lumOff val="40000"/>
-                        </a:schemeClr>
-                      </a:solidFill>
-                      <a:effectLst>
-                        <a:outerShdw blurRad="50800" dist="38100" dir="2700000" algn="tl" rotWithShape="0">
-                          <a:prstClr val="black">
-                            <a:alpha val="40000"/>
-                          </a:prstClr>
-                        </a:outerShdw>
-                      </a:effectLst>
-                    </p:spPr>
-                    <p:style>
-                      <a:lnRef idx="2">
-                        <a:schemeClr val="accent1">
-                          <a:shade val="50000"/>
-                        </a:schemeClr>
-                      </a:lnRef>
-                      <a:fillRef idx="1">
-                        <a:schemeClr val="accent1"/>
-                      </a:fillRef>
-                      <a:effectRef idx="0">
-                        <a:schemeClr val="accent1"/>
-                      </a:effectRef>
-                      <a:fontRef idx="minor">
-                        <a:schemeClr val="lt1"/>
-                      </a:fontRef>
-                    </p:style>
-                    <p:txBody>
-                      <a:bodyPr rtlCol="0" anchor="ctr"/>
-                      <a:lstStyle/>
-                      <a:p>
-                        <a:pPr algn="ctr"/>
-                        <a:endParaRPr lang="zh-CN" altLang="en-US">
-                          <a:latin typeface="Consolas" panose="020B0609020204030204" pitchFamily="49" charset="0"/>
-                          <a:cs typeface="Consolas" panose="020B0609020204030204" pitchFamily="49" charset="0"/>
-                        </a:endParaRPr>
-                      </a:p>
-                    </p:txBody>
-                  </p:sp>
-                  <p:sp>
-                    <p:nvSpPr>
-                      <p:cNvPr id="43" name="矩形 42"/>
-                      <p:cNvSpPr/>
-                      <p:nvPr/>
-                    </p:nvSpPr>
-                    <p:spPr>
-                      <a:xfrm>
-                        <a:off x="4739424" y="1828357"/>
-                        <a:ext cx="334850" cy="869700"/>
-                      </a:xfrm>
-                      <a:prstGeom prst="rect">
-                        <a:avLst/>
-                      </a:prstGeom>
-                      <a:solidFill>
-                        <a:schemeClr val="accent4">
-                          <a:lumMod val="60000"/>
-                          <a:lumOff val="40000"/>
-                        </a:schemeClr>
-                      </a:solidFill>
-                      <a:effectLst>
-                        <a:outerShdw blurRad="50800" dist="38100" dir="2700000" algn="tl" rotWithShape="0">
-                          <a:prstClr val="black">
-                            <a:alpha val="40000"/>
-                          </a:prstClr>
-                        </a:outerShdw>
-                      </a:effectLst>
-                    </p:spPr>
-                    <p:style>
-                      <a:lnRef idx="2">
-                        <a:schemeClr val="accent1">
-                          <a:shade val="50000"/>
-                        </a:schemeClr>
-                      </a:lnRef>
-                      <a:fillRef idx="1">
-                        <a:schemeClr val="accent1"/>
-                      </a:fillRef>
-                      <a:effectRef idx="0">
-                        <a:schemeClr val="accent1"/>
-                      </a:effectRef>
-                      <a:fontRef idx="minor">
-                        <a:schemeClr val="lt1"/>
-                      </a:fontRef>
-                    </p:style>
-                    <p:txBody>
-                      <a:bodyPr rtlCol="0" anchor="ctr"/>
-                      <a:lstStyle/>
-                      <a:p>
-                        <a:pPr algn="ctr"/>
-                        <a:endParaRPr lang="zh-CN" altLang="en-US">
-                          <a:latin typeface="Consolas" panose="020B0609020204030204" pitchFamily="49" charset="0"/>
-                          <a:cs typeface="Consolas" panose="020B0609020204030204" pitchFamily="49" charset="0"/>
-                        </a:endParaRPr>
-                      </a:p>
-                    </p:txBody>
-                  </p:sp>
-                  <p:sp>
-                    <p:nvSpPr>
-                      <p:cNvPr id="44" name="矩形 43"/>
-                      <p:cNvSpPr/>
-                      <p:nvPr/>
-                    </p:nvSpPr>
-                    <p:spPr>
-                      <a:xfrm>
-                        <a:off x="5267457" y="1820441"/>
-                        <a:ext cx="334850" cy="869700"/>
-                      </a:xfrm>
-                      <a:prstGeom prst="rect">
-                        <a:avLst/>
-                      </a:prstGeom>
-                      <a:solidFill>
-                        <a:schemeClr val="accent4">
-                          <a:lumMod val="60000"/>
-                          <a:lumOff val="40000"/>
-                        </a:schemeClr>
-                      </a:solidFill>
-                      <a:effectLst>
-                        <a:outerShdw blurRad="50800" dist="38100" dir="2700000" algn="tl" rotWithShape="0">
-                          <a:prstClr val="black">
-                            <a:alpha val="40000"/>
-                          </a:prstClr>
-                        </a:outerShdw>
-                      </a:effectLst>
-                    </p:spPr>
-                    <p:style>
-                      <a:lnRef idx="2">
-                        <a:schemeClr val="accent1">
-                          <a:shade val="50000"/>
-                        </a:schemeClr>
-                      </a:lnRef>
-                      <a:fillRef idx="1">
-                        <a:schemeClr val="accent1"/>
-                      </a:fillRef>
-                      <a:effectRef idx="0">
-                        <a:schemeClr val="accent1"/>
-                      </a:effectRef>
-                      <a:fontRef idx="minor">
-                        <a:schemeClr val="lt1"/>
-                      </a:fontRef>
-                    </p:style>
-                    <p:txBody>
-                      <a:bodyPr rtlCol="0" anchor="ctr"/>
-                      <a:lstStyle/>
-                      <a:p>
-                        <a:pPr algn="ctr"/>
-                        <a:endParaRPr lang="zh-CN" altLang="en-US">
-                          <a:latin typeface="Consolas" panose="020B0609020204030204" pitchFamily="49" charset="0"/>
-                          <a:cs typeface="Consolas" panose="020B0609020204030204" pitchFamily="49" charset="0"/>
-                        </a:endParaRPr>
-                      </a:p>
-                    </p:txBody>
-                  </p:sp>
-                  <p:sp>
-                    <p:nvSpPr>
-                      <p:cNvPr id="45" name="文本框 44"/>
-                      <p:cNvSpPr txBox="1"/>
-                      <p:nvPr/>
-                    </p:nvSpPr>
-                    <p:spPr>
-                      <a:xfrm rot="16200000">
-                        <a:off x="2557622" y="2117411"/>
-                        <a:ext cx="2581836" cy="276999"/>
-                      </a:xfrm>
-                      <a:prstGeom prst="rect">
-                        <a:avLst/>
-                      </a:prstGeom>
-                      <a:noFill/>
-                    </p:spPr>
-                    <p:txBody>
-                      <a:bodyPr wrap="square" rtlCol="0">
-                        <a:spAutoFit/>
-                      </a:bodyPr>
-                      <a:lstStyle/>
-                      <a:p>
-                        <a:pPr algn="ctr"/>
-                        <a:r>
-                          <a:rPr lang="en-US" altLang="zh-CN" sz="1200" dirty="0">
-                            <a:latin typeface="Consolas" panose="020B0609020204030204" pitchFamily="49" charset="0"/>
-                            <a:cs typeface="Consolas" panose="020B0609020204030204" pitchFamily="49" charset="0"/>
-                          </a:rPr>
-                          <a:t>S</a:t>
-                        </a:r>
-                        <a:r>
-                          <a:rPr lang="en-US" altLang="zh-CN" sz="1200" dirty="0" smtClean="0">
-                            <a:latin typeface="Consolas" panose="020B0609020204030204" pitchFamily="49" charset="0"/>
-                            <a:cs typeface="Consolas" panose="020B0609020204030204" pitchFamily="49" charset="0"/>
-                          </a:rPr>
-                          <a:t> level</a:t>
-                        </a:r>
-                      </a:p>
-                    </p:txBody>
-                  </p:sp>
-                  <p:sp>
-                    <p:nvSpPr>
-                      <p:cNvPr id="46" name="文本框 45"/>
-                      <p:cNvSpPr txBox="1"/>
-                      <p:nvPr/>
-                    </p:nvSpPr>
-                    <p:spPr>
-                      <a:xfrm rot="16200000">
-                        <a:off x="3083152" y="2130725"/>
-                        <a:ext cx="2581836" cy="276999"/>
+                        <a:off x="8766346" y="4710523"/>
+                        <a:ext cx="1048250" cy="276999"/>
                       </a:xfrm>
                       <a:prstGeom prst="rect">
                         <a:avLst/>
@@ -4736,596 +5914,21 @@
                             <a:latin typeface="Consolas" panose="020B0609020204030204" pitchFamily="49" charset="0"/>
                             <a:cs typeface="Consolas" panose="020B0609020204030204" pitchFamily="49" charset="0"/>
                           </a:rPr>
-                          <a:t>O level</a:t>
+                          <a:t>Tableau</a:t>
                         </a:r>
                       </a:p>
                     </p:txBody>
                   </p:sp>
                   <p:sp>
                     <p:nvSpPr>
-                      <p:cNvPr id="47" name="文本框 46"/>
-                      <p:cNvSpPr txBox="1"/>
-                      <p:nvPr/>
-                    </p:nvSpPr>
-                    <p:spPr>
-                      <a:xfrm rot="16200000">
-                        <a:off x="3638309" y="2121558"/>
-                        <a:ext cx="2581836" cy="276999"/>
-                      </a:xfrm>
-                      <a:prstGeom prst="rect">
-                        <a:avLst/>
-                      </a:prstGeom>
-                      <a:noFill/>
-                    </p:spPr>
-                    <p:txBody>
-                      <a:bodyPr wrap="square" rtlCol="0">
-                        <a:spAutoFit/>
-                      </a:bodyPr>
-                      <a:lstStyle/>
-                      <a:p>
-                        <a:pPr algn="ctr"/>
-                        <a:r>
-                          <a:rPr lang="en-US" altLang="zh-CN" sz="1200" dirty="0" smtClean="0">
-                            <a:latin typeface="Consolas" panose="020B0609020204030204" pitchFamily="49" charset="0"/>
-                            <a:cs typeface="Consolas" panose="020B0609020204030204" pitchFamily="49" charset="0"/>
-                          </a:rPr>
-                          <a:t>L level</a:t>
-                        </a:r>
-                      </a:p>
-                    </p:txBody>
-                  </p:sp>
-                  <p:sp>
-                    <p:nvSpPr>
-                      <p:cNvPr id="48" name="文本框 47"/>
-                      <p:cNvSpPr txBox="1"/>
-                      <p:nvPr/>
-                    </p:nvSpPr>
-                    <p:spPr>
-                      <a:xfrm rot="16200000">
-                        <a:off x="4163840" y="2134872"/>
-                        <a:ext cx="2581836" cy="276999"/>
-                      </a:xfrm>
-                      <a:prstGeom prst="rect">
-                        <a:avLst/>
-                      </a:prstGeom>
-                      <a:noFill/>
-                    </p:spPr>
-                    <p:txBody>
-                      <a:bodyPr wrap="square" rtlCol="0">
-                        <a:spAutoFit/>
-                      </a:bodyPr>
-                      <a:lstStyle/>
-                      <a:p>
-                        <a:pPr algn="ctr"/>
-                        <a:r>
-                          <a:rPr lang="en-US" altLang="zh-CN" sz="1200" dirty="0">
-                            <a:latin typeface="Consolas" panose="020B0609020204030204" pitchFamily="49" charset="0"/>
-                            <a:cs typeface="Consolas" panose="020B0609020204030204" pitchFamily="49" charset="0"/>
-                          </a:rPr>
-                          <a:t>D</a:t>
-                        </a:r>
-                        <a:r>
-                          <a:rPr lang="en-US" altLang="zh-CN" sz="1200" dirty="0" smtClean="0">
-                            <a:latin typeface="Consolas" panose="020B0609020204030204" pitchFamily="49" charset="0"/>
-                            <a:cs typeface="Consolas" panose="020B0609020204030204" pitchFamily="49" charset="0"/>
-                          </a:rPr>
-                          <a:t> level</a:t>
-                        </a:r>
-                      </a:p>
-                    </p:txBody>
-                  </p:sp>
-                  <p:sp>
-                    <p:nvSpPr>
-                      <p:cNvPr id="53" name="文本框 52"/>
-                      <p:cNvSpPr txBox="1"/>
-                      <p:nvPr/>
-                    </p:nvSpPr>
-                    <p:spPr>
-                      <a:xfrm>
-                        <a:off x="3087898" y="6625665"/>
-                        <a:ext cx="2581836" cy="369332"/>
-                      </a:xfrm>
-                      <a:prstGeom prst="rect">
-                        <a:avLst/>
-                      </a:prstGeom>
-                      <a:noFill/>
-                    </p:spPr>
-                    <p:txBody>
-                      <a:bodyPr wrap="square" rtlCol="0">
-                        <a:spAutoFit/>
-                      </a:bodyPr>
-                      <a:lstStyle/>
-                      <a:p>
-                        <a:pPr algn="ctr"/>
-                        <a:r>
-                          <a:rPr lang="en-US" altLang="zh-CN" dirty="0" err="1" smtClean="0">
-                            <a:latin typeface="Consolas" panose="020B0609020204030204" pitchFamily="49" charset="0"/>
-                            <a:cs typeface="Consolas" panose="020B0609020204030204" pitchFamily="49" charset="0"/>
-                          </a:rPr>
-                          <a:t>Oozie</a:t>
-                        </a:r>
-                        <a:endParaRPr lang="en-US" altLang="zh-CN" dirty="0" smtClean="0">
-                          <a:latin typeface="Consolas" panose="020B0609020204030204" pitchFamily="49" charset="0"/>
-                          <a:cs typeface="Consolas" panose="020B0609020204030204" pitchFamily="49" charset="0"/>
-                        </a:endParaRPr>
-                      </a:p>
-                    </p:txBody>
-                  </p:sp>
-                  <p:sp>
-                    <p:nvSpPr>
-                      <p:cNvPr id="55" name="文本框 54"/>
-                      <p:cNvSpPr txBox="1"/>
-                      <p:nvPr/>
-                    </p:nvSpPr>
-                    <p:spPr>
-                      <a:xfrm>
-                        <a:off x="6950865" y="990950"/>
-                        <a:ext cx="2581836" cy="307777"/>
-                      </a:xfrm>
-                      <a:prstGeom prst="rect">
-                        <a:avLst/>
-                      </a:prstGeom>
-                      <a:noFill/>
-                    </p:spPr>
-                    <p:txBody>
-                      <a:bodyPr wrap="square" rtlCol="0">
-                        <a:spAutoFit/>
-                      </a:bodyPr>
-                      <a:lstStyle/>
-                      <a:p>
-                        <a:pPr algn="ctr"/>
-                        <a:r>
-                          <a:rPr lang="en-US" altLang="zh-CN" sz="1400" b="1" dirty="0" smtClean="0">
-                            <a:latin typeface="Consolas" panose="020B0609020204030204" pitchFamily="49" charset="0"/>
-                            <a:cs typeface="Consolas" panose="020B0609020204030204" pitchFamily="49" charset="0"/>
-                          </a:rPr>
-                          <a:t>Report System</a:t>
-                        </a:r>
-                      </a:p>
-                    </p:txBody>
-                  </p:sp>
-                  <p:sp>
-                    <p:nvSpPr>
-                      <p:cNvPr id="61" name="L 形 60"/>
-                      <p:cNvSpPr/>
-                      <p:nvPr/>
-                    </p:nvSpPr>
-                    <p:spPr>
-                      <a:xfrm rot="16200000">
-                        <a:off x="590143" y="3939461"/>
-                        <a:ext cx="2994861" cy="338282"/>
-                      </a:xfrm>
-                      <a:prstGeom prst="corner">
-                        <a:avLst>
-                          <a:gd name="adj1" fmla="val 46334"/>
-                          <a:gd name="adj2" fmla="val 50000"/>
-                        </a:avLst>
-                      </a:prstGeom>
-                      <a:solidFill>
-                        <a:schemeClr val="accent1">
-                          <a:lumMod val="75000"/>
-                        </a:schemeClr>
-                      </a:solidFill>
-                      <a:ln>
-                        <a:solidFill>
-                          <a:schemeClr val="accent6">
-                            <a:lumMod val="75000"/>
-                          </a:schemeClr>
-                        </a:solidFill>
-                      </a:ln>
-                    </p:spPr>
-                    <p:style>
-                      <a:lnRef idx="2">
-                        <a:schemeClr val="accent1">
-                          <a:shade val="50000"/>
-                        </a:schemeClr>
-                      </a:lnRef>
-                      <a:fillRef idx="1">
-                        <a:schemeClr val="accent1"/>
-                      </a:fillRef>
-                      <a:effectRef idx="0">
-                        <a:schemeClr val="accent1"/>
-                      </a:effectRef>
-                      <a:fontRef idx="minor">
-                        <a:schemeClr val="lt1"/>
-                      </a:fontRef>
-                    </p:style>
-                    <p:txBody>
-                      <a:bodyPr rtlCol="0" anchor="ctr"/>
-                      <a:lstStyle/>
-                      <a:p>
-                        <a:pPr algn="ctr"/>
-                        <a:endParaRPr lang="zh-CN" altLang="en-US"/>
-                      </a:p>
-                    </p:txBody>
-                  </p:sp>
-                  <p:sp>
-                    <p:nvSpPr>
-                      <p:cNvPr id="62" name="右箭头 61"/>
+                      <p:cNvPr id="91" name="右箭头 90"/>
                       <p:cNvSpPr/>
                       <p:nvPr/>
                     </p:nvSpPr>
                     <p:spPr>
                       <a:xfrm>
-                        <a:off x="2265762" y="2529765"/>
-                        <a:ext cx="511089" cy="345463"/>
-                      </a:xfrm>
-                      <a:prstGeom prst="rightArrow">
-                        <a:avLst/>
-                      </a:prstGeom>
-                      <a:gradFill flip="none" rotWithShape="1">
-                        <a:gsLst>
-                          <a:gs pos="0">
-                            <a:schemeClr val="accent1">
-                              <a:lumMod val="75000"/>
-                            </a:schemeClr>
-                          </a:gs>
-                          <a:gs pos="100000">
-                            <a:schemeClr val="accent1">
-                              <a:lumMod val="20000"/>
-                              <a:lumOff val="80000"/>
-                            </a:schemeClr>
-                          </a:gs>
-                        </a:gsLst>
-                        <a:lin ang="0" scaled="1"/>
-                        <a:tileRect/>
-                      </a:gradFill>
-                    </p:spPr>
-                    <p:style>
-                      <a:lnRef idx="2">
-                        <a:schemeClr val="accent6">
-                          <a:shade val="50000"/>
-                        </a:schemeClr>
-                      </a:lnRef>
-                      <a:fillRef idx="1">
-                        <a:schemeClr val="accent6"/>
-                      </a:fillRef>
-                      <a:effectRef idx="0">
-                        <a:schemeClr val="accent6"/>
-                      </a:effectRef>
-                      <a:fontRef idx="minor">
-                        <a:schemeClr val="lt1"/>
-                      </a:fontRef>
-                    </p:style>
-                    <p:txBody>
-                      <a:bodyPr rtlCol="0" anchor="ctr"/>
-                      <a:lstStyle/>
-                      <a:p>
-                        <a:pPr algn="ctr"/>
-                        <a:endParaRPr lang="zh-CN" altLang="en-US"/>
-                      </a:p>
-                    </p:txBody>
-                  </p:sp>
-                  <p:sp>
-                    <p:nvSpPr>
-                      <p:cNvPr id="63" name="圆角矩形 62"/>
-                      <p:cNvSpPr/>
-                      <p:nvPr/>
-                    </p:nvSpPr>
-                    <p:spPr>
-                      <a:xfrm>
-                        <a:off x="2802914" y="4683247"/>
-                        <a:ext cx="3051446" cy="1607371"/>
-                      </a:xfrm>
-                      <a:prstGeom prst="roundRect">
-                        <a:avLst>
-                          <a:gd name="adj" fmla="val 8974"/>
-                        </a:avLst>
-                      </a:prstGeom>
-                      <a:solidFill>
-                        <a:schemeClr val="accent6">
-                          <a:lumMod val="75000"/>
-                        </a:schemeClr>
-                      </a:solidFill>
-                    </p:spPr>
-                    <p:style>
-                      <a:lnRef idx="2">
-                        <a:schemeClr val="accent1">
-                          <a:shade val="50000"/>
-                        </a:schemeClr>
-                      </a:lnRef>
-                      <a:fillRef idx="1">
-                        <a:schemeClr val="accent1"/>
-                      </a:fillRef>
-                      <a:effectRef idx="0">
-                        <a:schemeClr val="accent1"/>
-                      </a:effectRef>
-                      <a:fontRef idx="minor">
-                        <a:schemeClr val="lt1"/>
-                      </a:fontRef>
-                    </p:style>
-                    <p:txBody>
-                      <a:bodyPr rtlCol="0" anchor="ctr"/>
-                      <a:lstStyle/>
-                      <a:p>
-                        <a:pPr algn="ctr"/>
-                        <a:endParaRPr lang="zh-CN" altLang="en-US">
-                          <a:latin typeface="Consolas" panose="020B0609020204030204" pitchFamily="49" charset="0"/>
-                          <a:cs typeface="Consolas" panose="020B0609020204030204" pitchFamily="49" charset="0"/>
-                        </a:endParaRPr>
-                      </a:p>
-                    </p:txBody>
-                  </p:sp>
-                  <p:sp>
-                    <p:nvSpPr>
-                      <p:cNvPr id="64" name="文本框 63"/>
-                      <p:cNvSpPr txBox="1"/>
-                      <p:nvPr/>
-                    </p:nvSpPr>
-                    <p:spPr>
-                      <a:xfrm>
-                        <a:off x="3037719" y="4827032"/>
-                        <a:ext cx="2581836" cy="307777"/>
-                      </a:xfrm>
-                      <a:prstGeom prst="rect">
-                        <a:avLst/>
-                      </a:prstGeom>
-                      <a:noFill/>
-                    </p:spPr>
-                    <p:txBody>
-                      <a:bodyPr wrap="square" rtlCol="0">
-                        <a:spAutoFit/>
-                      </a:bodyPr>
-                      <a:lstStyle/>
-                      <a:p>
-                        <a:pPr algn="ctr"/>
-                        <a:r>
-                          <a:rPr lang="en-US" altLang="zh-CN" sz="1400" dirty="0">
-                            <a:latin typeface="Consolas" panose="020B0609020204030204" pitchFamily="49" charset="0"/>
-                            <a:cs typeface="Consolas" panose="020B0609020204030204" pitchFamily="49" charset="0"/>
-                          </a:rPr>
-                          <a:t>real-time processing</a:t>
-                        </a:r>
-                        <a:endParaRPr lang="en-US" altLang="zh-CN" sz="1400" dirty="0" smtClean="0">
-                          <a:latin typeface="Consolas" panose="020B0609020204030204" pitchFamily="49" charset="0"/>
-                          <a:cs typeface="Consolas" panose="020B0609020204030204" pitchFamily="49" charset="0"/>
-                        </a:endParaRPr>
-                      </a:p>
-                    </p:txBody>
-                  </p:sp>
-                  <p:sp>
-                    <p:nvSpPr>
-                      <p:cNvPr id="69" name="矩形 68"/>
-                      <p:cNvSpPr/>
-                      <p:nvPr/>
-                    </p:nvSpPr>
-                    <p:spPr>
-                      <a:xfrm>
-                        <a:off x="4608913" y="5232081"/>
-                        <a:ext cx="1006884" cy="963349"/>
-                      </a:xfrm>
-                      <a:prstGeom prst="rect">
-                        <a:avLst/>
-                      </a:prstGeom>
-                      <a:solidFill>
-                        <a:schemeClr val="accent6">
-                          <a:lumMod val="60000"/>
-                          <a:lumOff val="40000"/>
-                        </a:schemeClr>
-                      </a:solidFill>
-                      <a:effectLst>
-                        <a:outerShdw blurRad="50800" dist="38100" dir="2700000" algn="tl" rotWithShape="0">
-                          <a:prstClr val="black">
-                            <a:alpha val="40000"/>
-                          </a:prstClr>
-                        </a:outerShdw>
-                      </a:effectLst>
-                    </p:spPr>
-                    <p:style>
-                      <a:lnRef idx="2">
-                        <a:schemeClr val="accent1">
-                          <a:shade val="50000"/>
-                        </a:schemeClr>
-                      </a:lnRef>
-                      <a:fillRef idx="1">
-                        <a:schemeClr val="accent1"/>
-                      </a:fillRef>
-                      <a:effectRef idx="0">
-                        <a:schemeClr val="accent1"/>
-                      </a:effectRef>
-                      <a:fontRef idx="minor">
-                        <a:schemeClr val="lt1"/>
-                      </a:fontRef>
-                    </p:style>
-                    <p:txBody>
-                      <a:bodyPr rtlCol="0" anchor="ctr"/>
-                      <a:lstStyle/>
-                      <a:p>
-                        <a:pPr algn="ctr"/>
-                        <a:endParaRPr lang="zh-CN" altLang="en-US">
-                          <a:latin typeface="Consolas" panose="020B0609020204030204" pitchFamily="49" charset="0"/>
-                          <a:cs typeface="Consolas" panose="020B0609020204030204" pitchFamily="49" charset="0"/>
-                        </a:endParaRPr>
-                      </a:p>
-                    </p:txBody>
-                  </p:sp>
-                  <p:sp>
-                    <p:nvSpPr>
-                      <p:cNvPr id="71" name="文本框 70"/>
-                      <p:cNvSpPr txBox="1"/>
-                      <p:nvPr/>
-                    </p:nvSpPr>
-                    <p:spPr>
-                      <a:xfrm>
-                        <a:off x="3832864" y="5481881"/>
-                        <a:ext cx="2581836" cy="461665"/>
-                      </a:xfrm>
-                      <a:prstGeom prst="rect">
-                        <a:avLst/>
-                      </a:prstGeom>
-                      <a:noFill/>
-                    </p:spPr>
-                    <p:txBody>
-                      <a:bodyPr wrap="square" rtlCol="0">
-                        <a:spAutoFit/>
-                      </a:bodyPr>
-                      <a:lstStyle/>
-                      <a:p>
-                        <a:pPr algn="ctr"/>
-                        <a:r>
-                          <a:rPr lang="en-US" altLang="zh-CN" sz="1200" dirty="0" smtClean="0">
-                            <a:latin typeface="Consolas" panose="020B0609020204030204" pitchFamily="49" charset="0"/>
-                            <a:cs typeface="Consolas" panose="020B0609020204030204" pitchFamily="49" charset="0"/>
-                          </a:rPr>
-                          <a:t>Spark </a:t>
-                        </a:r>
-                      </a:p>
-                      <a:p>
-                        <a:pPr algn="ctr"/>
-                        <a:r>
-                          <a:rPr lang="en-US" altLang="zh-CN" sz="1200" dirty="0" smtClean="0">
-                            <a:latin typeface="Consolas" panose="020B0609020204030204" pitchFamily="49" charset="0"/>
-                            <a:cs typeface="Consolas" panose="020B0609020204030204" pitchFamily="49" charset="0"/>
-                          </a:rPr>
-                          <a:t>Streaming</a:t>
-                        </a:r>
-                      </a:p>
-                    </p:txBody>
-                  </p:sp>
-                  <p:sp>
-                    <p:nvSpPr>
-                      <p:cNvPr id="72" name="矩形 71"/>
-                      <p:cNvSpPr/>
-                      <p:nvPr/>
-                    </p:nvSpPr>
-                    <p:spPr>
-                      <a:xfrm>
-                        <a:off x="3145755" y="5232081"/>
-                        <a:ext cx="1006884" cy="963349"/>
-                      </a:xfrm>
-                      <a:prstGeom prst="rect">
-                        <a:avLst/>
-                      </a:prstGeom>
-                      <a:solidFill>
-                        <a:schemeClr val="accent6">
-                          <a:lumMod val="60000"/>
-                          <a:lumOff val="40000"/>
-                        </a:schemeClr>
-                      </a:solidFill>
-                      <a:effectLst>
-                        <a:outerShdw blurRad="50800" dist="38100" dir="2700000" algn="tl" rotWithShape="0">
-                          <a:prstClr val="black">
-                            <a:alpha val="40000"/>
-                          </a:prstClr>
-                        </a:outerShdw>
-                      </a:effectLst>
-                    </p:spPr>
-                    <p:style>
-                      <a:lnRef idx="2">
-                        <a:schemeClr val="accent1">
-                          <a:shade val="50000"/>
-                        </a:schemeClr>
-                      </a:lnRef>
-                      <a:fillRef idx="1">
-                        <a:schemeClr val="accent1"/>
-                      </a:fillRef>
-                      <a:effectRef idx="0">
-                        <a:schemeClr val="accent1"/>
-                      </a:effectRef>
-                      <a:fontRef idx="minor">
-                        <a:schemeClr val="lt1"/>
-                      </a:fontRef>
-                    </p:style>
-                    <p:txBody>
-                      <a:bodyPr rtlCol="0" anchor="ctr"/>
-                      <a:lstStyle/>
-                      <a:p>
-                        <a:pPr algn="ctr"/>
-                        <a:endParaRPr lang="zh-CN" altLang="en-US">
-                          <a:latin typeface="Consolas" panose="020B0609020204030204" pitchFamily="49" charset="0"/>
-                          <a:cs typeface="Consolas" panose="020B0609020204030204" pitchFamily="49" charset="0"/>
-                        </a:endParaRPr>
-                      </a:p>
-                    </p:txBody>
-                  </p:sp>
-                  <p:sp>
-                    <p:nvSpPr>
-                      <p:cNvPr id="73" name="文本框 72"/>
-                      <p:cNvSpPr txBox="1"/>
-                      <p:nvPr/>
-                    </p:nvSpPr>
-                    <p:spPr>
-                      <a:xfrm>
-                        <a:off x="2300697" y="5610428"/>
-                        <a:ext cx="2581836" cy="276999"/>
-                      </a:xfrm>
-                      <a:prstGeom prst="rect">
-                        <a:avLst/>
-                      </a:prstGeom>
-                      <a:noFill/>
-                    </p:spPr>
-                    <p:txBody>
-                      <a:bodyPr wrap="square" rtlCol="0">
-                        <a:spAutoFit/>
-                      </a:bodyPr>
-                      <a:lstStyle/>
-                      <a:p>
-                        <a:pPr algn="ctr"/>
-                        <a:r>
-                          <a:rPr lang="en-US" altLang="zh-CN" sz="1200" dirty="0" smtClean="0">
-                            <a:latin typeface="Consolas" panose="020B0609020204030204" pitchFamily="49" charset="0"/>
-                            <a:cs typeface="Consolas" panose="020B0609020204030204" pitchFamily="49" charset="0"/>
-                          </a:rPr>
-                          <a:t>Kafka</a:t>
-                        </a:r>
-                      </a:p>
-                    </p:txBody>
-                  </p:sp>
-                  <p:sp>
-                    <p:nvSpPr>
-                      <p:cNvPr id="75" name="圆角矩形 74"/>
-                      <p:cNvSpPr/>
-                      <p:nvPr/>
-                    </p:nvSpPr>
-                    <p:spPr>
-                      <a:xfrm>
-                        <a:off x="7359799" y="4925308"/>
-                        <a:ext cx="1792518" cy="1733071"/>
-                      </a:xfrm>
-                      <a:prstGeom prst="roundRect">
-                        <a:avLst>
-                          <a:gd name="adj" fmla="val 8493"/>
-                        </a:avLst>
-                      </a:prstGeom>
-                      <a:solidFill>
-                        <a:srgbClr val="99CCFF"/>
-                      </a:solidFill>
-                    </p:spPr>
-                    <p:style>
-                      <a:lnRef idx="2">
-                        <a:schemeClr val="accent1">
-                          <a:shade val="50000"/>
-                        </a:schemeClr>
-                      </a:lnRef>
-                      <a:fillRef idx="1">
-                        <a:schemeClr val="accent1"/>
-                      </a:fillRef>
-                      <a:effectRef idx="0">
-                        <a:schemeClr val="accent1"/>
-                      </a:effectRef>
-                      <a:fontRef idx="minor">
-                        <a:schemeClr val="lt1"/>
-                      </a:fontRef>
-                    </p:style>
-                    <p:txBody>
-                      <a:bodyPr rtlCol="0" anchor="ctr"/>
-                      <a:lstStyle/>
-                      <a:p>
-                        <a:pPr algn="ctr"/>
-                        <a:endParaRPr lang="zh-CN" altLang="en-US"/>
-                      </a:p>
-                    </p:txBody>
-                  </p:sp>
-                  <p:sp>
-                    <p:nvSpPr>
-                      <p:cNvPr id="74" name="右箭头 73"/>
-                      <p:cNvSpPr/>
-                      <p:nvPr/>
-                    </p:nvSpPr>
-                    <p:spPr>
-                      <a:xfrm>
-                        <a:off x="1889700" y="5648902"/>
-                        <a:ext cx="885713" cy="345463"/>
+                        <a:off x="7449167" y="3030304"/>
+                        <a:ext cx="906954" cy="359312"/>
                       </a:xfrm>
                       <a:prstGeom prst="rightArrow">
                         <a:avLst/>
@@ -5370,67 +5973,26 @@
                       </a:p>
                     </p:txBody>
                   </p:sp>
-                  <p:sp>
-                    <p:nvSpPr>
-                      <p:cNvPr id="76" name="文本框 75"/>
-                      <p:cNvSpPr txBox="1"/>
-                      <p:nvPr/>
-                    </p:nvSpPr>
-                    <p:spPr>
-                      <a:xfrm>
-                        <a:off x="6950864" y="5022841"/>
-                        <a:ext cx="2581836" cy="307777"/>
-                      </a:xfrm>
-                      <a:prstGeom prst="rect">
-                        <a:avLst/>
-                      </a:prstGeom>
-                      <a:noFill/>
-                    </p:spPr>
-                    <p:txBody>
-                      <a:bodyPr wrap="square" rtlCol="0">
-                        <a:spAutoFit/>
-                      </a:bodyPr>
-                      <a:lstStyle/>
-                      <a:p>
-                        <a:pPr algn="ctr"/>
-                        <a:r>
-                          <a:rPr lang="en-US" altLang="zh-CN" sz="1400" b="1" dirty="0" smtClean="0">
-                            <a:latin typeface="Consolas" panose="020B0609020204030204" pitchFamily="49" charset="0"/>
-                            <a:cs typeface="Consolas" panose="020B0609020204030204" pitchFamily="49" charset="0"/>
-                          </a:rPr>
-                          <a:t>Marketing</a:t>
-                        </a:r>
-                      </a:p>
-                    </p:txBody>
-                  </p:sp>
                 </p:grpSp>
                 <p:sp>
                   <p:nvSpPr>
-                    <p:cNvPr id="65" name="矩形 64"/>
+                    <p:cNvPr id="50" name="L 形 49"/>
                     <p:cNvSpPr/>
                     <p:nvPr/>
                   </p:nvSpPr>
                   <p:spPr>
-                    <a:xfrm rot="5400000">
-                      <a:off x="5545092" y="1953330"/>
-                      <a:ext cx="294147" cy="1912335"/>
+                    <a:xfrm rot="10800000">
+                      <a:off x="7086554" y="1739622"/>
+                      <a:ext cx="362612" cy="1558904"/>
                     </a:xfrm>
-                    <a:prstGeom prst="rect">
+                    <a:prstGeom prst="corner">
                       <a:avLst/>
                     </a:prstGeom>
                     <a:solidFill>
-                      <a:schemeClr val="accent4">
-                        <a:lumMod val="60000"/>
-                        <a:lumOff val="40000"/>
+                      <a:schemeClr val="accent1">
+                        <a:lumMod val="75000"/>
                       </a:schemeClr>
                     </a:solidFill>
-                    <a:effectLst>
-                      <a:outerShdw blurRad="50800" dist="38100" dir="2700000" algn="tl" rotWithShape="0">
-                        <a:prstClr val="black">
-                          <a:alpha val="40000"/>
-                        </a:prstClr>
-                      </a:outerShdw>
-                    </a:effectLst>
                   </p:spPr>
                   <p:style>
                     <a:lnRef idx="2">
@@ -5453,111 +6015,364 @@
                     <a:lstStyle/>
                     <a:p>
                       <a:pPr algn="ctr"/>
-                      <a:endParaRPr lang="zh-CN" altLang="en-US">
-                        <a:latin typeface="Consolas" panose="020B0609020204030204" pitchFamily="49" charset="0"/>
-                        <a:cs typeface="Consolas" panose="020B0609020204030204" pitchFamily="49" charset="0"/>
-                      </a:endParaRPr>
+                      <a:endParaRPr lang="zh-CN" altLang="en-US"/>
                     </a:p>
                   </p:txBody>
                 </p:sp>
                 <p:sp>
                   <p:nvSpPr>
-                    <p:cNvPr id="66" name="文本框 65"/>
-                    <p:cNvSpPr txBox="1"/>
+                    <p:cNvPr id="94" name="右箭头 93"/>
+                    <p:cNvSpPr/>
                     <p:nvPr/>
                   </p:nvSpPr>
                   <p:spPr>
                     <a:xfrm>
-                      <a:off x="4740765" y="2778916"/>
-                      <a:ext cx="1755610" cy="276999"/>
+                      <a:off x="7449166" y="4523101"/>
+                      <a:ext cx="862750" cy="371791"/>
                     </a:xfrm>
-                    <a:prstGeom prst="rect">
+                    <a:prstGeom prst="rightArrow">
                       <a:avLst/>
                     </a:prstGeom>
-                    <a:noFill/>
+                    <a:gradFill flip="none" rotWithShape="1">
+                      <a:gsLst>
+                        <a:gs pos="0">
+                          <a:schemeClr val="accent1">
+                            <a:lumMod val="75000"/>
+                          </a:schemeClr>
+                        </a:gs>
+                        <a:gs pos="100000">
+                          <a:schemeClr val="accent1">
+                            <a:lumMod val="20000"/>
+                            <a:lumOff val="80000"/>
+                          </a:schemeClr>
+                        </a:gs>
+                      </a:gsLst>
+                      <a:lin ang="0" scaled="1"/>
+                      <a:tileRect/>
+                    </a:gradFill>
                   </p:spPr>
+                  <p:style>
+                    <a:lnRef idx="2">
+                      <a:schemeClr val="accent6">
+                        <a:shade val="50000"/>
+                      </a:schemeClr>
+                    </a:lnRef>
+                    <a:fillRef idx="1">
+                      <a:schemeClr val="accent6"/>
+                    </a:fillRef>
+                    <a:effectRef idx="0">
+                      <a:schemeClr val="accent6"/>
+                    </a:effectRef>
+                    <a:fontRef idx="minor">
+                      <a:schemeClr val="lt1"/>
+                    </a:fontRef>
+                  </p:style>
                   <p:txBody>
-                    <a:bodyPr wrap="square" rtlCol="0">
-                      <a:spAutoFit/>
-                    </a:bodyPr>
+                    <a:bodyPr rtlCol="0" anchor="ctr"/>
                     <a:lstStyle/>
                     <a:p>
                       <a:pPr algn="ctr"/>
-                      <a:r>
-                        <a:rPr lang="en-US" altLang="zh-CN" sz="1200" dirty="0" err="1" smtClean="0">
-                          <a:latin typeface="Consolas" panose="020B0609020204030204" pitchFamily="49" charset="0"/>
-                          <a:cs typeface="Consolas" panose="020B0609020204030204" pitchFamily="49" charset="0"/>
-                        </a:rPr>
-                        <a:t>HiveSQL</a:t>
-                      </a:r>
-                      <a:endParaRPr lang="en-US" altLang="zh-CN" sz="1200" dirty="0" smtClean="0">
-                        <a:latin typeface="Consolas" panose="020B0609020204030204" pitchFamily="49" charset="0"/>
-                        <a:cs typeface="Consolas" panose="020B0609020204030204" pitchFamily="49" charset="0"/>
-                      </a:endParaRPr>
+                      <a:endParaRPr lang="zh-CN" altLang="en-US"/>
+                    </a:p>
+                  </p:txBody>
+                </p:sp>
+              </p:grpSp>
+              <p:grpSp>
+                <p:nvGrpSpPr>
+                  <p:cNvPr id="86" name="组合 85"/>
+                  <p:cNvGrpSpPr/>
+                  <p:nvPr/>
+                </p:nvGrpSpPr>
+                <p:grpSpPr>
+                  <a:xfrm>
+                    <a:off x="1807745" y="1553824"/>
+                    <a:ext cx="968187" cy="983547"/>
+                    <a:chOff x="2152356" y="4375052"/>
+                    <a:chExt cx="5528603" cy="1195754"/>
+                  </a:xfrm>
+                  <a:effectLst>
+                    <a:outerShdw blurRad="50800" dist="38100" dir="2700000" algn="tl" rotWithShape="0">
+                      <a:prstClr val="black">
+                        <a:alpha val="40000"/>
+                      </a:prstClr>
+                    </a:outerShdw>
+                  </a:effectLst>
+                </p:grpSpPr>
+                <p:sp>
+                  <p:nvSpPr>
+                    <p:cNvPr id="88" name="流程图: 磁盘 87"/>
+                    <p:cNvSpPr/>
+                    <p:nvPr/>
+                  </p:nvSpPr>
+                  <p:spPr>
+                    <a:xfrm>
+                      <a:off x="2152356" y="4375052"/>
+                      <a:ext cx="5528603" cy="1195754"/>
+                    </a:xfrm>
+                    <a:prstGeom prst="flowChartMagneticDisk">
+                      <a:avLst/>
+                    </a:prstGeom>
+                    <a:solidFill>
+                      <a:schemeClr val="accent6">
+                        <a:lumMod val="75000"/>
+                      </a:schemeClr>
+                    </a:solidFill>
+                    <a:ln>
+                      <a:solidFill>
+                        <a:schemeClr val="tx1"/>
+                      </a:solidFill>
+                    </a:ln>
+                  </p:spPr>
+                  <p:style>
+                    <a:lnRef idx="2">
+                      <a:schemeClr val="accent1">
+                        <a:shade val="50000"/>
+                      </a:schemeClr>
+                    </a:lnRef>
+                    <a:fillRef idx="1">
+                      <a:schemeClr val="accent1"/>
+                    </a:fillRef>
+                    <a:effectRef idx="0">
+                      <a:schemeClr val="accent1"/>
+                    </a:effectRef>
+                    <a:fontRef idx="minor">
+                      <a:schemeClr val="lt1"/>
+                    </a:fontRef>
+                  </p:style>
+                  <p:txBody>
+                    <a:bodyPr rtlCol="0" anchor="ctr"/>
+                    <a:lstStyle/>
+                    <a:p>
+                      <a:pPr algn="ctr"/>
+                      <a:endParaRPr lang="zh-CN" altLang="en-US"/>
+                    </a:p>
+                  </p:txBody>
+                </p:sp>
+                <p:sp>
+                  <p:nvSpPr>
+                    <p:cNvPr id="93" name="椭圆 92"/>
+                    <p:cNvSpPr/>
+                    <p:nvPr/>
+                  </p:nvSpPr>
+                  <p:spPr>
+                    <a:xfrm>
+                      <a:off x="2152356" y="4375052"/>
+                      <a:ext cx="5528603" cy="388643"/>
+                    </a:xfrm>
+                    <a:prstGeom prst="ellipse">
+                      <a:avLst/>
+                    </a:prstGeom>
+                    <a:solidFill>
+                      <a:schemeClr val="accent6">
+                        <a:lumMod val="60000"/>
+                        <a:lumOff val="40000"/>
+                      </a:schemeClr>
+                    </a:solidFill>
+                    <a:ln>
+                      <a:solidFill>
+                        <a:schemeClr val="accent1"/>
+                      </a:solidFill>
+                    </a:ln>
+                  </p:spPr>
+                  <p:style>
+                    <a:lnRef idx="2">
+                      <a:schemeClr val="accent1">
+                        <a:shade val="50000"/>
+                      </a:schemeClr>
+                    </a:lnRef>
+                    <a:fillRef idx="1">
+                      <a:schemeClr val="accent1"/>
+                    </a:fillRef>
+                    <a:effectRef idx="0">
+                      <a:schemeClr val="accent1"/>
+                    </a:effectRef>
+                    <a:fontRef idx="minor">
+                      <a:schemeClr val="lt1"/>
+                    </a:fontRef>
+                  </p:style>
+                  <p:txBody>
+                    <a:bodyPr rtlCol="0" anchor="ctr"/>
+                    <a:lstStyle/>
+                    <a:p>
+                      <a:pPr algn="ctr"/>
+                      <a:endParaRPr lang="zh-CN" altLang="en-US"/>
                     </a:p>
                   </p:txBody>
                 </p:sp>
               </p:grpSp>
               <p:sp>
                 <p:nvSpPr>
-                  <p:cNvPr id="70" name="圆角矩形 69"/>
-                  <p:cNvSpPr/>
+                  <p:cNvPr id="97" name="文本框 96"/>
+                  <p:cNvSpPr txBox="1"/>
                   <p:nvPr/>
                 </p:nvSpPr>
                 <p:spPr>
                   <a:xfrm>
-                    <a:off x="4545251" y="3079535"/>
-                    <a:ext cx="2364786" cy="1083491"/>
+                    <a:off x="1003148" y="2040762"/>
+                    <a:ext cx="2581836" cy="307777"/>
                   </a:xfrm>
-                  <a:prstGeom prst="roundRect">
-                    <a:avLst>
-                      <a:gd name="adj" fmla="val 8974"/>
-                    </a:avLst>
+                  <a:prstGeom prst="rect">
+                    <a:avLst/>
                   </a:prstGeom>
-                  <a:solidFill>
-                    <a:schemeClr val="accent5">
-                      <a:lumMod val="75000"/>
-                    </a:schemeClr>
-                  </a:solidFill>
+                  <a:noFill/>
                 </p:spPr>
-                <p:style>
-                  <a:lnRef idx="2">
-                    <a:schemeClr val="accent1">
-                      <a:shade val="50000"/>
-                    </a:schemeClr>
-                  </a:lnRef>
-                  <a:fillRef idx="1">
-                    <a:schemeClr val="accent1"/>
-                  </a:fillRef>
-                  <a:effectRef idx="0">
-                    <a:schemeClr val="accent1"/>
-                  </a:effectRef>
-                  <a:fontRef idx="minor">
-                    <a:schemeClr val="lt1"/>
-                  </a:fontRef>
-                </p:style>
                 <p:txBody>
-                  <a:bodyPr rtlCol="0" anchor="ctr"/>
+                  <a:bodyPr wrap="square" rtlCol="0">
+                    <a:spAutoFit/>
+                  </a:bodyPr>
                   <a:lstStyle/>
                   <a:p>
                     <a:pPr algn="ctr"/>
-                    <a:endParaRPr lang="zh-CN" altLang="en-US">
+                    <a:r>
+                      <a:rPr lang="en-US" altLang="zh-CN" sz="1400" dirty="0" err="1" smtClean="0">
+                        <a:latin typeface="Consolas" panose="020B0609020204030204" pitchFamily="49" charset="0"/>
+                        <a:cs typeface="Consolas" panose="020B0609020204030204" pitchFamily="49" charset="0"/>
+                      </a:rPr>
+                      <a:t>Mongodb</a:t>
+                    </a:r>
+                    <a:endParaRPr lang="en-US" altLang="zh-CN" sz="1400" dirty="0" smtClean="0">
                       <a:latin typeface="Consolas" panose="020B0609020204030204" pitchFamily="49" charset="0"/>
                       <a:cs typeface="Consolas" panose="020B0609020204030204" pitchFamily="49" charset="0"/>
                     </a:endParaRPr>
                   </a:p>
                 </p:txBody>
               </p:sp>
+              <p:grpSp>
+                <p:nvGrpSpPr>
+                  <p:cNvPr id="98" name="组合 97"/>
+                  <p:cNvGrpSpPr/>
+                  <p:nvPr/>
+                </p:nvGrpSpPr>
+                <p:grpSpPr>
+                  <a:xfrm>
+                    <a:off x="1806829" y="4773633"/>
+                    <a:ext cx="968187" cy="983547"/>
+                    <a:chOff x="2152356" y="4375052"/>
+                    <a:chExt cx="5528603" cy="1195754"/>
+                  </a:xfrm>
+                  <a:effectLst>
+                    <a:outerShdw blurRad="50800" dist="38100" dir="2700000" algn="tl" rotWithShape="0">
+                      <a:prstClr val="black">
+                        <a:alpha val="40000"/>
+                      </a:prstClr>
+                    </a:outerShdw>
+                  </a:effectLst>
+                </p:grpSpPr>
+                <p:sp>
+                  <p:nvSpPr>
+                    <p:cNvPr id="99" name="流程图: 磁盘 98"/>
+                    <p:cNvSpPr/>
+                    <p:nvPr/>
+                  </p:nvSpPr>
+                  <p:spPr>
+                    <a:xfrm>
+                      <a:off x="2152356" y="4375052"/>
+                      <a:ext cx="5528603" cy="1195754"/>
+                    </a:xfrm>
+                    <a:prstGeom prst="flowChartMagneticDisk">
+                      <a:avLst/>
+                    </a:prstGeom>
+                    <a:solidFill>
+                      <a:schemeClr val="accent1">
+                        <a:lumMod val="75000"/>
+                      </a:schemeClr>
+                    </a:solidFill>
+                    <a:ln>
+                      <a:solidFill>
+                        <a:schemeClr val="tx1"/>
+                      </a:solidFill>
+                    </a:ln>
+                  </p:spPr>
+                  <p:style>
+                    <a:lnRef idx="2">
+                      <a:schemeClr val="accent1">
+                        <a:shade val="50000"/>
+                      </a:schemeClr>
+                    </a:lnRef>
+                    <a:fillRef idx="1">
+                      <a:schemeClr val="accent1"/>
+                    </a:fillRef>
+                    <a:effectRef idx="0">
+                      <a:schemeClr val="accent1"/>
+                    </a:effectRef>
+                    <a:fontRef idx="minor">
+                      <a:schemeClr val="lt1"/>
+                    </a:fontRef>
+                  </p:style>
+                  <p:txBody>
+                    <a:bodyPr rtlCol="0" anchor="ctr"/>
+                    <a:lstStyle/>
+                    <a:p>
+                      <a:pPr algn="ctr"/>
+                      <a:endParaRPr lang="zh-CN" altLang="en-US"/>
+                    </a:p>
+                  </p:txBody>
+                </p:sp>
+                <p:sp>
+                  <p:nvSpPr>
+                    <p:cNvPr id="100" name="椭圆 99"/>
+                    <p:cNvSpPr/>
+                    <p:nvPr/>
+                  </p:nvSpPr>
+                  <p:spPr>
+                    <a:xfrm>
+                      <a:off x="2152356" y="4375052"/>
+                      <a:ext cx="5528603" cy="388643"/>
+                    </a:xfrm>
+                    <a:prstGeom prst="ellipse">
+                      <a:avLst/>
+                    </a:prstGeom>
+                    <a:solidFill>
+                      <a:schemeClr val="accent1">
+                        <a:lumMod val="60000"/>
+                        <a:lumOff val="40000"/>
+                      </a:schemeClr>
+                    </a:solidFill>
+                    <a:ln>
+                      <a:solidFill>
+                        <a:schemeClr val="accent1">
+                          <a:lumMod val="60000"/>
+                          <a:lumOff val="40000"/>
+                        </a:schemeClr>
+                      </a:solidFill>
+                    </a:ln>
+                  </p:spPr>
+                  <p:style>
+                    <a:lnRef idx="2">
+                      <a:schemeClr val="accent1">
+                        <a:shade val="50000"/>
+                      </a:schemeClr>
+                    </a:lnRef>
+                    <a:fillRef idx="1">
+                      <a:schemeClr val="accent1"/>
+                    </a:fillRef>
+                    <a:effectRef idx="0">
+                      <a:schemeClr val="accent1"/>
+                    </a:effectRef>
+                    <a:fontRef idx="minor">
+                      <a:schemeClr val="lt1"/>
+                    </a:fontRef>
+                  </p:style>
+                  <p:txBody>
+                    <a:bodyPr rtlCol="0" anchor="ctr"/>
+                    <a:lstStyle/>
+                    <a:p>
+                      <a:pPr algn="ctr"/>
+                      <a:endParaRPr lang="zh-CN" altLang="en-US"/>
+                    </a:p>
+                  </p:txBody>
+                </p:sp>
+              </p:grpSp>
               <p:sp>
                 <p:nvSpPr>
-                  <p:cNvPr id="78" name="文本框 77"/>
+                  <p:cNvPr id="101" name="文本框 100"/>
                   <p:cNvSpPr txBox="1"/>
                   <p:nvPr/>
                 </p:nvSpPr>
                 <p:spPr>
                   <a:xfrm>
-                    <a:off x="4207645" y="3173895"/>
-                    <a:ext cx="2969040" cy="307777"/>
+                    <a:off x="995234" y="5234074"/>
+                    <a:ext cx="2581836" cy="307777"/>
                   </a:xfrm>
                   <a:prstGeom prst="rect">
                     <a:avLst/>
@@ -5576,31 +6391,24 @@
                         <a:latin typeface="Consolas" panose="020B0609020204030204" pitchFamily="49" charset="0"/>
                         <a:cs typeface="Consolas" panose="020B0609020204030204" pitchFamily="49" charset="0"/>
                       </a:rPr>
-                      <a:t>Flexible Query</a:t>
+                      <a:t>Oracle</a:t>
                     </a:r>
                   </a:p>
                 </p:txBody>
               </p:sp>
-              <p:sp>
-                <p:nvSpPr>
-                  <p:cNvPr id="79" name="矩形 78"/>
-                  <p:cNvSpPr/>
+              <p:grpSp>
+                <p:nvGrpSpPr>
+                  <p:cNvPr id="102" name="组合 101"/>
+                  <p:cNvGrpSpPr/>
                   <p:nvPr/>
-                </p:nvSpPr>
-                <p:spPr>
+                </p:nvGrpSpPr>
+                <p:grpSpPr>
                   <a:xfrm>
-                    <a:off x="4903617" y="3585929"/>
-                    <a:ext cx="1569610" cy="381893"/>
+                    <a:off x="8750332" y="1002881"/>
+                    <a:ext cx="968187" cy="983547"/>
+                    <a:chOff x="2152356" y="4375052"/>
+                    <a:chExt cx="5528603" cy="1195754"/>
                   </a:xfrm>
-                  <a:prstGeom prst="rect">
-                    <a:avLst/>
-                  </a:prstGeom>
-                  <a:solidFill>
-                    <a:schemeClr val="accent5">
-                      <a:lumMod val="40000"/>
-                      <a:lumOff val="60000"/>
-                    </a:schemeClr>
-                  </a:solidFill>
                   <a:effectLst>
                     <a:outerShdw blurRad="50800" dist="38100" dir="2700000" algn="tl" rotWithShape="0">
                       <a:prstClr val="black">
@@ -5608,185 +6416,247 @@
                       </a:prstClr>
                     </a:outerShdw>
                   </a:effectLst>
-                </p:spPr>
-                <p:style>
-                  <a:lnRef idx="2">
-                    <a:schemeClr val="accent1">
-                      <a:shade val="50000"/>
-                    </a:schemeClr>
-                  </a:lnRef>
-                  <a:fillRef idx="1">
-                    <a:schemeClr val="accent1"/>
-                  </a:fillRef>
-                  <a:effectRef idx="0">
-                    <a:schemeClr val="accent1"/>
-                  </a:effectRef>
-                  <a:fontRef idx="minor">
-                    <a:schemeClr val="lt1"/>
-                  </a:fontRef>
-                </p:style>
-                <p:txBody>
-                  <a:bodyPr rtlCol="0" anchor="ctr"/>
-                  <a:lstStyle/>
-                  <a:p>
-                    <a:pPr algn="ctr"/>
-                    <a:endParaRPr lang="zh-CN" altLang="en-US">
-                      <a:latin typeface="Consolas" panose="020B0609020204030204" pitchFamily="49" charset="0"/>
-                      <a:cs typeface="Consolas" panose="020B0609020204030204" pitchFamily="49" charset="0"/>
-                    </a:endParaRPr>
-                  </a:p>
-                </p:txBody>
-              </p:sp>
+                </p:grpSpPr>
+                <p:sp>
+                  <p:nvSpPr>
+                    <p:cNvPr id="103" name="流程图: 磁盘 102"/>
+                    <p:cNvSpPr/>
+                    <p:nvPr/>
+                  </p:nvSpPr>
+                  <p:spPr>
+                    <a:xfrm>
+                      <a:off x="2152356" y="4375052"/>
+                      <a:ext cx="5528603" cy="1195754"/>
+                    </a:xfrm>
+                    <a:prstGeom prst="flowChartMagneticDisk">
+                      <a:avLst/>
+                    </a:prstGeom>
+                    <a:solidFill>
+                      <a:schemeClr val="accent2">
+                        <a:lumMod val="75000"/>
+                      </a:schemeClr>
+                    </a:solidFill>
+                    <a:ln>
+                      <a:solidFill>
+                        <a:schemeClr val="tx1"/>
+                      </a:solidFill>
+                    </a:ln>
+                  </p:spPr>
+                  <p:style>
+                    <a:lnRef idx="2">
+                      <a:schemeClr val="accent1">
+                        <a:shade val="50000"/>
+                      </a:schemeClr>
+                    </a:lnRef>
+                    <a:fillRef idx="1">
+                      <a:schemeClr val="accent1"/>
+                    </a:fillRef>
+                    <a:effectRef idx="0">
+                      <a:schemeClr val="accent1"/>
+                    </a:effectRef>
+                    <a:fontRef idx="minor">
+                      <a:schemeClr val="lt1"/>
+                    </a:fontRef>
+                  </p:style>
+                  <p:txBody>
+                    <a:bodyPr rtlCol="0" anchor="ctr"/>
+                    <a:lstStyle/>
+                    <a:p>
+                      <a:pPr algn="ctr"/>
+                      <a:endParaRPr lang="zh-CN" altLang="en-US"/>
+                    </a:p>
+                  </p:txBody>
+                </p:sp>
+                <p:sp>
+                  <p:nvSpPr>
+                    <p:cNvPr id="104" name="椭圆 103"/>
+                    <p:cNvSpPr/>
+                    <p:nvPr/>
+                  </p:nvSpPr>
+                  <p:spPr>
+                    <a:xfrm>
+                      <a:off x="2152356" y="4375052"/>
+                      <a:ext cx="5528603" cy="388643"/>
+                    </a:xfrm>
+                    <a:prstGeom prst="ellipse">
+                      <a:avLst/>
+                    </a:prstGeom>
+                    <a:solidFill>
+                      <a:schemeClr val="accent2">
+                        <a:lumMod val="60000"/>
+                        <a:lumOff val="40000"/>
+                      </a:schemeClr>
+                    </a:solidFill>
+                    <a:ln>
+                      <a:solidFill>
+                        <a:schemeClr val="accent1">
+                          <a:lumMod val="60000"/>
+                          <a:lumOff val="40000"/>
+                        </a:schemeClr>
+                      </a:solidFill>
+                    </a:ln>
+                  </p:spPr>
+                  <p:style>
+                    <a:lnRef idx="2">
+                      <a:schemeClr val="accent1">
+                        <a:shade val="50000"/>
+                      </a:schemeClr>
+                    </a:lnRef>
+                    <a:fillRef idx="1">
+                      <a:schemeClr val="accent1"/>
+                    </a:fillRef>
+                    <a:effectRef idx="0">
+                      <a:schemeClr val="accent1"/>
+                    </a:effectRef>
+                    <a:fontRef idx="minor">
+                      <a:schemeClr val="lt1"/>
+                    </a:fontRef>
+                  </p:style>
+                  <p:txBody>
+                    <a:bodyPr rtlCol="0" anchor="ctr"/>
+                    <a:lstStyle/>
+                    <a:p>
+                      <a:pPr algn="ctr"/>
+                      <a:endParaRPr lang="zh-CN" altLang="en-US"/>
+                    </a:p>
+                  </p:txBody>
+                </p:sp>
+              </p:grpSp>
+              <p:grpSp>
+                <p:nvGrpSpPr>
+                  <p:cNvPr id="105" name="组合 104"/>
+                  <p:cNvGrpSpPr/>
+                  <p:nvPr/>
+                </p:nvGrpSpPr>
+                <p:grpSpPr>
+                  <a:xfrm>
+                    <a:off x="8806941" y="2798763"/>
+                    <a:ext cx="968187" cy="983547"/>
+                    <a:chOff x="2152362" y="1672652"/>
+                    <a:chExt cx="5528603" cy="1195754"/>
+                  </a:xfrm>
+                  <a:effectLst>
+                    <a:outerShdw blurRad="50800" dist="38100" dir="2700000" algn="tl" rotWithShape="0">
+                      <a:prstClr val="black">
+                        <a:alpha val="40000"/>
+                      </a:prstClr>
+                    </a:outerShdw>
+                  </a:effectLst>
+                </p:grpSpPr>
+                <p:sp>
+                  <p:nvSpPr>
+                    <p:cNvPr id="106" name="流程图: 磁盘 105"/>
+                    <p:cNvSpPr/>
+                    <p:nvPr/>
+                  </p:nvSpPr>
+                  <p:spPr>
+                    <a:xfrm>
+                      <a:off x="2152362" y="1672652"/>
+                      <a:ext cx="5528603" cy="1195754"/>
+                    </a:xfrm>
+                    <a:prstGeom prst="flowChartMagneticDisk">
+                      <a:avLst/>
+                    </a:prstGeom>
+                    <a:solidFill>
+                      <a:schemeClr val="accent4">
+                        <a:lumMod val="75000"/>
+                      </a:schemeClr>
+                    </a:solidFill>
+                    <a:ln>
+                      <a:solidFill>
+                        <a:schemeClr val="tx1"/>
+                      </a:solidFill>
+                    </a:ln>
+                  </p:spPr>
+                  <p:style>
+                    <a:lnRef idx="2">
+                      <a:schemeClr val="accent1">
+                        <a:shade val="50000"/>
+                      </a:schemeClr>
+                    </a:lnRef>
+                    <a:fillRef idx="1">
+                      <a:schemeClr val="accent1"/>
+                    </a:fillRef>
+                    <a:effectRef idx="0">
+                      <a:schemeClr val="accent1"/>
+                    </a:effectRef>
+                    <a:fontRef idx="minor">
+                      <a:schemeClr val="lt1"/>
+                    </a:fontRef>
+                  </p:style>
+                  <p:txBody>
+                    <a:bodyPr rtlCol="0" anchor="ctr"/>
+                    <a:lstStyle/>
+                    <a:p>
+                      <a:pPr algn="ctr"/>
+                      <a:endParaRPr lang="zh-CN" altLang="en-US"/>
+                    </a:p>
+                  </p:txBody>
+                </p:sp>
+                <p:sp>
+                  <p:nvSpPr>
+                    <p:cNvPr id="107" name="椭圆 106"/>
+                    <p:cNvSpPr/>
+                    <p:nvPr/>
+                  </p:nvSpPr>
+                  <p:spPr>
+                    <a:xfrm>
+                      <a:off x="2152362" y="1672652"/>
+                      <a:ext cx="5528603" cy="388643"/>
+                    </a:xfrm>
+                    <a:prstGeom prst="ellipse">
+                      <a:avLst/>
+                    </a:prstGeom>
+                    <a:solidFill>
+                      <a:schemeClr val="accent4">
+                        <a:lumMod val="60000"/>
+                        <a:lumOff val="40000"/>
+                      </a:schemeClr>
+                    </a:solidFill>
+                    <a:ln>
+                      <a:solidFill>
+                        <a:schemeClr val="accent1">
+                          <a:lumMod val="60000"/>
+                          <a:lumOff val="40000"/>
+                        </a:schemeClr>
+                      </a:solidFill>
+                    </a:ln>
+                  </p:spPr>
+                  <p:style>
+                    <a:lnRef idx="2">
+                      <a:schemeClr val="accent1">
+                        <a:shade val="50000"/>
+                      </a:schemeClr>
+                    </a:lnRef>
+                    <a:fillRef idx="1">
+                      <a:schemeClr val="accent1"/>
+                    </a:fillRef>
+                    <a:effectRef idx="0">
+                      <a:schemeClr val="accent1"/>
+                    </a:effectRef>
+                    <a:fontRef idx="minor">
+                      <a:schemeClr val="lt1"/>
+                    </a:fontRef>
+                  </p:style>
+                  <p:txBody>
+                    <a:bodyPr rtlCol="0" anchor="ctr"/>
+                    <a:lstStyle/>
+                    <a:p>
+                      <a:pPr algn="ctr"/>
+                      <a:endParaRPr lang="zh-CN" altLang="en-US"/>
+                    </a:p>
+                  </p:txBody>
+                </p:sp>
+              </p:grpSp>
               <p:sp>
                 <p:nvSpPr>
-                  <p:cNvPr id="83" name="文本框 82"/>
+                  <p:cNvPr id="108" name="文本框 107"/>
                   <p:cNvSpPr txBox="1"/>
                   <p:nvPr/>
                 </p:nvSpPr>
                 <p:spPr>
                   <a:xfrm>
-                    <a:off x="4646692" y="3690508"/>
-                    <a:ext cx="2060889" cy="276999"/>
-                  </a:xfrm>
-                  <a:prstGeom prst="rect">
-                    <a:avLst/>
-                  </a:prstGeom>
-                  <a:noFill/>
-                </p:spPr>
-                <p:txBody>
-                  <a:bodyPr wrap="square" rtlCol="0">
-                    <a:spAutoFit/>
-                  </a:bodyPr>
-                  <a:lstStyle/>
-                  <a:p>
-                    <a:pPr algn="ctr"/>
-                    <a:r>
-                      <a:rPr lang="en-US" altLang="zh-CN" sz="1200" dirty="0" err="1" smtClean="0">
-                        <a:latin typeface="Consolas" panose="020B0609020204030204" pitchFamily="49" charset="0"/>
-                        <a:cs typeface="Consolas" panose="020B0609020204030204" pitchFamily="49" charset="0"/>
-                      </a:rPr>
-                      <a:t>SparkSQL</a:t>
-                    </a:r>
-                    <a:endParaRPr lang="en-US" altLang="zh-CN" sz="1200" dirty="0" smtClean="0">
-                      <a:latin typeface="Consolas" panose="020B0609020204030204" pitchFamily="49" charset="0"/>
-                      <a:cs typeface="Consolas" panose="020B0609020204030204" pitchFamily="49" charset="0"/>
-                    </a:endParaRPr>
-                  </a:p>
-                </p:txBody>
-              </p:sp>
-              <p:sp>
-                <p:nvSpPr>
-                  <p:cNvPr id="84" name="右箭头 83"/>
-                  <p:cNvSpPr/>
-                  <p:nvPr/>
-                </p:nvSpPr>
-                <p:spPr>
-                  <a:xfrm rot="5400000">
-                    <a:off x="5400121" y="2767905"/>
-                    <a:ext cx="443141" cy="368843"/>
-                  </a:xfrm>
-                  <a:prstGeom prst="rightArrow">
-                    <a:avLst/>
-                  </a:prstGeom>
-                  <a:gradFill>
-                    <a:gsLst>
-                      <a:gs pos="0">
-                        <a:schemeClr val="accent4">
-                          <a:lumMod val="75000"/>
-                        </a:schemeClr>
-                      </a:gs>
-                      <a:gs pos="100000">
-                        <a:schemeClr val="accent2">
-                          <a:lumMod val="20000"/>
-                          <a:lumOff val="80000"/>
-                        </a:schemeClr>
-                      </a:gs>
-                    </a:gsLst>
-                    <a:lin ang="0" scaled="1"/>
-                  </a:gradFill>
-                </p:spPr>
-                <p:style>
-                  <a:lnRef idx="2">
-                    <a:schemeClr val="accent6">
-                      <a:shade val="50000"/>
-                    </a:schemeClr>
-                  </a:lnRef>
-                  <a:fillRef idx="1">
-                    <a:schemeClr val="accent6"/>
-                  </a:fillRef>
-                  <a:effectRef idx="0">
-                    <a:schemeClr val="accent6"/>
-                  </a:effectRef>
-                  <a:fontRef idx="minor">
-                    <a:schemeClr val="lt1"/>
-                  </a:fontRef>
-                </p:style>
-                <p:txBody>
-                  <a:bodyPr rtlCol="0" anchor="ctr"/>
-                  <a:lstStyle/>
-                  <a:p>
-                    <a:pPr algn="ctr"/>
-                    <a:endParaRPr lang="zh-CN" altLang="en-US">
-                      <a:latin typeface="Consolas" panose="020B0609020204030204" pitchFamily="49" charset="0"/>
-                      <a:cs typeface="Consolas" panose="020B0609020204030204" pitchFamily="49" charset="0"/>
-                    </a:endParaRPr>
-                  </a:p>
-                </p:txBody>
-              </p:sp>
-              <p:sp>
-                <p:nvSpPr>
-                  <p:cNvPr id="85" name="圆角矩形 84"/>
-                  <p:cNvSpPr/>
-                  <p:nvPr/>
-                </p:nvSpPr>
-                <p:spPr>
-                  <a:xfrm>
-                    <a:off x="8414876" y="2550883"/>
-                    <a:ext cx="1792518" cy="1733071"/>
-                  </a:xfrm>
-                  <a:prstGeom prst="roundRect">
-                    <a:avLst>
-                      <a:gd name="adj" fmla="val 8493"/>
-                    </a:avLst>
-                  </a:prstGeom>
-                  <a:solidFill>
-                    <a:srgbClr val="99CCFF"/>
-                  </a:solidFill>
-                </p:spPr>
-                <p:style>
-                  <a:lnRef idx="2">
-                    <a:schemeClr val="accent1">
-                      <a:shade val="50000"/>
-                    </a:schemeClr>
-                  </a:lnRef>
-                  <a:fillRef idx="1">
-                    <a:schemeClr val="accent1"/>
-                  </a:fillRef>
-                  <a:effectRef idx="0">
-                    <a:schemeClr val="accent1"/>
-                  </a:effectRef>
-                  <a:fontRef idx="minor">
-                    <a:schemeClr val="lt1"/>
-                  </a:fontRef>
-                </p:style>
-                <p:txBody>
-                  <a:bodyPr rtlCol="0" anchor="ctr"/>
-                  <a:lstStyle/>
-                  <a:p>
-                    <a:pPr algn="ctr"/>
-                    <a:endParaRPr lang="zh-CN" altLang="en-US"/>
-                  </a:p>
-                </p:txBody>
-              </p:sp>
-              <p:sp>
-                <p:nvSpPr>
-                  <p:cNvPr id="87" name="文本框 86"/>
-                  <p:cNvSpPr txBox="1"/>
-                  <p:nvPr/>
-                </p:nvSpPr>
-                <p:spPr>
-                  <a:xfrm>
-                    <a:off x="8020217" y="2663734"/>
+                    <a:off x="7943507" y="1494358"/>
                     <a:ext cx="2581836" cy="307777"/>
                   </a:xfrm>
                   <a:prstGeom prst="rect">
@@ -5802,65 +6672,13 @@
                   <a:p>
                     <a:pPr algn="ctr"/>
                     <a:r>
-                      <a:rPr lang="en-US" altLang="zh-CN" sz="1400" b="1" dirty="0">
+                      <a:rPr lang="en-US" altLang="zh-CN" sz="1400" dirty="0" err="1" smtClean="0">
                         <a:latin typeface="Consolas" panose="020B0609020204030204" pitchFamily="49" charset="0"/>
                         <a:cs typeface="Consolas" panose="020B0609020204030204" pitchFamily="49" charset="0"/>
                       </a:rPr>
-                      <a:t>Flexible Query</a:t>
+                      <a:t>Mysql</a:t>
                     </a:r>
-                  </a:p>
-                </p:txBody>
-              </p:sp>
-              <p:sp>
-                <p:nvSpPr>
-                  <p:cNvPr id="89" name="矩形 88"/>
-                  <p:cNvSpPr/>
-                  <p:nvPr/>
-                </p:nvSpPr>
-                <p:spPr>
-                  <a:xfrm>
-                    <a:off x="8750332" y="3277049"/>
-                    <a:ext cx="1093053" cy="790731"/>
-                  </a:xfrm>
-                  <a:prstGeom prst="rect">
-                    <a:avLst/>
-                  </a:prstGeom>
-                  <a:solidFill>
-                    <a:schemeClr val="accent3">
-                      <a:lumMod val="60000"/>
-                      <a:lumOff val="40000"/>
-                    </a:schemeClr>
-                  </a:solidFill>
-                  <a:effectLst>
-                    <a:outerShdw blurRad="50800" dist="38100" dir="2700000" algn="tl" rotWithShape="0">
-                      <a:prstClr val="black">
-                        <a:alpha val="40000"/>
-                      </a:prstClr>
-                    </a:outerShdw>
-                  </a:effectLst>
-                </p:spPr>
-                <p:style>
-                  <a:lnRef idx="2">
-                    <a:schemeClr val="accent1">
-                      <a:shade val="50000"/>
-                    </a:schemeClr>
-                  </a:lnRef>
-                  <a:fillRef idx="1">
-                    <a:schemeClr val="accent1"/>
-                  </a:fillRef>
-                  <a:effectRef idx="0">
-                    <a:schemeClr val="accent1"/>
-                  </a:effectRef>
-                  <a:fontRef idx="minor">
-                    <a:schemeClr val="lt1"/>
-                  </a:fontRef>
-                </p:style>
-                <p:txBody>
-                  <a:bodyPr rtlCol="0" anchor="ctr"/>
-                  <a:lstStyle/>
-                  <a:p>
-                    <a:pPr algn="ctr"/>
-                    <a:endParaRPr lang="zh-CN" altLang="en-US">
+                    <a:endParaRPr lang="en-US" altLang="zh-CN" sz="1400" dirty="0" smtClean="0">
                       <a:latin typeface="Consolas" panose="020B0609020204030204" pitchFamily="49" charset="0"/>
                       <a:cs typeface="Consolas" panose="020B0609020204030204" pitchFamily="49" charset="0"/>
                     </a:endParaRPr>
@@ -5869,14 +6687,14 @@
               </p:sp>
               <p:sp>
                 <p:nvSpPr>
-                  <p:cNvPr id="90" name="文本框 89"/>
+                  <p:cNvPr id="109" name="文本框 108"/>
                   <p:cNvSpPr txBox="1"/>
                   <p:nvPr/>
                 </p:nvSpPr>
                 <p:spPr>
                   <a:xfrm>
-                    <a:off x="8010445" y="3608082"/>
-                    <a:ext cx="2581836" cy="276999"/>
+                    <a:off x="8020218" y="3270822"/>
+                    <a:ext cx="2581836" cy="307777"/>
                   </a:xfrm>
                   <a:prstGeom prst="rect">
                     <a:avLst/>
@@ -5891,311 +6709,367 @@
                   <a:p>
                     <a:pPr algn="ctr"/>
                     <a:r>
-                      <a:rPr lang="en-US" altLang="zh-CN" sz="1200" dirty="0" smtClean="0">
+                      <a:rPr lang="en-US" altLang="zh-CN" sz="1400" dirty="0" err="1" smtClean="0">
                         <a:latin typeface="Consolas" panose="020B0609020204030204" pitchFamily="49" charset="0"/>
                         <a:cs typeface="Consolas" panose="020B0609020204030204" pitchFamily="49" charset="0"/>
                       </a:rPr>
-                      <a:t>Tableau</a:t>
+                      <a:t>Pgsql</a:t>
                     </a:r>
+                    <a:endParaRPr lang="en-US" altLang="zh-CN" sz="1400" dirty="0" smtClean="0">
+                      <a:latin typeface="Consolas" panose="020B0609020204030204" pitchFamily="49" charset="0"/>
+                      <a:cs typeface="Consolas" panose="020B0609020204030204" pitchFamily="49" charset="0"/>
+                    </a:endParaRPr>
                   </a:p>
                 </p:txBody>
               </p:sp>
+              <p:grpSp>
+                <p:nvGrpSpPr>
+                  <p:cNvPr id="110" name="组合 109"/>
+                  <p:cNvGrpSpPr/>
+                  <p:nvPr/>
+                </p:nvGrpSpPr>
+                <p:grpSpPr>
+                  <a:xfrm rot="5400000">
+                    <a:off x="3114515" y="1617827"/>
+                    <a:ext cx="1859605" cy="397162"/>
+                    <a:chOff x="2152356" y="4375052"/>
+                    <a:chExt cx="5528603" cy="1195754"/>
+                  </a:xfrm>
+                </p:grpSpPr>
+                <p:sp>
+                  <p:nvSpPr>
+                    <p:cNvPr id="111" name="流程图: 磁盘 110"/>
+                    <p:cNvSpPr/>
+                    <p:nvPr/>
+                  </p:nvSpPr>
+                  <p:spPr>
+                    <a:xfrm>
+                      <a:off x="2152356" y="4375052"/>
+                      <a:ext cx="5528603" cy="1195754"/>
+                    </a:xfrm>
+                    <a:prstGeom prst="flowChartMagneticDisk">
+                      <a:avLst/>
+                    </a:prstGeom>
+                    <a:solidFill>
+                      <a:schemeClr val="accent4">
+                        <a:lumMod val="75000"/>
+                      </a:schemeClr>
+                    </a:solidFill>
+                    <a:ln>
+                      <a:solidFill>
+                        <a:schemeClr val="tx1"/>
+                      </a:solidFill>
+                    </a:ln>
+                  </p:spPr>
+                  <p:style>
+                    <a:lnRef idx="2">
+                      <a:schemeClr val="accent1">
+                        <a:shade val="50000"/>
+                      </a:schemeClr>
+                    </a:lnRef>
+                    <a:fillRef idx="1">
+                      <a:schemeClr val="accent1"/>
+                    </a:fillRef>
+                    <a:effectRef idx="0">
+                      <a:schemeClr val="accent1"/>
+                    </a:effectRef>
+                    <a:fontRef idx="minor">
+                      <a:schemeClr val="lt1"/>
+                    </a:fontRef>
+                  </p:style>
+                  <p:txBody>
+                    <a:bodyPr rtlCol="0" anchor="ctr"/>
+                    <a:lstStyle/>
+                    <a:p>
+                      <a:pPr algn="ctr"/>
+                      <a:endParaRPr lang="zh-CN" altLang="en-US"/>
+                    </a:p>
+                  </p:txBody>
+                </p:sp>
+                <p:sp>
+                  <p:nvSpPr>
+                    <p:cNvPr id="112" name="椭圆 111"/>
+                    <p:cNvSpPr/>
+                    <p:nvPr/>
+                  </p:nvSpPr>
+                  <p:spPr>
+                    <a:xfrm>
+                      <a:off x="2152356" y="4375052"/>
+                      <a:ext cx="5528603" cy="388643"/>
+                    </a:xfrm>
+                    <a:prstGeom prst="ellipse">
+                      <a:avLst/>
+                    </a:prstGeom>
+                    <a:solidFill>
+                      <a:schemeClr val="accent4">
+                        <a:lumMod val="60000"/>
+                        <a:lumOff val="40000"/>
+                      </a:schemeClr>
+                    </a:solidFill>
+                    <a:ln>
+                      <a:solidFill>
+                        <a:schemeClr val="accent1"/>
+                      </a:solidFill>
+                    </a:ln>
+                  </p:spPr>
+                  <p:style>
+                    <a:lnRef idx="2">
+                      <a:schemeClr val="accent1">
+                        <a:shade val="50000"/>
+                      </a:schemeClr>
+                    </a:lnRef>
+                    <a:fillRef idx="1">
+                      <a:schemeClr val="accent1"/>
+                    </a:fillRef>
+                    <a:effectRef idx="0">
+                      <a:schemeClr val="accent1"/>
+                    </a:effectRef>
+                    <a:fontRef idx="minor">
+                      <a:schemeClr val="lt1"/>
+                    </a:fontRef>
+                  </p:style>
+                  <p:txBody>
+                    <a:bodyPr rtlCol="0" anchor="ctr"/>
+                    <a:lstStyle/>
+                    <a:p>
+                      <a:pPr algn="ctr"/>
+                      <a:endParaRPr lang="zh-CN" altLang="en-US"/>
+                    </a:p>
+                  </p:txBody>
+                </p:sp>
+              </p:grpSp>
               <p:sp>
                 <p:nvSpPr>
-                  <p:cNvPr id="91" name="右箭头 90"/>
-                  <p:cNvSpPr/>
+                  <p:cNvPr id="113" name="文本框 112"/>
+                  <p:cNvSpPr txBox="1"/>
                   <p:nvPr/>
                 </p:nvSpPr>
                 <p:spPr>
-                  <a:xfrm>
-                    <a:off x="7092103" y="3431699"/>
-                    <a:ext cx="1221626" cy="345463"/>
+                  <a:xfrm rot="16200000">
+                    <a:off x="2712896" y="1699771"/>
+                    <a:ext cx="2581836" cy="261610"/>
                   </a:xfrm>
-                  <a:prstGeom prst="rightArrow">
+                  <a:prstGeom prst="rect">
                     <a:avLst/>
                   </a:prstGeom>
-                  <a:gradFill flip="none" rotWithShape="1">
-                    <a:gsLst>
-                      <a:gs pos="0">
-                        <a:schemeClr val="accent5">
-                          <a:lumMod val="75000"/>
-                        </a:schemeClr>
-                      </a:gs>
-                      <a:gs pos="100000">
-                        <a:schemeClr val="bg1"/>
-                      </a:gs>
-                    </a:gsLst>
-                    <a:lin ang="0" scaled="1"/>
-                    <a:tileRect/>
-                  </a:gradFill>
+                  <a:noFill/>
                 </p:spPr>
-                <p:style>
-                  <a:lnRef idx="2">
-                    <a:schemeClr val="accent6">
-                      <a:shade val="50000"/>
-                    </a:schemeClr>
-                  </a:lnRef>
-                  <a:fillRef idx="1">
-                    <a:schemeClr val="accent6"/>
-                  </a:fillRef>
-                  <a:effectRef idx="0">
-                    <a:schemeClr val="accent6"/>
-                  </a:effectRef>
-                  <a:fontRef idx="minor">
-                    <a:schemeClr val="lt1"/>
-                  </a:fontRef>
-                </p:style>
                 <p:txBody>
-                  <a:bodyPr rtlCol="0" anchor="ctr"/>
+                  <a:bodyPr wrap="square" rtlCol="0">
+                    <a:spAutoFit/>
+                  </a:bodyPr>
                   <a:lstStyle/>
                   <a:p>
                     <a:pPr algn="ctr"/>
-                    <a:endParaRPr lang="zh-CN" altLang="en-US"/>
+                    <a:r>
+                      <a:rPr lang="en-US" altLang="zh-CN" sz="1100" dirty="0" smtClean="0">
+                        <a:latin typeface="Consolas" panose="020B0609020204030204" pitchFamily="49" charset="0"/>
+                        <a:cs typeface="Consolas" panose="020B0609020204030204" pitchFamily="49" charset="0"/>
+                      </a:rPr>
+                      <a:t>Data Warehouse</a:t>
+                    </a:r>
                   </a:p>
                 </p:txBody>
               </p:sp>
             </p:grpSp>
             <p:sp>
               <p:nvSpPr>
-                <p:cNvPr id="50" name="L 形 49"/>
-                <p:cNvSpPr/>
-                <p:nvPr/>
-              </p:nvSpPr>
-              <p:spPr>
-                <a:xfrm rot="10800000">
-                  <a:off x="7086554" y="1739622"/>
-                  <a:ext cx="347056" cy="3326675"/>
-                </a:xfrm>
-                <a:prstGeom prst="corner">
-                  <a:avLst/>
-                </a:prstGeom>
-                <a:solidFill>
-                  <a:schemeClr val="accent1">
-                    <a:lumMod val="75000"/>
-                  </a:schemeClr>
-                </a:solidFill>
-              </p:spPr>
-              <p:style>
-                <a:lnRef idx="2">
-                  <a:schemeClr val="accent1">
-                    <a:shade val="50000"/>
-                  </a:schemeClr>
-                </a:lnRef>
-                <a:fillRef idx="1">
-                  <a:schemeClr val="accent1"/>
-                </a:fillRef>
-                <a:effectRef idx="0">
-                  <a:schemeClr val="accent1"/>
-                </a:effectRef>
-                <a:fontRef idx="minor">
-                  <a:schemeClr val="lt1"/>
-                </a:fontRef>
-              </p:style>
-              <p:txBody>
-                <a:bodyPr rtlCol="0" anchor="ctr"/>
-                <a:lstStyle/>
-                <a:p>
-                  <a:pPr algn="ctr"/>
-                  <a:endParaRPr lang="zh-CN" altLang="en-US"/>
-                </a:p>
-              </p:txBody>
-            </p:sp>
-            <p:sp>
-              <p:nvSpPr>
-                <p:cNvPr id="94" name="右箭头 93"/>
-                <p:cNvSpPr/>
+                <p:cNvPr id="57" name="文本框 56"/>
+                <p:cNvSpPr txBox="1"/>
                 <p:nvPr/>
               </p:nvSpPr>
               <p:spPr>
                 <a:xfrm>
-                  <a:off x="7419267" y="4780638"/>
-                  <a:ext cx="862750" cy="371791"/>
+                  <a:off x="11303399" y="183538"/>
+                  <a:ext cx="1498301" cy="954107"/>
                 </a:xfrm>
-                <a:prstGeom prst="rightArrow">
+                <a:prstGeom prst="rect">
                   <a:avLst/>
                 </a:prstGeom>
-                <a:gradFill flip="none" rotWithShape="1">
-                  <a:gsLst>
-                    <a:gs pos="0">
-                      <a:schemeClr val="accent1">
-                        <a:lumMod val="75000"/>
-                      </a:schemeClr>
-                    </a:gs>
-                    <a:gs pos="100000">
-                      <a:schemeClr val="accent1">
-                        <a:lumMod val="20000"/>
-                        <a:lumOff val="80000"/>
-                      </a:schemeClr>
-                    </a:gs>
-                  </a:gsLst>
-                  <a:lin ang="0" scaled="1"/>
-                  <a:tileRect/>
-                </a:gradFill>
+                <a:noFill/>
               </p:spPr>
-              <p:style>
-                <a:lnRef idx="2">
-                  <a:schemeClr val="accent6">
-                    <a:shade val="50000"/>
-                  </a:schemeClr>
-                </a:lnRef>
-                <a:fillRef idx="1">
-                  <a:schemeClr val="accent6"/>
-                </a:fillRef>
-                <a:effectRef idx="0">
-                  <a:schemeClr val="accent6"/>
-                </a:effectRef>
-                <a:fontRef idx="minor">
-                  <a:schemeClr val="lt1"/>
-                </a:fontRef>
-              </p:style>
               <p:txBody>
-                <a:bodyPr rtlCol="0" anchor="ctr"/>
+                <a:bodyPr wrap="square" rtlCol="0">
+                  <a:spAutoFit/>
+                </a:bodyPr>
                 <a:lstStyle/>
                 <a:p>
                   <a:pPr algn="ctr"/>
-                  <a:endParaRPr lang="zh-CN" altLang="en-US"/>
+                  <a:r>
+                    <a:rPr lang="zh-CN" altLang="en-US" sz="2800" b="1" dirty="0" smtClean="0">
+                      <a:latin typeface="华文行楷" panose="02010800040101010101" pitchFamily="2" charset="-122"/>
+                      <a:ea typeface="华文行楷" panose="02010800040101010101" pitchFamily="2" charset="-122"/>
+                    </a:rPr>
+                    <a:t>数据</a:t>
+                  </a:r>
+                  <a:endParaRPr lang="en-US" altLang="zh-CN" sz="2800" b="1" dirty="0" smtClean="0">
+                    <a:latin typeface="华文行楷" panose="02010800040101010101" pitchFamily="2" charset="-122"/>
+                    <a:ea typeface="华文行楷" panose="02010800040101010101" pitchFamily="2" charset="-122"/>
+                  </a:endParaRPr>
                 </a:p>
-              </p:txBody>
-            </p:sp>
-          </p:grpSp>
-          <p:grpSp>
-            <p:nvGrpSpPr>
-              <p:cNvPr id="86" name="组合 85"/>
-              <p:cNvGrpSpPr/>
-              <p:nvPr/>
-            </p:nvGrpSpPr>
-            <p:grpSpPr>
-              <a:xfrm>
-                <a:off x="1807745" y="1553824"/>
-                <a:ext cx="968187" cy="983547"/>
-                <a:chOff x="2152356" y="4375052"/>
-                <a:chExt cx="5528603" cy="1195754"/>
-              </a:xfrm>
-              <a:effectLst>
-                <a:outerShdw blurRad="50800" dist="38100" dir="2700000" algn="tl" rotWithShape="0">
-                  <a:prstClr val="black">
-                    <a:alpha val="40000"/>
-                  </a:prstClr>
-                </a:outerShdw>
-              </a:effectLst>
-            </p:grpSpPr>
-            <p:sp>
-              <p:nvSpPr>
-                <p:cNvPr id="88" name="流程图: 磁盘 87"/>
-                <p:cNvSpPr/>
-                <p:nvPr/>
-              </p:nvSpPr>
-              <p:spPr>
-                <a:xfrm>
-                  <a:off x="2152356" y="4375052"/>
-                  <a:ext cx="5528603" cy="1195754"/>
-                </a:xfrm>
-                <a:prstGeom prst="flowChartMagneticDisk">
-                  <a:avLst/>
-                </a:prstGeom>
-                <a:solidFill>
-                  <a:schemeClr val="accent6">
-                    <a:lumMod val="75000"/>
-                  </a:schemeClr>
-                </a:solidFill>
-                <a:ln>
-                  <a:solidFill>
-                    <a:schemeClr val="tx1"/>
-                  </a:solidFill>
-                </a:ln>
-              </p:spPr>
-              <p:style>
-                <a:lnRef idx="2">
-                  <a:schemeClr val="accent1">
-                    <a:shade val="50000"/>
-                  </a:schemeClr>
-                </a:lnRef>
-                <a:fillRef idx="1">
-                  <a:schemeClr val="accent1"/>
-                </a:fillRef>
-                <a:effectRef idx="0">
-                  <a:schemeClr val="accent1"/>
-                </a:effectRef>
-                <a:fontRef idx="minor">
-                  <a:schemeClr val="lt1"/>
-                </a:fontRef>
-              </p:style>
-              <p:txBody>
-                <a:bodyPr rtlCol="0" anchor="ctr"/>
-                <a:lstStyle/>
                 <a:p>
                   <a:pPr algn="ctr"/>
-                  <a:endParaRPr lang="zh-CN" altLang="en-US"/>
-                </a:p>
-              </p:txBody>
-            </p:sp>
-            <p:sp>
-              <p:nvSpPr>
-                <p:cNvPr id="93" name="椭圆 92"/>
-                <p:cNvSpPr/>
-                <p:nvPr/>
-              </p:nvSpPr>
-              <p:spPr>
-                <a:xfrm>
-                  <a:off x="2152356" y="4375052"/>
-                  <a:ext cx="5528603" cy="388643"/>
-                </a:xfrm>
-                <a:prstGeom prst="ellipse">
-                  <a:avLst/>
-                </a:prstGeom>
-                <a:solidFill>
-                  <a:schemeClr val="accent6">
-                    <a:lumMod val="60000"/>
-                    <a:lumOff val="40000"/>
-                  </a:schemeClr>
-                </a:solidFill>
-                <a:ln>
-                  <a:solidFill>
-                    <a:schemeClr val="accent1"/>
-                  </a:solidFill>
-                </a:ln>
-              </p:spPr>
-              <p:style>
-                <a:lnRef idx="2">
-                  <a:schemeClr val="accent1">
-                    <a:shade val="50000"/>
-                  </a:schemeClr>
-                </a:lnRef>
-                <a:fillRef idx="1">
-                  <a:schemeClr val="accent1"/>
-                </a:fillRef>
-                <a:effectRef idx="0">
-                  <a:schemeClr val="accent1"/>
-                </a:effectRef>
-                <a:fontRef idx="minor">
-                  <a:schemeClr val="lt1"/>
-                </a:fontRef>
-              </p:style>
-              <p:txBody>
-                <a:bodyPr rtlCol="0" anchor="ctr"/>
-                <a:lstStyle/>
-                <a:p>
-                  <a:pPr algn="ctr"/>
-                  <a:endParaRPr lang="zh-CN" altLang="en-US"/>
+                  <a:r>
+                    <a:rPr lang="zh-CN" altLang="en-US" sz="2800" b="1" dirty="0" smtClean="0">
+                      <a:latin typeface="华文行楷" panose="02010800040101010101" pitchFamily="2" charset="-122"/>
+                      <a:ea typeface="华文行楷" panose="02010800040101010101" pitchFamily="2" charset="-122"/>
+                    </a:rPr>
+                    <a:t>架构</a:t>
+                  </a:r>
+                  <a:r>
+                    <a:rPr lang="zh-CN" altLang="en-US" sz="2800" b="1" dirty="0" smtClean="0">
+                      <a:latin typeface="华文行楷" panose="02010800040101010101" pitchFamily="2" charset="-122"/>
+                      <a:ea typeface="华文行楷" panose="02010800040101010101" pitchFamily="2" charset="-122"/>
+                    </a:rPr>
+                    <a:t>图</a:t>
+                  </a:r>
+                  <a:endParaRPr lang="en-US" altLang="zh-CN" sz="2800" b="1" dirty="0" smtClean="0">
+                    <a:latin typeface="华文行楷" panose="02010800040101010101" pitchFamily="2" charset="-122"/>
+                    <a:ea typeface="华文行楷" panose="02010800040101010101" pitchFamily="2" charset="-122"/>
+                  </a:endParaRPr>
                 </a:p>
               </p:txBody>
             </p:sp>
           </p:grpSp>
           <p:sp>
             <p:nvSpPr>
-              <p:cNvPr id="97" name="文本框 96"/>
+              <p:cNvPr id="77" name="L 形 76"/>
+              <p:cNvSpPr/>
+              <p:nvPr/>
+            </p:nvSpPr>
+            <p:spPr>
+              <a:xfrm rot="16200000">
+                <a:off x="8258810" y="2153324"/>
+                <a:ext cx="1882292" cy="352554"/>
+              </a:xfrm>
+              <a:prstGeom prst="corner">
+                <a:avLst>
+                  <a:gd name="adj1" fmla="val 46334"/>
+                  <a:gd name="adj2" fmla="val 50000"/>
+                </a:avLst>
+              </a:prstGeom>
+              <a:gradFill>
+                <a:gsLst>
+                  <a:gs pos="46800">
+                    <a:srgbClr val="FF0000"/>
+                  </a:gs>
+                  <a:gs pos="0">
+                    <a:srgbClr val="C00000"/>
+                  </a:gs>
+                  <a:gs pos="100000">
+                    <a:schemeClr val="bg1"/>
+                  </a:gs>
+                </a:gsLst>
+                <a:lin ang="5400000" scaled="1"/>
+              </a:gradFill>
+              <a:ln>
+                <a:solidFill>
+                  <a:schemeClr val="accent6">
+                    <a:lumMod val="75000"/>
+                  </a:schemeClr>
+                </a:solidFill>
+              </a:ln>
+            </p:spPr>
+            <p:style>
+              <a:lnRef idx="2">
+                <a:schemeClr val="accent1">
+                  <a:shade val="50000"/>
+                </a:schemeClr>
+              </a:lnRef>
+              <a:fillRef idx="1">
+                <a:schemeClr val="accent1"/>
+              </a:fillRef>
+              <a:effectRef idx="0">
+                <a:schemeClr val="accent1"/>
+              </a:effectRef>
+              <a:fontRef idx="minor">
+                <a:schemeClr val="lt1"/>
+              </a:fontRef>
+            </p:style>
+            <p:txBody>
+              <a:bodyPr rtlCol="0" anchor="ctr"/>
+              <a:lstStyle/>
+              <a:p>
+                <a:pPr algn="ctr"/>
+                <a:endParaRPr lang="zh-CN" altLang="en-US"/>
+              </a:p>
+            </p:txBody>
+          </p:sp>
+          <p:sp>
+            <p:nvSpPr>
+              <p:cNvPr id="81" name="右箭头 80"/>
+              <p:cNvSpPr/>
+              <p:nvPr/>
+            </p:nvSpPr>
+            <p:spPr>
+              <a:xfrm rot="10800000">
+                <a:off x="8840644" y="1107854"/>
+                <a:ext cx="535589" cy="345463"/>
+              </a:xfrm>
+              <a:prstGeom prst="rightArrow">
+                <a:avLst/>
+              </a:prstGeom>
+              <a:gradFill>
+                <a:gsLst>
+                  <a:gs pos="0">
+                    <a:schemeClr val="bg1"/>
+                  </a:gs>
+                  <a:gs pos="100000">
+                    <a:srgbClr val="FF0000"/>
+                  </a:gs>
+                </a:gsLst>
+                <a:lin ang="5400000" scaled="1"/>
+              </a:gradFill>
+            </p:spPr>
+            <p:style>
+              <a:lnRef idx="2">
+                <a:schemeClr val="accent6">
+                  <a:shade val="50000"/>
+                </a:schemeClr>
+              </a:lnRef>
+              <a:fillRef idx="1">
+                <a:schemeClr val="accent6"/>
+              </a:fillRef>
+              <a:effectRef idx="0">
+                <a:schemeClr val="accent6"/>
+              </a:effectRef>
+              <a:fontRef idx="minor">
+                <a:schemeClr val="lt1"/>
+              </a:fontRef>
+            </p:style>
+            <p:txBody>
+              <a:bodyPr rtlCol="0" anchor="ctr"/>
+              <a:lstStyle/>
+              <a:p>
+                <a:pPr algn="ctr"/>
+                <a:endParaRPr lang="zh-CN" altLang="en-US"/>
+              </a:p>
+            </p:txBody>
+          </p:sp>
+          <p:sp>
+            <p:nvSpPr>
+              <p:cNvPr id="92" name="文本框 91"/>
               <p:cNvSpPr txBox="1"/>
               <p:nvPr/>
             </p:nvSpPr>
             <p:spPr>
               <a:xfrm>
-                <a:off x="1003148" y="2040762"/>
-                <a:ext cx="2581836" cy="307777"/>
+                <a:off x="9432611" y="1401500"/>
+                <a:ext cx="2121142" cy="523220"/>
               </a:xfrm>
               <a:prstGeom prst="rect">
                 <a:avLst/>
               </a:prstGeom>
-              <a:noFill/>
+              <a:solidFill>
+                <a:srgbClr val="FFFF00"/>
+              </a:solidFill>
+              <a:ln>
+                <a:solidFill>
+                  <a:schemeClr val="accent1">
+                    <a:shade val="50000"/>
+                  </a:schemeClr>
+                </a:solidFill>
+              </a:ln>
             </p:spPr>
             <p:txBody>
               <a:bodyPr wrap="square" rtlCol="0">
@@ -6205,1005 +7079,108 @@
               <a:p>
                 <a:pPr algn="ctr"/>
                 <a:r>
-                  <a:rPr lang="en-US" altLang="zh-CN" sz="1400" dirty="0" err="1" smtClean="0">
+                  <a:rPr lang="zh-CN" altLang="en-US" sz="1400" dirty="0" smtClean="0">
+                    <a:solidFill>
+                      <a:srgbClr val="C00000"/>
+                    </a:solidFill>
+                    <a:effectLst>
+                      <a:outerShdw blurRad="38100" dist="38100" dir="2700000" algn="tl">
+                        <a:srgbClr val="000000">
+                          <a:alpha val="43137"/>
+                        </a:srgbClr>
+                      </a:outerShdw>
+                    </a:effectLst>
                     <a:latin typeface="Consolas" panose="020B0609020204030204" pitchFamily="49" charset="0"/>
                     <a:cs typeface="Consolas" panose="020B0609020204030204" pitchFamily="49" charset="0"/>
                   </a:rPr>
-                  <a:t>Mongodb</a:t>
+                  <a:t>客户满意度</a:t>
                 </a:r>
-                <a:endParaRPr lang="en-US" altLang="zh-CN" sz="1400" dirty="0" smtClean="0">
+                <a:endParaRPr lang="en-US" altLang="zh-CN" sz="1400" dirty="0">
+                  <a:effectLst>
+                    <a:outerShdw blurRad="38100" dist="38100" dir="2700000" algn="tl">
+                      <a:srgbClr val="000000">
+                        <a:alpha val="43137"/>
+                      </a:srgbClr>
+                    </a:outerShdw>
+                  </a:effectLst>
+                  <a:latin typeface="Consolas" panose="020B0609020204030204" pitchFamily="49" charset="0"/>
+                  <a:cs typeface="Consolas" panose="020B0609020204030204" pitchFamily="49" charset="0"/>
+                </a:endParaRPr>
+              </a:p>
+              <a:p>
+                <a:pPr algn="ctr"/>
+                <a:r>
+                  <a:rPr lang="zh-CN" altLang="en-US" sz="1400" dirty="0">
+                    <a:effectLst>
+                      <a:outerShdw blurRad="38100" dist="38100" dir="2700000" algn="tl">
+                        <a:srgbClr val="000000">
+                          <a:alpha val="43137"/>
+                        </a:srgbClr>
+                      </a:outerShdw>
+                    </a:effectLst>
+                    <a:latin typeface="Consolas" panose="020B0609020204030204" pitchFamily="49" charset="0"/>
+                    <a:cs typeface="Consolas" panose="020B0609020204030204" pitchFamily="49" charset="0"/>
+                  </a:rPr>
+                  <a:t>营销效果报表（</a:t>
+                </a:r>
+                <a:r>
+                  <a:rPr lang="en-US" altLang="zh-CN" sz="1400" dirty="0" err="1">
+                    <a:effectLst>
+                      <a:outerShdw blurRad="38100" dist="38100" dir="2700000" algn="tl">
+                        <a:srgbClr val="000000">
+                          <a:alpha val="43137"/>
+                        </a:srgbClr>
+                      </a:outerShdw>
+                    </a:effectLst>
+                    <a:latin typeface="Consolas" panose="020B0609020204030204" pitchFamily="49" charset="0"/>
+                    <a:cs typeface="Consolas" panose="020B0609020204030204" pitchFamily="49" charset="0"/>
+                  </a:rPr>
+                  <a:t>KPI</a:t>
+                </a:r>
+                <a:r>
+                  <a:rPr lang="zh-CN" altLang="en-US" sz="1400" dirty="0" smtClean="0">
+                    <a:effectLst>
+                      <a:outerShdw blurRad="38100" dist="38100" dir="2700000" algn="tl">
+                        <a:srgbClr val="000000">
+                          <a:alpha val="43137"/>
+                        </a:srgbClr>
+                      </a:outerShdw>
+                    </a:effectLst>
+                    <a:latin typeface="Consolas" panose="020B0609020204030204" pitchFamily="49" charset="0"/>
+                    <a:cs typeface="Consolas" panose="020B0609020204030204" pitchFamily="49" charset="0"/>
+                  </a:rPr>
+                  <a:t>）</a:t>
+                </a:r>
+                <a:endParaRPr lang="en-US" altLang="zh-CN" sz="1400" dirty="0">
+                  <a:effectLst>
+                    <a:outerShdw blurRad="38100" dist="38100" dir="2700000" algn="tl">
+                      <a:srgbClr val="000000">
+                        <a:alpha val="43137"/>
+                      </a:srgbClr>
+                    </a:outerShdw>
+                  </a:effectLst>
                   <a:latin typeface="Consolas" panose="020B0609020204030204" pitchFamily="49" charset="0"/>
                   <a:cs typeface="Consolas" panose="020B0609020204030204" pitchFamily="49" charset="0"/>
                 </a:endParaRPr>
               </a:p>
             </p:txBody>
           </p:sp>
-          <p:grpSp>
-            <p:nvGrpSpPr>
-              <p:cNvPr id="98" name="组合 97"/>
-              <p:cNvGrpSpPr/>
-              <p:nvPr/>
-            </p:nvGrpSpPr>
-            <p:grpSpPr>
-              <a:xfrm>
-                <a:off x="1806829" y="4773633"/>
-                <a:ext cx="968187" cy="983547"/>
-                <a:chOff x="2152356" y="4375052"/>
-                <a:chExt cx="5528603" cy="1195754"/>
-              </a:xfrm>
-              <a:effectLst>
-                <a:outerShdw blurRad="50800" dist="38100" dir="2700000" algn="tl" rotWithShape="0">
-                  <a:prstClr val="black">
-                    <a:alpha val="40000"/>
-                  </a:prstClr>
-                </a:outerShdw>
-              </a:effectLst>
-            </p:grpSpPr>
-            <p:sp>
-              <p:nvSpPr>
-                <p:cNvPr id="99" name="流程图: 磁盘 98"/>
-                <p:cNvSpPr/>
-                <p:nvPr/>
-              </p:nvSpPr>
-              <p:spPr>
-                <a:xfrm>
-                  <a:off x="2152356" y="4375052"/>
-                  <a:ext cx="5528603" cy="1195754"/>
-                </a:xfrm>
-                <a:prstGeom prst="flowChartMagneticDisk">
-                  <a:avLst/>
-                </a:prstGeom>
-                <a:solidFill>
-                  <a:schemeClr val="accent1">
-                    <a:lumMod val="75000"/>
-                  </a:schemeClr>
-                </a:solidFill>
-                <a:ln>
-                  <a:solidFill>
-                    <a:schemeClr val="tx1"/>
-                  </a:solidFill>
-                </a:ln>
-              </p:spPr>
-              <p:style>
-                <a:lnRef idx="2">
-                  <a:schemeClr val="accent1">
-                    <a:shade val="50000"/>
-                  </a:schemeClr>
-                </a:lnRef>
-                <a:fillRef idx="1">
-                  <a:schemeClr val="accent1"/>
-                </a:fillRef>
-                <a:effectRef idx="0">
-                  <a:schemeClr val="accent1"/>
-                </a:effectRef>
-                <a:fontRef idx="minor">
-                  <a:schemeClr val="lt1"/>
-                </a:fontRef>
-              </p:style>
-              <p:txBody>
-                <a:bodyPr rtlCol="0" anchor="ctr"/>
-                <a:lstStyle/>
-                <a:p>
-                  <a:pPr algn="ctr"/>
-                  <a:endParaRPr lang="zh-CN" altLang="en-US"/>
-                </a:p>
-              </p:txBody>
-            </p:sp>
-            <p:sp>
-              <p:nvSpPr>
-                <p:cNvPr id="100" name="椭圆 99"/>
-                <p:cNvSpPr/>
-                <p:nvPr/>
-              </p:nvSpPr>
-              <p:spPr>
-                <a:xfrm>
-                  <a:off x="2152356" y="4375052"/>
-                  <a:ext cx="5528603" cy="388643"/>
-                </a:xfrm>
-                <a:prstGeom prst="ellipse">
-                  <a:avLst/>
-                </a:prstGeom>
-                <a:solidFill>
-                  <a:schemeClr val="accent1">
-                    <a:lumMod val="60000"/>
-                    <a:lumOff val="40000"/>
-                  </a:schemeClr>
-                </a:solidFill>
-                <a:ln>
-                  <a:solidFill>
-                    <a:schemeClr val="accent1">
-                      <a:lumMod val="60000"/>
-                      <a:lumOff val="40000"/>
-                    </a:schemeClr>
-                  </a:solidFill>
-                </a:ln>
-              </p:spPr>
-              <p:style>
-                <a:lnRef idx="2">
-                  <a:schemeClr val="accent1">
-                    <a:shade val="50000"/>
-                  </a:schemeClr>
-                </a:lnRef>
-                <a:fillRef idx="1">
-                  <a:schemeClr val="accent1"/>
-                </a:fillRef>
-                <a:effectRef idx="0">
-                  <a:schemeClr val="accent1"/>
-                </a:effectRef>
-                <a:fontRef idx="minor">
-                  <a:schemeClr val="lt1"/>
-                </a:fontRef>
-              </p:style>
-              <p:txBody>
-                <a:bodyPr rtlCol="0" anchor="ctr"/>
-                <a:lstStyle/>
-                <a:p>
-                  <a:pPr algn="ctr"/>
-                  <a:endParaRPr lang="zh-CN" altLang="en-US"/>
-                </a:p>
-              </p:txBody>
-            </p:sp>
-          </p:grpSp>
-          <p:sp>
-            <p:nvSpPr>
-              <p:cNvPr id="101" name="文本框 100"/>
-              <p:cNvSpPr txBox="1"/>
-              <p:nvPr/>
-            </p:nvSpPr>
-            <p:spPr>
-              <a:xfrm>
-                <a:off x="995234" y="5234074"/>
-                <a:ext cx="2581836" cy="307777"/>
-              </a:xfrm>
-              <a:prstGeom prst="rect">
-                <a:avLst/>
-              </a:prstGeom>
-              <a:noFill/>
-            </p:spPr>
-            <p:txBody>
-              <a:bodyPr wrap="square" rtlCol="0">
-                <a:spAutoFit/>
-              </a:bodyPr>
-              <a:lstStyle/>
-              <a:p>
-                <a:pPr algn="ctr"/>
-                <a:r>
-                  <a:rPr lang="en-US" altLang="zh-CN" sz="1400" dirty="0" smtClean="0">
-                    <a:latin typeface="Consolas" panose="020B0609020204030204" pitchFamily="49" charset="0"/>
-                    <a:cs typeface="Consolas" panose="020B0609020204030204" pitchFamily="49" charset="0"/>
-                  </a:rPr>
-                  <a:t>Oracle</a:t>
-                </a:r>
-              </a:p>
-            </p:txBody>
-          </p:sp>
-          <p:grpSp>
-            <p:nvGrpSpPr>
-              <p:cNvPr id="102" name="组合 101"/>
-              <p:cNvGrpSpPr/>
-              <p:nvPr/>
-            </p:nvGrpSpPr>
-            <p:grpSpPr>
-              <a:xfrm>
-                <a:off x="8750332" y="1002881"/>
-                <a:ext cx="968187" cy="983547"/>
-                <a:chOff x="2152356" y="4375052"/>
-                <a:chExt cx="5528603" cy="1195754"/>
-              </a:xfrm>
-              <a:effectLst>
-                <a:outerShdw blurRad="50800" dist="38100" dir="2700000" algn="tl" rotWithShape="0">
-                  <a:prstClr val="black">
-                    <a:alpha val="40000"/>
-                  </a:prstClr>
-                </a:outerShdw>
-              </a:effectLst>
-            </p:grpSpPr>
-            <p:sp>
-              <p:nvSpPr>
-                <p:cNvPr id="103" name="流程图: 磁盘 102"/>
-                <p:cNvSpPr/>
-                <p:nvPr/>
-              </p:nvSpPr>
-              <p:spPr>
-                <a:xfrm>
-                  <a:off x="2152356" y="4375052"/>
-                  <a:ext cx="5528603" cy="1195754"/>
-                </a:xfrm>
-                <a:prstGeom prst="flowChartMagneticDisk">
-                  <a:avLst/>
-                </a:prstGeom>
-                <a:solidFill>
-                  <a:schemeClr val="accent2">
-                    <a:lumMod val="75000"/>
-                  </a:schemeClr>
-                </a:solidFill>
-                <a:ln>
-                  <a:solidFill>
-                    <a:schemeClr val="tx1"/>
-                  </a:solidFill>
-                </a:ln>
-              </p:spPr>
-              <p:style>
-                <a:lnRef idx="2">
-                  <a:schemeClr val="accent1">
-                    <a:shade val="50000"/>
-                  </a:schemeClr>
-                </a:lnRef>
-                <a:fillRef idx="1">
-                  <a:schemeClr val="accent1"/>
-                </a:fillRef>
-                <a:effectRef idx="0">
-                  <a:schemeClr val="accent1"/>
-                </a:effectRef>
-                <a:fontRef idx="minor">
-                  <a:schemeClr val="lt1"/>
-                </a:fontRef>
-              </p:style>
-              <p:txBody>
-                <a:bodyPr rtlCol="0" anchor="ctr"/>
-                <a:lstStyle/>
-                <a:p>
-                  <a:pPr algn="ctr"/>
-                  <a:endParaRPr lang="zh-CN" altLang="en-US"/>
-                </a:p>
-              </p:txBody>
-            </p:sp>
-            <p:sp>
-              <p:nvSpPr>
-                <p:cNvPr id="104" name="椭圆 103"/>
-                <p:cNvSpPr/>
-                <p:nvPr/>
-              </p:nvSpPr>
-              <p:spPr>
-                <a:xfrm>
-                  <a:off x="2152356" y="4375052"/>
-                  <a:ext cx="5528603" cy="388643"/>
-                </a:xfrm>
-                <a:prstGeom prst="ellipse">
-                  <a:avLst/>
-                </a:prstGeom>
-                <a:solidFill>
-                  <a:schemeClr val="accent2">
-                    <a:lumMod val="60000"/>
-                    <a:lumOff val="40000"/>
-                  </a:schemeClr>
-                </a:solidFill>
-                <a:ln>
-                  <a:solidFill>
-                    <a:schemeClr val="accent1">
-                      <a:lumMod val="60000"/>
-                      <a:lumOff val="40000"/>
-                    </a:schemeClr>
-                  </a:solidFill>
-                </a:ln>
-              </p:spPr>
-              <p:style>
-                <a:lnRef idx="2">
-                  <a:schemeClr val="accent1">
-                    <a:shade val="50000"/>
-                  </a:schemeClr>
-                </a:lnRef>
-                <a:fillRef idx="1">
-                  <a:schemeClr val="accent1"/>
-                </a:fillRef>
-                <a:effectRef idx="0">
-                  <a:schemeClr val="accent1"/>
-                </a:effectRef>
-                <a:fontRef idx="minor">
-                  <a:schemeClr val="lt1"/>
-                </a:fontRef>
-              </p:style>
-              <p:txBody>
-                <a:bodyPr rtlCol="0" anchor="ctr"/>
-                <a:lstStyle/>
-                <a:p>
-                  <a:pPr algn="ctr"/>
-                  <a:endParaRPr lang="zh-CN" altLang="en-US"/>
-                </a:p>
-              </p:txBody>
-            </p:sp>
-          </p:grpSp>
-          <p:grpSp>
-            <p:nvGrpSpPr>
-              <p:cNvPr id="105" name="组合 104"/>
-              <p:cNvGrpSpPr/>
-              <p:nvPr/>
-            </p:nvGrpSpPr>
-            <p:grpSpPr>
-              <a:xfrm>
-                <a:off x="8806940" y="5021576"/>
-                <a:ext cx="968187" cy="983547"/>
-                <a:chOff x="2152356" y="4375052"/>
-                <a:chExt cx="5528603" cy="1195754"/>
-              </a:xfrm>
-              <a:effectLst>
-                <a:outerShdw blurRad="50800" dist="38100" dir="2700000" algn="tl" rotWithShape="0">
-                  <a:prstClr val="black">
-                    <a:alpha val="40000"/>
-                  </a:prstClr>
-                </a:outerShdw>
-              </a:effectLst>
-            </p:grpSpPr>
-            <p:sp>
-              <p:nvSpPr>
-                <p:cNvPr id="106" name="流程图: 磁盘 105"/>
-                <p:cNvSpPr/>
-                <p:nvPr/>
-              </p:nvSpPr>
-              <p:spPr>
-                <a:xfrm>
-                  <a:off x="2152356" y="4375052"/>
-                  <a:ext cx="5528603" cy="1195754"/>
-                </a:xfrm>
-                <a:prstGeom prst="flowChartMagneticDisk">
-                  <a:avLst/>
-                </a:prstGeom>
-                <a:solidFill>
-                  <a:schemeClr val="accent4">
-                    <a:lumMod val="75000"/>
-                  </a:schemeClr>
-                </a:solidFill>
-                <a:ln>
-                  <a:solidFill>
-                    <a:schemeClr val="tx1"/>
-                  </a:solidFill>
-                </a:ln>
-              </p:spPr>
-              <p:style>
-                <a:lnRef idx="2">
-                  <a:schemeClr val="accent1">
-                    <a:shade val="50000"/>
-                  </a:schemeClr>
-                </a:lnRef>
-                <a:fillRef idx="1">
-                  <a:schemeClr val="accent1"/>
-                </a:fillRef>
-                <a:effectRef idx="0">
-                  <a:schemeClr val="accent1"/>
-                </a:effectRef>
-                <a:fontRef idx="minor">
-                  <a:schemeClr val="lt1"/>
-                </a:fontRef>
-              </p:style>
-              <p:txBody>
-                <a:bodyPr rtlCol="0" anchor="ctr"/>
-                <a:lstStyle/>
-                <a:p>
-                  <a:pPr algn="ctr"/>
-                  <a:endParaRPr lang="zh-CN" altLang="en-US"/>
-                </a:p>
-              </p:txBody>
-            </p:sp>
-            <p:sp>
-              <p:nvSpPr>
-                <p:cNvPr id="107" name="椭圆 106"/>
-                <p:cNvSpPr/>
-                <p:nvPr/>
-              </p:nvSpPr>
-              <p:spPr>
-                <a:xfrm>
-                  <a:off x="2152356" y="4375052"/>
-                  <a:ext cx="5528603" cy="388643"/>
-                </a:xfrm>
-                <a:prstGeom prst="ellipse">
-                  <a:avLst/>
-                </a:prstGeom>
-                <a:solidFill>
-                  <a:schemeClr val="accent4">
-                    <a:lumMod val="60000"/>
-                    <a:lumOff val="40000"/>
-                  </a:schemeClr>
-                </a:solidFill>
-                <a:ln>
-                  <a:solidFill>
-                    <a:schemeClr val="accent1">
-                      <a:lumMod val="60000"/>
-                      <a:lumOff val="40000"/>
-                    </a:schemeClr>
-                  </a:solidFill>
-                </a:ln>
-              </p:spPr>
-              <p:style>
-                <a:lnRef idx="2">
-                  <a:schemeClr val="accent1">
-                    <a:shade val="50000"/>
-                  </a:schemeClr>
-                </a:lnRef>
-                <a:fillRef idx="1">
-                  <a:schemeClr val="accent1"/>
-                </a:fillRef>
-                <a:effectRef idx="0">
-                  <a:schemeClr val="accent1"/>
-                </a:effectRef>
-                <a:fontRef idx="minor">
-                  <a:schemeClr val="lt1"/>
-                </a:fontRef>
-              </p:style>
-              <p:txBody>
-                <a:bodyPr rtlCol="0" anchor="ctr"/>
-                <a:lstStyle/>
-                <a:p>
-                  <a:pPr algn="ctr"/>
-                  <a:endParaRPr lang="zh-CN" altLang="en-US"/>
-                </a:p>
-              </p:txBody>
-            </p:sp>
-          </p:grpSp>
-          <p:sp>
-            <p:nvSpPr>
-              <p:cNvPr id="108" name="文本框 107"/>
-              <p:cNvSpPr txBox="1"/>
-              <p:nvPr/>
-            </p:nvSpPr>
-            <p:spPr>
-              <a:xfrm>
-                <a:off x="7943507" y="1494358"/>
-                <a:ext cx="2581836" cy="307777"/>
-              </a:xfrm>
-              <a:prstGeom prst="rect">
-                <a:avLst/>
-              </a:prstGeom>
-              <a:noFill/>
-            </p:spPr>
-            <p:txBody>
-              <a:bodyPr wrap="square" rtlCol="0">
-                <a:spAutoFit/>
-              </a:bodyPr>
-              <a:lstStyle/>
-              <a:p>
-                <a:pPr algn="ctr"/>
-                <a:r>
-                  <a:rPr lang="en-US" altLang="zh-CN" sz="1400" dirty="0" err="1" smtClean="0">
-                    <a:latin typeface="Consolas" panose="020B0609020204030204" pitchFamily="49" charset="0"/>
-                    <a:cs typeface="Consolas" panose="020B0609020204030204" pitchFamily="49" charset="0"/>
-                  </a:rPr>
-                  <a:t>Mysql</a:t>
-                </a:r>
-                <a:endParaRPr lang="en-US" altLang="zh-CN" sz="1400" dirty="0" smtClean="0">
-                  <a:latin typeface="Consolas" panose="020B0609020204030204" pitchFamily="49" charset="0"/>
-                  <a:cs typeface="Consolas" panose="020B0609020204030204" pitchFamily="49" charset="0"/>
-                </a:endParaRPr>
-              </a:p>
-            </p:txBody>
-          </p:sp>
-          <p:sp>
-            <p:nvSpPr>
-              <p:cNvPr id="109" name="文本框 108"/>
-              <p:cNvSpPr txBox="1"/>
-              <p:nvPr/>
-            </p:nvSpPr>
-            <p:spPr>
-              <a:xfrm>
-                <a:off x="8020217" y="5493635"/>
-                <a:ext cx="2581836" cy="307777"/>
-              </a:xfrm>
-              <a:prstGeom prst="rect">
-                <a:avLst/>
-              </a:prstGeom>
-              <a:noFill/>
-            </p:spPr>
-            <p:txBody>
-              <a:bodyPr wrap="square" rtlCol="0">
-                <a:spAutoFit/>
-              </a:bodyPr>
-              <a:lstStyle/>
-              <a:p>
-                <a:pPr algn="ctr"/>
-                <a:r>
-                  <a:rPr lang="en-US" altLang="zh-CN" sz="1400" dirty="0" err="1" smtClean="0">
-                    <a:latin typeface="Consolas" panose="020B0609020204030204" pitchFamily="49" charset="0"/>
-                    <a:cs typeface="Consolas" panose="020B0609020204030204" pitchFamily="49" charset="0"/>
-                  </a:rPr>
-                  <a:t>Pgsql</a:t>
-                </a:r>
-                <a:endParaRPr lang="en-US" altLang="zh-CN" sz="1400" dirty="0" smtClean="0">
-                  <a:latin typeface="Consolas" panose="020B0609020204030204" pitchFamily="49" charset="0"/>
-                  <a:cs typeface="Consolas" panose="020B0609020204030204" pitchFamily="49" charset="0"/>
-                </a:endParaRPr>
-              </a:p>
-            </p:txBody>
-          </p:sp>
-          <p:grpSp>
-            <p:nvGrpSpPr>
-              <p:cNvPr id="110" name="组合 109"/>
-              <p:cNvGrpSpPr/>
-              <p:nvPr/>
-            </p:nvGrpSpPr>
-            <p:grpSpPr>
-              <a:xfrm rot="5400000">
-                <a:off x="3114515" y="1617827"/>
-                <a:ext cx="1859605" cy="397162"/>
-                <a:chOff x="2152356" y="4375052"/>
-                <a:chExt cx="5528603" cy="1195754"/>
-              </a:xfrm>
-            </p:grpSpPr>
-            <p:sp>
-              <p:nvSpPr>
-                <p:cNvPr id="111" name="流程图: 磁盘 110"/>
-                <p:cNvSpPr/>
-                <p:nvPr/>
-              </p:nvSpPr>
-              <p:spPr>
-                <a:xfrm>
-                  <a:off x="2152356" y="4375052"/>
-                  <a:ext cx="5528603" cy="1195754"/>
-                </a:xfrm>
-                <a:prstGeom prst="flowChartMagneticDisk">
-                  <a:avLst/>
-                </a:prstGeom>
-                <a:solidFill>
-                  <a:schemeClr val="accent4">
-                    <a:lumMod val="75000"/>
-                  </a:schemeClr>
-                </a:solidFill>
-                <a:ln>
-                  <a:solidFill>
-                    <a:schemeClr val="tx1"/>
-                  </a:solidFill>
-                </a:ln>
-              </p:spPr>
-              <p:style>
-                <a:lnRef idx="2">
-                  <a:schemeClr val="accent1">
-                    <a:shade val="50000"/>
-                  </a:schemeClr>
-                </a:lnRef>
-                <a:fillRef idx="1">
-                  <a:schemeClr val="accent1"/>
-                </a:fillRef>
-                <a:effectRef idx="0">
-                  <a:schemeClr val="accent1"/>
-                </a:effectRef>
-                <a:fontRef idx="minor">
-                  <a:schemeClr val="lt1"/>
-                </a:fontRef>
-              </p:style>
-              <p:txBody>
-                <a:bodyPr rtlCol="0" anchor="ctr"/>
-                <a:lstStyle/>
-                <a:p>
-                  <a:pPr algn="ctr"/>
-                  <a:endParaRPr lang="zh-CN" altLang="en-US"/>
-                </a:p>
-              </p:txBody>
-            </p:sp>
-            <p:sp>
-              <p:nvSpPr>
-                <p:cNvPr id="112" name="椭圆 111"/>
-                <p:cNvSpPr/>
-                <p:nvPr/>
-              </p:nvSpPr>
-              <p:spPr>
-                <a:xfrm>
-                  <a:off x="2152356" y="4375052"/>
-                  <a:ext cx="5528603" cy="388643"/>
-                </a:xfrm>
-                <a:prstGeom prst="ellipse">
-                  <a:avLst/>
-                </a:prstGeom>
-                <a:solidFill>
-                  <a:schemeClr val="accent4">
-                    <a:lumMod val="60000"/>
-                    <a:lumOff val="40000"/>
-                  </a:schemeClr>
-                </a:solidFill>
-                <a:ln>
-                  <a:solidFill>
-                    <a:schemeClr val="accent1"/>
-                  </a:solidFill>
-                </a:ln>
-              </p:spPr>
-              <p:style>
-                <a:lnRef idx="2">
-                  <a:schemeClr val="accent1">
-                    <a:shade val="50000"/>
-                  </a:schemeClr>
-                </a:lnRef>
-                <a:fillRef idx="1">
-                  <a:schemeClr val="accent1"/>
-                </a:fillRef>
-                <a:effectRef idx="0">
-                  <a:schemeClr val="accent1"/>
-                </a:effectRef>
-                <a:fontRef idx="minor">
-                  <a:schemeClr val="lt1"/>
-                </a:fontRef>
-              </p:style>
-              <p:txBody>
-                <a:bodyPr rtlCol="0" anchor="ctr"/>
-                <a:lstStyle/>
-                <a:p>
-                  <a:pPr algn="ctr"/>
-                  <a:endParaRPr lang="zh-CN" altLang="en-US"/>
-                </a:p>
-              </p:txBody>
-            </p:sp>
-          </p:grpSp>
-          <p:sp>
-            <p:nvSpPr>
-              <p:cNvPr id="113" name="文本框 112"/>
-              <p:cNvSpPr txBox="1"/>
-              <p:nvPr/>
-            </p:nvSpPr>
-            <p:spPr>
-              <a:xfrm rot="16200000">
-                <a:off x="2712896" y="1699771"/>
-                <a:ext cx="2581836" cy="261610"/>
-              </a:xfrm>
-              <a:prstGeom prst="rect">
-                <a:avLst/>
-              </a:prstGeom>
-              <a:noFill/>
-            </p:spPr>
-            <p:txBody>
-              <a:bodyPr wrap="square" rtlCol="0">
-                <a:spAutoFit/>
-              </a:bodyPr>
-              <a:lstStyle/>
-              <a:p>
-                <a:pPr algn="ctr"/>
-                <a:r>
-                  <a:rPr lang="en-US" altLang="zh-CN" sz="1100" dirty="0" smtClean="0">
-                    <a:latin typeface="Consolas" panose="020B0609020204030204" pitchFamily="49" charset="0"/>
-                    <a:cs typeface="Consolas" panose="020B0609020204030204" pitchFamily="49" charset="0"/>
-                  </a:rPr>
-                  <a:t>Data Warehouse</a:t>
-                </a:r>
-              </a:p>
-            </p:txBody>
-          </p:sp>
         </p:grpSp>
         <p:sp>
           <p:nvSpPr>
-            <p:cNvPr id="57" name="文本框 56"/>
-            <p:cNvSpPr txBox="1"/>
-            <p:nvPr/>
-          </p:nvSpPr>
-          <p:spPr>
-            <a:xfrm>
-              <a:off x="-29499" y="394162"/>
-              <a:ext cx="1498301" cy="369332"/>
-            </a:xfrm>
-            <a:prstGeom prst="rect">
-              <a:avLst/>
-            </a:prstGeom>
-            <a:noFill/>
-          </p:spPr>
-          <p:txBody>
-            <a:bodyPr wrap="square" rtlCol="0">
-              <a:spAutoFit/>
-            </a:bodyPr>
-            <a:lstStyle/>
-            <a:p>
-              <a:pPr algn="ctr"/>
-              <a:r>
-                <a:rPr lang="zh-CN" altLang="en-US" b="1" dirty="0"/>
-                <a:t>数据</a:t>
-              </a:r>
-              <a:r>
-                <a:rPr lang="zh-CN" altLang="en-US" b="1" dirty="0" smtClean="0"/>
-                <a:t>架构图</a:t>
-              </a:r>
-              <a:endParaRPr lang="en-US" altLang="zh-CN" b="1" dirty="0" smtClean="0"/>
-            </a:p>
-          </p:txBody>
-        </p:sp>
-      </p:grpSp>
-    </p:spTree>
-    <p:extLst>
-      <p:ext uri="{BB962C8B-B14F-4D97-AF65-F5344CB8AC3E}">
-        <p14:creationId xmlns:p14="http://schemas.microsoft.com/office/powerpoint/2010/main" val="2185181239"/>
-      </p:ext>
-    </p:extLst>
-  </p:cSld>
-  <p:clrMapOvr>
-    <a:masterClrMapping/>
-  </p:clrMapOvr>
-  <p:timing>
-    <p:tnLst>
-      <p:par>
-        <p:cTn id="1" dur="indefinite" restart="never" nodeType="tmRoot"/>
-      </p:par>
-    </p:tnLst>
-  </p:timing>
-</p:sld>
-</file>
-
-<file path=ppt/slides/slide3.xml><?xml version="1.0" encoding="utf-8"?>
-<p:sld xmlns:a="http://schemas.openxmlformats.org/drawingml/2006/main" xmlns:r="http://schemas.openxmlformats.org/officeDocument/2006/relationships" xmlns:p="http://schemas.openxmlformats.org/presentationml/2006/main">
-  <p:cSld>
-    <p:spTree>
-      <p:nvGrpSpPr>
-        <p:cNvPr id="1" name=""/>
-        <p:cNvGrpSpPr/>
-        <p:nvPr/>
-      </p:nvGrpSpPr>
-      <p:grpSpPr>
-        <a:xfrm>
-          <a:off x="0" y="0"/>
-          <a:ext cx="0" cy="0"/>
-          <a:chOff x="0" y="0"/>
-          <a:chExt cx="0" cy="0"/>
-        </a:xfrm>
-      </p:grpSpPr>
-      <p:sp>
-        <p:nvSpPr>
-          <p:cNvPr id="7" name="矩形 6"/>
-          <p:cNvSpPr/>
-          <p:nvPr/>
-        </p:nvSpPr>
-        <p:spPr>
-          <a:xfrm>
-            <a:off x="736979" y="450376"/>
-            <a:ext cx="9703558" cy="504967"/>
-          </a:xfrm>
-          <a:prstGeom prst="rect">
-            <a:avLst/>
-          </a:prstGeom>
-          <a:solidFill>
-            <a:schemeClr val="accent4"/>
-          </a:solidFill>
-          <a:ln>
-            <a:solidFill>
-              <a:schemeClr val="tx1"/>
-            </a:solidFill>
-          </a:ln>
-        </p:spPr>
-        <p:style>
-          <a:lnRef idx="2">
-            <a:schemeClr val="accent1">
-              <a:shade val="50000"/>
-            </a:schemeClr>
-          </a:lnRef>
-          <a:fillRef idx="1">
-            <a:schemeClr val="accent1"/>
-          </a:fillRef>
-          <a:effectRef idx="0">
-            <a:schemeClr val="accent1"/>
-          </a:effectRef>
-          <a:fontRef idx="minor">
-            <a:schemeClr val="lt1"/>
-          </a:fontRef>
-        </p:style>
-        <p:txBody>
-          <a:bodyPr rtlCol="0" anchor="ctr"/>
-          <a:lstStyle/>
-          <a:p>
-            <a:pPr algn="ctr"/>
-            <a:endParaRPr lang="zh-CN" altLang="en-US"/>
-          </a:p>
-        </p:txBody>
-      </p:sp>
-      <p:sp>
-        <p:nvSpPr>
-          <p:cNvPr id="8" name="矩形 7"/>
-          <p:cNvSpPr/>
-          <p:nvPr/>
-        </p:nvSpPr>
-        <p:spPr>
-          <a:xfrm>
-            <a:off x="736979" y="1244221"/>
-            <a:ext cx="9703558" cy="504967"/>
-          </a:xfrm>
-          <a:prstGeom prst="rect">
-            <a:avLst/>
-          </a:prstGeom>
-          <a:solidFill>
-            <a:schemeClr val="accent2"/>
-          </a:solidFill>
-          <a:ln>
-            <a:solidFill>
-              <a:schemeClr val="tx1"/>
-            </a:solidFill>
-          </a:ln>
-        </p:spPr>
-        <p:style>
-          <a:lnRef idx="2">
-            <a:schemeClr val="accent1">
-              <a:shade val="50000"/>
-            </a:schemeClr>
-          </a:lnRef>
-          <a:fillRef idx="1">
-            <a:schemeClr val="accent1"/>
-          </a:fillRef>
-          <a:effectRef idx="0">
-            <a:schemeClr val="accent1"/>
-          </a:effectRef>
-          <a:fontRef idx="minor">
-            <a:schemeClr val="lt1"/>
-          </a:fontRef>
-        </p:style>
-        <p:txBody>
-          <a:bodyPr rtlCol="0" anchor="ctr"/>
-          <a:lstStyle/>
-          <a:p>
-            <a:pPr algn="ctr"/>
-            <a:endParaRPr lang="zh-CN" altLang="en-US"/>
-          </a:p>
-        </p:txBody>
-      </p:sp>
-      <p:sp>
-        <p:nvSpPr>
-          <p:cNvPr id="9" name="矩形 8"/>
-          <p:cNvSpPr/>
-          <p:nvPr/>
-        </p:nvSpPr>
-        <p:spPr>
-          <a:xfrm>
-            <a:off x="736979" y="2108579"/>
-            <a:ext cx="9703558" cy="504967"/>
-          </a:xfrm>
-          <a:prstGeom prst="rect">
-            <a:avLst/>
-          </a:prstGeom>
-          <a:solidFill>
-            <a:schemeClr val="accent5"/>
-          </a:solidFill>
-          <a:ln>
-            <a:solidFill>
-              <a:schemeClr val="tx1"/>
-            </a:solidFill>
-          </a:ln>
-        </p:spPr>
-        <p:style>
-          <a:lnRef idx="2">
-            <a:schemeClr val="accent1">
-              <a:shade val="50000"/>
-            </a:schemeClr>
-          </a:lnRef>
-          <a:fillRef idx="1">
-            <a:schemeClr val="accent1"/>
-          </a:fillRef>
-          <a:effectRef idx="0">
-            <a:schemeClr val="accent1"/>
-          </a:effectRef>
-          <a:fontRef idx="minor">
-            <a:schemeClr val="lt1"/>
-          </a:fontRef>
-        </p:style>
-        <p:txBody>
-          <a:bodyPr rtlCol="0" anchor="ctr"/>
-          <a:lstStyle/>
-          <a:p>
-            <a:pPr algn="ctr"/>
-            <a:endParaRPr lang="zh-CN" altLang="en-US"/>
-          </a:p>
-        </p:txBody>
-      </p:sp>
-      <p:sp>
-        <p:nvSpPr>
-          <p:cNvPr id="10" name="矩形 9"/>
-          <p:cNvSpPr/>
-          <p:nvPr/>
-        </p:nvSpPr>
-        <p:spPr>
-          <a:xfrm>
-            <a:off x="736979" y="2902424"/>
-            <a:ext cx="9703558" cy="504967"/>
-          </a:xfrm>
-          <a:prstGeom prst="rect">
-            <a:avLst/>
-          </a:prstGeom>
-          <a:solidFill>
-            <a:schemeClr val="accent6"/>
-          </a:solidFill>
-          <a:ln>
-            <a:solidFill>
-              <a:schemeClr val="tx1"/>
-            </a:solidFill>
-          </a:ln>
-        </p:spPr>
-        <p:style>
-          <a:lnRef idx="2">
-            <a:schemeClr val="accent1">
-              <a:shade val="50000"/>
-            </a:schemeClr>
-          </a:lnRef>
-          <a:fillRef idx="1">
-            <a:schemeClr val="accent1"/>
-          </a:fillRef>
-          <a:effectRef idx="0">
-            <a:schemeClr val="accent1"/>
-          </a:effectRef>
-          <a:fontRef idx="minor">
-            <a:schemeClr val="lt1"/>
-          </a:fontRef>
-        </p:style>
-        <p:txBody>
-          <a:bodyPr rtlCol="0" anchor="ctr"/>
-          <a:lstStyle/>
-          <a:p>
-            <a:pPr algn="ctr"/>
-            <a:endParaRPr lang="zh-CN" altLang="en-US"/>
-          </a:p>
-        </p:txBody>
-      </p:sp>
-      <p:sp>
-        <p:nvSpPr>
-          <p:cNvPr id="11" name="矩形 10"/>
-          <p:cNvSpPr/>
-          <p:nvPr/>
-        </p:nvSpPr>
-        <p:spPr>
-          <a:xfrm>
-            <a:off x="736979" y="3696269"/>
-            <a:ext cx="9703558" cy="504967"/>
-          </a:xfrm>
-          <a:prstGeom prst="rect">
-            <a:avLst/>
-          </a:prstGeom>
-          <a:solidFill>
-            <a:schemeClr val="accent3"/>
-          </a:solidFill>
-          <a:ln>
-            <a:solidFill>
-              <a:schemeClr val="tx1"/>
-            </a:solidFill>
-          </a:ln>
-        </p:spPr>
-        <p:style>
-          <a:lnRef idx="2">
-            <a:schemeClr val="accent1">
-              <a:shade val="50000"/>
-            </a:schemeClr>
-          </a:lnRef>
-          <a:fillRef idx="1">
-            <a:schemeClr val="accent1"/>
-          </a:fillRef>
-          <a:effectRef idx="0">
-            <a:schemeClr val="accent1"/>
-          </a:effectRef>
-          <a:fontRef idx="minor">
-            <a:schemeClr val="lt1"/>
-          </a:fontRef>
-        </p:style>
-        <p:txBody>
-          <a:bodyPr rtlCol="0" anchor="ctr"/>
-          <a:lstStyle/>
-          <a:p>
-            <a:pPr algn="ctr"/>
-            <a:endParaRPr lang="zh-CN" altLang="en-US"/>
-          </a:p>
-        </p:txBody>
-      </p:sp>
-      <p:grpSp>
-        <p:nvGrpSpPr>
-          <p:cNvPr id="14" name="组合 13"/>
-          <p:cNvGrpSpPr/>
-          <p:nvPr/>
-        </p:nvGrpSpPr>
-        <p:grpSpPr>
-          <a:xfrm>
-            <a:off x="736979" y="4815927"/>
-            <a:ext cx="968187" cy="983547"/>
-            <a:chOff x="2490133" y="1663294"/>
-            <a:chExt cx="968187" cy="983547"/>
-          </a:xfrm>
-        </p:grpSpPr>
-        <p:sp>
-          <p:nvSpPr>
-            <p:cNvPr id="12" name="流程图: 磁盘 11"/>
+            <p:cNvPr id="7" name="流程图: 文档 6"/>
             <p:cNvSpPr/>
             <p:nvPr/>
           </p:nvSpPr>
           <p:spPr>
             <a:xfrm>
-              <a:off x="2490133" y="1663294"/>
-              <a:ext cx="968187" cy="983547"/>
+              <a:off x="9965915" y="1248327"/>
+              <a:ext cx="2123476" cy="1006906"/>
             </a:xfrm>
-            <a:prstGeom prst="flowChartMagneticDisk">
+            <a:prstGeom prst="flowChartDocument">
               <a:avLst/>
             </a:prstGeom>
-            <a:solidFill>
-              <a:schemeClr val="accent6">
-                <a:lumMod val="75000"/>
-              </a:schemeClr>
-            </a:solidFill>
-            <a:ln>
-              <a:solidFill>
-                <a:schemeClr val="tx1"/>
-              </a:solidFill>
-            </a:ln>
+            <a:noFill/>
           </p:spPr>
           <p:style>
             <a:lnRef idx="2">
@@ -7232,29 +7209,198 @@
         </p:sp>
         <p:sp>
           <p:nvSpPr>
-            <p:cNvPr id="13" name="椭圆 12"/>
+            <p:cNvPr id="96" name="椭圆 95"/>
             <p:cNvSpPr/>
             <p:nvPr/>
           </p:nvSpPr>
           <p:spPr>
             <a:xfrm>
-              <a:off x="2490133" y="1663294"/>
-              <a:ext cx="968187" cy="319672"/>
+              <a:off x="72448" y="39868"/>
+              <a:ext cx="108000" cy="108000"/>
             </a:xfrm>
             <a:prstGeom prst="ellipse">
               <a:avLst/>
             </a:prstGeom>
             <a:solidFill>
-              <a:schemeClr val="accent6">
-                <a:lumMod val="60000"/>
-                <a:lumOff val="40000"/>
-              </a:schemeClr>
+              <a:srgbClr val="C0C0C0"/>
             </a:solidFill>
             <a:ln>
               <a:solidFill>
                 <a:schemeClr val="tx1"/>
               </a:solidFill>
             </a:ln>
+            <a:effectLst>
+              <a:outerShdw blurRad="50800" dist="38100" dir="2700000" algn="tl" rotWithShape="0">
+                <a:prstClr val="black">
+                  <a:alpha val="40000"/>
+                </a:prstClr>
+              </a:outerShdw>
+            </a:effectLst>
+          </p:spPr>
+          <p:style>
+            <a:lnRef idx="2">
+              <a:schemeClr val="accent1">
+                <a:shade val="50000"/>
+              </a:schemeClr>
+            </a:lnRef>
+            <a:fillRef idx="1">
+              <a:schemeClr val="accent1"/>
+            </a:fillRef>
+            <a:effectRef idx="0">
+              <a:schemeClr val="accent1"/>
+            </a:effectRef>
+            <a:fontRef idx="minor">
+              <a:schemeClr val="lt1"/>
+            </a:fontRef>
+          </p:style>
+          <p:txBody>
+            <a:bodyPr rtlCol="0" anchor="ctr"/>
+            <a:lstStyle/>
+            <a:p>
+              <a:pPr algn="ctr"/>
+              <a:endParaRPr lang="zh-CN" altLang="en-US"/>
+            </a:p>
+          </p:txBody>
+        </p:sp>
+        <p:sp>
+          <p:nvSpPr>
+            <p:cNvPr id="114" name="椭圆 113"/>
+            <p:cNvSpPr/>
+            <p:nvPr/>
+          </p:nvSpPr>
+          <p:spPr>
+            <a:xfrm>
+              <a:off x="67740" y="6658859"/>
+              <a:ext cx="108000" cy="108000"/>
+            </a:xfrm>
+            <a:prstGeom prst="ellipse">
+              <a:avLst/>
+            </a:prstGeom>
+            <a:solidFill>
+              <a:srgbClr val="C0C0C0"/>
+            </a:solidFill>
+            <a:ln>
+              <a:solidFill>
+                <a:schemeClr val="tx1"/>
+              </a:solidFill>
+            </a:ln>
+            <a:effectLst>
+              <a:outerShdw blurRad="50800" dist="38100" dir="2700000" algn="tl" rotWithShape="0">
+                <a:prstClr val="black">
+                  <a:alpha val="40000"/>
+                </a:prstClr>
+              </a:outerShdw>
+            </a:effectLst>
+          </p:spPr>
+          <p:style>
+            <a:lnRef idx="2">
+              <a:schemeClr val="accent1">
+                <a:shade val="50000"/>
+              </a:schemeClr>
+            </a:lnRef>
+            <a:fillRef idx="1">
+              <a:schemeClr val="accent1"/>
+            </a:fillRef>
+            <a:effectRef idx="0">
+              <a:schemeClr val="accent1"/>
+            </a:effectRef>
+            <a:fontRef idx="minor">
+              <a:schemeClr val="lt1"/>
+            </a:fontRef>
+          </p:style>
+          <p:txBody>
+            <a:bodyPr rtlCol="0" anchor="ctr"/>
+            <a:lstStyle/>
+            <a:p>
+              <a:pPr algn="ctr"/>
+              <a:endParaRPr lang="zh-CN" altLang="en-US"/>
+            </a:p>
+          </p:txBody>
+        </p:sp>
+        <p:sp>
+          <p:nvSpPr>
+            <p:cNvPr id="115" name="椭圆 114"/>
+            <p:cNvSpPr/>
+            <p:nvPr/>
+          </p:nvSpPr>
+          <p:spPr>
+            <a:xfrm>
+              <a:off x="11982530" y="39868"/>
+              <a:ext cx="108000" cy="108000"/>
+            </a:xfrm>
+            <a:prstGeom prst="ellipse">
+              <a:avLst/>
+            </a:prstGeom>
+            <a:solidFill>
+              <a:srgbClr val="C0C0C0"/>
+            </a:solidFill>
+            <a:ln>
+              <a:solidFill>
+                <a:schemeClr val="tx1"/>
+              </a:solidFill>
+            </a:ln>
+            <a:effectLst>
+              <a:outerShdw blurRad="50800" dist="38100" dir="2700000" algn="tl" rotWithShape="0">
+                <a:prstClr val="black">
+                  <a:alpha val="40000"/>
+                </a:prstClr>
+              </a:outerShdw>
+            </a:effectLst>
+          </p:spPr>
+          <p:style>
+            <a:lnRef idx="2">
+              <a:schemeClr val="accent1">
+                <a:shade val="50000"/>
+              </a:schemeClr>
+            </a:lnRef>
+            <a:fillRef idx="1">
+              <a:schemeClr val="accent1"/>
+            </a:fillRef>
+            <a:effectRef idx="0">
+              <a:schemeClr val="accent1"/>
+            </a:effectRef>
+            <a:fontRef idx="minor">
+              <a:schemeClr val="lt1"/>
+            </a:fontRef>
+          </p:style>
+          <p:txBody>
+            <a:bodyPr rtlCol="0" anchor="ctr"/>
+            <a:lstStyle/>
+            <a:p>
+              <a:pPr algn="ctr"/>
+              <a:endParaRPr lang="zh-CN" altLang="en-US"/>
+            </a:p>
+          </p:txBody>
+        </p:sp>
+        <p:sp>
+          <p:nvSpPr>
+            <p:cNvPr id="116" name="椭圆 115"/>
+            <p:cNvSpPr/>
+            <p:nvPr/>
+          </p:nvSpPr>
+          <p:spPr>
+            <a:xfrm>
+              <a:off x="11977822" y="6658859"/>
+              <a:ext cx="108000" cy="108000"/>
+            </a:xfrm>
+            <a:prstGeom prst="ellipse">
+              <a:avLst/>
+            </a:prstGeom>
+            <a:solidFill>
+              <a:srgbClr val="C0C0C0"/>
+            </a:solidFill>
+            <a:ln>
+              <a:solidFill>
+                <a:schemeClr val="tx1"/>
+              </a:solidFill>
+            </a:ln>
+            <a:effectLst>
+              <a:outerShdw blurRad="50800" dist="38100" dir="2700000" algn="tl" rotWithShape="0">
+                <a:prstClr val="black">
+                  <a:alpha val="40000"/>
+                </a:prstClr>
+              </a:outerShdw>
+            </a:effectLst>
           </p:spPr>
           <p:style>
             <a:lnRef idx="2">
@@ -7284,19 +7430,140 @@
       </p:grpSp>
       <p:sp>
         <p:nvSpPr>
-          <p:cNvPr id="15" name="圆角矩形 14"/>
+          <p:cNvPr id="118" name="L 形 117"/>
+          <p:cNvSpPr/>
+          <p:nvPr/>
+        </p:nvSpPr>
+        <p:spPr>
+          <a:xfrm rot="10800000">
+            <a:off x="6306297" y="3526273"/>
+            <a:ext cx="355021" cy="1255932"/>
+          </a:xfrm>
+          <a:prstGeom prst="corner">
+            <a:avLst/>
+          </a:prstGeom>
+          <a:solidFill>
+            <a:schemeClr val="accent1">
+              <a:lumMod val="75000"/>
+            </a:schemeClr>
+          </a:solidFill>
+        </p:spPr>
+        <p:style>
+          <a:lnRef idx="2">
+            <a:schemeClr val="accent1">
+              <a:shade val="50000"/>
+            </a:schemeClr>
+          </a:lnRef>
+          <a:fillRef idx="1">
+            <a:schemeClr val="accent1"/>
+          </a:fillRef>
+          <a:effectRef idx="0">
+            <a:schemeClr val="accent1"/>
+          </a:effectRef>
+          <a:fontRef idx="minor">
+            <a:schemeClr val="lt1"/>
+          </a:fontRef>
+        </p:style>
+        <p:txBody>
+          <a:bodyPr rtlCol="0" anchor="ctr"/>
+          <a:lstStyle/>
+          <a:p>
+            <a:pPr algn="ctr"/>
+            <a:endParaRPr lang="zh-CN" altLang="en-US"/>
+          </a:p>
+        </p:txBody>
+      </p:sp>
+      <p:sp>
+        <p:nvSpPr>
+          <p:cNvPr id="119" name="圆角矩形 118"/>
           <p:cNvSpPr/>
           <p:nvPr/>
         </p:nvSpPr>
         <p:spPr>
           <a:xfrm>
-            <a:off x="1849297" y="4815926"/>
-            <a:ext cx="2364185" cy="1841503"/>
+            <a:off x="7584638" y="5309046"/>
+            <a:ext cx="1792518" cy="1238159"/>
           </a:xfrm>
           <a:prstGeom prst="roundRect">
             <a:avLst>
-              <a:gd name="adj" fmla="val 8233"/>
+              <a:gd name="adj" fmla="val 8493"/>
             </a:avLst>
+          </a:prstGeom>
+          <a:solidFill>
+            <a:srgbClr val="99CCFF"/>
+          </a:solidFill>
+        </p:spPr>
+        <p:style>
+          <a:lnRef idx="2">
+            <a:schemeClr val="accent1">
+              <a:shade val="50000"/>
+            </a:schemeClr>
+          </a:lnRef>
+          <a:fillRef idx="1">
+            <a:schemeClr val="accent1"/>
+          </a:fillRef>
+          <a:effectRef idx="0">
+            <a:schemeClr val="accent1"/>
+          </a:effectRef>
+          <a:fontRef idx="minor">
+            <a:schemeClr val="lt1"/>
+          </a:fontRef>
+        </p:style>
+        <p:txBody>
+          <a:bodyPr rtlCol="0" anchor="ctr"/>
+          <a:lstStyle/>
+          <a:p>
+            <a:pPr algn="ctr"/>
+            <a:endParaRPr lang="zh-CN" altLang="en-US"/>
+          </a:p>
+        </p:txBody>
+      </p:sp>
+      <p:sp>
+        <p:nvSpPr>
+          <p:cNvPr id="120" name="文本框 119"/>
+          <p:cNvSpPr txBox="1"/>
+          <p:nvPr/>
+        </p:nvSpPr>
+        <p:spPr>
+          <a:xfrm>
+            <a:off x="7175703" y="5406579"/>
+            <a:ext cx="2581836" cy="307777"/>
+          </a:xfrm>
+          <a:prstGeom prst="rect">
+            <a:avLst/>
+          </a:prstGeom>
+          <a:noFill/>
+        </p:spPr>
+        <p:txBody>
+          <a:bodyPr wrap="square" rtlCol="0">
+            <a:spAutoFit/>
+          </a:bodyPr>
+          <a:lstStyle/>
+          <a:p>
+            <a:pPr algn="ctr"/>
+            <a:r>
+              <a:rPr lang="en-US" altLang="zh-CN" sz="1400" b="1" dirty="0" smtClean="0">
+                <a:latin typeface="Consolas" panose="020B0609020204030204" pitchFamily="49" charset="0"/>
+                <a:cs typeface="Consolas" panose="020B0609020204030204" pitchFamily="49" charset="0"/>
+              </a:rPr>
+              <a:t>No-faking</a:t>
+            </a:r>
+          </a:p>
+        </p:txBody>
+      </p:sp>
+      <p:sp>
+        <p:nvSpPr>
+          <p:cNvPr id="121" name="流程图: 磁盘 120"/>
+          <p:cNvSpPr/>
+          <p:nvPr/>
+        </p:nvSpPr>
+        <p:spPr>
+          <a:xfrm>
+            <a:off x="7976702" y="5817437"/>
+            <a:ext cx="968187" cy="702676"/>
+          </a:xfrm>
+          <a:prstGeom prst="flowChartMagneticDisk">
+            <a:avLst/>
           </a:prstGeom>
           <a:solidFill>
             <a:schemeClr val="accent4">
@@ -7330,211 +7597,25 @@
           <a:lstStyle/>
           <a:p>
             <a:pPr algn="ctr"/>
-            <a:endParaRPr lang="zh-CN" altLang="en-US">
-              <a:latin typeface="Consolas" panose="020B0609020204030204" pitchFamily="49" charset="0"/>
-              <a:cs typeface="Consolas" panose="020B0609020204030204" pitchFamily="49" charset="0"/>
-            </a:endParaRPr>
+            <a:endParaRPr lang="zh-CN" altLang="en-US"/>
           </a:p>
         </p:txBody>
       </p:sp>
       <p:sp>
         <p:nvSpPr>
-          <p:cNvPr id="16" name="右箭头 15"/>
-          <p:cNvSpPr/>
-          <p:nvPr/>
-        </p:nvSpPr>
-        <p:spPr>
-          <a:xfrm>
-            <a:off x="4930922" y="4815926"/>
-            <a:ext cx="411787" cy="368843"/>
-          </a:xfrm>
-          <a:prstGeom prst="rightArrow">
-            <a:avLst/>
-          </a:prstGeom>
-          <a:gradFill>
-            <a:gsLst>
-              <a:gs pos="0">
-                <a:schemeClr val="accent2">
-                  <a:lumMod val="75000"/>
-                </a:schemeClr>
-              </a:gs>
-              <a:gs pos="100000">
-                <a:schemeClr val="accent2">
-                  <a:lumMod val="20000"/>
-                  <a:lumOff val="80000"/>
-                </a:schemeClr>
-              </a:gs>
-            </a:gsLst>
-            <a:lin ang="0" scaled="1"/>
-          </a:gradFill>
-          <a:ln>
-            <a:solidFill>
-              <a:schemeClr val="tx1"/>
-            </a:solidFill>
-          </a:ln>
-        </p:spPr>
-        <p:style>
-          <a:lnRef idx="2">
-            <a:schemeClr val="accent6">
-              <a:shade val="50000"/>
-            </a:schemeClr>
-          </a:lnRef>
-          <a:fillRef idx="1">
-            <a:schemeClr val="accent6"/>
-          </a:fillRef>
-          <a:effectRef idx="0">
-            <a:schemeClr val="accent6"/>
-          </a:effectRef>
-          <a:fontRef idx="minor">
-            <a:schemeClr val="lt1"/>
-          </a:fontRef>
-        </p:style>
-        <p:txBody>
-          <a:bodyPr rtlCol="0" anchor="ctr"/>
-          <a:lstStyle/>
-          <a:p>
-            <a:pPr algn="ctr"/>
-            <a:endParaRPr lang="zh-CN" altLang="en-US">
-              <a:latin typeface="Consolas" panose="020B0609020204030204" pitchFamily="49" charset="0"/>
-              <a:cs typeface="Consolas" panose="020B0609020204030204" pitchFamily="49" charset="0"/>
-            </a:endParaRPr>
-          </a:p>
-        </p:txBody>
-      </p:sp>
-      <p:sp>
-        <p:nvSpPr>
-          <p:cNvPr id="17" name="L 形 16"/>
-          <p:cNvSpPr/>
-          <p:nvPr/>
-        </p:nvSpPr>
-        <p:spPr>
-          <a:xfrm rot="16200000">
-            <a:off x="5477332" y="5487711"/>
-            <a:ext cx="1681850" cy="338282"/>
-          </a:xfrm>
-          <a:prstGeom prst="corner">
-            <a:avLst>
-              <a:gd name="adj1" fmla="val 46334"/>
-              <a:gd name="adj2" fmla="val 50000"/>
-            </a:avLst>
-          </a:prstGeom>
-          <a:solidFill>
-            <a:schemeClr val="accent1">
-              <a:lumMod val="75000"/>
-            </a:schemeClr>
-          </a:solidFill>
-          <a:ln>
-            <a:solidFill>
-              <a:schemeClr val="tx1"/>
-            </a:solidFill>
-          </a:ln>
-        </p:spPr>
-        <p:style>
-          <a:lnRef idx="2">
-            <a:schemeClr val="accent1">
-              <a:shade val="50000"/>
-            </a:schemeClr>
-          </a:lnRef>
-          <a:fillRef idx="1">
-            <a:schemeClr val="accent1"/>
-          </a:fillRef>
-          <a:effectRef idx="0">
-            <a:schemeClr val="accent1"/>
-          </a:effectRef>
-          <a:fontRef idx="minor">
-            <a:schemeClr val="lt1"/>
-          </a:fontRef>
-        </p:style>
-        <p:txBody>
-          <a:bodyPr rtlCol="0" anchor="ctr"/>
-          <a:lstStyle/>
-          <a:p>
-            <a:pPr algn="ctr"/>
-            <a:endParaRPr lang="zh-CN" altLang="en-US"/>
-          </a:p>
-        </p:txBody>
-      </p:sp>
-      <p:sp>
-        <p:nvSpPr>
-          <p:cNvPr id="18" name="矩形 17"/>
-          <p:cNvSpPr/>
-          <p:nvPr/>
-        </p:nvSpPr>
-        <p:spPr>
-          <a:xfrm rot="5400000">
-            <a:off x="7856850" y="4006832"/>
-            <a:ext cx="294147" cy="1912335"/>
-          </a:xfrm>
-          <a:prstGeom prst="rect">
-            <a:avLst/>
-          </a:prstGeom>
-          <a:solidFill>
-            <a:schemeClr val="accent4">
-              <a:lumMod val="60000"/>
-              <a:lumOff val="40000"/>
-            </a:schemeClr>
-          </a:solidFill>
-          <a:ln>
-            <a:solidFill>
-              <a:schemeClr val="tx1"/>
-            </a:solidFill>
-          </a:ln>
-          <a:effectLst>
-            <a:outerShdw blurRad="50800" dist="38100" dir="2700000" algn="tl" rotWithShape="0">
-              <a:prstClr val="black">
-                <a:alpha val="40000"/>
-              </a:prstClr>
-            </a:outerShdw>
-          </a:effectLst>
-        </p:spPr>
-        <p:style>
-          <a:lnRef idx="2">
-            <a:schemeClr val="accent1">
-              <a:shade val="50000"/>
-            </a:schemeClr>
-          </a:lnRef>
-          <a:fillRef idx="1">
-            <a:schemeClr val="accent1"/>
-          </a:fillRef>
-          <a:effectRef idx="0">
-            <a:schemeClr val="accent1"/>
-          </a:effectRef>
-          <a:fontRef idx="minor">
-            <a:schemeClr val="lt1"/>
-          </a:fontRef>
-        </p:style>
-        <p:txBody>
-          <a:bodyPr rtlCol="0" anchor="ctr"/>
-          <a:lstStyle/>
-          <a:p>
-            <a:pPr algn="ctr"/>
-            <a:endParaRPr lang="zh-CN" altLang="en-US">
-              <a:latin typeface="Consolas" panose="020B0609020204030204" pitchFamily="49" charset="0"/>
-              <a:cs typeface="Consolas" panose="020B0609020204030204" pitchFamily="49" charset="0"/>
-            </a:endParaRPr>
-          </a:p>
-        </p:txBody>
-      </p:sp>
-      <p:sp>
-        <p:nvSpPr>
-          <p:cNvPr id="19" name="文本框 18"/>
+          <p:cNvPr id="122" name="文本框 121"/>
           <p:cNvSpPr txBox="1"/>
           <p:nvPr/>
         </p:nvSpPr>
         <p:spPr>
           <a:xfrm>
-            <a:off x="7047756" y="5518072"/>
+            <a:off x="7189979" y="6129841"/>
             <a:ext cx="2581836" cy="307777"/>
           </a:xfrm>
           <a:prstGeom prst="rect">
             <a:avLst/>
           </a:prstGeom>
           <a:noFill/>
-          <a:ln>
-            <a:solidFill>
-              <a:schemeClr val="tx1"/>
-            </a:solidFill>
-          </a:ln>
         </p:spPr>
         <p:txBody>
           <a:bodyPr wrap="square" rtlCol="0">
@@ -7544,98 +7625,37 @@
           <a:p>
             <a:pPr algn="ctr"/>
             <a:r>
-              <a:rPr lang="en-US" altLang="zh-CN" sz="1400" b="1" dirty="0" smtClean="0">
-                <a:effectLst>
-                  <a:outerShdw blurRad="38100" dist="38100" dir="2700000" algn="tl">
-                    <a:srgbClr val="000000">
-                      <a:alpha val="43137"/>
-                    </a:srgbClr>
-                  </a:outerShdw>
-                </a:effectLst>
+              <a:rPr lang="en-US" altLang="zh-CN" sz="1400" dirty="0" err="1" smtClean="0">
                 <a:latin typeface="Consolas" panose="020B0609020204030204" pitchFamily="49" charset="0"/>
                 <a:cs typeface="Consolas" panose="020B0609020204030204" pitchFamily="49" charset="0"/>
               </a:rPr>
-              <a:t>Data Source</a:t>
+              <a:t>Pgsql</a:t>
             </a:r>
+            <a:endParaRPr lang="en-US" altLang="zh-CN" sz="1400" dirty="0" smtClean="0">
+              <a:latin typeface="Consolas" panose="020B0609020204030204" pitchFamily="49" charset="0"/>
+              <a:cs typeface="Consolas" panose="020B0609020204030204" pitchFamily="49" charset="0"/>
+            </a:endParaRPr>
           </a:p>
         </p:txBody>
       </p:sp>
       <p:sp>
         <p:nvSpPr>
-          <p:cNvPr id="20" name="矩形 19"/>
+          <p:cNvPr id="123" name="L 形 122"/>
           <p:cNvSpPr/>
           <p:nvPr/>
         </p:nvSpPr>
         <p:spPr>
-          <a:xfrm rot="16200000">
-            <a:off x="9132556" y="3984085"/>
-            <a:ext cx="383242" cy="4552838"/>
+          <a:xfrm rot="10800000">
+            <a:off x="6300080" y="4951852"/>
+            <a:ext cx="350170" cy="1040855"/>
           </a:xfrm>
-          <a:prstGeom prst="rect">
+          <a:prstGeom prst="corner">
             <a:avLst/>
           </a:prstGeom>
           <a:solidFill>
-            <a:srgbClr val="FFFF00"/>
-          </a:solidFill>
-          <a:ln>
-            <a:solidFill>
-              <a:schemeClr val="tx1"/>
-            </a:solidFill>
-          </a:ln>
-          <a:effectLst>
-            <a:innerShdw blurRad="63500" dist="50800" dir="10800000">
-              <a:prstClr val="black">
-                <a:alpha val="50000"/>
-              </a:prstClr>
-            </a:innerShdw>
-          </a:effectLst>
-        </p:spPr>
-        <p:style>
-          <a:lnRef idx="2">
             <a:schemeClr val="accent1">
-              <a:shade val="50000"/>
+              <a:lumMod val="75000"/>
             </a:schemeClr>
-          </a:lnRef>
-          <a:fillRef idx="1">
-            <a:schemeClr val="accent1"/>
-          </a:fillRef>
-          <a:effectRef idx="0">
-            <a:schemeClr val="accent1"/>
-          </a:effectRef>
-          <a:fontRef idx="minor">
-            <a:schemeClr val="lt1"/>
-          </a:fontRef>
-        </p:style>
-        <p:txBody>
-          <a:bodyPr rtlCol="0" anchor="ctr"/>
-          <a:lstStyle/>
-          <a:p>
-            <a:pPr algn="ctr"/>
-            <a:endParaRPr lang="zh-CN" altLang="en-US">
-              <a:latin typeface="Consolas" panose="020B0609020204030204" pitchFamily="49" charset="0"/>
-              <a:cs typeface="Consolas" panose="020B0609020204030204" pitchFamily="49" charset="0"/>
-            </a:endParaRPr>
-          </a:p>
-        </p:txBody>
-      </p:sp>
-      <p:sp>
-        <p:nvSpPr>
-          <p:cNvPr id="22" name="剪去单角的矩形 21"/>
-          <p:cNvSpPr/>
-          <p:nvPr/>
-        </p:nvSpPr>
-        <p:spPr>
-          <a:xfrm>
-            <a:off x="10194877" y="4738735"/>
-            <a:ext cx="1405719" cy="371338"/>
-          </a:xfrm>
-          <a:prstGeom prst="snip1Rect">
-            <a:avLst>
-              <a:gd name="adj" fmla="val 38669"/>
-            </a:avLst>
-          </a:prstGeom>
-          <a:solidFill>
-            <a:schemeClr val="accent2"/>
           </a:solidFill>
         </p:spPr>
         <p:style>
@@ -7659,57 +7679,14 @@
           <a:lstStyle/>
           <a:p>
             <a:pPr algn="ctr"/>
-            <a:endParaRPr lang="zh-CN" altLang="en-US">
-              <a:ln>
-                <a:solidFill>
-                  <a:schemeClr val="tx1"/>
-                </a:solidFill>
-              </a:ln>
-            </a:endParaRPr>
-          </a:p>
-        </p:txBody>
-      </p:sp>
-      <p:sp>
-        <p:nvSpPr>
-          <p:cNvPr id="24" name="文本框 23"/>
-          <p:cNvSpPr txBox="1"/>
-          <p:nvPr/>
-        </p:nvSpPr>
-        <p:spPr>
-          <a:xfrm>
-            <a:off x="9640430" y="5502962"/>
-            <a:ext cx="2581836" cy="307777"/>
-          </a:xfrm>
-          <a:prstGeom prst="rect">
-            <a:avLst/>
-          </a:prstGeom>
-          <a:noFill/>
-        </p:spPr>
-        <p:txBody>
-          <a:bodyPr wrap="square" rtlCol="0">
-            <a:spAutoFit/>
-          </a:bodyPr>
-          <a:lstStyle/>
-          <a:p>
-            <a:pPr algn="ctr"/>
-            <a:r>
-              <a:rPr lang="en-US" altLang="zh-CN" sz="1400" dirty="0" err="1" smtClean="0">
-                <a:latin typeface="Consolas" panose="020B0609020204030204" pitchFamily="49" charset="0"/>
-                <a:cs typeface="Consolas" panose="020B0609020204030204" pitchFamily="49" charset="0"/>
-              </a:rPr>
-              <a:t>Mongodb</a:t>
-            </a:r>
-            <a:endParaRPr lang="en-US" altLang="zh-CN" sz="1400" dirty="0" smtClean="0">
-              <a:latin typeface="Consolas" panose="020B0609020204030204" pitchFamily="49" charset="0"/>
-              <a:cs typeface="Consolas" panose="020B0609020204030204" pitchFamily="49" charset="0"/>
-            </a:endParaRPr>
+            <a:endParaRPr lang="zh-CN" altLang="en-US"/>
           </a:p>
         </p:txBody>
       </p:sp>
     </p:spTree>
     <p:extLst>
       <p:ext uri="{BB962C8B-B14F-4D97-AF65-F5344CB8AC3E}">
-        <p14:creationId xmlns:p14="http://schemas.microsoft.com/office/powerpoint/2010/main" val="1079151669"/>
+        <p14:creationId xmlns:p14="http://schemas.microsoft.com/office/powerpoint/2010/main" val="2185181239"/>
       </p:ext>
     </p:extLst>
   </p:cSld>
@@ -7726,9 +7703,18 @@
 </p:sld>
 </file>
 
-<file path=ppt/slides/slide4.xml><?xml version="1.0" encoding="utf-8"?>
+<file path=ppt/slides/slide3.xml><?xml version="1.0" encoding="utf-8"?>
 <p:sld xmlns:a="http://schemas.openxmlformats.org/drawingml/2006/main" xmlns:r="http://schemas.openxmlformats.org/officeDocument/2006/relationships" xmlns:p="http://schemas.openxmlformats.org/presentationml/2006/main">
   <p:cSld>
+    <p:bg>
+      <p:bgPr>
+        <a:blipFill>
+          <a:blip r:embed="rId2"/>
+          <a:tile tx="0" ty="0" sx="100000" sy="100000" flip="none" algn="tl"/>
+        </a:blipFill>
+        <a:effectLst/>
+      </p:bgPr>
+    </p:bg>
     <p:spTree>
       <p:nvGrpSpPr>
         <p:cNvPr id="1" name=""/>
@@ -7743,10 +7729,1048 @@
           <a:chExt cx="0" cy="0"/>
         </a:xfrm>
       </p:grpSpPr>
+      <p:sp>
+        <p:nvSpPr>
+          <p:cNvPr id="26" name="矩形 25"/>
+          <p:cNvSpPr/>
+          <p:nvPr/>
+        </p:nvSpPr>
+        <p:spPr>
+          <a:xfrm>
+            <a:off x="1277257" y="1640114"/>
+            <a:ext cx="8636000" cy="4223657"/>
+          </a:xfrm>
+          <a:prstGeom prst="rect">
+            <a:avLst/>
+          </a:prstGeom>
+          <a:noFill/>
+        </p:spPr>
+        <p:style>
+          <a:lnRef idx="2">
+            <a:schemeClr val="accent1">
+              <a:shade val="50000"/>
+            </a:schemeClr>
+          </a:lnRef>
+          <a:fillRef idx="1">
+            <a:schemeClr val="accent1"/>
+          </a:fillRef>
+          <a:effectRef idx="0">
+            <a:schemeClr val="accent1"/>
+          </a:effectRef>
+          <a:fontRef idx="minor">
+            <a:schemeClr val="lt1"/>
+          </a:fontRef>
+        </p:style>
+        <p:txBody>
+          <a:bodyPr rtlCol="0" anchor="ctr"/>
+          <a:lstStyle/>
+          <a:p>
+            <a:pPr algn="ctr"/>
+            <a:endParaRPr lang="zh-CN" altLang="en-US"/>
+          </a:p>
+        </p:txBody>
+      </p:sp>
+      <p:sp>
+        <p:nvSpPr>
+          <p:cNvPr id="4" name="圆角矩形 3"/>
+          <p:cNvSpPr/>
+          <p:nvPr/>
+        </p:nvSpPr>
+        <p:spPr>
+          <a:xfrm>
+            <a:off x="2423886" y="4818743"/>
+            <a:ext cx="7228114" cy="841828"/>
+          </a:xfrm>
+          <a:prstGeom prst="roundRect">
+            <a:avLst/>
+          </a:prstGeom>
+          <a:gradFill>
+            <a:gsLst>
+              <a:gs pos="0">
+                <a:schemeClr val="accent5">
+                  <a:lumMod val="20000"/>
+                  <a:lumOff val="80000"/>
+                </a:schemeClr>
+              </a:gs>
+              <a:gs pos="100000">
+                <a:schemeClr val="accent5">
+                  <a:lumMod val="50000"/>
+                </a:schemeClr>
+              </a:gs>
+            </a:gsLst>
+            <a:lin ang="5400000" scaled="1"/>
+          </a:gradFill>
+        </p:spPr>
+        <p:style>
+          <a:lnRef idx="2">
+            <a:schemeClr val="accent1">
+              <a:shade val="50000"/>
+            </a:schemeClr>
+          </a:lnRef>
+          <a:fillRef idx="1">
+            <a:schemeClr val="accent1"/>
+          </a:fillRef>
+          <a:effectRef idx="0">
+            <a:schemeClr val="accent1"/>
+          </a:effectRef>
+          <a:fontRef idx="minor">
+            <a:schemeClr val="lt1"/>
+          </a:fontRef>
+        </p:style>
+        <p:txBody>
+          <a:bodyPr rtlCol="0" anchor="ctr"/>
+          <a:lstStyle/>
+          <a:p>
+            <a:pPr algn="ctr"/>
+            <a:endParaRPr lang="zh-CN" altLang="en-US"/>
+          </a:p>
+        </p:txBody>
+      </p:sp>
+      <p:sp>
+        <p:nvSpPr>
+          <p:cNvPr id="5" name="文本框 4"/>
+          <p:cNvSpPr txBox="1"/>
+          <p:nvPr/>
+        </p:nvSpPr>
+        <p:spPr>
+          <a:xfrm>
+            <a:off x="5007498" y="5008824"/>
+            <a:ext cx="2060889" cy="523220"/>
+          </a:xfrm>
+          <a:prstGeom prst="rect">
+            <a:avLst/>
+          </a:prstGeom>
+          <a:noFill/>
+        </p:spPr>
+        <p:txBody>
+          <a:bodyPr wrap="square" rtlCol="0">
+            <a:spAutoFit/>
+          </a:bodyPr>
+          <a:lstStyle/>
+          <a:p>
+            <a:pPr algn="ctr"/>
+            <a:r>
+              <a:rPr lang="en-US" altLang="zh-CN" sz="1400" dirty="0" err="1" smtClean="0">
+                <a:latin typeface="Consolas" panose="020B0609020204030204" pitchFamily="49" charset="0"/>
+                <a:cs typeface="Consolas" panose="020B0609020204030204" pitchFamily="49" charset="0"/>
+              </a:rPr>
+              <a:t>HDFS</a:t>
+            </a:r>
+            <a:endParaRPr lang="en-US" altLang="zh-CN" sz="1400" dirty="0" smtClean="0">
+              <a:latin typeface="Consolas" panose="020B0609020204030204" pitchFamily="49" charset="0"/>
+              <a:cs typeface="Consolas" panose="020B0609020204030204" pitchFamily="49" charset="0"/>
+            </a:endParaRPr>
+          </a:p>
+          <a:p>
+            <a:pPr algn="ctr"/>
+            <a:r>
+              <a:rPr lang="zh-CN" altLang="en-US" sz="1400" dirty="0" smtClean="0">
+                <a:latin typeface="Consolas" panose="020B0609020204030204" pitchFamily="49" charset="0"/>
+                <a:cs typeface="Consolas" panose="020B0609020204030204" pitchFamily="49" charset="0"/>
+              </a:rPr>
+              <a:t>分布式文件系统</a:t>
+            </a:r>
+            <a:endParaRPr lang="en-US" altLang="zh-CN" sz="1400" dirty="0" smtClean="0">
+              <a:latin typeface="Consolas" panose="020B0609020204030204" pitchFamily="49" charset="0"/>
+              <a:cs typeface="Consolas" panose="020B0609020204030204" pitchFamily="49" charset="0"/>
+            </a:endParaRPr>
+          </a:p>
+        </p:txBody>
+      </p:sp>
+      <p:sp>
+        <p:nvSpPr>
+          <p:cNvPr id="6" name="圆角矩形 5"/>
+          <p:cNvSpPr/>
+          <p:nvPr/>
+        </p:nvSpPr>
+        <p:spPr>
+          <a:xfrm>
+            <a:off x="2423886" y="3920958"/>
+            <a:ext cx="7228114" cy="841828"/>
+          </a:xfrm>
+          <a:prstGeom prst="roundRect">
+            <a:avLst/>
+          </a:prstGeom>
+          <a:gradFill>
+            <a:gsLst>
+              <a:gs pos="0">
+                <a:schemeClr val="accent6">
+                  <a:lumMod val="20000"/>
+                  <a:lumOff val="80000"/>
+                </a:schemeClr>
+              </a:gs>
+              <a:gs pos="100000">
+                <a:schemeClr val="accent6">
+                  <a:lumMod val="75000"/>
+                </a:schemeClr>
+              </a:gs>
+            </a:gsLst>
+            <a:lin ang="5400000" scaled="1"/>
+          </a:gradFill>
+        </p:spPr>
+        <p:style>
+          <a:lnRef idx="2">
+            <a:schemeClr val="accent1">
+              <a:shade val="50000"/>
+            </a:schemeClr>
+          </a:lnRef>
+          <a:fillRef idx="1">
+            <a:schemeClr val="accent1"/>
+          </a:fillRef>
+          <a:effectRef idx="0">
+            <a:schemeClr val="accent1"/>
+          </a:effectRef>
+          <a:fontRef idx="minor">
+            <a:schemeClr val="lt1"/>
+          </a:fontRef>
+        </p:style>
+        <p:txBody>
+          <a:bodyPr rtlCol="0" anchor="ctr"/>
+          <a:lstStyle/>
+          <a:p>
+            <a:pPr algn="ctr"/>
+            <a:endParaRPr lang="zh-CN" altLang="en-US"/>
+          </a:p>
+        </p:txBody>
+      </p:sp>
+      <p:sp>
+        <p:nvSpPr>
+          <p:cNvPr id="7" name="文本框 6"/>
+          <p:cNvSpPr txBox="1"/>
+          <p:nvPr/>
+        </p:nvSpPr>
+        <p:spPr>
+          <a:xfrm>
+            <a:off x="5007497" y="4042220"/>
+            <a:ext cx="2060889" cy="523220"/>
+          </a:xfrm>
+          <a:prstGeom prst="rect">
+            <a:avLst/>
+          </a:prstGeom>
+          <a:noFill/>
+        </p:spPr>
+        <p:txBody>
+          <a:bodyPr wrap="square" rtlCol="0">
+            <a:spAutoFit/>
+          </a:bodyPr>
+          <a:lstStyle/>
+          <a:p>
+            <a:pPr algn="ctr"/>
+            <a:r>
+              <a:rPr lang="en-US" altLang="zh-CN" sz="1400" dirty="0" smtClean="0">
+                <a:latin typeface="Consolas" panose="020B0609020204030204" pitchFamily="49" charset="0"/>
+                <a:cs typeface="Consolas" panose="020B0609020204030204" pitchFamily="49" charset="0"/>
+              </a:rPr>
+              <a:t>YARN</a:t>
+            </a:r>
+          </a:p>
+          <a:p>
+            <a:pPr algn="ctr"/>
+            <a:r>
+              <a:rPr lang="zh-CN" altLang="en-US" sz="1400" dirty="0" smtClean="0">
+                <a:latin typeface="Consolas" panose="020B0609020204030204" pitchFamily="49" charset="0"/>
+                <a:cs typeface="Consolas" panose="020B0609020204030204" pitchFamily="49" charset="0"/>
+              </a:rPr>
+              <a:t>集群资源管理系统</a:t>
+            </a:r>
+            <a:endParaRPr lang="en-US" altLang="zh-CN" sz="1400" dirty="0" smtClean="0">
+              <a:latin typeface="Consolas" panose="020B0609020204030204" pitchFamily="49" charset="0"/>
+              <a:cs typeface="Consolas" panose="020B0609020204030204" pitchFamily="49" charset="0"/>
+            </a:endParaRPr>
+          </a:p>
+        </p:txBody>
+      </p:sp>
+      <p:sp>
+        <p:nvSpPr>
+          <p:cNvPr id="8" name="圆角矩形 7"/>
+          <p:cNvSpPr/>
+          <p:nvPr/>
+        </p:nvSpPr>
+        <p:spPr>
+          <a:xfrm>
+            <a:off x="5007496" y="3008659"/>
+            <a:ext cx="4644501" cy="841828"/>
+          </a:xfrm>
+          <a:prstGeom prst="roundRect">
+            <a:avLst/>
+          </a:prstGeom>
+          <a:gradFill>
+            <a:gsLst>
+              <a:gs pos="0">
+                <a:schemeClr val="accent4">
+                  <a:lumMod val="20000"/>
+                  <a:lumOff val="80000"/>
+                </a:schemeClr>
+              </a:gs>
+              <a:gs pos="100000">
+                <a:schemeClr val="accent4">
+                  <a:lumMod val="50000"/>
+                </a:schemeClr>
+              </a:gs>
+            </a:gsLst>
+            <a:lin ang="5400000" scaled="1"/>
+          </a:gradFill>
+        </p:spPr>
+        <p:style>
+          <a:lnRef idx="2">
+            <a:schemeClr val="accent1">
+              <a:shade val="50000"/>
+            </a:schemeClr>
+          </a:lnRef>
+          <a:fillRef idx="1">
+            <a:schemeClr val="accent1"/>
+          </a:fillRef>
+          <a:effectRef idx="0">
+            <a:schemeClr val="accent1"/>
+          </a:effectRef>
+          <a:fontRef idx="minor">
+            <a:schemeClr val="lt1"/>
+          </a:fontRef>
+        </p:style>
+        <p:txBody>
+          <a:bodyPr rtlCol="0" anchor="ctr"/>
+          <a:lstStyle/>
+          <a:p>
+            <a:pPr algn="ctr"/>
+            <a:endParaRPr lang="zh-CN" altLang="en-US"/>
+          </a:p>
+        </p:txBody>
+      </p:sp>
+      <p:sp>
+        <p:nvSpPr>
+          <p:cNvPr id="9" name="文本框 8"/>
+          <p:cNvSpPr txBox="1"/>
+          <p:nvPr/>
+        </p:nvSpPr>
+        <p:spPr>
+          <a:xfrm>
+            <a:off x="6299301" y="3162350"/>
+            <a:ext cx="2060889" cy="523220"/>
+          </a:xfrm>
+          <a:prstGeom prst="rect">
+            <a:avLst/>
+          </a:prstGeom>
+          <a:noFill/>
+        </p:spPr>
+        <p:txBody>
+          <a:bodyPr wrap="square" rtlCol="0">
+            <a:spAutoFit/>
+          </a:bodyPr>
+          <a:lstStyle/>
+          <a:p>
+            <a:pPr algn="ctr"/>
+            <a:r>
+              <a:rPr lang="en-US" altLang="zh-CN" sz="1400" dirty="0" err="1" smtClean="0">
+                <a:latin typeface="Consolas" panose="020B0609020204030204" pitchFamily="49" charset="0"/>
+                <a:cs typeface="Consolas" panose="020B0609020204030204" pitchFamily="49" charset="0"/>
+              </a:rPr>
+              <a:t>MapReduce</a:t>
+            </a:r>
+            <a:endParaRPr lang="en-US" altLang="zh-CN" sz="1400" dirty="0" smtClean="0">
+              <a:latin typeface="Consolas" panose="020B0609020204030204" pitchFamily="49" charset="0"/>
+              <a:cs typeface="Consolas" panose="020B0609020204030204" pitchFamily="49" charset="0"/>
+            </a:endParaRPr>
+          </a:p>
+          <a:p>
+            <a:pPr algn="ctr"/>
+            <a:r>
+              <a:rPr lang="zh-CN" altLang="en-US" sz="1400" dirty="0" smtClean="0">
+                <a:latin typeface="Consolas" panose="020B0609020204030204" pitchFamily="49" charset="0"/>
+                <a:cs typeface="Consolas" panose="020B0609020204030204" pitchFamily="49" charset="0"/>
+              </a:rPr>
+              <a:t>分布式计算框架</a:t>
+            </a:r>
+            <a:endParaRPr lang="en-US" altLang="zh-CN" sz="1400" dirty="0" smtClean="0">
+              <a:latin typeface="Consolas" panose="020B0609020204030204" pitchFamily="49" charset="0"/>
+              <a:cs typeface="Consolas" panose="020B0609020204030204" pitchFamily="49" charset="0"/>
+            </a:endParaRPr>
+          </a:p>
+        </p:txBody>
+      </p:sp>
+      <p:sp>
+        <p:nvSpPr>
+          <p:cNvPr id="10" name="圆角矩形 9"/>
+          <p:cNvSpPr/>
+          <p:nvPr/>
+        </p:nvSpPr>
+        <p:spPr>
+          <a:xfrm>
+            <a:off x="2423886" y="3003046"/>
+            <a:ext cx="2481944" cy="841828"/>
+          </a:xfrm>
+          <a:prstGeom prst="roundRect">
+            <a:avLst/>
+          </a:prstGeom>
+          <a:gradFill>
+            <a:gsLst>
+              <a:gs pos="0">
+                <a:schemeClr val="accent2">
+                  <a:lumMod val="20000"/>
+                  <a:lumOff val="80000"/>
+                </a:schemeClr>
+              </a:gs>
+              <a:gs pos="100000">
+                <a:schemeClr val="accent2">
+                  <a:lumMod val="50000"/>
+                </a:schemeClr>
+              </a:gs>
+            </a:gsLst>
+            <a:lin ang="5400000" scaled="1"/>
+          </a:gradFill>
+        </p:spPr>
+        <p:style>
+          <a:lnRef idx="2">
+            <a:schemeClr val="accent1">
+              <a:shade val="50000"/>
+            </a:schemeClr>
+          </a:lnRef>
+          <a:fillRef idx="1">
+            <a:schemeClr val="accent1"/>
+          </a:fillRef>
+          <a:effectRef idx="0">
+            <a:schemeClr val="accent1"/>
+          </a:effectRef>
+          <a:fontRef idx="minor">
+            <a:schemeClr val="lt1"/>
+          </a:fontRef>
+        </p:style>
+        <p:txBody>
+          <a:bodyPr rtlCol="0" anchor="ctr"/>
+          <a:lstStyle/>
+          <a:p>
+            <a:pPr algn="ctr"/>
+            <a:endParaRPr lang="zh-CN" altLang="en-US"/>
+          </a:p>
+        </p:txBody>
+      </p:sp>
+      <p:sp>
+        <p:nvSpPr>
+          <p:cNvPr id="11" name="文本框 10"/>
+          <p:cNvSpPr txBox="1"/>
+          <p:nvPr/>
+        </p:nvSpPr>
+        <p:spPr>
+          <a:xfrm>
+            <a:off x="2634413" y="3166672"/>
+            <a:ext cx="2060889" cy="523220"/>
+          </a:xfrm>
+          <a:prstGeom prst="rect">
+            <a:avLst/>
+          </a:prstGeom>
+          <a:noFill/>
+        </p:spPr>
+        <p:txBody>
+          <a:bodyPr wrap="square" rtlCol="0">
+            <a:spAutoFit/>
+          </a:bodyPr>
+          <a:lstStyle/>
+          <a:p>
+            <a:pPr algn="ctr"/>
+            <a:r>
+              <a:rPr lang="en-US" altLang="zh-CN" sz="1400" dirty="0" smtClean="0">
+                <a:latin typeface="Consolas" panose="020B0609020204030204" pitchFamily="49" charset="0"/>
+                <a:cs typeface="Consolas" panose="020B0609020204030204" pitchFamily="49" charset="0"/>
+              </a:rPr>
+              <a:t>Spark</a:t>
+            </a:r>
+            <a:r>
+              <a:rPr lang="en-US" altLang="zh-CN" sz="1400" dirty="0">
+                <a:latin typeface="Consolas" panose="020B0609020204030204" pitchFamily="49" charset="0"/>
+                <a:cs typeface="Consolas" panose="020B0609020204030204" pitchFamily="49" charset="0"/>
+              </a:rPr>
+              <a:t> </a:t>
+            </a:r>
+            <a:r>
+              <a:rPr lang="en-US" altLang="zh-CN" sz="1400" dirty="0" smtClean="0">
+                <a:latin typeface="Consolas" panose="020B0609020204030204" pitchFamily="49" charset="0"/>
+                <a:cs typeface="Consolas" panose="020B0609020204030204" pitchFamily="49" charset="0"/>
+              </a:rPr>
+              <a:t>Core</a:t>
+            </a:r>
+          </a:p>
+          <a:p>
+            <a:pPr algn="ctr"/>
+            <a:r>
+              <a:rPr lang="zh-CN" altLang="en-US" sz="1400" dirty="0" smtClean="0">
+                <a:latin typeface="Consolas" panose="020B0609020204030204" pitchFamily="49" charset="0"/>
+                <a:cs typeface="Consolas" panose="020B0609020204030204" pitchFamily="49" charset="0"/>
+              </a:rPr>
+              <a:t>分布式内存计算框架</a:t>
+            </a:r>
+            <a:endParaRPr lang="en-US" altLang="zh-CN" sz="1400" dirty="0" smtClean="0">
+              <a:latin typeface="Consolas" panose="020B0609020204030204" pitchFamily="49" charset="0"/>
+              <a:cs typeface="Consolas" panose="020B0609020204030204" pitchFamily="49" charset="0"/>
+            </a:endParaRPr>
+          </a:p>
+        </p:txBody>
+      </p:sp>
+      <p:sp>
+        <p:nvSpPr>
+          <p:cNvPr id="12" name="圆角矩形 11"/>
+          <p:cNvSpPr/>
+          <p:nvPr/>
+        </p:nvSpPr>
+        <p:spPr>
+          <a:xfrm>
+            <a:off x="2423886" y="2117676"/>
+            <a:ext cx="1255346" cy="841828"/>
+          </a:xfrm>
+          <a:prstGeom prst="roundRect">
+            <a:avLst/>
+          </a:prstGeom>
+          <a:gradFill>
+            <a:gsLst>
+              <a:gs pos="0">
+                <a:schemeClr val="accent2">
+                  <a:lumMod val="20000"/>
+                  <a:lumOff val="80000"/>
+                </a:schemeClr>
+              </a:gs>
+              <a:gs pos="100000">
+                <a:schemeClr val="accent2">
+                  <a:lumMod val="50000"/>
+                </a:schemeClr>
+              </a:gs>
+            </a:gsLst>
+            <a:lin ang="5400000" scaled="1"/>
+          </a:gradFill>
+        </p:spPr>
+        <p:style>
+          <a:lnRef idx="2">
+            <a:schemeClr val="accent1">
+              <a:shade val="50000"/>
+            </a:schemeClr>
+          </a:lnRef>
+          <a:fillRef idx="1">
+            <a:schemeClr val="accent1"/>
+          </a:fillRef>
+          <a:effectRef idx="0">
+            <a:schemeClr val="accent1"/>
+          </a:effectRef>
+          <a:fontRef idx="minor">
+            <a:schemeClr val="lt1"/>
+          </a:fontRef>
+        </p:style>
+        <p:txBody>
+          <a:bodyPr rtlCol="0" anchor="ctr"/>
+          <a:lstStyle/>
+          <a:p>
+            <a:pPr algn="ctr"/>
+            <a:endParaRPr lang="zh-CN" altLang="en-US"/>
+          </a:p>
+        </p:txBody>
+      </p:sp>
+      <p:sp>
+        <p:nvSpPr>
+          <p:cNvPr id="16" name="文本框 15"/>
+          <p:cNvSpPr txBox="1"/>
+          <p:nvPr/>
+        </p:nvSpPr>
+        <p:spPr>
+          <a:xfrm>
+            <a:off x="2365861" y="2300029"/>
+            <a:ext cx="1277189" cy="523220"/>
+          </a:xfrm>
+          <a:prstGeom prst="rect">
+            <a:avLst/>
+          </a:prstGeom>
+          <a:noFill/>
+        </p:spPr>
+        <p:txBody>
+          <a:bodyPr wrap="square" rtlCol="0">
+            <a:spAutoFit/>
+          </a:bodyPr>
+          <a:lstStyle/>
+          <a:p>
+            <a:pPr algn="ctr"/>
+            <a:r>
+              <a:rPr lang="en-US" altLang="zh-CN" sz="1400" dirty="0" smtClean="0">
+                <a:latin typeface="Consolas" panose="020B0609020204030204" pitchFamily="49" charset="0"/>
+                <a:cs typeface="Consolas" panose="020B0609020204030204" pitchFamily="49" charset="0"/>
+              </a:rPr>
+              <a:t>Spark SQL</a:t>
+            </a:r>
+          </a:p>
+          <a:p>
+            <a:pPr algn="ctr"/>
+            <a:r>
+              <a:rPr lang="zh-CN" altLang="en-US" sz="1400" dirty="0" smtClean="0">
+                <a:latin typeface="Consolas" panose="020B0609020204030204" pitchFamily="49" charset="0"/>
+                <a:cs typeface="Consolas" panose="020B0609020204030204" pitchFamily="49" charset="0"/>
+              </a:rPr>
+              <a:t>结构化数据</a:t>
+            </a:r>
+            <a:endParaRPr lang="en-US" altLang="zh-CN" sz="1400" dirty="0" smtClean="0">
+              <a:latin typeface="Consolas" panose="020B0609020204030204" pitchFamily="49" charset="0"/>
+              <a:cs typeface="Consolas" panose="020B0609020204030204" pitchFamily="49" charset="0"/>
+            </a:endParaRPr>
+          </a:p>
+        </p:txBody>
+      </p:sp>
+      <p:sp>
+        <p:nvSpPr>
+          <p:cNvPr id="17" name="圆角矩形 16"/>
+          <p:cNvSpPr/>
+          <p:nvPr/>
+        </p:nvSpPr>
+        <p:spPr>
+          <a:xfrm>
+            <a:off x="3737257" y="2117676"/>
+            <a:ext cx="1161141" cy="841828"/>
+          </a:xfrm>
+          <a:prstGeom prst="roundRect">
+            <a:avLst/>
+          </a:prstGeom>
+          <a:gradFill>
+            <a:gsLst>
+              <a:gs pos="0">
+                <a:schemeClr val="accent2">
+                  <a:lumMod val="20000"/>
+                  <a:lumOff val="80000"/>
+                </a:schemeClr>
+              </a:gs>
+              <a:gs pos="100000">
+                <a:schemeClr val="accent2">
+                  <a:lumMod val="50000"/>
+                </a:schemeClr>
+              </a:gs>
+            </a:gsLst>
+            <a:lin ang="5400000" scaled="1"/>
+          </a:gradFill>
+        </p:spPr>
+        <p:style>
+          <a:lnRef idx="2">
+            <a:schemeClr val="accent1">
+              <a:shade val="50000"/>
+            </a:schemeClr>
+          </a:lnRef>
+          <a:fillRef idx="1">
+            <a:schemeClr val="accent1"/>
+          </a:fillRef>
+          <a:effectRef idx="0">
+            <a:schemeClr val="accent1"/>
+          </a:effectRef>
+          <a:fontRef idx="minor">
+            <a:schemeClr val="lt1"/>
+          </a:fontRef>
+        </p:style>
+        <p:txBody>
+          <a:bodyPr rtlCol="0" anchor="ctr"/>
+          <a:lstStyle/>
+          <a:p>
+            <a:pPr algn="ctr"/>
+            <a:endParaRPr lang="zh-CN" altLang="en-US"/>
+          </a:p>
+        </p:txBody>
+      </p:sp>
+      <p:sp>
+        <p:nvSpPr>
+          <p:cNvPr id="18" name="文本框 17"/>
+          <p:cNvSpPr txBox="1"/>
+          <p:nvPr/>
+        </p:nvSpPr>
+        <p:spPr>
+          <a:xfrm>
+            <a:off x="3679234" y="2164479"/>
+            <a:ext cx="1277189" cy="738664"/>
+          </a:xfrm>
+          <a:prstGeom prst="rect">
+            <a:avLst/>
+          </a:prstGeom>
+          <a:noFill/>
+        </p:spPr>
+        <p:txBody>
+          <a:bodyPr wrap="square" rtlCol="0">
+            <a:spAutoFit/>
+          </a:bodyPr>
+          <a:lstStyle/>
+          <a:p>
+            <a:pPr algn="ctr"/>
+            <a:r>
+              <a:rPr lang="en-US" altLang="zh-CN" sz="1400" dirty="0" smtClean="0">
+                <a:latin typeface="Consolas" panose="020B0609020204030204" pitchFamily="49" charset="0"/>
+                <a:cs typeface="Consolas" panose="020B0609020204030204" pitchFamily="49" charset="0"/>
+              </a:rPr>
+              <a:t>Spark Streaming</a:t>
+            </a:r>
+          </a:p>
+          <a:p>
+            <a:pPr algn="ctr"/>
+            <a:r>
+              <a:rPr lang="zh-CN" altLang="en-US" sz="1400" dirty="0">
+                <a:latin typeface="Consolas" panose="020B0609020204030204" pitchFamily="49" charset="0"/>
+                <a:cs typeface="Consolas" panose="020B0609020204030204" pitchFamily="49" charset="0"/>
+              </a:rPr>
+              <a:t>流数据</a:t>
+            </a:r>
+            <a:endParaRPr lang="en-US" altLang="zh-CN" sz="1400" dirty="0" smtClean="0">
+              <a:latin typeface="Consolas" panose="020B0609020204030204" pitchFamily="49" charset="0"/>
+              <a:cs typeface="Consolas" panose="020B0609020204030204" pitchFamily="49" charset="0"/>
+            </a:endParaRPr>
+          </a:p>
+        </p:txBody>
+      </p:sp>
+      <p:sp>
+        <p:nvSpPr>
+          <p:cNvPr id="19" name="圆角矩形 18"/>
+          <p:cNvSpPr/>
+          <p:nvPr/>
+        </p:nvSpPr>
+        <p:spPr>
+          <a:xfrm>
+            <a:off x="5014446" y="2117676"/>
+            <a:ext cx="1640117" cy="841828"/>
+          </a:xfrm>
+          <a:prstGeom prst="roundRect">
+            <a:avLst/>
+          </a:prstGeom>
+          <a:gradFill>
+            <a:gsLst>
+              <a:gs pos="0">
+                <a:schemeClr val="accent4">
+                  <a:lumMod val="20000"/>
+                  <a:lumOff val="80000"/>
+                </a:schemeClr>
+              </a:gs>
+              <a:gs pos="100000">
+                <a:schemeClr val="accent4">
+                  <a:lumMod val="50000"/>
+                </a:schemeClr>
+              </a:gs>
+            </a:gsLst>
+            <a:lin ang="5400000" scaled="1"/>
+          </a:gradFill>
+        </p:spPr>
+        <p:style>
+          <a:lnRef idx="2">
+            <a:schemeClr val="accent1">
+              <a:shade val="50000"/>
+            </a:schemeClr>
+          </a:lnRef>
+          <a:fillRef idx="1">
+            <a:schemeClr val="accent1"/>
+          </a:fillRef>
+          <a:effectRef idx="0">
+            <a:schemeClr val="accent1"/>
+          </a:effectRef>
+          <a:fontRef idx="minor">
+            <a:schemeClr val="lt1"/>
+          </a:fontRef>
+        </p:style>
+        <p:txBody>
+          <a:bodyPr rtlCol="0" anchor="ctr"/>
+          <a:lstStyle/>
+          <a:p>
+            <a:pPr algn="ctr"/>
+            <a:endParaRPr lang="zh-CN" altLang="en-US"/>
+          </a:p>
+        </p:txBody>
+      </p:sp>
+      <p:sp>
+        <p:nvSpPr>
+          <p:cNvPr id="20" name="文本框 19"/>
+          <p:cNvSpPr txBox="1"/>
+          <p:nvPr/>
+        </p:nvSpPr>
+        <p:spPr>
+          <a:xfrm>
+            <a:off x="5272109" y="2273347"/>
+            <a:ext cx="1124790" cy="523220"/>
+          </a:xfrm>
+          <a:prstGeom prst="rect">
+            <a:avLst/>
+          </a:prstGeom>
+          <a:noFill/>
+        </p:spPr>
+        <p:txBody>
+          <a:bodyPr wrap="square" rtlCol="0">
+            <a:spAutoFit/>
+          </a:bodyPr>
+          <a:lstStyle/>
+          <a:p>
+            <a:pPr algn="ctr"/>
+            <a:r>
+              <a:rPr lang="en-US" altLang="zh-CN" sz="1400" dirty="0" smtClean="0">
+                <a:latin typeface="Consolas" panose="020B0609020204030204" pitchFamily="49" charset="0"/>
+                <a:cs typeface="Consolas" panose="020B0609020204030204" pitchFamily="49" charset="0"/>
+              </a:rPr>
+              <a:t>Hive</a:t>
+            </a:r>
+          </a:p>
+          <a:p>
+            <a:pPr algn="ctr"/>
+            <a:r>
+              <a:rPr lang="zh-CN" altLang="en-US" sz="1400" dirty="0" smtClean="0">
+                <a:latin typeface="Consolas" panose="020B0609020204030204" pitchFamily="49" charset="0"/>
+                <a:cs typeface="Consolas" panose="020B0609020204030204" pitchFamily="49" charset="0"/>
+              </a:rPr>
+              <a:t>数据仓库</a:t>
+            </a:r>
+            <a:endParaRPr lang="en-US" altLang="zh-CN" sz="1400" dirty="0" smtClean="0">
+              <a:latin typeface="Consolas" panose="020B0609020204030204" pitchFamily="49" charset="0"/>
+              <a:cs typeface="Consolas" panose="020B0609020204030204" pitchFamily="49" charset="0"/>
+            </a:endParaRPr>
+          </a:p>
+        </p:txBody>
+      </p:sp>
+      <p:sp>
+        <p:nvSpPr>
+          <p:cNvPr id="21" name="圆角矩形 20"/>
+          <p:cNvSpPr/>
+          <p:nvPr/>
+        </p:nvSpPr>
+        <p:spPr>
+          <a:xfrm>
+            <a:off x="6720073" y="2138853"/>
+            <a:ext cx="1640117" cy="841828"/>
+          </a:xfrm>
+          <a:prstGeom prst="roundRect">
+            <a:avLst/>
+          </a:prstGeom>
+          <a:gradFill>
+            <a:gsLst>
+              <a:gs pos="0">
+                <a:schemeClr val="accent4">
+                  <a:lumMod val="20000"/>
+                  <a:lumOff val="80000"/>
+                </a:schemeClr>
+              </a:gs>
+              <a:gs pos="100000">
+                <a:schemeClr val="accent4">
+                  <a:lumMod val="50000"/>
+                </a:schemeClr>
+              </a:gs>
+            </a:gsLst>
+            <a:lin ang="5400000" scaled="1"/>
+          </a:gradFill>
+        </p:spPr>
+        <p:style>
+          <a:lnRef idx="2">
+            <a:schemeClr val="accent1">
+              <a:shade val="50000"/>
+            </a:schemeClr>
+          </a:lnRef>
+          <a:fillRef idx="1">
+            <a:schemeClr val="accent1"/>
+          </a:fillRef>
+          <a:effectRef idx="0">
+            <a:schemeClr val="accent1"/>
+          </a:effectRef>
+          <a:fontRef idx="minor">
+            <a:schemeClr val="lt1"/>
+          </a:fontRef>
+        </p:style>
+        <p:txBody>
+          <a:bodyPr rtlCol="0" anchor="ctr"/>
+          <a:lstStyle/>
+          <a:p>
+            <a:pPr algn="ctr"/>
+            <a:endParaRPr lang="zh-CN" altLang="en-US"/>
+          </a:p>
+        </p:txBody>
+      </p:sp>
+      <p:sp>
+        <p:nvSpPr>
+          <p:cNvPr id="22" name="文本框 21"/>
+          <p:cNvSpPr txBox="1"/>
+          <p:nvPr/>
+        </p:nvSpPr>
+        <p:spPr>
+          <a:xfrm>
+            <a:off x="6912226" y="2363474"/>
+            <a:ext cx="1124790" cy="307777"/>
+          </a:xfrm>
+          <a:prstGeom prst="rect">
+            <a:avLst/>
+          </a:prstGeom>
+          <a:noFill/>
+        </p:spPr>
+        <p:txBody>
+          <a:bodyPr wrap="square" rtlCol="0">
+            <a:spAutoFit/>
+          </a:bodyPr>
+          <a:lstStyle/>
+          <a:p>
+            <a:pPr algn="ctr"/>
+            <a:r>
+              <a:rPr lang="en-US" altLang="zh-CN" sz="1400" dirty="0" smtClean="0">
+                <a:latin typeface="Consolas" panose="020B0609020204030204" pitchFamily="49" charset="0"/>
+                <a:cs typeface="Consolas" panose="020B0609020204030204" pitchFamily="49" charset="0"/>
+              </a:rPr>
+              <a:t>...</a:t>
+            </a:r>
+          </a:p>
+        </p:txBody>
+      </p:sp>
+      <p:sp>
+        <p:nvSpPr>
+          <p:cNvPr id="23" name="圆角矩形 22"/>
+          <p:cNvSpPr/>
+          <p:nvPr/>
+        </p:nvSpPr>
+        <p:spPr>
+          <a:xfrm rot="16200000">
+            <a:off x="139175" y="3469841"/>
+            <a:ext cx="3546158" cy="841828"/>
+          </a:xfrm>
+          <a:prstGeom prst="roundRect">
+            <a:avLst/>
+          </a:prstGeom>
+          <a:gradFill>
+            <a:gsLst>
+              <a:gs pos="0">
+                <a:schemeClr val="accent3">
+                  <a:lumMod val="20000"/>
+                  <a:lumOff val="80000"/>
+                </a:schemeClr>
+              </a:gs>
+              <a:gs pos="100000">
+                <a:schemeClr val="accent3">
+                  <a:lumMod val="50000"/>
+                </a:schemeClr>
+              </a:gs>
+            </a:gsLst>
+            <a:lin ang="5400000" scaled="1"/>
+          </a:gradFill>
+        </p:spPr>
+        <p:style>
+          <a:lnRef idx="2">
+            <a:schemeClr val="accent1">
+              <a:shade val="50000"/>
+            </a:schemeClr>
+          </a:lnRef>
+          <a:fillRef idx="1">
+            <a:schemeClr val="accent1"/>
+          </a:fillRef>
+          <a:effectRef idx="0">
+            <a:schemeClr val="accent1"/>
+          </a:effectRef>
+          <a:fontRef idx="minor">
+            <a:schemeClr val="lt1"/>
+          </a:fontRef>
+        </p:style>
+        <p:txBody>
+          <a:bodyPr rtlCol="0" anchor="ctr"/>
+          <a:lstStyle/>
+          <a:p>
+            <a:pPr algn="ctr"/>
+            <a:endParaRPr lang="zh-CN" altLang="en-US"/>
+          </a:p>
+        </p:txBody>
+      </p:sp>
+      <p:sp>
+        <p:nvSpPr>
+          <p:cNvPr id="24" name="文本框 23"/>
+          <p:cNvSpPr txBox="1"/>
+          <p:nvPr/>
+        </p:nvSpPr>
+        <p:spPr>
+          <a:xfrm>
+            <a:off x="1400623" y="3582978"/>
+            <a:ext cx="972530" cy="523220"/>
+          </a:xfrm>
+          <a:prstGeom prst="rect">
+            <a:avLst/>
+          </a:prstGeom>
+          <a:noFill/>
+        </p:spPr>
+        <p:txBody>
+          <a:bodyPr wrap="square" rtlCol="0">
+            <a:spAutoFit/>
+          </a:bodyPr>
+          <a:lstStyle/>
+          <a:p>
+            <a:pPr algn="ctr"/>
+            <a:r>
+              <a:rPr lang="en-US" altLang="zh-CN" sz="1400" dirty="0" err="1" smtClean="0">
+                <a:latin typeface="Consolas" panose="020B0609020204030204" pitchFamily="49" charset="0"/>
+                <a:cs typeface="Consolas" panose="020B0609020204030204" pitchFamily="49" charset="0"/>
+              </a:rPr>
+              <a:t>Oozie</a:t>
+            </a:r>
+            <a:endParaRPr lang="en-US" altLang="zh-CN" sz="1400" dirty="0" smtClean="0">
+              <a:latin typeface="Consolas" panose="020B0609020204030204" pitchFamily="49" charset="0"/>
+              <a:cs typeface="Consolas" panose="020B0609020204030204" pitchFamily="49" charset="0"/>
+            </a:endParaRPr>
+          </a:p>
+          <a:p>
+            <a:pPr algn="ctr"/>
+            <a:r>
+              <a:rPr lang="zh-CN" altLang="en-US" sz="1400" dirty="0" smtClean="0">
+                <a:latin typeface="Consolas" panose="020B0609020204030204" pitchFamily="49" charset="0"/>
+                <a:cs typeface="Consolas" panose="020B0609020204030204" pitchFamily="49" charset="0"/>
+              </a:rPr>
+              <a:t>作业调度</a:t>
+            </a:r>
+            <a:endParaRPr lang="en-US" altLang="zh-CN" sz="1400" dirty="0" smtClean="0">
+              <a:latin typeface="Consolas" panose="020B0609020204030204" pitchFamily="49" charset="0"/>
+              <a:cs typeface="Consolas" panose="020B0609020204030204" pitchFamily="49" charset="0"/>
+            </a:endParaRPr>
+          </a:p>
+        </p:txBody>
+      </p:sp>
+      <p:sp>
+        <p:nvSpPr>
+          <p:cNvPr id="25" name="文本框 24"/>
+          <p:cNvSpPr txBox="1"/>
+          <p:nvPr/>
+        </p:nvSpPr>
+        <p:spPr>
+          <a:xfrm>
+            <a:off x="10484229" y="147868"/>
+            <a:ext cx="1498301" cy="954107"/>
+          </a:xfrm>
+          <a:prstGeom prst="rect">
+            <a:avLst/>
+          </a:prstGeom>
+          <a:noFill/>
+        </p:spPr>
+        <p:txBody>
+          <a:bodyPr wrap="square" rtlCol="0">
+            <a:spAutoFit/>
+          </a:bodyPr>
+          <a:lstStyle/>
+          <a:p>
+            <a:pPr algn="ctr"/>
+            <a:r>
+              <a:rPr lang="zh-CN" altLang="en-US" sz="2800" b="1" dirty="0">
+                <a:latin typeface="华文行楷" panose="02010800040101010101" pitchFamily="2" charset="-122"/>
+                <a:ea typeface="华文行楷" panose="02010800040101010101" pitchFamily="2" charset="-122"/>
+              </a:rPr>
+              <a:t>技术</a:t>
+            </a:r>
+            <a:endParaRPr lang="en-US" altLang="zh-CN" sz="2800" b="1" dirty="0" smtClean="0">
+              <a:latin typeface="华文行楷" panose="02010800040101010101" pitchFamily="2" charset="-122"/>
+              <a:ea typeface="华文行楷" panose="02010800040101010101" pitchFamily="2" charset="-122"/>
+            </a:endParaRPr>
+          </a:p>
+          <a:p>
+            <a:pPr algn="ctr"/>
+            <a:r>
+              <a:rPr lang="zh-CN" altLang="en-US" sz="2800" b="1" dirty="0" smtClean="0">
+                <a:latin typeface="华文行楷" panose="02010800040101010101" pitchFamily="2" charset="-122"/>
+                <a:ea typeface="华文行楷" panose="02010800040101010101" pitchFamily="2" charset="-122"/>
+              </a:rPr>
+              <a:t>架构</a:t>
+            </a:r>
+            <a:r>
+              <a:rPr lang="zh-CN" altLang="en-US" sz="2800" b="1" dirty="0" smtClean="0">
+                <a:latin typeface="华文行楷" panose="02010800040101010101" pitchFamily="2" charset="-122"/>
+                <a:ea typeface="华文行楷" panose="02010800040101010101" pitchFamily="2" charset="-122"/>
+              </a:rPr>
+              <a:t>图</a:t>
+            </a:r>
+            <a:endParaRPr lang="en-US" altLang="zh-CN" sz="2800" b="1" dirty="0" smtClean="0">
+              <a:latin typeface="华文行楷" panose="02010800040101010101" pitchFamily="2" charset="-122"/>
+              <a:ea typeface="华文行楷" panose="02010800040101010101" pitchFamily="2" charset="-122"/>
+            </a:endParaRPr>
+          </a:p>
+        </p:txBody>
+      </p:sp>
     </p:spTree>
     <p:extLst>
       <p:ext uri="{BB962C8B-B14F-4D97-AF65-F5344CB8AC3E}">
-        <p14:creationId xmlns:p14="http://schemas.microsoft.com/office/powerpoint/2010/main" val="2430799395"/>
+        <p14:creationId xmlns:p14="http://schemas.microsoft.com/office/powerpoint/2010/main" val="3461869755"/>
       </p:ext>
     </p:extLst>
   </p:cSld>
